--- a/Documents/projectstructureplan.pptx
+++ b/Documents/projectstructureplan.pptx
@@ -6,6 +6,7 @@
   </p:sldMasterIdLst>
   <p:sldIdLst>
     <p:sldId id="256" r:id="rId2"/>
+    <p:sldId id="257" r:id="rId3"/>
   </p:sldIdLst>
   <p:sldSz cx="12192000" cy="6858000"/>
   <p:notesSz cx="6858000" cy="9144000"/>
@@ -104,6 +105,11 @@
       </a:defRPr>
     </a:lvl9pPr>
   </p:defaultTextStyle>
+  <p:extLst>
+    <p:ext uri="{EFAFB233-063F-42B5-8137-9DF3F51BA10A}">
+      <p15:sldGuideLst xmlns:p15="http://schemas.microsoft.com/office/powerpoint/2012/main"/>
+    </p:ext>
+  </p:extLst>
 </p:presentation>
 </file>
 
@@ -256,7 +262,7 @@
           <a:p>
             <a:fld id="{1FD5B0D3-95BA-406C-B500-C3B45FB0BF63}" type="datetimeFigureOut">
               <a:rPr lang="de-AT" smtClean="0"/>
-              <a:t>19.12.2019</a:t>
+              <a:t>09.01.2020</a:t>
             </a:fld>
             <a:endParaRPr lang="de-AT"/>
           </a:p>
@@ -456,7 +462,7 @@
           <a:p>
             <a:fld id="{1FD5B0D3-95BA-406C-B500-C3B45FB0BF63}" type="datetimeFigureOut">
               <a:rPr lang="de-AT" smtClean="0"/>
-              <a:t>19.12.2019</a:t>
+              <a:t>09.01.2020</a:t>
             </a:fld>
             <a:endParaRPr lang="de-AT"/>
           </a:p>
@@ -666,7 +672,7 @@
           <a:p>
             <a:fld id="{1FD5B0D3-95BA-406C-B500-C3B45FB0BF63}" type="datetimeFigureOut">
               <a:rPr lang="de-AT" smtClean="0"/>
-              <a:t>19.12.2019</a:t>
+              <a:t>09.01.2020</a:t>
             </a:fld>
             <a:endParaRPr lang="de-AT"/>
           </a:p>
@@ -866,7 +872,7 @@
           <a:p>
             <a:fld id="{1FD5B0D3-95BA-406C-B500-C3B45FB0BF63}" type="datetimeFigureOut">
               <a:rPr lang="de-AT" smtClean="0"/>
-              <a:t>19.12.2019</a:t>
+              <a:t>09.01.2020</a:t>
             </a:fld>
             <a:endParaRPr lang="de-AT"/>
           </a:p>
@@ -1142,7 +1148,7 @@
           <a:p>
             <a:fld id="{1FD5B0D3-95BA-406C-B500-C3B45FB0BF63}" type="datetimeFigureOut">
               <a:rPr lang="de-AT" smtClean="0"/>
-              <a:t>19.12.2019</a:t>
+              <a:t>09.01.2020</a:t>
             </a:fld>
             <a:endParaRPr lang="de-AT"/>
           </a:p>
@@ -1410,7 +1416,7 @@
           <a:p>
             <a:fld id="{1FD5B0D3-95BA-406C-B500-C3B45FB0BF63}" type="datetimeFigureOut">
               <a:rPr lang="de-AT" smtClean="0"/>
-              <a:t>19.12.2019</a:t>
+              <a:t>09.01.2020</a:t>
             </a:fld>
             <a:endParaRPr lang="de-AT"/>
           </a:p>
@@ -1825,7 +1831,7 @@
           <a:p>
             <a:fld id="{1FD5B0D3-95BA-406C-B500-C3B45FB0BF63}" type="datetimeFigureOut">
               <a:rPr lang="de-AT" smtClean="0"/>
-              <a:t>19.12.2019</a:t>
+              <a:t>09.01.2020</a:t>
             </a:fld>
             <a:endParaRPr lang="de-AT"/>
           </a:p>
@@ -1967,7 +1973,7 @@
           <a:p>
             <a:fld id="{1FD5B0D3-95BA-406C-B500-C3B45FB0BF63}" type="datetimeFigureOut">
               <a:rPr lang="de-AT" smtClean="0"/>
-              <a:t>19.12.2019</a:t>
+              <a:t>09.01.2020</a:t>
             </a:fld>
             <a:endParaRPr lang="de-AT"/>
           </a:p>
@@ -2080,7 +2086,7 @@
           <a:p>
             <a:fld id="{1FD5B0D3-95BA-406C-B500-C3B45FB0BF63}" type="datetimeFigureOut">
               <a:rPr lang="de-AT" smtClean="0"/>
-              <a:t>19.12.2019</a:t>
+              <a:t>09.01.2020</a:t>
             </a:fld>
             <a:endParaRPr lang="de-AT"/>
           </a:p>
@@ -2393,7 +2399,7 @@
           <a:p>
             <a:fld id="{1FD5B0D3-95BA-406C-B500-C3B45FB0BF63}" type="datetimeFigureOut">
               <a:rPr lang="de-AT" smtClean="0"/>
-              <a:t>19.12.2019</a:t>
+              <a:t>09.01.2020</a:t>
             </a:fld>
             <a:endParaRPr lang="de-AT"/>
           </a:p>
@@ -2682,7 +2688,7 @@
           <a:p>
             <a:fld id="{1FD5B0D3-95BA-406C-B500-C3B45FB0BF63}" type="datetimeFigureOut">
               <a:rPr lang="de-AT" smtClean="0"/>
-              <a:t>19.12.2019</a:t>
+              <a:t>09.01.2020</a:t>
             </a:fld>
             <a:endParaRPr lang="de-AT"/>
           </a:p>
@@ -2925,7 +2931,7 @@
           <a:p>
             <a:fld id="{1FD5B0D3-95BA-406C-B500-C3B45FB0BF63}" type="datetimeFigureOut">
               <a:rPr lang="de-AT" smtClean="0"/>
-              <a:t>19.12.2019</a:t>
+              <a:t>09.01.2020</a:t>
             </a:fld>
             <a:endParaRPr lang="de-AT"/>
           </a:p>
@@ -9198,6 +9204,2688 @@
 </p:sld>
 </file>
 
+<file path=ppt/slides/slide2.xml><?xml version="1.0" encoding="utf-8"?>
+<p:sld xmlns:a="http://schemas.openxmlformats.org/drawingml/2006/main" xmlns:r="http://schemas.openxmlformats.org/officeDocument/2006/relationships" xmlns:p="http://schemas.openxmlformats.org/presentationml/2006/main">
+  <p:cSld>
+    <p:spTree>
+      <p:nvGrpSpPr>
+        <p:cNvPr id="1" name=""/>
+        <p:cNvGrpSpPr/>
+        <p:nvPr/>
+      </p:nvGrpSpPr>
+      <p:grpSpPr>
+        <a:xfrm>
+          <a:off x="0" y="0"/>
+          <a:ext cx="0" cy="0"/>
+          <a:chOff x="0" y="0"/>
+          <a:chExt cx="0" cy="0"/>
+        </a:xfrm>
+      </p:grpSpPr>
+      <p:grpSp>
+        <p:nvGrpSpPr>
+          <p:cNvPr id="158" name="Gruppieren 157">
+            <a:extLst>
+              <a:ext uri="{FF2B5EF4-FFF2-40B4-BE49-F238E27FC236}">
+                <a16:creationId xmlns:a16="http://schemas.microsoft.com/office/drawing/2014/main" id="{1F025E02-10CB-4B55-BB41-ACF9D9FD371C}"/>
+              </a:ext>
+            </a:extLst>
+          </p:cNvPr>
+          <p:cNvGrpSpPr/>
+          <p:nvPr/>
+        </p:nvGrpSpPr>
+        <p:grpSpPr>
+          <a:xfrm>
+            <a:off x="843176" y="-7132"/>
+            <a:ext cx="10708743" cy="6865132"/>
+            <a:chOff x="843176" y="-7132"/>
+            <a:chExt cx="10708743" cy="6865132"/>
+          </a:xfrm>
+        </p:grpSpPr>
+        <p:sp>
+          <p:nvSpPr>
+            <p:cNvPr id="156" name="Rechteck 155">
+              <a:extLst>
+                <a:ext uri="{FF2B5EF4-FFF2-40B4-BE49-F238E27FC236}">
+                  <a16:creationId xmlns:a16="http://schemas.microsoft.com/office/drawing/2014/main" id="{31AEE075-9349-411C-8F40-3D4E8ABCFE04}"/>
+                </a:ext>
+              </a:extLst>
+            </p:cNvPr>
+            <p:cNvSpPr/>
+            <p:nvPr/>
+          </p:nvSpPr>
+          <p:spPr>
+            <a:xfrm>
+              <a:off x="843176" y="0"/>
+              <a:ext cx="10708743" cy="6858000"/>
+            </a:xfrm>
+            <a:prstGeom prst="rect">
+              <a:avLst/>
+            </a:prstGeom>
+            <a:solidFill>
+              <a:schemeClr val="bg1"/>
+            </a:solidFill>
+            <a:ln>
+              <a:solidFill>
+                <a:schemeClr val="bg1"/>
+              </a:solidFill>
+            </a:ln>
+          </p:spPr>
+          <p:style>
+            <a:lnRef idx="2">
+              <a:schemeClr val="accent1">
+                <a:shade val="50000"/>
+              </a:schemeClr>
+            </a:lnRef>
+            <a:fillRef idx="1">
+              <a:schemeClr val="accent1"/>
+            </a:fillRef>
+            <a:effectRef idx="0">
+              <a:schemeClr val="accent1"/>
+            </a:effectRef>
+            <a:fontRef idx="minor">
+              <a:schemeClr val="lt1"/>
+            </a:fontRef>
+          </p:style>
+          <p:txBody>
+            <a:bodyPr rtlCol="0" anchor="ctr"/>
+            <a:lstStyle/>
+            <a:p>
+              <a:pPr algn="ctr"/>
+              <a:endParaRPr lang="de-AT"/>
+            </a:p>
+          </p:txBody>
+        </p:sp>
+        <p:sp>
+          <p:nvSpPr>
+            <p:cNvPr id="6" name="Rechteck 5">
+              <a:extLst>
+                <a:ext uri="{FF2B5EF4-FFF2-40B4-BE49-F238E27FC236}">
+                  <a16:creationId xmlns:a16="http://schemas.microsoft.com/office/drawing/2014/main" id="{E0A7DD07-D3F8-4D3A-A5CB-4031C13B3E3B}"/>
+                </a:ext>
+              </a:extLst>
+            </p:cNvPr>
+            <p:cNvSpPr/>
+            <p:nvPr/>
+          </p:nvSpPr>
+          <p:spPr>
+            <a:xfrm>
+              <a:off x="987526" y="622196"/>
+              <a:ext cx="1638871" cy="795398"/>
+            </a:xfrm>
+            <a:prstGeom prst="rect">
+              <a:avLst/>
+            </a:prstGeom>
+            <a:solidFill>
+              <a:srgbClr val="33CCFF"/>
+            </a:solidFill>
+            <a:ln w="12700">
+              <a:solidFill>
+                <a:schemeClr val="tx1"/>
+              </a:solidFill>
+            </a:ln>
+          </p:spPr>
+          <p:style>
+            <a:lnRef idx="2">
+              <a:schemeClr val="accent1">
+                <a:shade val="50000"/>
+              </a:schemeClr>
+            </a:lnRef>
+            <a:fillRef idx="1">
+              <a:schemeClr val="accent1"/>
+            </a:fillRef>
+            <a:effectRef idx="0">
+              <a:schemeClr val="accent1"/>
+            </a:effectRef>
+            <a:fontRef idx="minor">
+              <a:schemeClr val="lt1"/>
+            </a:fontRef>
+          </p:style>
+          <p:txBody>
+            <a:bodyPr rtlCol="0" anchor="ctr"/>
+            <a:lstStyle/>
+            <a:p>
+              <a:pPr algn="ctr"/>
+              <a:r>
+                <a:rPr lang="de-AT" sz="1600" b="1" dirty="0">
+                  <a:solidFill>
+                    <a:schemeClr val="tx1"/>
+                  </a:solidFill>
+                </a:rPr>
+                <a:t>Frontend</a:t>
+              </a:r>
+            </a:p>
+          </p:txBody>
+        </p:sp>
+        <p:sp>
+          <p:nvSpPr>
+            <p:cNvPr id="14" name="Rechteck 13">
+              <a:extLst>
+                <a:ext uri="{FF2B5EF4-FFF2-40B4-BE49-F238E27FC236}">
+                  <a16:creationId xmlns:a16="http://schemas.microsoft.com/office/drawing/2014/main" id="{A9236DB3-5D41-41AE-B469-A8C88C86026B}"/>
+                </a:ext>
+              </a:extLst>
+            </p:cNvPr>
+            <p:cNvSpPr/>
+            <p:nvPr/>
+          </p:nvSpPr>
+          <p:spPr>
+            <a:xfrm>
+              <a:off x="3680457" y="622196"/>
+              <a:ext cx="1638871" cy="795398"/>
+            </a:xfrm>
+            <a:prstGeom prst="rect">
+              <a:avLst/>
+            </a:prstGeom>
+            <a:solidFill>
+              <a:srgbClr val="33CCFF"/>
+            </a:solidFill>
+            <a:ln w="12700">
+              <a:solidFill>
+                <a:schemeClr val="tx1"/>
+              </a:solidFill>
+            </a:ln>
+          </p:spPr>
+          <p:style>
+            <a:lnRef idx="2">
+              <a:schemeClr val="accent1">
+                <a:shade val="50000"/>
+              </a:schemeClr>
+            </a:lnRef>
+            <a:fillRef idx="1">
+              <a:schemeClr val="accent1"/>
+            </a:fillRef>
+            <a:effectRef idx="0">
+              <a:schemeClr val="accent1"/>
+            </a:effectRef>
+            <a:fontRef idx="minor">
+              <a:schemeClr val="lt1"/>
+            </a:fontRef>
+          </p:style>
+          <p:txBody>
+            <a:bodyPr rtlCol="0" anchor="ctr"/>
+            <a:lstStyle/>
+            <a:p>
+              <a:pPr algn="ctr"/>
+              <a:r>
+                <a:rPr lang="de-AT" sz="1600" b="1" dirty="0">
+                  <a:solidFill>
+                    <a:schemeClr val="tx1"/>
+                  </a:solidFill>
+                </a:rPr>
+                <a:t>API</a:t>
+              </a:r>
+            </a:p>
+          </p:txBody>
+        </p:sp>
+        <p:sp>
+          <p:nvSpPr>
+            <p:cNvPr id="22" name="Rechteck 21">
+              <a:extLst>
+                <a:ext uri="{FF2B5EF4-FFF2-40B4-BE49-F238E27FC236}">
+                  <a16:creationId xmlns:a16="http://schemas.microsoft.com/office/drawing/2014/main" id="{2437ABA0-B59B-46AB-9B95-39DABC87E530}"/>
+                </a:ext>
+              </a:extLst>
+            </p:cNvPr>
+            <p:cNvSpPr/>
+            <p:nvPr/>
+          </p:nvSpPr>
+          <p:spPr>
+            <a:xfrm>
+              <a:off x="6337337" y="622196"/>
+              <a:ext cx="1638871" cy="795398"/>
+            </a:xfrm>
+            <a:prstGeom prst="rect">
+              <a:avLst/>
+            </a:prstGeom>
+            <a:solidFill>
+              <a:srgbClr val="33CCFF"/>
+            </a:solidFill>
+            <a:ln w="12700">
+              <a:solidFill>
+                <a:schemeClr val="tx1"/>
+              </a:solidFill>
+            </a:ln>
+          </p:spPr>
+          <p:style>
+            <a:lnRef idx="2">
+              <a:schemeClr val="accent1">
+                <a:shade val="50000"/>
+              </a:schemeClr>
+            </a:lnRef>
+            <a:fillRef idx="1">
+              <a:schemeClr val="accent1"/>
+            </a:fillRef>
+            <a:effectRef idx="0">
+              <a:schemeClr val="accent1"/>
+            </a:effectRef>
+            <a:fontRef idx="minor">
+              <a:schemeClr val="lt1"/>
+            </a:fontRef>
+          </p:style>
+          <p:txBody>
+            <a:bodyPr rtlCol="0" anchor="ctr"/>
+            <a:lstStyle/>
+            <a:p>
+              <a:pPr algn="ctr"/>
+              <a:r>
+                <a:rPr lang="de-AT" sz="1600" b="1" dirty="0">
+                  <a:solidFill>
+                    <a:schemeClr val="tx1"/>
+                  </a:solidFill>
+                </a:rPr>
+                <a:t>Database</a:t>
+              </a:r>
+            </a:p>
+          </p:txBody>
+        </p:sp>
+        <p:sp>
+          <p:nvSpPr>
+            <p:cNvPr id="30" name="Rechteck 29">
+              <a:extLst>
+                <a:ext uri="{FF2B5EF4-FFF2-40B4-BE49-F238E27FC236}">
+                  <a16:creationId xmlns:a16="http://schemas.microsoft.com/office/drawing/2014/main" id="{CB8E7DDD-0AA4-4F30-8401-5EF6DB59972B}"/>
+                </a:ext>
+              </a:extLst>
+            </p:cNvPr>
+            <p:cNvSpPr/>
+            <p:nvPr/>
+          </p:nvSpPr>
+          <p:spPr>
+            <a:xfrm>
+              <a:off x="1171896" y="1705303"/>
+              <a:ext cx="1270129" cy="644606"/>
+            </a:xfrm>
+            <a:prstGeom prst="rect">
+              <a:avLst/>
+            </a:prstGeom>
+            <a:solidFill>
+              <a:schemeClr val="bg1"/>
+            </a:solidFill>
+            <a:ln>
+              <a:solidFill>
+                <a:schemeClr val="tx1"/>
+              </a:solidFill>
+            </a:ln>
+          </p:spPr>
+          <p:style>
+            <a:lnRef idx="2">
+              <a:schemeClr val="accent1">
+                <a:shade val="50000"/>
+              </a:schemeClr>
+            </a:lnRef>
+            <a:fillRef idx="1">
+              <a:schemeClr val="accent1"/>
+            </a:fillRef>
+            <a:effectRef idx="0">
+              <a:schemeClr val="accent1"/>
+            </a:effectRef>
+            <a:fontRef idx="minor">
+              <a:schemeClr val="lt1"/>
+            </a:fontRef>
+          </p:style>
+          <p:txBody>
+            <a:bodyPr rtlCol="0" anchor="ctr"/>
+            <a:lstStyle/>
+            <a:p>
+              <a:pPr algn="ctr"/>
+              <a:r>
+                <a:rPr lang="de-AT" sz="1600" dirty="0">
+                  <a:solidFill>
+                    <a:schemeClr val="tx1"/>
+                  </a:solidFill>
+                </a:rPr>
+                <a:t>Homepage</a:t>
+              </a:r>
+            </a:p>
+          </p:txBody>
+        </p:sp>
+        <p:sp>
+          <p:nvSpPr>
+            <p:cNvPr id="37" name="Rechteck 36">
+              <a:extLst>
+                <a:ext uri="{FF2B5EF4-FFF2-40B4-BE49-F238E27FC236}">
+                  <a16:creationId xmlns:a16="http://schemas.microsoft.com/office/drawing/2014/main" id="{953F4979-08EB-4BD2-B97D-7C30235AA7CA}"/>
+                </a:ext>
+              </a:extLst>
+            </p:cNvPr>
+            <p:cNvSpPr/>
+            <p:nvPr/>
+          </p:nvSpPr>
+          <p:spPr>
+            <a:xfrm>
+              <a:off x="1171891" y="2474317"/>
+              <a:ext cx="1270129" cy="644606"/>
+            </a:xfrm>
+            <a:prstGeom prst="rect">
+              <a:avLst/>
+            </a:prstGeom>
+            <a:solidFill>
+              <a:schemeClr val="bg1"/>
+            </a:solidFill>
+            <a:ln>
+              <a:solidFill>
+                <a:schemeClr val="tx1"/>
+              </a:solidFill>
+            </a:ln>
+          </p:spPr>
+          <p:style>
+            <a:lnRef idx="2">
+              <a:schemeClr val="accent1">
+                <a:shade val="50000"/>
+              </a:schemeClr>
+            </a:lnRef>
+            <a:fillRef idx="1">
+              <a:schemeClr val="accent1"/>
+            </a:fillRef>
+            <a:effectRef idx="0">
+              <a:schemeClr val="accent1"/>
+            </a:effectRef>
+            <a:fontRef idx="minor">
+              <a:schemeClr val="lt1"/>
+            </a:fontRef>
+          </p:style>
+          <p:txBody>
+            <a:bodyPr rtlCol="0" anchor="ctr"/>
+            <a:lstStyle/>
+            <a:p>
+              <a:pPr algn="ctr"/>
+              <a:r>
+                <a:rPr lang="de-AT" sz="1600" dirty="0" err="1">
+                  <a:solidFill>
+                    <a:schemeClr val="tx1"/>
+                  </a:solidFill>
+                </a:rPr>
+                <a:t>LogIn</a:t>
+              </a:r>
+              <a:r>
+                <a:rPr lang="de-AT" sz="1600" dirty="0">
+                  <a:solidFill>
+                    <a:schemeClr val="tx1"/>
+                  </a:solidFill>
+                </a:rPr>
+                <a:t> </a:t>
+              </a:r>
+              <a:r>
+                <a:rPr lang="de-AT" sz="1600" dirty="0" err="1">
+                  <a:solidFill>
+                    <a:schemeClr val="tx1"/>
+                  </a:solidFill>
+                </a:rPr>
+                <a:t>page</a:t>
+              </a:r>
+              <a:endParaRPr lang="de-AT" sz="1600" dirty="0">
+                <a:solidFill>
+                  <a:schemeClr val="tx1"/>
+                </a:solidFill>
+              </a:endParaRPr>
+            </a:p>
+          </p:txBody>
+        </p:sp>
+        <p:sp>
+          <p:nvSpPr>
+            <p:cNvPr id="38" name="Rechteck 37">
+              <a:extLst>
+                <a:ext uri="{FF2B5EF4-FFF2-40B4-BE49-F238E27FC236}">
+                  <a16:creationId xmlns:a16="http://schemas.microsoft.com/office/drawing/2014/main" id="{2F86E553-81AB-4F7A-8A20-C54A6F490440}"/>
+                </a:ext>
+              </a:extLst>
+            </p:cNvPr>
+            <p:cNvSpPr/>
+            <p:nvPr/>
+          </p:nvSpPr>
+          <p:spPr>
+            <a:xfrm>
+              <a:off x="1171892" y="3262997"/>
+              <a:ext cx="1270129" cy="644606"/>
+            </a:xfrm>
+            <a:prstGeom prst="rect">
+              <a:avLst/>
+            </a:prstGeom>
+            <a:solidFill>
+              <a:schemeClr val="bg1"/>
+            </a:solidFill>
+            <a:ln>
+              <a:solidFill>
+                <a:schemeClr val="tx1"/>
+              </a:solidFill>
+            </a:ln>
+          </p:spPr>
+          <p:style>
+            <a:lnRef idx="2">
+              <a:schemeClr val="accent1">
+                <a:shade val="50000"/>
+              </a:schemeClr>
+            </a:lnRef>
+            <a:fillRef idx="1">
+              <a:schemeClr val="accent1"/>
+            </a:fillRef>
+            <a:effectRef idx="0">
+              <a:schemeClr val="accent1"/>
+            </a:effectRef>
+            <a:fontRef idx="minor">
+              <a:schemeClr val="lt1"/>
+            </a:fontRef>
+          </p:style>
+          <p:txBody>
+            <a:bodyPr rtlCol="0" anchor="ctr"/>
+            <a:lstStyle/>
+            <a:p>
+              <a:pPr algn="ctr"/>
+              <a:r>
+                <a:rPr lang="de-AT" sz="1600" dirty="0" err="1">
+                  <a:solidFill>
+                    <a:schemeClr val="tx1"/>
+                  </a:solidFill>
+                </a:rPr>
+                <a:t>Guestmode</a:t>
+              </a:r>
+              <a:endParaRPr lang="de-AT" sz="1600" dirty="0">
+                <a:solidFill>
+                  <a:schemeClr val="tx1"/>
+                </a:solidFill>
+              </a:endParaRPr>
+            </a:p>
+          </p:txBody>
+        </p:sp>
+        <p:sp>
+          <p:nvSpPr>
+            <p:cNvPr id="39" name="Rechteck 38">
+              <a:extLst>
+                <a:ext uri="{FF2B5EF4-FFF2-40B4-BE49-F238E27FC236}">
+                  <a16:creationId xmlns:a16="http://schemas.microsoft.com/office/drawing/2014/main" id="{274149E8-DC16-40AC-B40E-A14E02BCE647}"/>
+                </a:ext>
+              </a:extLst>
+            </p:cNvPr>
+            <p:cNvSpPr/>
+            <p:nvPr/>
+          </p:nvSpPr>
+          <p:spPr>
+            <a:xfrm>
+              <a:off x="1171892" y="4048202"/>
+              <a:ext cx="1270129" cy="644606"/>
+            </a:xfrm>
+            <a:prstGeom prst="rect">
+              <a:avLst/>
+            </a:prstGeom>
+            <a:solidFill>
+              <a:schemeClr val="bg1"/>
+            </a:solidFill>
+            <a:ln>
+              <a:solidFill>
+                <a:schemeClr val="tx1"/>
+              </a:solidFill>
+            </a:ln>
+          </p:spPr>
+          <p:style>
+            <a:lnRef idx="2">
+              <a:schemeClr val="accent1">
+                <a:shade val="50000"/>
+              </a:schemeClr>
+            </a:lnRef>
+            <a:fillRef idx="1">
+              <a:schemeClr val="accent1"/>
+            </a:fillRef>
+            <a:effectRef idx="0">
+              <a:schemeClr val="accent1"/>
+            </a:effectRef>
+            <a:fontRef idx="minor">
+              <a:schemeClr val="lt1"/>
+            </a:fontRef>
+          </p:style>
+          <p:txBody>
+            <a:bodyPr rtlCol="0" anchor="ctr"/>
+            <a:lstStyle/>
+            <a:p>
+              <a:pPr algn="ctr"/>
+              <a:r>
+                <a:rPr lang="de-AT" sz="1600" dirty="0">
+                  <a:solidFill>
+                    <a:schemeClr val="tx1"/>
+                  </a:solidFill>
+                </a:rPr>
+                <a:t>Sites </a:t>
+              </a:r>
+              <a:r>
+                <a:rPr lang="de-AT" sz="1600" dirty="0" err="1">
+                  <a:solidFill>
+                    <a:schemeClr val="tx1"/>
+                  </a:solidFill>
+                </a:rPr>
+                <a:t>of</a:t>
+              </a:r>
+              <a:r>
+                <a:rPr lang="de-AT" sz="1600" dirty="0">
+                  <a:solidFill>
+                    <a:schemeClr val="tx1"/>
+                  </a:solidFill>
+                </a:rPr>
+                <a:t> Places</a:t>
+              </a:r>
+            </a:p>
+          </p:txBody>
+        </p:sp>
+        <p:sp>
+          <p:nvSpPr>
+            <p:cNvPr id="40" name="Rechteck 39">
+              <a:extLst>
+                <a:ext uri="{FF2B5EF4-FFF2-40B4-BE49-F238E27FC236}">
+                  <a16:creationId xmlns:a16="http://schemas.microsoft.com/office/drawing/2014/main" id="{58A2EBDD-6667-4B21-9E6A-6D78F6843867}"/>
+                </a:ext>
+              </a:extLst>
+            </p:cNvPr>
+            <p:cNvSpPr/>
+            <p:nvPr/>
+          </p:nvSpPr>
+          <p:spPr>
+            <a:xfrm>
+              <a:off x="1171890" y="4822180"/>
+              <a:ext cx="1270129" cy="644606"/>
+            </a:xfrm>
+            <a:prstGeom prst="rect">
+              <a:avLst/>
+            </a:prstGeom>
+            <a:solidFill>
+              <a:schemeClr val="bg1"/>
+            </a:solidFill>
+            <a:ln>
+              <a:solidFill>
+                <a:schemeClr val="tx1"/>
+              </a:solidFill>
+            </a:ln>
+          </p:spPr>
+          <p:style>
+            <a:lnRef idx="2">
+              <a:schemeClr val="accent1">
+                <a:shade val="50000"/>
+              </a:schemeClr>
+            </a:lnRef>
+            <a:fillRef idx="1">
+              <a:schemeClr val="accent1"/>
+            </a:fillRef>
+            <a:effectRef idx="0">
+              <a:schemeClr val="accent1"/>
+            </a:effectRef>
+            <a:fontRef idx="minor">
+              <a:schemeClr val="lt1"/>
+            </a:fontRef>
+          </p:style>
+          <p:txBody>
+            <a:bodyPr rtlCol="0" anchor="ctr"/>
+            <a:lstStyle/>
+            <a:p>
+              <a:pPr algn="ctr"/>
+              <a:r>
+                <a:rPr lang="de-AT" sz="1600" dirty="0">
+                  <a:solidFill>
+                    <a:schemeClr val="tx1"/>
+                  </a:solidFill>
+                </a:rPr>
+                <a:t>Userscreen</a:t>
+              </a:r>
+            </a:p>
+          </p:txBody>
+        </p:sp>
+        <p:sp>
+          <p:nvSpPr>
+            <p:cNvPr id="41" name="Rechteck 40">
+              <a:extLst>
+                <a:ext uri="{FF2B5EF4-FFF2-40B4-BE49-F238E27FC236}">
+                  <a16:creationId xmlns:a16="http://schemas.microsoft.com/office/drawing/2014/main" id="{96342C34-5762-4A6C-9D6F-7401FDF64B7E}"/>
+                </a:ext>
+              </a:extLst>
+            </p:cNvPr>
+            <p:cNvSpPr/>
+            <p:nvPr/>
+          </p:nvSpPr>
+          <p:spPr>
+            <a:xfrm>
+              <a:off x="3864827" y="1705303"/>
+              <a:ext cx="1270129" cy="644606"/>
+            </a:xfrm>
+            <a:prstGeom prst="rect">
+              <a:avLst/>
+            </a:prstGeom>
+            <a:solidFill>
+              <a:schemeClr val="bg1"/>
+            </a:solidFill>
+            <a:ln>
+              <a:solidFill>
+                <a:schemeClr val="tx1"/>
+              </a:solidFill>
+            </a:ln>
+          </p:spPr>
+          <p:style>
+            <a:lnRef idx="2">
+              <a:schemeClr val="accent1">
+                <a:shade val="50000"/>
+              </a:schemeClr>
+            </a:lnRef>
+            <a:fillRef idx="1">
+              <a:schemeClr val="accent1"/>
+            </a:fillRef>
+            <a:effectRef idx="0">
+              <a:schemeClr val="accent1"/>
+            </a:effectRef>
+            <a:fontRef idx="minor">
+              <a:schemeClr val="lt1"/>
+            </a:fontRef>
+          </p:style>
+          <p:txBody>
+            <a:bodyPr rtlCol="0" anchor="ctr"/>
+            <a:lstStyle/>
+            <a:p>
+              <a:pPr algn="ctr"/>
+              <a:r>
+                <a:rPr lang="de-AT" sz="1600" dirty="0">
+                  <a:solidFill>
+                    <a:schemeClr val="tx1"/>
+                  </a:solidFill>
+                </a:rPr>
+                <a:t>REST</a:t>
+              </a:r>
+            </a:p>
+          </p:txBody>
+        </p:sp>
+        <p:cxnSp>
+          <p:nvCxnSpPr>
+            <p:cNvPr id="43" name="Gerader Verbinder 42">
+              <a:extLst>
+                <a:ext uri="{FF2B5EF4-FFF2-40B4-BE49-F238E27FC236}">
+                  <a16:creationId xmlns:a16="http://schemas.microsoft.com/office/drawing/2014/main" id="{6BC4B051-37FE-405D-8ADA-886C4096EC5A}"/>
+                </a:ext>
+              </a:extLst>
+            </p:cNvPr>
+            <p:cNvCxnSpPr>
+              <a:stCxn id="6" idx="2"/>
+              <a:endCxn id="30" idx="0"/>
+            </p:cNvCxnSpPr>
+            <p:nvPr/>
+          </p:nvCxnSpPr>
+          <p:spPr>
+            <a:xfrm flipH="1">
+              <a:off x="1806961" y="1417594"/>
+              <a:ext cx="1" cy="287709"/>
+            </a:xfrm>
+            <a:prstGeom prst="line">
+              <a:avLst/>
+            </a:prstGeom>
+            <a:ln w="19050">
+              <a:solidFill>
+                <a:schemeClr val="tx1"/>
+              </a:solidFill>
+            </a:ln>
+          </p:spPr>
+          <p:style>
+            <a:lnRef idx="1">
+              <a:schemeClr val="accent1"/>
+            </a:lnRef>
+            <a:fillRef idx="0">
+              <a:schemeClr val="accent1"/>
+            </a:fillRef>
+            <a:effectRef idx="0">
+              <a:schemeClr val="accent1"/>
+            </a:effectRef>
+            <a:fontRef idx="minor">
+              <a:schemeClr val="tx1"/>
+            </a:fontRef>
+          </p:style>
+        </p:cxnSp>
+        <p:cxnSp>
+          <p:nvCxnSpPr>
+            <p:cNvPr id="44" name="Gerader Verbinder 43">
+              <a:extLst>
+                <a:ext uri="{FF2B5EF4-FFF2-40B4-BE49-F238E27FC236}">
+                  <a16:creationId xmlns:a16="http://schemas.microsoft.com/office/drawing/2014/main" id="{68D9F573-1169-4A35-8BE8-706AD3723766}"/>
+                </a:ext>
+              </a:extLst>
+            </p:cNvPr>
+            <p:cNvCxnSpPr>
+              <a:cxnSpLocks/>
+              <a:stCxn id="30" idx="2"/>
+              <a:endCxn id="37" idx="0"/>
+            </p:cNvCxnSpPr>
+            <p:nvPr/>
+          </p:nvCxnSpPr>
+          <p:spPr>
+            <a:xfrm flipH="1">
+              <a:off x="1806956" y="2349909"/>
+              <a:ext cx="5" cy="124408"/>
+            </a:xfrm>
+            <a:prstGeom prst="line">
+              <a:avLst/>
+            </a:prstGeom>
+            <a:ln w="19050">
+              <a:solidFill>
+                <a:schemeClr val="tx1"/>
+              </a:solidFill>
+            </a:ln>
+          </p:spPr>
+          <p:style>
+            <a:lnRef idx="1">
+              <a:schemeClr val="accent1"/>
+            </a:lnRef>
+            <a:fillRef idx="0">
+              <a:schemeClr val="accent1"/>
+            </a:fillRef>
+            <a:effectRef idx="0">
+              <a:schemeClr val="accent1"/>
+            </a:effectRef>
+            <a:fontRef idx="minor">
+              <a:schemeClr val="tx1"/>
+            </a:fontRef>
+          </p:style>
+        </p:cxnSp>
+        <p:cxnSp>
+          <p:nvCxnSpPr>
+            <p:cNvPr id="47" name="Gerader Verbinder 46">
+              <a:extLst>
+                <a:ext uri="{FF2B5EF4-FFF2-40B4-BE49-F238E27FC236}">
+                  <a16:creationId xmlns:a16="http://schemas.microsoft.com/office/drawing/2014/main" id="{7FBF4607-9826-4054-B5AA-1B99513062E1}"/>
+                </a:ext>
+              </a:extLst>
+            </p:cNvPr>
+            <p:cNvCxnSpPr>
+              <a:cxnSpLocks/>
+              <a:stCxn id="38" idx="0"/>
+              <a:endCxn id="37" idx="2"/>
+            </p:cNvCxnSpPr>
+            <p:nvPr/>
+          </p:nvCxnSpPr>
+          <p:spPr>
+            <a:xfrm flipH="1" flipV="1">
+              <a:off x="1806956" y="3118923"/>
+              <a:ext cx="1" cy="144074"/>
+            </a:xfrm>
+            <a:prstGeom prst="line">
+              <a:avLst/>
+            </a:prstGeom>
+            <a:ln w="19050">
+              <a:solidFill>
+                <a:schemeClr val="tx1"/>
+              </a:solidFill>
+            </a:ln>
+          </p:spPr>
+          <p:style>
+            <a:lnRef idx="1">
+              <a:schemeClr val="accent1"/>
+            </a:lnRef>
+            <a:fillRef idx="0">
+              <a:schemeClr val="accent1"/>
+            </a:fillRef>
+            <a:effectRef idx="0">
+              <a:schemeClr val="accent1"/>
+            </a:effectRef>
+            <a:fontRef idx="minor">
+              <a:schemeClr val="tx1"/>
+            </a:fontRef>
+          </p:style>
+        </p:cxnSp>
+        <p:cxnSp>
+          <p:nvCxnSpPr>
+            <p:cNvPr id="50" name="Gerader Verbinder 49">
+              <a:extLst>
+                <a:ext uri="{FF2B5EF4-FFF2-40B4-BE49-F238E27FC236}">
+                  <a16:creationId xmlns:a16="http://schemas.microsoft.com/office/drawing/2014/main" id="{CA34CD87-BC15-4EC0-AD61-880CE93344E7}"/>
+                </a:ext>
+              </a:extLst>
+            </p:cNvPr>
+            <p:cNvCxnSpPr>
+              <a:cxnSpLocks/>
+              <a:stCxn id="38" idx="2"/>
+              <a:endCxn id="39" idx="0"/>
+            </p:cNvCxnSpPr>
+            <p:nvPr/>
+          </p:nvCxnSpPr>
+          <p:spPr>
+            <a:xfrm>
+              <a:off x="1806957" y="3907603"/>
+              <a:ext cx="0" cy="140599"/>
+            </a:xfrm>
+            <a:prstGeom prst="line">
+              <a:avLst/>
+            </a:prstGeom>
+            <a:ln w="19050">
+              <a:solidFill>
+                <a:schemeClr val="tx1"/>
+              </a:solidFill>
+            </a:ln>
+          </p:spPr>
+          <p:style>
+            <a:lnRef idx="1">
+              <a:schemeClr val="accent1"/>
+            </a:lnRef>
+            <a:fillRef idx="0">
+              <a:schemeClr val="accent1"/>
+            </a:fillRef>
+            <a:effectRef idx="0">
+              <a:schemeClr val="accent1"/>
+            </a:effectRef>
+            <a:fontRef idx="minor">
+              <a:schemeClr val="tx1"/>
+            </a:fontRef>
+          </p:style>
+        </p:cxnSp>
+        <p:cxnSp>
+          <p:nvCxnSpPr>
+            <p:cNvPr id="53" name="Gerader Verbinder 52">
+              <a:extLst>
+                <a:ext uri="{FF2B5EF4-FFF2-40B4-BE49-F238E27FC236}">
+                  <a16:creationId xmlns:a16="http://schemas.microsoft.com/office/drawing/2014/main" id="{F4BB01AE-31A8-49AE-B249-85BDEABBE7C0}"/>
+                </a:ext>
+              </a:extLst>
+            </p:cNvPr>
+            <p:cNvCxnSpPr>
+              <a:cxnSpLocks/>
+              <a:stCxn id="40" idx="0"/>
+              <a:endCxn id="39" idx="2"/>
+            </p:cNvCxnSpPr>
+            <p:nvPr/>
+          </p:nvCxnSpPr>
+          <p:spPr>
+            <a:xfrm flipV="1">
+              <a:off x="1806955" y="4692808"/>
+              <a:ext cx="2" cy="129372"/>
+            </a:xfrm>
+            <a:prstGeom prst="line">
+              <a:avLst/>
+            </a:prstGeom>
+            <a:ln w="19050">
+              <a:solidFill>
+                <a:schemeClr val="tx1"/>
+              </a:solidFill>
+            </a:ln>
+          </p:spPr>
+          <p:style>
+            <a:lnRef idx="1">
+              <a:schemeClr val="accent1"/>
+            </a:lnRef>
+            <a:fillRef idx="0">
+              <a:schemeClr val="accent1"/>
+            </a:fillRef>
+            <a:effectRef idx="0">
+              <a:schemeClr val="accent1"/>
+            </a:effectRef>
+            <a:fontRef idx="minor">
+              <a:schemeClr val="tx1"/>
+            </a:fontRef>
+          </p:style>
+        </p:cxnSp>
+        <p:sp>
+          <p:nvSpPr>
+            <p:cNvPr id="56" name="Rechteck 55">
+              <a:extLst>
+                <a:ext uri="{FF2B5EF4-FFF2-40B4-BE49-F238E27FC236}">
+                  <a16:creationId xmlns:a16="http://schemas.microsoft.com/office/drawing/2014/main" id="{4F065980-ADAD-424E-96C7-8ED24F902520}"/>
+                </a:ext>
+              </a:extLst>
+            </p:cNvPr>
+            <p:cNvSpPr/>
+            <p:nvPr/>
+          </p:nvSpPr>
+          <p:spPr>
+            <a:xfrm>
+              <a:off x="4686707" y="2474318"/>
+              <a:ext cx="1270129" cy="644606"/>
+            </a:xfrm>
+            <a:prstGeom prst="rect">
+              <a:avLst/>
+            </a:prstGeom>
+            <a:solidFill>
+              <a:schemeClr val="bg1"/>
+            </a:solidFill>
+            <a:ln>
+              <a:solidFill>
+                <a:schemeClr val="tx1"/>
+              </a:solidFill>
+            </a:ln>
+          </p:spPr>
+          <p:style>
+            <a:lnRef idx="2">
+              <a:schemeClr val="accent1">
+                <a:shade val="50000"/>
+              </a:schemeClr>
+            </a:lnRef>
+            <a:fillRef idx="1">
+              <a:schemeClr val="accent1"/>
+            </a:fillRef>
+            <a:effectRef idx="0">
+              <a:schemeClr val="accent1"/>
+            </a:effectRef>
+            <a:fontRef idx="minor">
+              <a:schemeClr val="lt1"/>
+            </a:fontRef>
+          </p:style>
+          <p:txBody>
+            <a:bodyPr rtlCol="0" anchor="ctr"/>
+            <a:lstStyle/>
+            <a:p>
+              <a:pPr algn="ctr"/>
+              <a:r>
+                <a:rPr lang="de-AT" sz="1600" dirty="0">
+                  <a:solidFill>
+                    <a:schemeClr val="tx1"/>
+                  </a:solidFill>
+                </a:rPr>
+                <a:t>GET</a:t>
+              </a:r>
+            </a:p>
+          </p:txBody>
+        </p:sp>
+        <p:sp>
+          <p:nvSpPr>
+            <p:cNvPr id="57" name="Rechteck 56">
+              <a:extLst>
+                <a:ext uri="{FF2B5EF4-FFF2-40B4-BE49-F238E27FC236}">
+                  <a16:creationId xmlns:a16="http://schemas.microsoft.com/office/drawing/2014/main" id="{584F44BB-7E68-4502-B52C-DA29C08FAFF6}"/>
+                </a:ext>
+              </a:extLst>
+            </p:cNvPr>
+            <p:cNvSpPr/>
+            <p:nvPr/>
+          </p:nvSpPr>
+          <p:spPr>
+            <a:xfrm>
+              <a:off x="4686707" y="3262997"/>
+              <a:ext cx="1270129" cy="644606"/>
+            </a:xfrm>
+            <a:prstGeom prst="rect">
+              <a:avLst/>
+            </a:prstGeom>
+            <a:solidFill>
+              <a:schemeClr val="bg1"/>
+            </a:solidFill>
+            <a:ln>
+              <a:solidFill>
+                <a:schemeClr val="tx1"/>
+              </a:solidFill>
+            </a:ln>
+          </p:spPr>
+          <p:style>
+            <a:lnRef idx="2">
+              <a:schemeClr val="accent1">
+                <a:shade val="50000"/>
+              </a:schemeClr>
+            </a:lnRef>
+            <a:fillRef idx="1">
+              <a:schemeClr val="accent1"/>
+            </a:fillRef>
+            <a:effectRef idx="0">
+              <a:schemeClr val="accent1"/>
+            </a:effectRef>
+            <a:fontRef idx="minor">
+              <a:schemeClr val="lt1"/>
+            </a:fontRef>
+          </p:style>
+          <p:txBody>
+            <a:bodyPr rtlCol="0" anchor="ctr"/>
+            <a:lstStyle/>
+            <a:p>
+              <a:pPr algn="ctr"/>
+              <a:r>
+                <a:rPr lang="de-AT" sz="1600" dirty="0">
+                  <a:solidFill>
+                    <a:schemeClr val="tx1"/>
+                  </a:solidFill>
+                </a:rPr>
+                <a:t>PUT</a:t>
+              </a:r>
+            </a:p>
+          </p:txBody>
+        </p:sp>
+        <p:sp>
+          <p:nvSpPr>
+            <p:cNvPr id="58" name="Rechteck 57">
+              <a:extLst>
+                <a:ext uri="{FF2B5EF4-FFF2-40B4-BE49-F238E27FC236}">
+                  <a16:creationId xmlns:a16="http://schemas.microsoft.com/office/drawing/2014/main" id="{63AF3ABC-017F-48A4-8B81-834A3386E95C}"/>
+                </a:ext>
+              </a:extLst>
+            </p:cNvPr>
+            <p:cNvSpPr/>
+            <p:nvPr/>
+          </p:nvSpPr>
+          <p:spPr>
+            <a:xfrm>
+              <a:off x="4686706" y="4048202"/>
+              <a:ext cx="1270129" cy="644606"/>
+            </a:xfrm>
+            <a:prstGeom prst="rect">
+              <a:avLst/>
+            </a:prstGeom>
+            <a:solidFill>
+              <a:schemeClr val="bg1"/>
+            </a:solidFill>
+            <a:ln>
+              <a:solidFill>
+                <a:schemeClr val="tx1"/>
+              </a:solidFill>
+            </a:ln>
+          </p:spPr>
+          <p:style>
+            <a:lnRef idx="2">
+              <a:schemeClr val="accent1">
+                <a:shade val="50000"/>
+              </a:schemeClr>
+            </a:lnRef>
+            <a:fillRef idx="1">
+              <a:schemeClr val="accent1"/>
+            </a:fillRef>
+            <a:effectRef idx="0">
+              <a:schemeClr val="accent1"/>
+            </a:effectRef>
+            <a:fontRef idx="minor">
+              <a:schemeClr val="lt1"/>
+            </a:fontRef>
+          </p:style>
+          <p:txBody>
+            <a:bodyPr rtlCol="0" anchor="ctr"/>
+            <a:lstStyle/>
+            <a:p>
+              <a:pPr algn="ctr"/>
+              <a:r>
+                <a:rPr lang="de-AT" sz="1600" dirty="0">
+                  <a:solidFill>
+                    <a:schemeClr val="tx1"/>
+                  </a:solidFill>
+                </a:rPr>
+                <a:t>POST</a:t>
+              </a:r>
+            </a:p>
+          </p:txBody>
+        </p:sp>
+        <p:sp>
+          <p:nvSpPr>
+            <p:cNvPr id="59" name="Rechteck 58">
+              <a:extLst>
+                <a:ext uri="{FF2B5EF4-FFF2-40B4-BE49-F238E27FC236}">
+                  <a16:creationId xmlns:a16="http://schemas.microsoft.com/office/drawing/2014/main" id="{DC67E3F3-48C1-44B3-A7B3-80874885A727}"/>
+                </a:ext>
+              </a:extLst>
+            </p:cNvPr>
+            <p:cNvSpPr/>
+            <p:nvPr/>
+          </p:nvSpPr>
+          <p:spPr>
+            <a:xfrm>
+              <a:off x="4686706" y="4822180"/>
+              <a:ext cx="1270129" cy="644606"/>
+            </a:xfrm>
+            <a:prstGeom prst="rect">
+              <a:avLst/>
+            </a:prstGeom>
+            <a:solidFill>
+              <a:schemeClr val="bg1"/>
+            </a:solidFill>
+            <a:ln>
+              <a:solidFill>
+                <a:schemeClr val="tx1"/>
+              </a:solidFill>
+            </a:ln>
+          </p:spPr>
+          <p:style>
+            <a:lnRef idx="2">
+              <a:schemeClr val="accent1">
+                <a:shade val="50000"/>
+              </a:schemeClr>
+            </a:lnRef>
+            <a:fillRef idx="1">
+              <a:schemeClr val="accent1"/>
+            </a:fillRef>
+            <a:effectRef idx="0">
+              <a:schemeClr val="accent1"/>
+            </a:effectRef>
+            <a:fontRef idx="minor">
+              <a:schemeClr val="lt1"/>
+            </a:fontRef>
+          </p:style>
+          <p:txBody>
+            <a:bodyPr rtlCol="0" anchor="ctr"/>
+            <a:lstStyle/>
+            <a:p>
+              <a:pPr algn="ctr"/>
+              <a:r>
+                <a:rPr lang="de-AT" sz="1600" dirty="0">
+                  <a:solidFill>
+                    <a:schemeClr val="tx1"/>
+                  </a:solidFill>
+                </a:rPr>
+                <a:t>DELETE</a:t>
+              </a:r>
+            </a:p>
+          </p:txBody>
+        </p:sp>
+        <p:cxnSp>
+          <p:nvCxnSpPr>
+            <p:cNvPr id="60" name="Gerader Verbinder 59">
+              <a:extLst>
+                <a:ext uri="{FF2B5EF4-FFF2-40B4-BE49-F238E27FC236}">
+                  <a16:creationId xmlns:a16="http://schemas.microsoft.com/office/drawing/2014/main" id="{0EF8F2A1-AFDE-47E0-8D02-EB841717EAE9}"/>
+                </a:ext>
+              </a:extLst>
+            </p:cNvPr>
+            <p:cNvCxnSpPr>
+              <a:cxnSpLocks/>
+              <a:stCxn id="14" idx="2"/>
+              <a:endCxn id="41" idx="0"/>
+            </p:cNvCxnSpPr>
+            <p:nvPr/>
+          </p:nvCxnSpPr>
+          <p:spPr>
+            <a:xfrm flipH="1">
+              <a:off x="4499892" y="1417594"/>
+              <a:ext cx="1" cy="287709"/>
+            </a:xfrm>
+            <a:prstGeom prst="line">
+              <a:avLst/>
+            </a:prstGeom>
+            <a:ln w="19050">
+              <a:solidFill>
+                <a:schemeClr val="tx1"/>
+              </a:solidFill>
+            </a:ln>
+          </p:spPr>
+          <p:style>
+            <a:lnRef idx="1">
+              <a:schemeClr val="accent1"/>
+            </a:lnRef>
+            <a:fillRef idx="0">
+              <a:schemeClr val="accent1"/>
+            </a:fillRef>
+            <a:effectRef idx="0">
+              <a:schemeClr val="accent1"/>
+            </a:effectRef>
+            <a:fontRef idx="minor">
+              <a:schemeClr val="tx1"/>
+            </a:fontRef>
+          </p:style>
+        </p:cxnSp>
+        <p:cxnSp>
+          <p:nvCxnSpPr>
+            <p:cNvPr id="66" name="Verbinder: gewinkelt 65">
+              <a:extLst>
+                <a:ext uri="{FF2B5EF4-FFF2-40B4-BE49-F238E27FC236}">
+                  <a16:creationId xmlns:a16="http://schemas.microsoft.com/office/drawing/2014/main" id="{7DD26B47-BF69-4EAF-8F1E-36CCF61250D6}"/>
+                </a:ext>
+              </a:extLst>
+            </p:cNvPr>
+            <p:cNvCxnSpPr>
+              <a:stCxn id="41" idx="2"/>
+              <a:endCxn id="56" idx="1"/>
+            </p:cNvCxnSpPr>
+            <p:nvPr/>
+          </p:nvCxnSpPr>
+          <p:spPr>
+            <a:xfrm rot="16200000" flipH="1">
+              <a:off x="4369943" y="2479857"/>
+              <a:ext cx="446712" cy="186815"/>
+            </a:xfrm>
+            <a:prstGeom prst="bentConnector2">
+              <a:avLst/>
+            </a:prstGeom>
+            <a:ln w="19050">
+              <a:solidFill>
+                <a:schemeClr val="tx1"/>
+              </a:solidFill>
+            </a:ln>
+          </p:spPr>
+          <p:style>
+            <a:lnRef idx="1">
+              <a:schemeClr val="accent1"/>
+            </a:lnRef>
+            <a:fillRef idx="0">
+              <a:schemeClr val="accent1"/>
+            </a:fillRef>
+            <a:effectRef idx="0">
+              <a:schemeClr val="accent1"/>
+            </a:effectRef>
+            <a:fontRef idx="minor">
+              <a:schemeClr val="tx1"/>
+            </a:fontRef>
+          </p:style>
+        </p:cxnSp>
+        <p:cxnSp>
+          <p:nvCxnSpPr>
+            <p:cNvPr id="67" name="Verbinder: gewinkelt 66">
+              <a:extLst>
+                <a:ext uri="{FF2B5EF4-FFF2-40B4-BE49-F238E27FC236}">
+                  <a16:creationId xmlns:a16="http://schemas.microsoft.com/office/drawing/2014/main" id="{96AFF403-B5CF-4A27-A0AF-F87439AA3C12}"/>
+                </a:ext>
+              </a:extLst>
+            </p:cNvPr>
+            <p:cNvCxnSpPr>
+              <a:cxnSpLocks/>
+              <a:stCxn id="41" idx="2"/>
+              <a:endCxn id="57" idx="1"/>
+            </p:cNvCxnSpPr>
+            <p:nvPr/>
+          </p:nvCxnSpPr>
+          <p:spPr>
+            <a:xfrm rot="16200000" flipH="1">
+              <a:off x="3975604" y="2874196"/>
+              <a:ext cx="1235391" cy="186815"/>
+            </a:xfrm>
+            <a:prstGeom prst="bentConnector2">
+              <a:avLst/>
+            </a:prstGeom>
+            <a:ln w="19050">
+              <a:solidFill>
+                <a:schemeClr val="tx1"/>
+              </a:solidFill>
+            </a:ln>
+          </p:spPr>
+          <p:style>
+            <a:lnRef idx="1">
+              <a:schemeClr val="accent1"/>
+            </a:lnRef>
+            <a:fillRef idx="0">
+              <a:schemeClr val="accent1"/>
+            </a:fillRef>
+            <a:effectRef idx="0">
+              <a:schemeClr val="accent1"/>
+            </a:effectRef>
+            <a:fontRef idx="minor">
+              <a:schemeClr val="tx1"/>
+            </a:fontRef>
+          </p:style>
+        </p:cxnSp>
+        <p:cxnSp>
+          <p:nvCxnSpPr>
+            <p:cNvPr id="70" name="Verbinder: gewinkelt 69">
+              <a:extLst>
+                <a:ext uri="{FF2B5EF4-FFF2-40B4-BE49-F238E27FC236}">
+                  <a16:creationId xmlns:a16="http://schemas.microsoft.com/office/drawing/2014/main" id="{21B8BBEF-7582-42F1-B4E0-DF30BE4086F5}"/>
+                </a:ext>
+              </a:extLst>
+            </p:cNvPr>
+            <p:cNvCxnSpPr>
+              <a:cxnSpLocks/>
+              <a:stCxn id="41" idx="2"/>
+              <a:endCxn id="58" idx="1"/>
+            </p:cNvCxnSpPr>
+            <p:nvPr/>
+          </p:nvCxnSpPr>
+          <p:spPr>
+            <a:xfrm rot="16200000" flipH="1">
+              <a:off x="3583001" y="3266800"/>
+              <a:ext cx="2020596" cy="186814"/>
+            </a:xfrm>
+            <a:prstGeom prst="bentConnector2">
+              <a:avLst/>
+            </a:prstGeom>
+            <a:ln w="19050">
+              <a:solidFill>
+                <a:schemeClr val="tx1"/>
+              </a:solidFill>
+            </a:ln>
+          </p:spPr>
+          <p:style>
+            <a:lnRef idx="1">
+              <a:schemeClr val="accent1"/>
+            </a:lnRef>
+            <a:fillRef idx="0">
+              <a:schemeClr val="accent1"/>
+            </a:fillRef>
+            <a:effectRef idx="0">
+              <a:schemeClr val="accent1"/>
+            </a:effectRef>
+            <a:fontRef idx="minor">
+              <a:schemeClr val="tx1"/>
+            </a:fontRef>
+          </p:style>
+        </p:cxnSp>
+        <p:cxnSp>
+          <p:nvCxnSpPr>
+            <p:cNvPr id="73" name="Verbinder: gewinkelt 72">
+              <a:extLst>
+                <a:ext uri="{FF2B5EF4-FFF2-40B4-BE49-F238E27FC236}">
+                  <a16:creationId xmlns:a16="http://schemas.microsoft.com/office/drawing/2014/main" id="{83F637CD-31E1-4A88-9EAF-C4477EB07857}"/>
+                </a:ext>
+              </a:extLst>
+            </p:cNvPr>
+            <p:cNvCxnSpPr>
+              <a:cxnSpLocks/>
+              <a:stCxn id="41" idx="2"/>
+              <a:endCxn id="59" idx="1"/>
+            </p:cNvCxnSpPr>
+            <p:nvPr/>
+          </p:nvCxnSpPr>
+          <p:spPr>
+            <a:xfrm rot="16200000" flipH="1">
+              <a:off x="3196012" y="3653789"/>
+              <a:ext cx="2794574" cy="186814"/>
+            </a:xfrm>
+            <a:prstGeom prst="bentConnector2">
+              <a:avLst/>
+            </a:prstGeom>
+            <a:ln w="19050">
+              <a:solidFill>
+                <a:schemeClr val="tx1"/>
+              </a:solidFill>
+            </a:ln>
+          </p:spPr>
+          <p:style>
+            <a:lnRef idx="1">
+              <a:schemeClr val="accent1"/>
+            </a:lnRef>
+            <a:fillRef idx="0">
+              <a:schemeClr val="accent1"/>
+            </a:fillRef>
+            <a:effectRef idx="0">
+              <a:schemeClr val="accent1"/>
+            </a:effectRef>
+            <a:fontRef idx="minor">
+              <a:schemeClr val="tx1"/>
+            </a:fontRef>
+          </p:style>
+        </p:cxnSp>
+        <p:sp>
+          <p:nvSpPr>
+            <p:cNvPr id="76" name="Rechteck 75">
+              <a:extLst>
+                <a:ext uri="{FF2B5EF4-FFF2-40B4-BE49-F238E27FC236}">
+                  <a16:creationId xmlns:a16="http://schemas.microsoft.com/office/drawing/2014/main" id="{D3580B67-B2B4-4DE7-8B38-A9F1EFE51C8C}"/>
+                </a:ext>
+              </a:extLst>
+            </p:cNvPr>
+            <p:cNvSpPr/>
+            <p:nvPr/>
+          </p:nvSpPr>
+          <p:spPr>
+            <a:xfrm>
+              <a:off x="9048903" y="622196"/>
+              <a:ext cx="1638871" cy="795398"/>
+            </a:xfrm>
+            <a:prstGeom prst="rect">
+              <a:avLst/>
+            </a:prstGeom>
+            <a:solidFill>
+              <a:srgbClr val="33CCFF"/>
+            </a:solidFill>
+            <a:ln w="12700">
+              <a:solidFill>
+                <a:schemeClr val="tx1"/>
+              </a:solidFill>
+            </a:ln>
+          </p:spPr>
+          <p:style>
+            <a:lnRef idx="2">
+              <a:schemeClr val="accent1">
+                <a:shade val="50000"/>
+              </a:schemeClr>
+            </a:lnRef>
+            <a:fillRef idx="1">
+              <a:schemeClr val="accent1"/>
+            </a:fillRef>
+            <a:effectRef idx="0">
+              <a:schemeClr val="accent1"/>
+            </a:effectRef>
+            <a:fontRef idx="minor">
+              <a:schemeClr val="lt1"/>
+            </a:fontRef>
+          </p:style>
+          <p:txBody>
+            <a:bodyPr rtlCol="0" anchor="ctr"/>
+            <a:lstStyle/>
+            <a:p>
+              <a:pPr algn="ctr"/>
+              <a:r>
+                <a:rPr lang="de-AT" sz="1600" b="1" dirty="0">
+                  <a:solidFill>
+                    <a:schemeClr val="tx1"/>
+                  </a:solidFill>
+                </a:rPr>
+                <a:t>Tools</a:t>
+              </a:r>
+            </a:p>
+          </p:txBody>
+        </p:sp>
+        <p:sp>
+          <p:nvSpPr>
+            <p:cNvPr id="77" name="Rechteck 76">
+              <a:extLst>
+                <a:ext uri="{FF2B5EF4-FFF2-40B4-BE49-F238E27FC236}">
+                  <a16:creationId xmlns:a16="http://schemas.microsoft.com/office/drawing/2014/main" id="{729FD162-6EB9-4C92-AFC3-92A85B573265}"/>
+                </a:ext>
+              </a:extLst>
+            </p:cNvPr>
+            <p:cNvSpPr/>
+            <p:nvPr/>
+          </p:nvSpPr>
+          <p:spPr>
+            <a:xfrm>
+              <a:off x="9233272" y="1705300"/>
+              <a:ext cx="1270129" cy="644606"/>
+            </a:xfrm>
+            <a:prstGeom prst="rect">
+              <a:avLst/>
+            </a:prstGeom>
+            <a:solidFill>
+              <a:schemeClr val="bg1"/>
+            </a:solidFill>
+            <a:ln>
+              <a:solidFill>
+                <a:schemeClr val="tx1"/>
+              </a:solidFill>
+            </a:ln>
+          </p:spPr>
+          <p:style>
+            <a:lnRef idx="2">
+              <a:schemeClr val="accent1">
+                <a:shade val="50000"/>
+              </a:schemeClr>
+            </a:lnRef>
+            <a:fillRef idx="1">
+              <a:schemeClr val="accent1"/>
+            </a:fillRef>
+            <a:effectRef idx="0">
+              <a:schemeClr val="accent1"/>
+            </a:effectRef>
+            <a:fontRef idx="minor">
+              <a:schemeClr val="lt1"/>
+            </a:fontRef>
+          </p:style>
+          <p:txBody>
+            <a:bodyPr rtlCol="0" anchor="ctr"/>
+            <a:lstStyle/>
+            <a:p>
+              <a:pPr algn="ctr"/>
+              <a:r>
+                <a:rPr lang="de-AT" sz="1600" dirty="0">
+                  <a:solidFill>
+                    <a:schemeClr val="tx1"/>
+                  </a:solidFill>
+                </a:rPr>
+                <a:t>PCs</a:t>
+              </a:r>
+            </a:p>
+          </p:txBody>
+        </p:sp>
+        <p:sp>
+          <p:nvSpPr>
+            <p:cNvPr id="78" name="Rechteck 77">
+              <a:extLst>
+                <a:ext uri="{FF2B5EF4-FFF2-40B4-BE49-F238E27FC236}">
+                  <a16:creationId xmlns:a16="http://schemas.microsoft.com/office/drawing/2014/main" id="{8E129296-902D-434A-83F7-C8E380534818}"/>
+                </a:ext>
+              </a:extLst>
+            </p:cNvPr>
+            <p:cNvSpPr/>
+            <p:nvPr/>
+          </p:nvSpPr>
+          <p:spPr>
+            <a:xfrm>
+              <a:off x="9233273" y="2474318"/>
+              <a:ext cx="1270129" cy="644606"/>
+            </a:xfrm>
+            <a:prstGeom prst="rect">
+              <a:avLst/>
+            </a:prstGeom>
+            <a:solidFill>
+              <a:schemeClr val="bg1"/>
+            </a:solidFill>
+            <a:ln>
+              <a:solidFill>
+                <a:schemeClr val="tx1"/>
+              </a:solidFill>
+            </a:ln>
+          </p:spPr>
+          <p:style>
+            <a:lnRef idx="2">
+              <a:schemeClr val="accent1">
+                <a:shade val="50000"/>
+              </a:schemeClr>
+            </a:lnRef>
+            <a:fillRef idx="1">
+              <a:schemeClr val="accent1"/>
+            </a:fillRef>
+            <a:effectRef idx="0">
+              <a:schemeClr val="accent1"/>
+            </a:effectRef>
+            <a:fontRef idx="minor">
+              <a:schemeClr val="lt1"/>
+            </a:fontRef>
+          </p:style>
+          <p:txBody>
+            <a:bodyPr rtlCol="0" anchor="ctr"/>
+            <a:lstStyle/>
+            <a:p>
+              <a:pPr algn="ctr"/>
+              <a:r>
+                <a:rPr lang="de-AT" sz="1600" dirty="0">
+                  <a:solidFill>
+                    <a:schemeClr val="tx1"/>
+                  </a:solidFill>
+                </a:rPr>
+                <a:t>Software</a:t>
+              </a:r>
+            </a:p>
+          </p:txBody>
+        </p:sp>
+        <p:sp>
+          <p:nvSpPr>
+            <p:cNvPr id="79" name="Rechteck 78">
+              <a:extLst>
+                <a:ext uri="{FF2B5EF4-FFF2-40B4-BE49-F238E27FC236}">
+                  <a16:creationId xmlns:a16="http://schemas.microsoft.com/office/drawing/2014/main" id="{A710255B-FA5D-456D-BDC6-EF61E2781752}"/>
+                </a:ext>
+              </a:extLst>
+            </p:cNvPr>
+            <p:cNvSpPr/>
+            <p:nvPr/>
+          </p:nvSpPr>
+          <p:spPr>
+            <a:xfrm>
+              <a:off x="10078694" y="3263787"/>
+              <a:ext cx="1270129" cy="644606"/>
+            </a:xfrm>
+            <a:prstGeom prst="rect">
+              <a:avLst/>
+            </a:prstGeom>
+            <a:solidFill>
+              <a:schemeClr val="bg1"/>
+            </a:solidFill>
+            <a:ln>
+              <a:solidFill>
+                <a:schemeClr val="tx1"/>
+              </a:solidFill>
+            </a:ln>
+          </p:spPr>
+          <p:style>
+            <a:lnRef idx="2">
+              <a:schemeClr val="accent1">
+                <a:shade val="50000"/>
+              </a:schemeClr>
+            </a:lnRef>
+            <a:fillRef idx="1">
+              <a:schemeClr val="accent1"/>
+            </a:fillRef>
+            <a:effectRef idx="0">
+              <a:schemeClr val="accent1"/>
+            </a:effectRef>
+            <a:fontRef idx="minor">
+              <a:schemeClr val="lt1"/>
+            </a:fontRef>
+          </p:style>
+          <p:txBody>
+            <a:bodyPr rtlCol="0" anchor="ctr"/>
+            <a:lstStyle/>
+            <a:p>
+              <a:pPr algn="ctr"/>
+              <a:r>
+                <a:rPr lang="de-AT" sz="1600" dirty="0">
+                  <a:solidFill>
+                    <a:schemeClr val="tx1"/>
+                  </a:solidFill>
+                </a:rPr>
+                <a:t>Windows</a:t>
+              </a:r>
+            </a:p>
+          </p:txBody>
+        </p:sp>
+        <p:sp>
+          <p:nvSpPr>
+            <p:cNvPr id="80" name="Rechteck 79">
+              <a:extLst>
+                <a:ext uri="{FF2B5EF4-FFF2-40B4-BE49-F238E27FC236}">
+                  <a16:creationId xmlns:a16="http://schemas.microsoft.com/office/drawing/2014/main" id="{3960749F-E5DD-4B8E-B5A4-AD782707E49D}"/>
+                </a:ext>
+              </a:extLst>
+            </p:cNvPr>
+            <p:cNvSpPr/>
+            <p:nvPr/>
+          </p:nvSpPr>
+          <p:spPr>
+            <a:xfrm>
+              <a:off x="10078694" y="4048201"/>
+              <a:ext cx="1270129" cy="644606"/>
+            </a:xfrm>
+            <a:prstGeom prst="rect">
+              <a:avLst/>
+            </a:prstGeom>
+            <a:solidFill>
+              <a:schemeClr val="bg1"/>
+            </a:solidFill>
+            <a:ln>
+              <a:solidFill>
+                <a:schemeClr val="tx1"/>
+              </a:solidFill>
+            </a:ln>
+          </p:spPr>
+          <p:style>
+            <a:lnRef idx="2">
+              <a:schemeClr val="accent1">
+                <a:shade val="50000"/>
+              </a:schemeClr>
+            </a:lnRef>
+            <a:fillRef idx="1">
+              <a:schemeClr val="accent1"/>
+            </a:fillRef>
+            <a:effectRef idx="0">
+              <a:schemeClr val="accent1"/>
+            </a:effectRef>
+            <a:fontRef idx="minor">
+              <a:schemeClr val="lt1"/>
+            </a:fontRef>
+          </p:style>
+          <p:txBody>
+            <a:bodyPr rtlCol="0" anchor="ctr"/>
+            <a:lstStyle/>
+            <a:p>
+              <a:pPr algn="ctr"/>
+              <a:r>
+                <a:rPr lang="de-AT" sz="1600" dirty="0">
+                  <a:solidFill>
+                    <a:schemeClr val="tx1"/>
+                  </a:solidFill>
+                </a:rPr>
+                <a:t>Visual Studio</a:t>
+              </a:r>
+            </a:p>
+          </p:txBody>
+        </p:sp>
+        <p:cxnSp>
+          <p:nvCxnSpPr>
+            <p:cNvPr id="81" name="Verbinder: gewinkelt 80">
+              <a:extLst>
+                <a:ext uri="{FF2B5EF4-FFF2-40B4-BE49-F238E27FC236}">
+                  <a16:creationId xmlns:a16="http://schemas.microsoft.com/office/drawing/2014/main" id="{64A28853-0A30-4BA4-A6AF-A2A5520D10FA}"/>
+                </a:ext>
+              </a:extLst>
+            </p:cNvPr>
+            <p:cNvCxnSpPr>
+              <a:cxnSpLocks/>
+              <a:stCxn id="78" idx="2"/>
+              <a:endCxn id="79" idx="1"/>
+            </p:cNvCxnSpPr>
+            <p:nvPr/>
+          </p:nvCxnSpPr>
+          <p:spPr>
+            <a:xfrm rot="16200000" flipH="1">
+              <a:off x="9739933" y="3247329"/>
+              <a:ext cx="467166" cy="210356"/>
+            </a:xfrm>
+            <a:prstGeom prst="bentConnector2">
+              <a:avLst/>
+            </a:prstGeom>
+            <a:ln w="19050">
+              <a:solidFill>
+                <a:schemeClr val="tx1"/>
+              </a:solidFill>
+            </a:ln>
+          </p:spPr>
+          <p:style>
+            <a:lnRef idx="1">
+              <a:schemeClr val="accent1"/>
+            </a:lnRef>
+            <a:fillRef idx="0">
+              <a:schemeClr val="accent1"/>
+            </a:fillRef>
+            <a:effectRef idx="0">
+              <a:schemeClr val="accent1"/>
+            </a:effectRef>
+            <a:fontRef idx="minor">
+              <a:schemeClr val="tx1"/>
+            </a:fontRef>
+          </p:style>
+        </p:cxnSp>
+        <p:cxnSp>
+          <p:nvCxnSpPr>
+            <p:cNvPr id="84" name="Verbinder: gewinkelt 83">
+              <a:extLst>
+                <a:ext uri="{FF2B5EF4-FFF2-40B4-BE49-F238E27FC236}">
+                  <a16:creationId xmlns:a16="http://schemas.microsoft.com/office/drawing/2014/main" id="{BB7BCA7E-ED70-472C-9E55-8B2ECE51B771}"/>
+                </a:ext>
+              </a:extLst>
+            </p:cNvPr>
+            <p:cNvCxnSpPr>
+              <a:cxnSpLocks/>
+              <a:stCxn id="78" idx="2"/>
+              <a:endCxn id="80" idx="1"/>
+            </p:cNvCxnSpPr>
+            <p:nvPr/>
+          </p:nvCxnSpPr>
+          <p:spPr>
+            <a:xfrm rot="16200000" flipH="1">
+              <a:off x="9347726" y="3639536"/>
+              <a:ext cx="1251580" cy="210356"/>
+            </a:xfrm>
+            <a:prstGeom prst="bentConnector2">
+              <a:avLst/>
+            </a:prstGeom>
+            <a:ln w="19050">
+              <a:solidFill>
+                <a:schemeClr val="tx1"/>
+              </a:solidFill>
+            </a:ln>
+          </p:spPr>
+          <p:style>
+            <a:lnRef idx="1">
+              <a:schemeClr val="accent1"/>
+            </a:lnRef>
+            <a:fillRef idx="0">
+              <a:schemeClr val="accent1"/>
+            </a:fillRef>
+            <a:effectRef idx="0">
+              <a:schemeClr val="accent1"/>
+            </a:effectRef>
+            <a:fontRef idx="minor">
+              <a:schemeClr val="tx1"/>
+            </a:fontRef>
+          </p:style>
+        </p:cxnSp>
+        <p:cxnSp>
+          <p:nvCxnSpPr>
+            <p:cNvPr id="87" name="Gerader Verbinder 86">
+              <a:extLst>
+                <a:ext uri="{FF2B5EF4-FFF2-40B4-BE49-F238E27FC236}">
+                  <a16:creationId xmlns:a16="http://schemas.microsoft.com/office/drawing/2014/main" id="{8E46D3C5-9039-40CE-8FBA-9EACFD3EB50B}"/>
+                </a:ext>
+              </a:extLst>
+            </p:cNvPr>
+            <p:cNvCxnSpPr>
+              <a:cxnSpLocks/>
+              <a:stCxn id="76" idx="2"/>
+              <a:endCxn id="77" idx="0"/>
+            </p:cNvCxnSpPr>
+            <p:nvPr/>
+          </p:nvCxnSpPr>
+          <p:spPr>
+            <a:xfrm flipH="1">
+              <a:off x="9868337" y="1417594"/>
+              <a:ext cx="2" cy="287706"/>
+            </a:xfrm>
+            <a:prstGeom prst="line">
+              <a:avLst/>
+            </a:prstGeom>
+            <a:ln w="19050">
+              <a:solidFill>
+                <a:schemeClr val="tx1"/>
+              </a:solidFill>
+            </a:ln>
+          </p:spPr>
+          <p:style>
+            <a:lnRef idx="1">
+              <a:schemeClr val="accent1"/>
+            </a:lnRef>
+            <a:fillRef idx="0">
+              <a:schemeClr val="accent1"/>
+            </a:fillRef>
+            <a:effectRef idx="0">
+              <a:schemeClr val="accent1"/>
+            </a:effectRef>
+            <a:fontRef idx="minor">
+              <a:schemeClr val="tx1"/>
+            </a:fontRef>
+          </p:style>
+        </p:cxnSp>
+        <p:cxnSp>
+          <p:nvCxnSpPr>
+            <p:cNvPr id="90" name="Gerader Verbinder 89">
+              <a:extLst>
+                <a:ext uri="{FF2B5EF4-FFF2-40B4-BE49-F238E27FC236}">
+                  <a16:creationId xmlns:a16="http://schemas.microsoft.com/office/drawing/2014/main" id="{596296CD-617A-4B95-B9C9-E9AAAB7A35F7}"/>
+                </a:ext>
+              </a:extLst>
+            </p:cNvPr>
+            <p:cNvCxnSpPr>
+              <a:cxnSpLocks/>
+              <a:stCxn id="77" idx="2"/>
+              <a:endCxn id="78" idx="0"/>
+            </p:cNvCxnSpPr>
+            <p:nvPr/>
+          </p:nvCxnSpPr>
+          <p:spPr>
+            <a:xfrm>
+              <a:off x="9868337" y="2349906"/>
+              <a:ext cx="1" cy="124412"/>
+            </a:xfrm>
+            <a:prstGeom prst="line">
+              <a:avLst/>
+            </a:prstGeom>
+            <a:ln w="19050">
+              <a:solidFill>
+                <a:schemeClr val="tx1"/>
+              </a:solidFill>
+            </a:ln>
+          </p:spPr>
+          <p:style>
+            <a:lnRef idx="1">
+              <a:schemeClr val="accent1"/>
+            </a:lnRef>
+            <a:fillRef idx="0">
+              <a:schemeClr val="accent1"/>
+            </a:fillRef>
+            <a:effectRef idx="0">
+              <a:schemeClr val="accent1"/>
+            </a:effectRef>
+            <a:fontRef idx="minor">
+              <a:schemeClr val="tx1"/>
+            </a:fontRef>
+          </p:style>
+        </p:cxnSp>
+        <p:sp>
+          <p:nvSpPr>
+            <p:cNvPr id="93" name="Textfeld 92">
+              <a:extLst>
+                <a:ext uri="{FF2B5EF4-FFF2-40B4-BE49-F238E27FC236}">
+                  <a16:creationId xmlns:a16="http://schemas.microsoft.com/office/drawing/2014/main" id="{90DC5674-F420-4A02-8D92-C492D6C0134B}"/>
+                </a:ext>
+              </a:extLst>
+            </p:cNvPr>
+            <p:cNvSpPr txBox="1"/>
+            <p:nvPr/>
+          </p:nvSpPr>
+          <p:spPr>
+            <a:xfrm>
+              <a:off x="4120642" y="-7132"/>
+              <a:ext cx="4856009" cy="584775"/>
+            </a:xfrm>
+            <a:prstGeom prst="rect">
+              <a:avLst/>
+            </a:prstGeom>
+            <a:noFill/>
+          </p:spPr>
+          <p:txBody>
+            <a:bodyPr wrap="none" rtlCol="0">
+              <a:spAutoFit/>
+            </a:bodyPr>
+            <a:lstStyle/>
+            <a:p>
+              <a:r>
+                <a:rPr lang="de-AT" sz="3200" b="1" dirty="0" err="1"/>
+                <a:t>Object</a:t>
+              </a:r>
+              <a:r>
+                <a:rPr lang="de-AT" sz="3200" b="1" dirty="0"/>
+                <a:t> </a:t>
+              </a:r>
+              <a:r>
+                <a:rPr lang="de-AT" sz="3200" b="1" dirty="0" err="1"/>
+                <a:t>Structure</a:t>
+              </a:r>
+              <a:r>
+                <a:rPr lang="de-AT" sz="3200" b="1" dirty="0"/>
+                <a:t> Plan (OSP)</a:t>
+              </a:r>
+            </a:p>
+          </p:txBody>
+        </p:sp>
+        <p:sp>
+          <p:nvSpPr>
+            <p:cNvPr id="94" name="Rechteck 93">
+              <a:extLst>
+                <a:ext uri="{FF2B5EF4-FFF2-40B4-BE49-F238E27FC236}">
+                  <a16:creationId xmlns:a16="http://schemas.microsoft.com/office/drawing/2014/main" id="{39F695B2-5A24-403D-8959-B9C582C62534}"/>
+                </a:ext>
+              </a:extLst>
+            </p:cNvPr>
+            <p:cNvSpPr/>
+            <p:nvPr/>
+          </p:nvSpPr>
+          <p:spPr>
+            <a:xfrm>
+              <a:off x="6521707" y="1705302"/>
+              <a:ext cx="1270129" cy="644606"/>
+            </a:xfrm>
+            <a:prstGeom prst="rect">
+              <a:avLst/>
+            </a:prstGeom>
+            <a:solidFill>
+              <a:schemeClr val="bg1"/>
+            </a:solidFill>
+            <a:ln>
+              <a:solidFill>
+                <a:schemeClr val="tx1"/>
+              </a:solidFill>
+            </a:ln>
+          </p:spPr>
+          <p:style>
+            <a:lnRef idx="2">
+              <a:schemeClr val="accent1">
+                <a:shade val="50000"/>
+              </a:schemeClr>
+            </a:lnRef>
+            <a:fillRef idx="1">
+              <a:schemeClr val="accent1"/>
+            </a:fillRef>
+            <a:effectRef idx="0">
+              <a:schemeClr val="accent1"/>
+            </a:effectRef>
+            <a:fontRef idx="minor">
+              <a:schemeClr val="lt1"/>
+            </a:fontRef>
+          </p:style>
+          <p:txBody>
+            <a:bodyPr rtlCol="0" anchor="ctr"/>
+            <a:lstStyle/>
+            <a:p>
+              <a:pPr algn="ctr"/>
+              <a:r>
+                <a:rPr lang="de-AT" sz="1600" dirty="0" err="1">
+                  <a:solidFill>
+                    <a:schemeClr val="tx1"/>
+                  </a:solidFill>
+                </a:rPr>
+                <a:t>Tables</a:t>
+              </a:r>
+              <a:endParaRPr lang="de-AT" sz="1600" dirty="0">
+                <a:solidFill>
+                  <a:schemeClr val="tx1"/>
+                </a:solidFill>
+              </a:endParaRPr>
+            </a:p>
+          </p:txBody>
+        </p:sp>
+        <p:sp>
+          <p:nvSpPr>
+            <p:cNvPr id="95" name="Rechteck 94">
+              <a:extLst>
+                <a:ext uri="{FF2B5EF4-FFF2-40B4-BE49-F238E27FC236}">
+                  <a16:creationId xmlns:a16="http://schemas.microsoft.com/office/drawing/2014/main" id="{2D5E519D-B022-49AE-8F78-8956FB194582}"/>
+                </a:ext>
+              </a:extLst>
+            </p:cNvPr>
+            <p:cNvSpPr/>
+            <p:nvPr/>
+          </p:nvSpPr>
+          <p:spPr>
+            <a:xfrm>
+              <a:off x="7302095" y="2474317"/>
+              <a:ext cx="1296111" cy="644606"/>
+            </a:xfrm>
+            <a:prstGeom prst="rect">
+              <a:avLst/>
+            </a:prstGeom>
+            <a:solidFill>
+              <a:schemeClr val="bg1"/>
+            </a:solidFill>
+            <a:ln>
+              <a:solidFill>
+                <a:schemeClr val="tx1"/>
+              </a:solidFill>
+            </a:ln>
+          </p:spPr>
+          <p:style>
+            <a:lnRef idx="2">
+              <a:schemeClr val="accent1">
+                <a:shade val="50000"/>
+              </a:schemeClr>
+            </a:lnRef>
+            <a:fillRef idx="1">
+              <a:schemeClr val="accent1"/>
+            </a:fillRef>
+            <a:effectRef idx="0">
+              <a:schemeClr val="accent1"/>
+            </a:effectRef>
+            <a:fontRef idx="minor">
+              <a:schemeClr val="lt1"/>
+            </a:fontRef>
+          </p:style>
+          <p:txBody>
+            <a:bodyPr rtlCol="0" anchor="ctr"/>
+            <a:lstStyle/>
+            <a:p>
+              <a:pPr algn="ctr"/>
+              <a:r>
+                <a:rPr lang="de-AT" sz="1600" dirty="0" err="1">
+                  <a:solidFill>
+                    <a:schemeClr val="tx1"/>
+                  </a:solidFill>
+                </a:rPr>
+                <a:t>OpeningTime</a:t>
+              </a:r>
+              <a:endParaRPr lang="de-AT" sz="1600" dirty="0">
+                <a:solidFill>
+                  <a:schemeClr val="tx1"/>
+                </a:solidFill>
+              </a:endParaRPr>
+            </a:p>
+          </p:txBody>
+        </p:sp>
+        <p:cxnSp>
+          <p:nvCxnSpPr>
+            <p:cNvPr id="96" name="Gerader Verbinder 95">
+              <a:extLst>
+                <a:ext uri="{FF2B5EF4-FFF2-40B4-BE49-F238E27FC236}">
+                  <a16:creationId xmlns:a16="http://schemas.microsoft.com/office/drawing/2014/main" id="{F985E319-CA40-4C13-BEAC-FE364C152C6C}"/>
+                </a:ext>
+              </a:extLst>
+            </p:cNvPr>
+            <p:cNvCxnSpPr>
+              <a:cxnSpLocks/>
+              <a:stCxn id="22" idx="2"/>
+              <a:endCxn id="94" idx="0"/>
+            </p:cNvCxnSpPr>
+            <p:nvPr/>
+          </p:nvCxnSpPr>
+          <p:spPr>
+            <a:xfrm flipH="1">
+              <a:off x="7156772" y="1417594"/>
+              <a:ext cx="1" cy="287708"/>
+            </a:xfrm>
+            <a:prstGeom prst="line">
+              <a:avLst/>
+            </a:prstGeom>
+            <a:ln w="19050">
+              <a:solidFill>
+                <a:schemeClr val="tx1"/>
+              </a:solidFill>
+            </a:ln>
+          </p:spPr>
+          <p:style>
+            <a:lnRef idx="1">
+              <a:schemeClr val="accent1"/>
+            </a:lnRef>
+            <a:fillRef idx="0">
+              <a:schemeClr val="accent1"/>
+            </a:fillRef>
+            <a:effectRef idx="0">
+              <a:schemeClr val="accent1"/>
+            </a:effectRef>
+            <a:fontRef idx="minor">
+              <a:schemeClr val="tx1"/>
+            </a:fontRef>
+          </p:style>
+        </p:cxnSp>
+        <p:cxnSp>
+          <p:nvCxnSpPr>
+            <p:cNvPr id="99" name="Verbinder: gewinkelt 98">
+              <a:extLst>
+                <a:ext uri="{FF2B5EF4-FFF2-40B4-BE49-F238E27FC236}">
+                  <a16:creationId xmlns:a16="http://schemas.microsoft.com/office/drawing/2014/main" id="{2C99808C-FF06-4DBB-B24F-1856917E0F87}"/>
+                </a:ext>
+              </a:extLst>
+            </p:cNvPr>
+            <p:cNvCxnSpPr>
+              <a:cxnSpLocks/>
+              <a:stCxn id="94" idx="2"/>
+              <a:endCxn id="95" idx="1"/>
+            </p:cNvCxnSpPr>
+            <p:nvPr/>
+          </p:nvCxnSpPr>
+          <p:spPr>
+            <a:xfrm rot="16200000" flipH="1">
+              <a:off x="7006077" y="2500602"/>
+              <a:ext cx="446712" cy="145323"/>
+            </a:xfrm>
+            <a:prstGeom prst="bentConnector2">
+              <a:avLst/>
+            </a:prstGeom>
+            <a:ln w="19050">
+              <a:solidFill>
+                <a:schemeClr val="tx1"/>
+              </a:solidFill>
+            </a:ln>
+          </p:spPr>
+          <p:style>
+            <a:lnRef idx="1">
+              <a:schemeClr val="accent1"/>
+            </a:lnRef>
+            <a:fillRef idx="0">
+              <a:schemeClr val="accent1"/>
+            </a:fillRef>
+            <a:effectRef idx="0">
+              <a:schemeClr val="accent1"/>
+            </a:effectRef>
+            <a:fontRef idx="minor">
+              <a:schemeClr val="tx1"/>
+            </a:fontRef>
+          </p:style>
+        </p:cxnSp>
+        <p:sp>
+          <p:nvSpPr>
+            <p:cNvPr id="136" name="Rechteck 135">
+              <a:extLst>
+                <a:ext uri="{FF2B5EF4-FFF2-40B4-BE49-F238E27FC236}">
+                  <a16:creationId xmlns:a16="http://schemas.microsoft.com/office/drawing/2014/main" id="{FFB18F48-AEFB-4625-B52E-85EDAA5D3053}"/>
+                </a:ext>
+              </a:extLst>
+            </p:cNvPr>
+            <p:cNvSpPr/>
+            <p:nvPr/>
+          </p:nvSpPr>
+          <p:spPr>
+            <a:xfrm>
+              <a:off x="7302094" y="3219307"/>
+              <a:ext cx="1296111" cy="644606"/>
+            </a:xfrm>
+            <a:prstGeom prst="rect">
+              <a:avLst/>
+            </a:prstGeom>
+            <a:solidFill>
+              <a:schemeClr val="bg1"/>
+            </a:solidFill>
+            <a:ln>
+              <a:solidFill>
+                <a:schemeClr val="tx1"/>
+              </a:solidFill>
+            </a:ln>
+          </p:spPr>
+          <p:style>
+            <a:lnRef idx="2">
+              <a:schemeClr val="accent1">
+                <a:shade val="50000"/>
+              </a:schemeClr>
+            </a:lnRef>
+            <a:fillRef idx="1">
+              <a:schemeClr val="accent1"/>
+            </a:fillRef>
+            <a:effectRef idx="0">
+              <a:schemeClr val="accent1"/>
+            </a:effectRef>
+            <a:fontRef idx="minor">
+              <a:schemeClr val="lt1"/>
+            </a:fontRef>
+          </p:style>
+          <p:txBody>
+            <a:bodyPr rtlCol="0" anchor="ctr"/>
+            <a:lstStyle/>
+            <a:p>
+              <a:pPr algn="ctr"/>
+              <a:r>
+                <a:rPr lang="de-AT" sz="1600" dirty="0">
+                  <a:solidFill>
+                    <a:schemeClr val="tx1"/>
+                  </a:solidFill>
+                </a:rPr>
+                <a:t>Place</a:t>
+              </a:r>
+            </a:p>
+          </p:txBody>
+        </p:sp>
+        <p:sp>
+          <p:nvSpPr>
+            <p:cNvPr id="137" name="Rechteck 136">
+              <a:extLst>
+                <a:ext uri="{FF2B5EF4-FFF2-40B4-BE49-F238E27FC236}">
+                  <a16:creationId xmlns:a16="http://schemas.microsoft.com/office/drawing/2014/main" id="{9AE5EE39-D022-4A2F-A3D6-838DE2B97C07}"/>
+                </a:ext>
+              </a:extLst>
+            </p:cNvPr>
+            <p:cNvSpPr/>
+            <p:nvPr/>
+          </p:nvSpPr>
+          <p:spPr>
+            <a:xfrm>
+              <a:off x="7302094" y="3968090"/>
+              <a:ext cx="1296111" cy="644606"/>
+            </a:xfrm>
+            <a:prstGeom prst="rect">
+              <a:avLst/>
+            </a:prstGeom>
+            <a:solidFill>
+              <a:schemeClr val="bg1"/>
+            </a:solidFill>
+            <a:ln>
+              <a:solidFill>
+                <a:schemeClr val="tx1"/>
+              </a:solidFill>
+            </a:ln>
+          </p:spPr>
+          <p:style>
+            <a:lnRef idx="2">
+              <a:schemeClr val="accent1">
+                <a:shade val="50000"/>
+              </a:schemeClr>
+            </a:lnRef>
+            <a:fillRef idx="1">
+              <a:schemeClr val="accent1"/>
+            </a:fillRef>
+            <a:effectRef idx="0">
+              <a:schemeClr val="accent1"/>
+            </a:effectRef>
+            <a:fontRef idx="minor">
+              <a:schemeClr val="lt1"/>
+            </a:fontRef>
+          </p:style>
+          <p:txBody>
+            <a:bodyPr rtlCol="0" anchor="ctr"/>
+            <a:lstStyle/>
+            <a:p>
+              <a:pPr algn="ctr"/>
+              <a:r>
+                <a:rPr lang="de-AT" sz="1600" dirty="0" err="1">
+                  <a:solidFill>
+                    <a:schemeClr val="tx1"/>
+                  </a:solidFill>
+                </a:rPr>
+                <a:t>PlaceType</a:t>
+              </a:r>
+              <a:endParaRPr lang="de-AT" sz="1600" dirty="0">
+                <a:solidFill>
+                  <a:schemeClr val="tx1"/>
+                </a:solidFill>
+              </a:endParaRPr>
+            </a:p>
+          </p:txBody>
+        </p:sp>
+        <p:sp>
+          <p:nvSpPr>
+            <p:cNvPr id="138" name="Rechteck 137">
+              <a:extLst>
+                <a:ext uri="{FF2B5EF4-FFF2-40B4-BE49-F238E27FC236}">
+                  <a16:creationId xmlns:a16="http://schemas.microsoft.com/office/drawing/2014/main" id="{D28BF002-DA50-44E1-89CE-CA3DFF27437A}"/>
+                </a:ext>
+              </a:extLst>
+            </p:cNvPr>
+            <p:cNvSpPr/>
+            <p:nvPr/>
+          </p:nvSpPr>
+          <p:spPr>
+            <a:xfrm>
+              <a:off x="7302094" y="4716873"/>
+              <a:ext cx="1296111" cy="644606"/>
+            </a:xfrm>
+            <a:prstGeom prst="rect">
+              <a:avLst/>
+            </a:prstGeom>
+            <a:solidFill>
+              <a:schemeClr val="bg1"/>
+            </a:solidFill>
+            <a:ln>
+              <a:solidFill>
+                <a:schemeClr val="tx1"/>
+              </a:solidFill>
+            </a:ln>
+          </p:spPr>
+          <p:style>
+            <a:lnRef idx="2">
+              <a:schemeClr val="accent1">
+                <a:shade val="50000"/>
+              </a:schemeClr>
+            </a:lnRef>
+            <a:fillRef idx="1">
+              <a:schemeClr val="accent1"/>
+            </a:fillRef>
+            <a:effectRef idx="0">
+              <a:schemeClr val="accent1"/>
+            </a:effectRef>
+            <a:fontRef idx="minor">
+              <a:schemeClr val="lt1"/>
+            </a:fontRef>
+          </p:style>
+          <p:txBody>
+            <a:bodyPr rtlCol="0" anchor="ctr"/>
+            <a:lstStyle/>
+            <a:p>
+              <a:pPr algn="ctr"/>
+              <a:r>
+                <a:rPr lang="de-AT" sz="1600" dirty="0" err="1">
+                  <a:solidFill>
+                    <a:schemeClr val="tx1"/>
+                  </a:solidFill>
+                </a:rPr>
+                <a:t>Reaction</a:t>
+              </a:r>
+              <a:endParaRPr lang="de-AT" sz="1600" dirty="0">
+                <a:solidFill>
+                  <a:schemeClr val="tx1"/>
+                </a:solidFill>
+              </a:endParaRPr>
+            </a:p>
+          </p:txBody>
+        </p:sp>
+        <p:sp>
+          <p:nvSpPr>
+            <p:cNvPr id="139" name="Rechteck 138">
+              <a:extLst>
+                <a:ext uri="{FF2B5EF4-FFF2-40B4-BE49-F238E27FC236}">
+                  <a16:creationId xmlns:a16="http://schemas.microsoft.com/office/drawing/2014/main" id="{F5A1A3C9-4505-44C6-A379-5471E4E781E0}"/>
+                </a:ext>
+              </a:extLst>
+            </p:cNvPr>
+            <p:cNvSpPr/>
+            <p:nvPr/>
+          </p:nvSpPr>
+          <p:spPr>
+            <a:xfrm>
+              <a:off x="7302094" y="5465656"/>
+              <a:ext cx="1296111" cy="644606"/>
+            </a:xfrm>
+            <a:prstGeom prst="rect">
+              <a:avLst/>
+            </a:prstGeom>
+            <a:solidFill>
+              <a:schemeClr val="bg1"/>
+            </a:solidFill>
+            <a:ln>
+              <a:solidFill>
+                <a:schemeClr val="tx1"/>
+              </a:solidFill>
+            </a:ln>
+          </p:spPr>
+          <p:style>
+            <a:lnRef idx="2">
+              <a:schemeClr val="accent1">
+                <a:shade val="50000"/>
+              </a:schemeClr>
+            </a:lnRef>
+            <a:fillRef idx="1">
+              <a:schemeClr val="accent1"/>
+            </a:fillRef>
+            <a:effectRef idx="0">
+              <a:schemeClr val="accent1"/>
+            </a:effectRef>
+            <a:fontRef idx="minor">
+              <a:schemeClr val="lt1"/>
+            </a:fontRef>
+          </p:style>
+          <p:txBody>
+            <a:bodyPr rtlCol="0" anchor="ctr"/>
+            <a:lstStyle/>
+            <a:p>
+              <a:pPr algn="ctr"/>
+              <a:r>
+                <a:rPr lang="de-AT" sz="1600" dirty="0">
+                  <a:solidFill>
+                    <a:schemeClr val="tx1"/>
+                  </a:solidFill>
+                </a:rPr>
+                <a:t>Review</a:t>
+              </a:r>
+            </a:p>
+          </p:txBody>
+        </p:sp>
+        <p:sp>
+          <p:nvSpPr>
+            <p:cNvPr id="140" name="Rechteck 139">
+              <a:extLst>
+                <a:ext uri="{FF2B5EF4-FFF2-40B4-BE49-F238E27FC236}">
+                  <a16:creationId xmlns:a16="http://schemas.microsoft.com/office/drawing/2014/main" id="{A4CA4404-C069-4530-8EA7-CE77FA44F8AC}"/>
+                </a:ext>
+              </a:extLst>
+            </p:cNvPr>
+            <p:cNvSpPr/>
+            <p:nvPr/>
+          </p:nvSpPr>
+          <p:spPr>
+            <a:xfrm>
+              <a:off x="7302093" y="6191683"/>
+              <a:ext cx="1296111" cy="644606"/>
+            </a:xfrm>
+            <a:prstGeom prst="rect">
+              <a:avLst/>
+            </a:prstGeom>
+            <a:solidFill>
+              <a:schemeClr val="bg1"/>
+            </a:solidFill>
+            <a:ln>
+              <a:solidFill>
+                <a:schemeClr val="tx1"/>
+              </a:solidFill>
+            </a:ln>
+          </p:spPr>
+          <p:style>
+            <a:lnRef idx="2">
+              <a:schemeClr val="accent1">
+                <a:shade val="50000"/>
+              </a:schemeClr>
+            </a:lnRef>
+            <a:fillRef idx="1">
+              <a:schemeClr val="accent1"/>
+            </a:fillRef>
+            <a:effectRef idx="0">
+              <a:schemeClr val="accent1"/>
+            </a:effectRef>
+            <a:fontRef idx="minor">
+              <a:schemeClr val="lt1"/>
+            </a:fontRef>
+          </p:style>
+          <p:txBody>
+            <a:bodyPr rtlCol="0" anchor="ctr"/>
+            <a:lstStyle/>
+            <a:p>
+              <a:pPr algn="ctr"/>
+              <a:r>
+                <a:rPr lang="de-AT" sz="1600" dirty="0">
+                  <a:solidFill>
+                    <a:schemeClr val="tx1"/>
+                  </a:solidFill>
+                </a:rPr>
+                <a:t>User</a:t>
+              </a:r>
+            </a:p>
+          </p:txBody>
+        </p:sp>
+        <p:cxnSp>
+          <p:nvCxnSpPr>
+            <p:cNvPr id="141" name="Verbinder: gewinkelt 140">
+              <a:extLst>
+                <a:ext uri="{FF2B5EF4-FFF2-40B4-BE49-F238E27FC236}">
+                  <a16:creationId xmlns:a16="http://schemas.microsoft.com/office/drawing/2014/main" id="{16A402BC-ED39-4864-9B69-51914A168484}"/>
+                </a:ext>
+              </a:extLst>
+            </p:cNvPr>
+            <p:cNvCxnSpPr>
+              <a:cxnSpLocks/>
+              <a:stCxn id="94" idx="2"/>
+              <a:endCxn id="136" idx="1"/>
+            </p:cNvCxnSpPr>
+            <p:nvPr/>
+          </p:nvCxnSpPr>
+          <p:spPr>
+            <a:xfrm rot="16200000" flipH="1">
+              <a:off x="6633582" y="2873098"/>
+              <a:ext cx="1191702" cy="145322"/>
+            </a:xfrm>
+            <a:prstGeom prst="bentConnector2">
+              <a:avLst/>
+            </a:prstGeom>
+            <a:ln w="19050">
+              <a:solidFill>
+                <a:schemeClr val="tx1"/>
+              </a:solidFill>
+            </a:ln>
+          </p:spPr>
+          <p:style>
+            <a:lnRef idx="1">
+              <a:schemeClr val="accent1"/>
+            </a:lnRef>
+            <a:fillRef idx="0">
+              <a:schemeClr val="accent1"/>
+            </a:fillRef>
+            <a:effectRef idx="0">
+              <a:schemeClr val="accent1"/>
+            </a:effectRef>
+            <a:fontRef idx="minor">
+              <a:schemeClr val="tx1"/>
+            </a:fontRef>
+          </p:style>
+        </p:cxnSp>
+        <p:cxnSp>
+          <p:nvCxnSpPr>
+            <p:cNvPr id="144" name="Verbinder: gewinkelt 143">
+              <a:extLst>
+                <a:ext uri="{FF2B5EF4-FFF2-40B4-BE49-F238E27FC236}">
+                  <a16:creationId xmlns:a16="http://schemas.microsoft.com/office/drawing/2014/main" id="{114E520C-E82A-450C-8CC4-5A33115E37A6}"/>
+                </a:ext>
+              </a:extLst>
+            </p:cNvPr>
+            <p:cNvCxnSpPr>
+              <a:cxnSpLocks/>
+              <a:stCxn id="94" idx="2"/>
+              <a:endCxn id="137" idx="1"/>
+            </p:cNvCxnSpPr>
+            <p:nvPr/>
+          </p:nvCxnSpPr>
+          <p:spPr>
+            <a:xfrm rot="16200000" flipH="1">
+              <a:off x="6259191" y="3247489"/>
+              <a:ext cx="1940485" cy="145322"/>
+            </a:xfrm>
+            <a:prstGeom prst="bentConnector2">
+              <a:avLst/>
+            </a:prstGeom>
+            <a:ln w="19050">
+              <a:solidFill>
+                <a:schemeClr val="tx1"/>
+              </a:solidFill>
+            </a:ln>
+          </p:spPr>
+          <p:style>
+            <a:lnRef idx="1">
+              <a:schemeClr val="accent1"/>
+            </a:lnRef>
+            <a:fillRef idx="0">
+              <a:schemeClr val="accent1"/>
+            </a:fillRef>
+            <a:effectRef idx="0">
+              <a:schemeClr val="accent1"/>
+            </a:effectRef>
+            <a:fontRef idx="minor">
+              <a:schemeClr val="tx1"/>
+            </a:fontRef>
+          </p:style>
+        </p:cxnSp>
+        <p:cxnSp>
+          <p:nvCxnSpPr>
+            <p:cNvPr id="147" name="Verbinder: gewinkelt 146">
+              <a:extLst>
+                <a:ext uri="{FF2B5EF4-FFF2-40B4-BE49-F238E27FC236}">
+                  <a16:creationId xmlns:a16="http://schemas.microsoft.com/office/drawing/2014/main" id="{6566B405-F18C-41E7-B1D5-DAF0B7B5B54F}"/>
+                </a:ext>
+              </a:extLst>
+            </p:cNvPr>
+            <p:cNvCxnSpPr>
+              <a:cxnSpLocks/>
+              <a:stCxn id="94" idx="2"/>
+              <a:endCxn id="138" idx="1"/>
+            </p:cNvCxnSpPr>
+            <p:nvPr/>
+          </p:nvCxnSpPr>
+          <p:spPr>
+            <a:xfrm rot="16200000" flipH="1">
+              <a:off x="5884799" y="3621881"/>
+              <a:ext cx="2689268" cy="145322"/>
+            </a:xfrm>
+            <a:prstGeom prst="bentConnector2">
+              <a:avLst/>
+            </a:prstGeom>
+            <a:ln w="19050">
+              <a:solidFill>
+                <a:schemeClr val="tx1"/>
+              </a:solidFill>
+            </a:ln>
+          </p:spPr>
+          <p:style>
+            <a:lnRef idx="1">
+              <a:schemeClr val="accent1"/>
+            </a:lnRef>
+            <a:fillRef idx="0">
+              <a:schemeClr val="accent1"/>
+            </a:fillRef>
+            <a:effectRef idx="0">
+              <a:schemeClr val="accent1"/>
+            </a:effectRef>
+            <a:fontRef idx="minor">
+              <a:schemeClr val="tx1"/>
+            </a:fontRef>
+          </p:style>
+        </p:cxnSp>
+        <p:cxnSp>
+          <p:nvCxnSpPr>
+            <p:cNvPr id="150" name="Verbinder: gewinkelt 149">
+              <a:extLst>
+                <a:ext uri="{FF2B5EF4-FFF2-40B4-BE49-F238E27FC236}">
+                  <a16:creationId xmlns:a16="http://schemas.microsoft.com/office/drawing/2014/main" id="{98183734-5F8F-402A-B034-E2E6191FC8AE}"/>
+                </a:ext>
+              </a:extLst>
+            </p:cNvPr>
+            <p:cNvCxnSpPr>
+              <a:cxnSpLocks/>
+              <a:stCxn id="94" idx="2"/>
+              <a:endCxn id="139" idx="1"/>
+            </p:cNvCxnSpPr>
+            <p:nvPr/>
+          </p:nvCxnSpPr>
+          <p:spPr>
+            <a:xfrm rot="16200000" flipH="1">
+              <a:off x="5510408" y="3996272"/>
+              <a:ext cx="3438051" cy="145322"/>
+            </a:xfrm>
+            <a:prstGeom prst="bentConnector2">
+              <a:avLst/>
+            </a:prstGeom>
+            <a:ln w="19050">
+              <a:solidFill>
+                <a:schemeClr val="tx1"/>
+              </a:solidFill>
+            </a:ln>
+          </p:spPr>
+          <p:style>
+            <a:lnRef idx="1">
+              <a:schemeClr val="accent1"/>
+            </a:lnRef>
+            <a:fillRef idx="0">
+              <a:schemeClr val="accent1"/>
+            </a:fillRef>
+            <a:effectRef idx="0">
+              <a:schemeClr val="accent1"/>
+            </a:effectRef>
+            <a:fontRef idx="minor">
+              <a:schemeClr val="tx1"/>
+            </a:fontRef>
+          </p:style>
+        </p:cxnSp>
+        <p:cxnSp>
+          <p:nvCxnSpPr>
+            <p:cNvPr id="153" name="Verbinder: gewinkelt 152">
+              <a:extLst>
+                <a:ext uri="{FF2B5EF4-FFF2-40B4-BE49-F238E27FC236}">
+                  <a16:creationId xmlns:a16="http://schemas.microsoft.com/office/drawing/2014/main" id="{20BB811C-1353-4ED0-920A-79CB42CDEDCB}"/>
+                </a:ext>
+              </a:extLst>
+            </p:cNvPr>
+            <p:cNvCxnSpPr>
+              <a:cxnSpLocks/>
+              <a:stCxn id="94" idx="2"/>
+              <a:endCxn id="140" idx="1"/>
+            </p:cNvCxnSpPr>
+            <p:nvPr/>
+          </p:nvCxnSpPr>
+          <p:spPr>
+            <a:xfrm rot="16200000" flipH="1">
+              <a:off x="5147393" y="4359286"/>
+              <a:ext cx="4164078" cy="145321"/>
+            </a:xfrm>
+            <a:prstGeom prst="bentConnector2">
+              <a:avLst/>
+            </a:prstGeom>
+            <a:ln w="19050">
+              <a:solidFill>
+                <a:schemeClr val="tx1"/>
+              </a:solidFill>
+            </a:ln>
+          </p:spPr>
+          <p:style>
+            <a:lnRef idx="1">
+              <a:schemeClr val="accent1"/>
+            </a:lnRef>
+            <a:fillRef idx="0">
+              <a:schemeClr val="accent1"/>
+            </a:fillRef>
+            <a:effectRef idx="0">
+              <a:schemeClr val="accent1"/>
+            </a:effectRef>
+            <a:fontRef idx="minor">
+              <a:schemeClr val="tx1"/>
+            </a:fontRef>
+          </p:style>
+        </p:cxnSp>
+      </p:grpSp>
+    </p:spTree>
+    <p:extLst>
+      <p:ext uri="{BB962C8B-B14F-4D97-AF65-F5344CB8AC3E}">
+        <p14:creationId xmlns:p14="http://schemas.microsoft.com/office/powerpoint/2010/main" val="3772282880"/>
+      </p:ext>
+    </p:extLst>
+  </p:cSld>
+  <p:clrMapOvr>
+    <a:masterClrMapping/>
+  </p:clrMapOvr>
+</p:sld>
+</file>
+
 <file path=ppt/theme/theme1.xml><?xml version="1.0" encoding="utf-8"?>
 <a:theme xmlns:a="http://schemas.openxmlformats.org/drawingml/2006/main" name="Office">
   <a:themeElements>

--- a/Documents/projectstructureplan.pptx
+++ b/Documents/projectstructureplan.pptx
@@ -262,7 +262,7 @@
           <a:p>
             <a:fld id="{1FD5B0D3-95BA-406C-B500-C3B45FB0BF63}" type="datetimeFigureOut">
               <a:rPr lang="de-AT" smtClean="0"/>
-              <a:t>09.01.2020</a:t>
+              <a:t>16.01.2020</a:t>
             </a:fld>
             <a:endParaRPr lang="de-AT"/>
           </a:p>
@@ -462,7 +462,7 @@
           <a:p>
             <a:fld id="{1FD5B0D3-95BA-406C-B500-C3B45FB0BF63}" type="datetimeFigureOut">
               <a:rPr lang="de-AT" smtClean="0"/>
-              <a:t>09.01.2020</a:t>
+              <a:t>16.01.2020</a:t>
             </a:fld>
             <a:endParaRPr lang="de-AT"/>
           </a:p>
@@ -672,7 +672,7 @@
           <a:p>
             <a:fld id="{1FD5B0D3-95BA-406C-B500-C3B45FB0BF63}" type="datetimeFigureOut">
               <a:rPr lang="de-AT" smtClean="0"/>
-              <a:t>09.01.2020</a:t>
+              <a:t>16.01.2020</a:t>
             </a:fld>
             <a:endParaRPr lang="de-AT"/>
           </a:p>
@@ -872,7 +872,7 @@
           <a:p>
             <a:fld id="{1FD5B0D3-95BA-406C-B500-C3B45FB0BF63}" type="datetimeFigureOut">
               <a:rPr lang="de-AT" smtClean="0"/>
-              <a:t>09.01.2020</a:t>
+              <a:t>16.01.2020</a:t>
             </a:fld>
             <a:endParaRPr lang="de-AT"/>
           </a:p>
@@ -1148,7 +1148,7 @@
           <a:p>
             <a:fld id="{1FD5B0D3-95BA-406C-B500-C3B45FB0BF63}" type="datetimeFigureOut">
               <a:rPr lang="de-AT" smtClean="0"/>
-              <a:t>09.01.2020</a:t>
+              <a:t>16.01.2020</a:t>
             </a:fld>
             <a:endParaRPr lang="de-AT"/>
           </a:p>
@@ -1416,7 +1416,7 @@
           <a:p>
             <a:fld id="{1FD5B0D3-95BA-406C-B500-C3B45FB0BF63}" type="datetimeFigureOut">
               <a:rPr lang="de-AT" smtClean="0"/>
-              <a:t>09.01.2020</a:t>
+              <a:t>16.01.2020</a:t>
             </a:fld>
             <a:endParaRPr lang="de-AT"/>
           </a:p>
@@ -1831,7 +1831,7 @@
           <a:p>
             <a:fld id="{1FD5B0D3-95BA-406C-B500-C3B45FB0BF63}" type="datetimeFigureOut">
               <a:rPr lang="de-AT" smtClean="0"/>
-              <a:t>09.01.2020</a:t>
+              <a:t>16.01.2020</a:t>
             </a:fld>
             <a:endParaRPr lang="de-AT"/>
           </a:p>
@@ -1973,7 +1973,7 @@
           <a:p>
             <a:fld id="{1FD5B0D3-95BA-406C-B500-C3B45FB0BF63}" type="datetimeFigureOut">
               <a:rPr lang="de-AT" smtClean="0"/>
-              <a:t>09.01.2020</a:t>
+              <a:t>16.01.2020</a:t>
             </a:fld>
             <a:endParaRPr lang="de-AT"/>
           </a:p>
@@ -2086,7 +2086,7 @@
           <a:p>
             <a:fld id="{1FD5B0D3-95BA-406C-B500-C3B45FB0BF63}" type="datetimeFigureOut">
               <a:rPr lang="de-AT" smtClean="0"/>
-              <a:t>09.01.2020</a:t>
+              <a:t>16.01.2020</a:t>
             </a:fld>
             <a:endParaRPr lang="de-AT"/>
           </a:p>
@@ -2399,7 +2399,7 @@
           <a:p>
             <a:fld id="{1FD5B0D3-95BA-406C-B500-C3B45FB0BF63}" type="datetimeFigureOut">
               <a:rPr lang="de-AT" smtClean="0"/>
-              <a:t>09.01.2020</a:t>
+              <a:t>16.01.2020</a:t>
             </a:fld>
             <a:endParaRPr lang="de-AT"/>
           </a:p>
@@ -2688,7 +2688,7 @@
           <a:p>
             <a:fld id="{1FD5B0D3-95BA-406C-B500-C3B45FB0BF63}" type="datetimeFigureOut">
               <a:rPr lang="de-AT" smtClean="0"/>
-              <a:t>09.01.2020</a:t>
+              <a:t>16.01.2020</a:t>
             </a:fld>
             <a:endParaRPr lang="de-AT"/>
           </a:p>
@@ -2931,7 +2931,7 @@
           <a:p>
             <a:fld id="{1FD5B0D3-95BA-406C-B500-C3B45FB0BF63}" type="datetimeFigureOut">
               <a:rPr lang="de-AT" smtClean="0"/>
-              <a:t>09.01.2020</a:t>
+              <a:t>16.01.2020</a:t>
             </a:fld>
             <a:endParaRPr lang="de-AT"/>
           </a:p>
@@ -3348,75 +3348,6 @@
           <a:chExt cx="0" cy="0"/>
         </a:xfrm>
       </p:grpSpPr>
-      <p:sp>
-        <p:nvSpPr>
-          <p:cNvPr id="4" name="Rechteck 3">
-            <a:extLst>
-              <a:ext uri="{FF2B5EF4-FFF2-40B4-BE49-F238E27FC236}">
-                <a16:creationId xmlns:a16="http://schemas.microsoft.com/office/drawing/2014/main" id="{5297410D-73A7-48D4-AB12-E7B85B2F2F8A}"/>
-              </a:ext>
-            </a:extLst>
-          </p:cNvPr>
-          <p:cNvSpPr/>
-          <p:nvPr/>
-        </p:nvSpPr>
-        <p:spPr>
-          <a:xfrm>
-            <a:off x="4495800" y="158045"/>
-            <a:ext cx="3200400" cy="530950"/>
-          </a:xfrm>
-          <a:prstGeom prst="rect">
-            <a:avLst/>
-          </a:prstGeom>
-          <a:solidFill>
-            <a:schemeClr val="bg1"/>
-          </a:solidFill>
-          <a:ln>
-            <a:solidFill>
-              <a:schemeClr val="tx1"/>
-            </a:solidFill>
-          </a:ln>
-        </p:spPr>
-        <p:style>
-          <a:lnRef idx="2">
-            <a:schemeClr val="accent1">
-              <a:shade val="50000"/>
-            </a:schemeClr>
-          </a:lnRef>
-          <a:fillRef idx="1">
-            <a:schemeClr val="accent1"/>
-          </a:fillRef>
-          <a:effectRef idx="0">
-            <a:schemeClr val="accent1"/>
-          </a:effectRef>
-          <a:fontRef idx="minor">
-            <a:schemeClr val="lt1"/>
-          </a:fontRef>
-        </p:style>
-        <p:txBody>
-          <a:bodyPr rtlCol="0" anchor="ctr"/>
-          <a:lstStyle/>
-          <a:p>
-            <a:pPr algn="ctr"/>
-            <a:r>
-              <a:rPr lang="de-AT" sz="2000" b="1" dirty="0" err="1">
-                <a:solidFill>
-                  <a:schemeClr val="tx1"/>
-                </a:solidFill>
-              </a:rPr>
-              <a:t>Projectstructureplan</a:t>
-            </a:r>
-            <a:r>
-              <a:rPr lang="de-AT" sz="2000" b="1" dirty="0">
-                <a:solidFill>
-                  <a:schemeClr val="tx1"/>
-                </a:solidFill>
-              </a:rPr>
-              <a:t> (PSP)</a:t>
-            </a:r>
-          </a:p>
-        </p:txBody>
-      </p:sp>
       <p:grpSp>
         <p:nvGrpSpPr>
           <p:cNvPr id="23" name="Gruppieren 22">
@@ -3797,20 +3728,12 @@
             <a:p>
               <a:pPr algn="ctr"/>
               <a:r>
-                <a:rPr lang="de-AT" sz="1600" dirty="0" err="1">
-                  <a:solidFill>
-                    <a:schemeClr val="tx1"/>
-                  </a:solidFill>
-                </a:rPr>
-                <a:t>Creating</a:t>
-              </a:r>
-              <a:r>
                 <a:rPr lang="de-AT" sz="1600" dirty="0">
                   <a:solidFill>
                     <a:schemeClr val="tx1"/>
                   </a:solidFill>
                 </a:rPr>
-                <a:t> G01</a:t>
+                <a:t>Create G01</a:t>
               </a:r>
             </a:p>
           </p:txBody>
@@ -4101,20 +4024,12 @@
             <a:p>
               <a:pPr algn="ctr"/>
               <a:r>
-                <a:rPr lang="de-AT" sz="1600" dirty="0" err="1">
-                  <a:solidFill>
-                    <a:schemeClr val="tx1"/>
-                  </a:solidFill>
-                </a:rPr>
-                <a:t>Creating</a:t>
-              </a:r>
-              <a:r>
                 <a:rPr lang="de-AT" sz="1600" dirty="0">
                   <a:solidFill>
                     <a:schemeClr val="tx1"/>
                   </a:solidFill>
                 </a:rPr>
-                <a:t> G02</a:t>
+                <a:t>Create G02</a:t>
               </a:r>
             </a:p>
           </p:txBody>
@@ -4405,20 +4320,12 @@
             <a:p>
               <a:pPr algn="ctr"/>
               <a:r>
-                <a:rPr lang="de-AT" sz="1600" dirty="0" err="1">
-                  <a:solidFill>
-                    <a:schemeClr val="tx1"/>
-                  </a:solidFill>
-                </a:rPr>
-                <a:t>Creating</a:t>
-              </a:r>
-              <a:r>
                 <a:rPr lang="de-AT" sz="1600" dirty="0">
                   <a:solidFill>
                     <a:schemeClr val="tx1"/>
                   </a:solidFill>
                 </a:rPr>
-                <a:t> G03</a:t>
+                <a:t>Create G03</a:t>
               </a:r>
             </a:p>
           </p:txBody>
@@ -4709,20 +4616,12 @@
             <a:p>
               <a:pPr algn="ctr"/>
               <a:r>
-                <a:rPr lang="de-AT" sz="1600" dirty="0" err="1">
-                  <a:solidFill>
-                    <a:schemeClr val="tx1"/>
-                  </a:solidFill>
-                </a:rPr>
-                <a:t>Creating</a:t>
-              </a:r>
-              <a:r>
                 <a:rPr lang="de-AT" sz="1600" dirty="0">
                   <a:solidFill>
                     <a:schemeClr val="tx1"/>
                   </a:solidFill>
                 </a:rPr>
-                <a:t> G05</a:t>
+                <a:t>Create G05</a:t>
               </a:r>
             </a:p>
           </p:txBody>
@@ -5528,7 +5427,7 @@
               </a:r>
               <a:r>
                 <a:rPr lang="de-AT" sz="1200" dirty="0" err="1"/>
-                <a:t>planning</a:t>
+                <a:t>Planning</a:t>
               </a:r>
               <a:endParaRPr lang="de-AT" sz="1200" dirty="0"/>
             </a:p>
@@ -5931,20 +5830,12 @@
             <a:p>
               <a:pPr algn="ctr"/>
               <a:r>
-                <a:rPr lang="de-AT" sz="1600" dirty="0" err="1">
-                  <a:solidFill>
-                    <a:schemeClr val="tx1"/>
-                  </a:solidFill>
-                </a:rPr>
-                <a:t>Creating</a:t>
-              </a:r>
-              <a:r>
                 <a:rPr lang="de-AT" sz="1600" dirty="0">
                   <a:solidFill>
                     <a:schemeClr val="tx1"/>
                   </a:solidFill>
                 </a:rPr>
-                <a:t> F01</a:t>
+                <a:t>Create F01</a:t>
               </a:r>
             </a:p>
           </p:txBody>
@@ -6235,20 +6126,12 @@
             <a:p>
               <a:pPr algn="ctr"/>
               <a:r>
-                <a:rPr lang="de-AT" sz="1600" dirty="0" err="1">
-                  <a:solidFill>
-                    <a:schemeClr val="tx1"/>
-                  </a:solidFill>
-                </a:rPr>
-                <a:t>Creating</a:t>
-              </a:r>
-              <a:r>
                 <a:rPr lang="de-AT" sz="1600" dirty="0">
                   <a:solidFill>
                     <a:schemeClr val="tx1"/>
                   </a:solidFill>
                 </a:rPr>
-                <a:t> F02</a:t>
+                <a:t>Create F02</a:t>
               </a:r>
             </a:p>
           </p:txBody>
@@ -6539,20 +6422,12 @@
             <a:p>
               <a:pPr algn="ctr"/>
               <a:r>
-                <a:rPr lang="de-AT" sz="1600" dirty="0" err="1">
-                  <a:solidFill>
-                    <a:schemeClr val="tx1"/>
-                  </a:solidFill>
-                </a:rPr>
-                <a:t>Creating</a:t>
-              </a:r>
-              <a:r>
                 <a:rPr lang="de-AT" sz="1600" dirty="0">
                   <a:solidFill>
                     <a:schemeClr val="tx1"/>
                   </a:solidFill>
                 </a:rPr>
-                <a:t> F03</a:t>
+                <a:t>Create F03</a:t>
               </a:r>
             </a:p>
           </p:txBody>
@@ -6848,7 +6723,7 @@
                     <a:schemeClr val="tx1"/>
                   </a:solidFill>
                 </a:rPr>
-                <a:t>update G01</a:t>
+                <a:t>Update G01</a:t>
               </a:r>
             </a:p>
           </p:txBody>
@@ -9191,6 +9066,2947 @@
           </p:cxnSp>
         </p:grpSp>
       </p:grpSp>
+      <p:sp>
+        <p:nvSpPr>
+          <p:cNvPr id="2" name="Textfeld 1">
+            <a:extLst>
+              <a:ext uri="{FF2B5EF4-FFF2-40B4-BE49-F238E27FC236}">
+                <a16:creationId xmlns:a16="http://schemas.microsoft.com/office/drawing/2014/main" id="{2A845882-8B52-413C-A4FE-D1B510DBDAD1}"/>
+              </a:ext>
+            </a:extLst>
+          </p:cNvPr>
+          <p:cNvSpPr txBox="1"/>
+          <p:nvPr/>
+        </p:nvSpPr>
+        <p:spPr>
+          <a:xfrm>
+            <a:off x="142441" y="777044"/>
+            <a:ext cx="359394" cy="369332"/>
+          </a:xfrm>
+          <a:prstGeom prst="rect">
+            <a:avLst/>
+          </a:prstGeom>
+          <a:noFill/>
+        </p:spPr>
+        <p:txBody>
+          <a:bodyPr wrap="none" rtlCol="0">
+            <a:spAutoFit/>
+          </a:bodyPr>
+          <a:lstStyle/>
+          <a:p>
+            <a:r>
+              <a:rPr lang="de-AT" dirty="0"/>
+              <a:t>1.</a:t>
+            </a:r>
+          </a:p>
+        </p:txBody>
+      </p:sp>
+      <p:sp>
+        <p:nvSpPr>
+          <p:cNvPr id="180" name="Textfeld 179">
+            <a:extLst>
+              <a:ext uri="{FF2B5EF4-FFF2-40B4-BE49-F238E27FC236}">
+                <a16:creationId xmlns:a16="http://schemas.microsoft.com/office/drawing/2014/main" id="{DC2759F0-D4CF-498D-A358-BDA2F5B4F282}"/>
+              </a:ext>
+            </a:extLst>
+          </p:cNvPr>
+          <p:cNvSpPr txBox="1"/>
+          <p:nvPr/>
+        </p:nvSpPr>
+        <p:spPr>
+          <a:xfrm>
+            <a:off x="1876205" y="792269"/>
+            <a:ext cx="359394" cy="369332"/>
+          </a:xfrm>
+          <a:prstGeom prst="rect">
+            <a:avLst/>
+          </a:prstGeom>
+          <a:noFill/>
+        </p:spPr>
+        <p:txBody>
+          <a:bodyPr wrap="none" rtlCol="0">
+            <a:spAutoFit/>
+          </a:bodyPr>
+          <a:lstStyle/>
+          <a:p>
+            <a:r>
+              <a:rPr lang="de-AT" dirty="0"/>
+              <a:t>2.</a:t>
+            </a:r>
+          </a:p>
+        </p:txBody>
+      </p:sp>
+      <p:sp>
+        <p:nvSpPr>
+          <p:cNvPr id="181" name="Textfeld 180">
+            <a:extLst>
+              <a:ext uri="{FF2B5EF4-FFF2-40B4-BE49-F238E27FC236}">
+                <a16:creationId xmlns:a16="http://schemas.microsoft.com/office/drawing/2014/main" id="{E5BB6B98-D12D-45C6-810F-5F12CACCAFA0}"/>
+              </a:ext>
+            </a:extLst>
+          </p:cNvPr>
+          <p:cNvSpPr txBox="1"/>
+          <p:nvPr/>
+        </p:nvSpPr>
+        <p:spPr>
+          <a:xfrm>
+            <a:off x="3618152" y="779636"/>
+            <a:ext cx="359394" cy="369332"/>
+          </a:xfrm>
+          <a:prstGeom prst="rect">
+            <a:avLst/>
+          </a:prstGeom>
+          <a:noFill/>
+        </p:spPr>
+        <p:txBody>
+          <a:bodyPr wrap="none" rtlCol="0">
+            <a:spAutoFit/>
+          </a:bodyPr>
+          <a:lstStyle/>
+          <a:p>
+            <a:r>
+              <a:rPr lang="de-AT" dirty="0"/>
+              <a:t>3.</a:t>
+            </a:r>
+          </a:p>
+        </p:txBody>
+      </p:sp>
+      <p:sp>
+        <p:nvSpPr>
+          <p:cNvPr id="182" name="Textfeld 181">
+            <a:extLst>
+              <a:ext uri="{FF2B5EF4-FFF2-40B4-BE49-F238E27FC236}">
+                <a16:creationId xmlns:a16="http://schemas.microsoft.com/office/drawing/2014/main" id="{CD19758D-2ED2-41EE-AAB3-8A7926EDB8B4}"/>
+              </a:ext>
+            </a:extLst>
+          </p:cNvPr>
+          <p:cNvSpPr txBox="1"/>
+          <p:nvPr/>
+        </p:nvSpPr>
+        <p:spPr>
+          <a:xfrm>
+            <a:off x="5335723" y="780405"/>
+            <a:ext cx="359394" cy="369332"/>
+          </a:xfrm>
+          <a:prstGeom prst="rect">
+            <a:avLst/>
+          </a:prstGeom>
+          <a:noFill/>
+        </p:spPr>
+        <p:txBody>
+          <a:bodyPr wrap="none" rtlCol="0">
+            <a:spAutoFit/>
+          </a:bodyPr>
+          <a:lstStyle/>
+          <a:p>
+            <a:r>
+              <a:rPr lang="de-AT" dirty="0"/>
+              <a:t>4.</a:t>
+            </a:r>
+          </a:p>
+        </p:txBody>
+      </p:sp>
+      <p:sp>
+        <p:nvSpPr>
+          <p:cNvPr id="183" name="Textfeld 182">
+            <a:extLst>
+              <a:ext uri="{FF2B5EF4-FFF2-40B4-BE49-F238E27FC236}">
+                <a16:creationId xmlns:a16="http://schemas.microsoft.com/office/drawing/2014/main" id="{5C6A8113-7401-4709-BDB3-36370ED1D7F7}"/>
+              </a:ext>
+            </a:extLst>
+          </p:cNvPr>
+          <p:cNvSpPr txBox="1"/>
+          <p:nvPr/>
+        </p:nvSpPr>
+        <p:spPr>
+          <a:xfrm>
+            <a:off x="7049215" y="769804"/>
+            <a:ext cx="359394" cy="369332"/>
+          </a:xfrm>
+          <a:prstGeom prst="rect">
+            <a:avLst/>
+          </a:prstGeom>
+          <a:noFill/>
+        </p:spPr>
+        <p:txBody>
+          <a:bodyPr wrap="none" rtlCol="0">
+            <a:spAutoFit/>
+          </a:bodyPr>
+          <a:lstStyle/>
+          <a:p>
+            <a:r>
+              <a:rPr lang="de-AT" dirty="0"/>
+              <a:t>5.</a:t>
+            </a:r>
+          </a:p>
+        </p:txBody>
+      </p:sp>
+      <p:sp>
+        <p:nvSpPr>
+          <p:cNvPr id="184" name="Textfeld 183">
+            <a:extLst>
+              <a:ext uri="{FF2B5EF4-FFF2-40B4-BE49-F238E27FC236}">
+                <a16:creationId xmlns:a16="http://schemas.microsoft.com/office/drawing/2014/main" id="{E9C0F5A7-C9BE-48E0-81A1-1AA6175B2FDF}"/>
+              </a:ext>
+            </a:extLst>
+          </p:cNvPr>
+          <p:cNvSpPr txBox="1"/>
+          <p:nvPr/>
+        </p:nvSpPr>
+        <p:spPr>
+          <a:xfrm>
+            <a:off x="8770865" y="769670"/>
+            <a:ext cx="359394" cy="369332"/>
+          </a:xfrm>
+          <a:prstGeom prst="rect">
+            <a:avLst/>
+          </a:prstGeom>
+          <a:noFill/>
+        </p:spPr>
+        <p:txBody>
+          <a:bodyPr wrap="none" rtlCol="0">
+            <a:spAutoFit/>
+          </a:bodyPr>
+          <a:lstStyle/>
+          <a:p>
+            <a:r>
+              <a:rPr lang="de-AT" dirty="0"/>
+              <a:t>6.</a:t>
+            </a:r>
+          </a:p>
+        </p:txBody>
+      </p:sp>
+      <p:sp>
+        <p:nvSpPr>
+          <p:cNvPr id="185" name="Textfeld 184">
+            <a:extLst>
+              <a:ext uri="{FF2B5EF4-FFF2-40B4-BE49-F238E27FC236}">
+                <a16:creationId xmlns:a16="http://schemas.microsoft.com/office/drawing/2014/main" id="{A18E357B-2AED-4594-BA29-5F006C3781D3}"/>
+              </a:ext>
+            </a:extLst>
+          </p:cNvPr>
+          <p:cNvSpPr txBox="1"/>
+          <p:nvPr/>
+        </p:nvSpPr>
+        <p:spPr>
+          <a:xfrm>
+            <a:off x="10488435" y="769670"/>
+            <a:ext cx="359394" cy="369332"/>
+          </a:xfrm>
+          <a:prstGeom prst="rect">
+            <a:avLst/>
+          </a:prstGeom>
+          <a:noFill/>
+        </p:spPr>
+        <p:txBody>
+          <a:bodyPr wrap="none" rtlCol="0">
+            <a:spAutoFit/>
+          </a:bodyPr>
+          <a:lstStyle/>
+          <a:p>
+            <a:r>
+              <a:rPr lang="de-AT" dirty="0"/>
+              <a:t>7.</a:t>
+            </a:r>
+          </a:p>
+        </p:txBody>
+      </p:sp>
+      <p:sp>
+        <p:nvSpPr>
+          <p:cNvPr id="3" name="Textfeld 2">
+            <a:extLst>
+              <a:ext uri="{FF2B5EF4-FFF2-40B4-BE49-F238E27FC236}">
+                <a16:creationId xmlns:a16="http://schemas.microsoft.com/office/drawing/2014/main" id="{ED970598-D623-480A-874D-A1AAB519C1C1}"/>
+              </a:ext>
+            </a:extLst>
+          </p:cNvPr>
+          <p:cNvSpPr txBox="1"/>
+          <p:nvPr/>
+        </p:nvSpPr>
+        <p:spPr>
+          <a:xfrm>
+            <a:off x="235461" y="1798817"/>
+            <a:ext cx="604408" cy="307777"/>
+          </a:xfrm>
+          <a:prstGeom prst="rect">
+            <a:avLst/>
+          </a:prstGeom>
+          <a:noFill/>
+        </p:spPr>
+        <p:txBody>
+          <a:bodyPr wrap="square" rtlCol="0">
+            <a:spAutoFit/>
+          </a:bodyPr>
+          <a:lstStyle/>
+          <a:p>
+            <a:r>
+              <a:rPr lang="de-AT" sz="1400" dirty="0"/>
+              <a:t>1.1 </a:t>
+            </a:r>
+          </a:p>
+        </p:txBody>
+      </p:sp>
+      <p:sp>
+        <p:nvSpPr>
+          <p:cNvPr id="186" name="Textfeld 185">
+            <a:extLst>
+              <a:ext uri="{FF2B5EF4-FFF2-40B4-BE49-F238E27FC236}">
+                <a16:creationId xmlns:a16="http://schemas.microsoft.com/office/drawing/2014/main" id="{9379F0EB-0C51-445B-BEF9-3AF929E89CDD}"/>
+              </a:ext>
+            </a:extLst>
+          </p:cNvPr>
+          <p:cNvSpPr txBox="1"/>
+          <p:nvPr/>
+        </p:nvSpPr>
+        <p:spPr>
+          <a:xfrm>
+            <a:off x="240345" y="2581028"/>
+            <a:ext cx="604408" cy="307777"/>
+          </a:xfrm>
+          <a:prstGeom prst="rect">
+            <a:avLst/>
+          </a:prstGeom>
+          <a:noFill/>
+        </p:spPr>
+        <p:txBody>
+          <a:bodyPr wrap="square" rtlCol="0">
+            <a:spAutoFit/>
+          </a:bodyPr>
+          <a:lstStyle/>
+          <a:p>
+            <a:r>
+              <a:rPr lang="de-AT" sz="1400" dirty="0"/>
+              <a:t>1.2 </a:t>
+            </a:r>
+          </a:p>
+        </p:txBody>
+      </p:sp>
+      <p:sp>
+        <p:nvSpPr>
+          <p:cNvPr id="187" name="Textfeld 186">
+            <a:extLst>
+              <a:ext uri="{FF2B5EF4-FFF2-40B4-BE49-F238E27FC236}">
+                <a16:creationId xmlns:a16="http://schemas.microsoft.com/office/drawing/2014/main" id="{73C40AD5-27F3-46E5-9048-5588A3168EA0}"/>
+              </a:ext>
+            </a:extLst>
+          </p:cNvPr>
+          <p:cNvSpPr txBox="1"/>
+          <p:nvPr/>
+        </p:nvSpPr>
+        <p:spPr>
+          <a:xfrm>
+            <a:off x="237136" y="3377842"/>
+            <a:ext cx="604408" cy="307777"/>
+          </a:xfrm>
+          <a:prstGeom prst="rect">
+            <a:avLst/>
+          </a:prstGeom>
+          <a:noFill/>
+        </p:spPr>
+        <p:txBody>
+          <a:bodyPr wrap="square" rtlCol="0">
+            <a:spAutoFit/>
+          </a:bodyPr>
+          <a:lstStyle/>
+          <a:p>
+            <a:r>
+              <a:rPr lang="de-AT" sz="1400" dirty="0"/>
+              <a:t>1.3 </a:t>
+            </a:r>
+          </a:p>
+        </p:txBody>
+      </p:sp>
+      <p:sp>
+        <p:nvSpPr>
+          <p:cNvPr id="188" name="Textfeld 187">
+            <a:extLst>
+              <a:ext uri="{FF2B5EF4-FFF2-40B4-BE49-F238E27FC236}">
+                <a16:creationId xmlns:a16="http://schemas.microsoft.com/office/drawing/2014/main" id="{C6F83C5A-0813-4CD2-A9C0-9D4E67385895}"/>
+              </a:ext>
+            </a:extLst>
+          </p:cNvPr>
+          <p:cNvSpPr txBox="1"/>
+          <p:nvPr/>
+        </p:nvSpPr>
+        <p:spPr>
+          <a:xfrm>
+            <a:off x="721678" y="4092933"/>
+            <a:ext cx="604408" cy="307777"/>
+          </a:xfrm>
+          <a:prstGeom prst="rect">
+            <a:avLst/>
+          </a:prstGeom>
+          <a:noFill/>
+        </p:spPr>
+        <p:txBody>
+          <a:bodyPr wrap="square" rtlCol="0">
+            <a:spAutoFit/>
+          </a:bodyPr>
+          <a:lstStyle/>
+          <a:p>
+            <a:r>
+              <a:rPr lang="de-AT" sz="1400" dirty="0"/>
+              <a:t>1.4 </a:t>
+            </a:r>
+          </a:p>
+        </p:txBody>
+      </p:sp>
+      <p:sp>
+        <p:nvSpPr>
+          <p:cNvPr id="189" name="Textfeld 188">
+            <a:extLst>
+              <a:ext uri="{FF2B5EF4-FFF2-40B4-BE49-F238E27FC236}">
+                <a16:creationId xmlns:a16="http://schemas.microsoft.com/office/drawing/2014/main" id="{590BB546-B4D8-4873-B2D1-14F2D4846C66}"/>
+              </a:ext>
+            </a:extLst>
+          </p:cNvPr>
+          <p:cNvSpPr txBox="1"/>
+          <p:nvPr/>
+        </p:nvSpPr>
+        <p:spPr>
+          <a:xfrm>
+            <a:off x="235461" y="5048732"/>
+            <a:ext cx="604408" cy="307777"/>
+          </a:xfrm>
+          <a:prstGeom prst="rect">
+            <a:avLst/>
+          </a:prstGeom>
+          <a:noFill/>
+        </p:spPr>
+        <p:txBody>
+          <a:bodyPr wrap="square" rtlCol="0">
+            <a:spAutoFit/>
+          </a:bodyPr>
+          <a:lstStyle/>
+          <a:p>
+            <a:r>
+              <a:rPr lang="de-AT" sz="1400" dirty="0"/>
+              <a:t>1.5 </a:t>
+            </a:r>
+          </a:p>
+        </p:txBody>
+      </p:sp>
+      <p:sp>
+        <p:nvSpPr>
+          <p:cNvPr id="190" name="Textfeld 189">
+            <a:extLst>
+              <a:ext uri="{FF2B5EF4-FFF2-40B4-BE49-F238E27FC236}">
+                <a16:creationId xmlns:a16="http://schemas.microsoft.com/office/drawing/2014/main" id="{A631C7B7-EC53-4BA5-A0B8-2FB4AF6C0B13}"/>
+              </a:ext>
+            </a:extLst>
+          </p:cNvPr>
+          <p:cNvSpPr txBox="1"/>
+          <p:nvPr/>
+        </p:nvSpPr>
+        <p:spPr>
+          <a:xfrm>
+            <a:off x="722730" y="5770176"/>
+            <a:ext cx="604408" cy="307777"/>
+          </a:xfrm>
+          <a:prstGeom prst="rect">
+            <a:avLst/>
+          </a:prstGeom>
+          <a:noFill/>
+        </p:spPr>
+        <p:txBody>
+          <a:bodyPr wrap="square" rtlCol="0">
+            <a:spAutoFit/>
+          </a:bodyPr>
+          <a:lstStyle/>
+          <a:p>
+            <a:r>
+              <a:rPr lang="de-AT" sz="1400" dirty="0"/>
+              <a:t>1.7</a:t>
+            </a:r>
+          </a:p>
+        </p:txBody>
+      </p:sp>
+      <p:sp>
+        <p:nvSpPr>
+          <p:cNvPr id="191" name="Textfeld 190">
+            <a:extLst>
+              <a:ext uri="{FF2B5EF4-FFF2-40B4-BE49-F238E27FC236}">
+                <a16:creationId xmlns:a16="http://schemas.microsoft.com/office/drawing/2014/main" id="{103D9A8E-6EF5-4A50-B12B-5BE48ABE0450}"/>
+              </a:ext>
+            </a:extLst>
+          </p:cNvPr>
+          <p:cNvSpPr txBox="1"/>
+          <p:nvPr/>
+        </p:nvSpPr>
+        <p:spPr>
+          <a:xfrm>
+            <a:off x="1957759" y="1818481"/>
+            <a:ext cx="604408" cy="307777"/>
+          </a:xfrm>
+          <a:prstGeom prst="rect">
+            <a:avLst/>
+          </a:prstGeom>
+          <a:noFill/>
+        </p:spPr>
+        <p:txBody>
+          <a:bodyPr wrap="square" rtlCol="0">
+            <a:spAutoFit/>
+          </a:bodyPr>
+          <a:lstStyle/>
+          <a:p>
+            <a:r>
+              <a:rPr lang="de-AT" sz="1400" dirty="0"/>
+              <a:t>2.1 </a:t>
+            </a:r>
+          </a:p>
+        </p:txBody>
+      </p:sp>
+      <p:sp>
+        <p:nvSpPr>
+          <p:cNvPr id="192" name="Textfeld 191">
+            <a:extLst>
+              <a:ext uri="{FF2B5EF4-FFF2-40B4-BE49-F238E27FC236}">
+                <a16:creationId xmlns:a16="http://schemas.microsoft.com/office/drawing/2014/main" id="{AF7137B9-A75D-44E2-9885-A36BE9D54DB7}"/>
+              </a:ext>
+            </a:extLst>
+          </p:cNvPr>
+          <p:cNvSpPr txBox="1"/>
+          <p:nvPr/>
+        </p:nvSpPr>
+        <p:spPr>
+          <a:xfrm>
+            <a:off x="1951070" y="2600692"/>
+            <a:ext cx="604408" cy="523220"/>
+          </a:xfrm>
+          <a:prstGeom prst="rect">
+            <a:avLst/>
+          </a:prstGeom>
+          <a:noFill/>
+        </p:spPr>
+        <p:txBody>
+          <a:bodyPr wrap="square" rtlCol="0">
+            <a:spAutoFit/>
+          </a:bodyPr>
+          <a:lstStyle/>
+          <a:p>
+            <a:r>
+              <a:rPr lang="de-AT" sz="1400" dirty="0"/>
+              <a:t>2.2	 </a:t>
+            </a:r>
+          </a:p>
+        </p:txBody>
+      </p:sp>
+      <p:sp>
+        <p:nvSpPr>
+          <p:cNvPr id="193" name="Textfeld 192">
+            <a:extLst>
+              <a:ext uri="{FF2B5EF4-FFF2-40B4-BE49-F238E27FC236}">
+                <a16:creationId xmlns:a16="http://schemas.microsoft.com/office/drawing/2014/main" id="{FAE0EB72-5C58-4416-8E36-3BE3BD5883E5}"/>
+              </a:ext>
+            </a:extLst>
+          </p:cNvPr>
+          <p:cNvSpPr txBox="1"/>
+          <p:nvPr/>
+        </p:nvSpPr>
+        <p:spPr>
+          <a:xfrm>
+            <a:off x="2454684" y="3318545"/>
+            <a:ext cx="604408" cy="307777"/>
+          </a:xfrm>
+          <a:prstGeom prst="rect">
+            <a:avLst/>
+          </a:prstGeom>
+          <a:noFill/>
+        </p:spPr>
+        <p:txBody>
+          <a:bodyPr wrap="square" rtlCol="0">
+            <a:spAutoFit/>
+          </a:bodyPr>
+          <a:lstStyle/>
+          <a:p>
+            <a:r>
+              <a:rPr lang="de-AT" sz="1400" dirty="0"/>
+              <a:t>2.3</a:t>
+            </a:r>
+          </a:p>
+        </p:txBody>
+      </p:sp>
+      <p:sp>
+        <p:nvSpPr>
+          <p:cNvPr id="194" name="Textfeld 193">
+            <a:extLst>
+              <a:ext uri="{FF2B5EF4-FFF2-40B4-BE49-F238E27FC236}">
+                <a16:creationId xmlns:a16="http://schemas.microsoft.com/office/drawing/2014/main" id="{23534DC5-6058-4FB3-B966-B8152C722F5B}"/>
+              </a:ext>
+            </a:extLst>
+          </p:cNvPr>
+          <p:cNvSpPr txBox="1"/>
+          <p:nvPr/>
+        </p:nvSpPr>
+        <p:spPr>
+          <a:xfrm>
+            <a:off x="1977423" y="4282520"/>
+            <a:ext cx="604408" cy="307777"/>
+          </a:xfrm>
+          <a:prstGeom prst="rect">
+            <a:avLst/>
+          </a:prstGeom>
+          <a:noFill/>
+        </p:spPr>
+        <p:txBody>
+          <a:bodyPr wrap="square" rtlCol="0">
+            <a:spAutoFit/>
+          </a:bodyPr>
+          <a:lstStyle/>
+          <a:p>
+            <a:r>
+              <a:rPr lang="de-AT" sz="1400" dirty="0"/>
+              <a:t>2.4 </a:t>
+            </a:r>
+          </a:p>
+        </p:txBody>
+      </p:sp>
+      <p:sp>
+        <p:nvSpPr>
+          <p:cNvPr id="195" name="Textfeld 194">
+            <a:extLst>
+              <a:ext uri="{FF2B5EF4-FFF2-40B4-BE49-F238E27FC236}">
+                <a16:creationId xmlns:a16="http://schemas.microsoft.com/office/drawing/2014/main" id="{E83D7E60-B360-4AC6-BD8C-D5E505F7C05C}"/>
+              </a:ext>
+            </a:extLst>
+          </p:cNvPr>
+          <p:cNvSpPr txBox="1"/>
+          <p:nvPr/>
+        </p:nvSpPr>
+        <p:spPr>
+          <a:xfrm>
+            <a:off x="1970514" y="5058096"/>
+            <a:ext cx="604408" cy="307777"/>
+          </a:xfrm>
+          <a:prstGeom prst="rect">
+            <a:avLst/>
+          </a:prstGeom>
+          <a:noFill/>
+        </p:spPr>
+        <p:txBody>
+          <a:bodyPr wrap="square" rtlCol="0">
+            <a:spAutoFit/>
+          </a:bodyPr>
+          <a:lstStyle/>
+          <a:p>
+            <a:r>
+              <a:rPr lang="de-AT" sz="1400" dirty="0"/>
+              <a:t>2.5</a:t>
+            </a:r>
+          </a:p>
+        </p:txBody>
+      </p:sp>
+      <p:sp>
+        <p:nvSpPr>
+          <p:cNvPr id="196" name="Textfeld 195">
+            <a:extLst>
+              <a:ext uri="{FF2B5EF4-FFF2-40B4-BE49-F238E27FC236}">
+                <a16:creationId xmlns:a16="http://schemas.microsoft.com/office/drawing/2014/main" id="{5D5B87EC-78EE-42A3-A903-592145DAC70A}"/>
+              </a:ext>
+            </a:extLst>
+          </p:cNvPr>
+          <p:cNvSpPr txBox="1"/>
+          <p:nvPr/>
+        </p:nvSpPr>
+        <p:spPr>
+          <a:xfrm>
+            <a:off x="2437206" y="5786245"/>
+            <a:ext cx="604408" cy="307777"/>
+          </a:xfrm>
+          <a:prstGeom prst="rect">
+            <a:avLst/>
+          </a:prstGeom>
+          <a:noFill/>
+        </p:spPr>
+        <p:txBody>
+          <a:bodyPr wrap="square" rtlCol="0">
+            <a:spAutoFit/>
+          </a:bodyPr>
+          <a:lstStyle/>
+          <a:p>
+            <a:r>
+              <a:rPr lang="de-AT" sz="1400" dirty="0"/>
+              <a:t>2.6 </a:t>
+            </a:r>
+          </a:p>
+        </p:txBody>
+      </p:sp>
+      <p:sp>
+        <p:nvSpPr>
+          <p:cNvPr id="6" name="Textfeld 5">
+            <a:extLst>
+              <a:ext uri="{FF2B5EF4-FFF2-40B4-BE49-F238E27FC236}">
+                <a16:creationId xmlns:a16="http://schemas.microsoft.com/office/drawing/2014/main" id="{DDE2EC08-504D-42FF-8766-F9462065050B}"/>
+              </a:ext>
+            </a:extLst>
+          </p:cNvPr>
+          <p:cNvSpPr txBox="1"/>
+          <p:nvPr/>
+        </p:nvSpPr>
+        <p:spPr>
+          <a:xfrm>
+            <a:off x="4570830" y="161624"/>
+            <a:ext cx="3647765" cy="738664"/>
+          </a:xfrm>
+          <a:prstGeom prst="rect">
+            <a:avLst/>
+          </a:prstGeom>
+          <a:noFill/>
+        </p:spPr>
+        <p:txBody>
+          <a:bodyPr wrap="square" rtlCol="0">
+            <a:spAutoFit/>
+          </a:bodyPr>
+          <a:lstStyle/>
+          <a:p>
+            <a:r>
+              <a:rPr lang="de-AT" sz="2400" b="1" dirty="0" err="1"/>
+              <a:t>Projectstructureplan</a:t>
+            </a:r>
+            <a:r>
+              <a:rPr lang="de-AT" sz="2400" b="1" dirty="0"/>
+              <a:t> (PSP)</a:t>
+            </a:r>
+          </a:p>
+          <a:p>
+            <a:endParaRPr lang="de-AT" dirty="0"/>
+          </a:p>
+        </p:txBody>
+      </p:sp>
+      <p:grpSp>
+        <p:nvGrpSpPr>
+          <p:cNvPr id="197" name="Gruppieren 196">
+            <a:extLst>
+              <a:ext uri="{FF2B5EF4-FFF2-40B4-BE49-F238E27FC236}">
+                <a16:creationId xmlns:a16="http://schemas.microsoft.com/office/drawing/2014/main" id="{4CDB629D-13CD-475C-A096-FF425DE09E52}"/>
+              </a:ext>
+            </a:extLst>
+          </p:cNvPr>
+          <p:cNvGrpSpPr/>
+          <p:nvPr/>
+        </p:nvGrpSpPr>
+        <p:grpSpPr>
+          <a:xfrm>
+            <a:off x="3772572" y="1896674"/>
+            <a:ext cx="1270129" cy="644606"/>
+            <a:chOff x="1101012" y="1380932"/>
+            <a:chExt cx="1651519" cy="886408"/>
+          </a:xfrm>
+        </p:grpSpPr>
+        <p:sp>
+          <p:nvSpPr>
+            <p:cNvPr id="198" name="Rechteck 197">
+              <a:extLst>
+                <a:ext uri="{FF2B5EF4-FFF2-40B4-BE49-F238E27FC236}">
+                  <a16:creationId xmlns:a16="http://schemas.microsoft.com/office/drawing/2014/main" id="{3A260568-74C1-469C-993C-EBF56407908A}"/>
+                </a:ext>
+              </a:extLst>
+            </p:cNvPr>
+            <p:cNvSpPr/>
+            <p:nvPr/>
+          </p:nvSpPr>
+          <p:spPr>
+            <a:xfrm>
+              <a:off x="1101012" y="1380932"/>
+              <a:ext cx="1651519" cy="886408"/>
+            </a:xfrm>
+            <a:prstGeom prst="rect">
+              <a:avLst/>
+            </a:prstGeom>
+            <a:solidFill>
+              <a:schemeClr val="bg1"/>
+            </a:solidFill>
+            <a:ln>
+              <a:solidFill>
+                <a:schemeClr val="tx1"/>
+              </a:solidFill>
+            </a:ln>
+          </p:spPr>
+          <p:style>
+            <a:lnRef idx="2">
+              <a:schemeClr val="accent1">
+                <a:shade val="50000"/>
+              </a:schemeClr>
+            </a:lnRef>
+            <a:fillRef idx="1">
+              <a:schemeClr val="accent1"/>
+            </a:fillRef>
+            <a:effectRef idx="0">
+              <a:schemeClr val="accent1"/>
+            </a:effectRef>
+            <a:fontRef idx="minor">
+              <a:schemeClr val="lt1"/>
+            </a:fontRef>
+          </p:style>
+          <p:txBody>
+            <a:bodyPr rtlCol="0" anchor="ctr"/>
+            <a:lstStyle/>
+            <a:p>
+              <a:pPr algn="ctr"/>
+              <a:r>
+                <a:rPr lang="de-AT" sz="1500" dirty="0" err="1">
+                  <a:solidFill>
+                    <a:schemeClr val="tx1"/>
+                  </a:solidFill>
+                </a:rPr>
+                <a:t>Define</a:t>
+              </a:r>
+              <a:r>
+                <a:rPr lang="de-AT" sz="1500" dirty="0">
+                  <a:solidFill>
+                    <a:schemeClr val="tx1"/>
+                  </a:solidFill>
+                </a:rPr>
+                <a:t> </a:t>
+              </a:r>
+              <a:r>
+                <a:rPr lang="de-AT" sz="1500" dirty="0" err="1">
+                  <a:solidFill>
+                    <a:schemeClr val="tx1"/>
+                  </a:solidFill>
+                </a:rPr>
+                <a:t>database</a:t>
+              </a:r>
+              <a:r>
+                <a:rPr lang="de-AT" sz="1500" dirty="0">
+                  <a:solidFill>
+                    <a:schemeClr val="tx1"/>
+                  </a:solidFill>
+                </a:rPr>
+                <a:t>  &amp; </a:t>
+              </a:r>
+              <a:r>
+                <a:rPr lang="de-AT" sz="1500" dirty="0" err="1">
+                  <a:solidFill>
+                    <a:schemeClr val="tx1"/>
+                  </a:solidFill>
+                </a:rPr>
+                <a:t>tables</a:t>
+              </a:r>
+              <a:endParaRPr lang="de-AT" sz="1500" dirty="0">
+                <a:solidFill>
+                  <a:schemeClr val="tx1"/>
+                </a:solidFill>
+              </a:endParaRPr>
+            </a:p>
+          </p:txBody>
+        </p:sp>
+        <p:grpSp>
+          <p:nvGrpSpPr>
+            <p:cNvPr id="199" name="Gruppieren 198">
+              <a:extLst>
+                <a:ext uri="{FF2B5EF4-FFF2-40B4-BE49-F238E27FC236}">
+                  <a16:creationId xmlns:a16="http://schemas.microsoft.com/office/drawing/2014/main" id="{A0036E47-F8AB-4B16-9D8B-ADDEF7A8E358}"/>
+                </a:ext>
+              </a:extLst>
+            </p:cNvPr>
+            <p:cNvGrpSpPr/>
+            <p:nvPr/>
+          </p:nvGrpSpPr>
+          <p:grpSpPr>
+            <a:xfrm>
+              <a:off x="2379306" y="1380932"/>
+              <a:ext cx="373224" cy="270586"/>
+              <a:chOff x="2379306" y="1380932"/>
+              <a:chExt cx="373224" cy="270586"/>
+            </a:xfrm>
+          </p:grpSpPr>
+          <p:cxnSp>
+            <p:nvCxnSpPr>
+              <p:cNvPr id="203" name="Gerader Verbinder 202">
+                <a:extLst>
+                  <a:ext uri="{FF2B5EF4-FFF2-40B4-BE49-F238E27FC236}">
+                    <a16:creationId xmlns:a16="http://schemas.microsoft.com/office/drawing/2014/main" id="{6EBF953E-6D4A-4F7C-A1BE-320B2D5C63DA}"/>
+                  </a:ext>
+                </a:extLst>
+              </p:cNvPr>
+              <p:cNvCxnSpPr>
+                <a:cxnSpLocks/>
+              </p:cNvCxnSpPr>
+              <p:nvPr/>
+            </p:nvCxnSpPr>
+            <p:spPr>
+              <a:xfrm>
+                <a:off x="2379306" y="1380932"/>
+                <a:ext cx="0" cy="270586"/>
+              </a:xfrm>
+              <a:prstGeom prst="line">
+                <a:avLst/>
+              </a:prstGeom>
+              <a:ln>
+                <a:solidFill>
+                  <a:schemeClr val="tx1"/>
+                </a:solidFill>
+              </a:ln>
+            </p:spPr>
+            <p:style>
+              <a:lnRef idx="1">
+                <a:schemeClr val="accent1"/>
+              </a:lnRef>
+              <a:fillRef idx="0">
+                <a:schemeClr val="accent1"/>
+              </a:fillRef>
+              <a:effectRef idx="0">
+                <a:schemeClr val="accent1"/>
+              </a:effectRef>
+              <a:fontRef idx="minor">
+                <a:schemeClr val="tx1"/>
+              </a:fontRef>
+            </p:style>
+          </p:cxnSp>
+          <p:cxnSp>
+            <p:nvCxnSpPr>
+              <p:cNvPr id="204" name="Gerader Verbinder 203">
+                <a:extLst>
+                  <a:ext uri="{FF2B5EF4-FFF2-40B4-BE49-F238E27FC236}">
+                    <a16:creationId xmlns:a16="http://schemas.microsoft.com/office/drawing/2014/main" id="{8E8AAA0A-5568-401E-B49D-8276F4F2E586}"/>
+                  </a:ext>
+                </a:extLst>
+              </p:cNvPr>
+              <p:cNvCxnSpPr>
+                <a:cxnSpLocks/>
+              </p:cNvCxnSpPr>
+              <p:nvPr/>
+            </p:nvCxnSpPr>
+            <p:spPr>
+              <a:xfrm>
+                <a:off x="2379306" y="1651518"/>
+                <a:ext cx="373224" cy="0"/>
+              </a:xfrm>
+              <a:prstGeom prst="line">
+                <a:avLst/>
+              </a:prstGeom>
+              <a:ln>
+                <a:solidFill>
+                  <a:schemeClr val="tx1"/>
+                </a:solidFill>
+              </a:ln>
+            </p:spPr>
+            <p:style>
+              <a:lnRef idx="1">
+                <a:schemeClr val="accent1"/>
+              </a:lnRef>
+              <a:fillRef idx="0">
+                <a:schemeClr val="accent1"/>
+              </a:fillRef>
+              <a:effectRef idx="0">
+                <a:schemeClr val="accent1"/>
+              </a:effectRef>
+              <a:fontRef idx="minor">
+                <a:schemeClr val="tx1"/>
+              </a:fontRef>
+            </p:style>
+          </p:cxnSp>
+        </p:grpSp>
+        <p:grpSp>
+          <p:nvGrpSpPr>
+            <p:cNvPr id="200" name="Gruppieren 199">
+              <a:extLst>
+                <a:ext uri="{FF2B5EF4-FFF2-40B4-BE49-F238E27FC236}">
+                  <a16:creationId xmlns:a16="http://schemas.microsoft.com/office/drawing/2014/main" id="{80662BE2-E665-47CE-A1FD-4F90C064A0F4}"/>
+                </a:ext>
+              </a:extLst>
+            </p:cNvPr>
+            <p:cNvGrpSpPr/>
+            <p:nvPr/>
+          </p:nvGrpSpPr>
+          <p:grpSpPr>
+            <a:xfrm>
+              <a:off x="1101012" y="1380932"/>
+              <a:ext cx="373224" cy="270586"/>
+              <a:chOff x="1101012" y="1380932"/>
+              <a:chExt cx="373224" cy="270586"/>
+            </a:xfrm>
+          </p:grpSpPr>
+          <p:cxnSp>
+            <p:nvCxnSpPr>
+              <p:cNvPr id="201" name="Gerader Verbinder 200">
+                <a:extLst>
+                  <a:ext uri="{FF2B5EF4-FFF2-40B4-BE49-F238E27FC236}">
+                    <a16:creationId xmlns:a16="http://schemas.microsoft.com/office/drawing/2014/main" id="{B603D397-EE9E-47AD-BA7E-73597EFB85D1}"/>
+                  </a:ext>
+                </a:extLst>
+              </p:cNvPr>
+              <p:cNvCxnSpPr>
+                <a:cxnSpLocks/>
+              </p:cNvCxnSpPr>
+              <p:nvPr/>
+            </p:nvCxnSpPr>
+            <p:spPr>
+              <a:xfrm>
+                <a:off x="1474236" y="1380932"/>
+                <a:ext cx="0" cy="270586"/>
+              </a:xfrm>
+              <a:prstGeom prst="line">
+                <a:avLst/>
+              </a:prstGeom>
+              <a:ln>
+                <a:solidFill>
+                  <a:schemeClr val="tx1"/>
+                </a:solidFill>
+              </a:ln>
+            </p:spPr>
+            <p:style>
+              <a:lnRef idx="1">
+                <a:schemeClr val="accent1"/>
+              </a:lnRef>
+              <a:fillRef idx="0">
+                <a:schemeClr val="accent1"/>
+              </a:fillRef>
+              <a:effectRef idx="0">
+                <a:schemeClr val="accent1"/>
+              </a:effectRef>
+              <a:fontRef idx="minor">
+                <a:schemeClr val="tx1"/>
+              </a:fontRef>
+            </p:style>
+          </p:cxnSp>
+          <p:cxnSp>
+            <p:nvCxnSpPr>
+              <p:cNvPr id="202" name="Gerader Verbinder 201">
+                <a:extLst>
+                  <a:ext uri="{FF2B5EF4-FFF2-40B4-BE49-F238E27FC236}">
+                    <a16:creationId xmlns:a16="http://schemas.microsoft.com/office/drawing/2014/main" id="{9922DA9D-E06F-42F1-A649-2007D61FACB2}"/>
+                  </a:ext>
+                </a:extLst>
+              </p:cNvPr>
+              <p:cNvCxnSpPr>
+                <a:cxnSpLocks/>
+              </p:cNvCxnSpPr>
+              <p:nvPr/>
+            </p:nvCxnSpPr>
+            <p:spPr>
+              <a:xfrm>
+                <a:off x="1101012" y="1651518"/>
+                <a:ext cx="373224" cy="0"/>
+              </a:xfrm>
+              <a:prstGeom prst="line">
+                <a:avLst/>
+              </a:prstGeom>
+              <a:ln>
+                <a:solidFill>
+                  <a:schemeClr val="tx1"/>
+                </a:solidFill>
+              </a:ln>
+            </p:spPr>
+            <p:style>
+              <a:lnRef idx="1">
+                <a:schemeClr val="accent1"/>
+              </a:lnRef>
+              <a:fillRef idx="0">
+                <a:schemeClr val="accent1"/>
+              </a:fillRef>
+              <a:effectRef idx="0">
+                <a:schemeClr val="accent1"/>
+              </a:effectRef>
+              <a:fontRef idx="minor">
+                <a:schemeClr val="tx1"/>
+              </a:fontRef>
+            </p:style>
+          </p:cxnSp>
+        </p:grpSp>
+      </p:grpSp>
+      <p:grpSp>
+        <p:nvGrpSpPr>
+          <p:cNvPr id="205" name="Gruppieren 204">
+            <a:extLst>
+              <a:ext uri="{FF2B5EF4-FFF2-40B4-BE49-F238E27FC236}">
+                <a16:creationId xmlns:a16="http://schemas.microsoft.com/office/drawing/2014/main" id="{B7024167-CB61-41F9-968F-D4577C864D61}"/>
+              </a:ext>
+            </a:extLst>
+          </p:cNvPr>
+          <p:cNvGrpSpPr/>
+          <p:nvPr/>
+        </p:nvGrpSpPr>
+        <p:grpSpPr>
+          <a:xfrm>
+            <a:off x="3772572" y="2673969"/>
+            <a:ext cx="1270129" cy="644606"/>
+            <a:chOff x="1101012" y="1380932"/>
+            <a:chExt cx="1651519" cy="886408"/>
+          </a:xfrm>
+        </p:grpSpPr>
+        <p:sp>
+          <p:nvSpPr>
+            <p:cNvPr id="206" name="Rechteck 205">
+              <a:extLst>
+                <a:ext uri="{FF2B5EF4-FFF2-40B4-BE49-F238E27FC236}">
+                  <a16:creationId xmlns:a16="http://schemas.microsoft.com/office/drawing/2014/main" id="{7D3BB87F-6C25-4293-9B61-508C2749290E}"/>
+                </a:ext>
+              </a:extLst>
+            </p:cNvPr>
+            <p:cNvSpPr/>
+            <p:nvPr/>
+          </p:nvSpPr>
+          <p:spPr>
+            <a:xfrm>
+              <a:off x="1101012" y="1380932"/>
+              <a:ext cx="1651519" cy="886408"/>
+            </a:xfrm>
+            <a:prstGeom prst="rect">
+              <a:avLst/>
+            </a:prstGeom>
+            <a:solidFill>
+              <a:schemeClr val="bg1"/>
+            </a:solidFill>
+            <a:ln>
+              <a:solidFill>
+                <a:schemeClr val="tx1"/>
+              </a:solidFill>
+            </a:ln>
+          </p:spPr>
+          <p:style>
+            <a:lnRef idx="2">
+              <a:schemeClr val="accent1">
+                <a:shade val="50000"/>
+              </a:schemeClr>
+            </a:lnRef>
+            <a:fillRef idx="1">
+              <a:schemeClr val="accent1"/>
+            </a:fillRef>
+            <a:effectRef idx="0">
+              <a:schemeClr val="accent1"/>
+            </a:effectRef>
+            <a:fontRef idx="minor">
+              <a:schemeClr val="lt1"/>
+            </a:fontRef>
+          </p:style>
+          <p:txBody>
+            <a:bodyPr rtlCol="0" anchor="ctr"/>
+            <a:lstStyle/>
+            <a:p>
+              <a:pPr algn="ctr"/>
+              <a:r>
+                <a:rPr lang="de-AT" sz="1600" dirty="0" err="1">
+                  <a:solidFill>
+                    <a:schemeClr val="tx1"/>
+                  </a:solidFill>
+                </a:rPr>
+                <a:t>Define</a:t>
+              </a:r>
+              <a:r>
+                <a:rPr lang="de-AT" sz="1600" dirty="0">
+                  <a:solidFill>
+                    <a:schemeClr val="tx1"/>
+                  </a:solidFill>
+                </a:rPr>
+                <a:t> </a:t>
+              </a:r>
+              <a:r>
+                <a:rPr lang="de-AT" sz="1600" dirty="0" err="1">
+                  <a:solidFill>
+                    <a:schemeClr val="tx1"/>
+                  </a:solidFill>
+                </a:rPr>
+                <a:t>relations</a:t>
+              </a:r>
+              <a:endParaRPr lang="de-AT" sz="1600" dirty="0">
+                <a:solidFill>
+                  <a:schemeClr val="tx1"/>
+                </a:solidFill>
+              </a:endParaRPr>
+            </a:p>
+          </p:txBody>
+        </p:sp>
+        <p:grpSp>
+          <p:nvGrpSpPr>
+            <p:cNvPr id="207" name="Gruppieren 206">
+              <a:extLst>
+                <a:ext uri="{FF2B5EF4-FFF2-40B4-BE49-F238E27FC236}">
+                  <a16:creationId xmlns:a16="http://schemas.microsoft.com/office/drawing/2014/main" id="{C6B1CF66-CEF1-45E8-A9CD-C875738D9969}"/>
+                </a:ext>
+              </a:extLst>
+            </p:cNvPr>
+            <p:cNvGrpSpPr/>
+            <p:nvPr/>
+          </p:nvGrpSpPr>
+          <p:grpSpPr>
+            <a:xfrm>
+              <a:off x="2379306" y="1380932"/>
+              <a:ext cx="373224" cy="270586"/>
+              <a:chOff x="2379306" y="1380932"/>
+              <a:chExt cx="373224" cy="270586"/>
+            </a:xfrm>
+          </p:grpSpPr>
+          <p:cxnSp>
+            <p:nvCxnSpPr>
+              <p:cNvPr id="211" name="Gerader Verbinder 210">
+                <a:extLst>
+                  <a:ext uri="{FF2B5EF4-FFF2-40B4-BE49-F238E27FC236}">
+                    <a16:creationId xmlns:a16="http://schemas.microsoft.com/office/drawing/2014/main" id="{3B296B2B-3F1F-45C5-AF2C-520E3B3BA542}"/>
+                  </a:ext>
+                </a:extLst>
+              </p:cNvPr>
+              <p:cNvCxnSpPr>
+                <a:cxnSpLocks/>
+              </p:cNvCxnSpPr>
+              <p:nvPr/>
+            </p:nvCxnSpPr>
+            <p:spPr>
+              <a:xfrm>
+                <a:off x="2379306" y="1380932"/>
+                <a:ext cx="0" cy="270586"/>
+              </a:xfrm>
+              <a:prstGeom prst="line">
+                <a:avLst/>
+              </a:prstGeom>
+              <a:ln>
+                <a:solidFill>
+                  <a:schemeClr val="tx1"/>
+                </a:solidFill>
+              </a:ln>
+            </p:spPr>
+            <p:style>
+              <a:lnRef idx="1">
+                <a:schemeClr val="accent1"/>
+              </a:lnRef>
+              <a:fillRef idx="0">
+                <a:schemeClr val="accent1"/>
+              </a:fillRef>
+              <a:effectRef idx="0">
+                <a:schemeClr val="accent1"/>
+              </a:effectRef>
+              <a:fontRef idx="minor">
+                <a:schemeClr val="tx1"/>
+              </a:fontRef>
+            </p:style>
+          </p:cxnSp>
+          <p:cxnSp>
+            <p:nvCxnSpPr>
+              <p:cNvPr id="212" name="Gerader Verbinder 211">
+                <a:extLst>
+                  <a:ext uri="{FF2B5EF4-FFF2-40B4-BE49-F238E27FC236}">
+                    <a16:creationId xmlns:a16="http://schemas.microsoft.com/office/drawing/2014/main" id="{C7552FBC-96FE-4746-91FF-F5EC8BAD8112}"/>
+                  </a:ext>
+                </a:extLst>
+              </p:cNvPr>
+              <p:cNvCxnSpPr>
+                <a:cxnSpLocks/>
+              </p:cNvCxnSpPr>
+              <p:nvPr/>
+            </p:nvCxnSpPr>
+            <p:spPr>
+              <a:xfrm>
+                <a:off x="2379306" y="1651518"/>
+                <a:ext cx="373224" cy="0"/>
+              </a:xfrm>
+              <a:prstGeom prst="line">
+                <a:avLst/>
+              </a:prstGeom>
+              <a:ln>
+                <a:solidFill>
+                  <a:schemeClr val="tx1"/>
+                </a:solidFill>
+              </a:ln>
+            </p:spPr>
+            <p:style>
+              <a:lnRef idx="1">
+                <a:schemeClr val="accent1"/>
+              </a:lnRef>
+              <a:fillRef idx="0">
+                <a:schemeClr val="accent1"/>
+              </a:fillRef>
+              <a:effectRef idx="0">
+                <a:schemeClr val="accent1"/>
+              </a:effectRef>
+              <a:fontRef idx="minor">
+                <a:schemeClr val="tx1"/>
+              </a:fontRef>
+            </p:style>
+          </p:cxnSp>
+        </p:grpSp>
+        <p:grpSp>
+          <p:nvGrpSpPr>
+            <p:cNvPr id="208" name="Gruppieren 207">
+              <a:extLst>
+                <a:ext uri="{FF2B5EF4-FFF2-40B4-BE49-F238E27FC236}">
+                  <a16:creationId xmlns:a16="http://schemas.microsoft.com/office/drawing/2014/main" id="{46E40D59-DBD8-44B7-B8AB-620B4F8109E0}"/>
+                </a:ext>
+              </a:extLst>
+            </p:cNvPr>
+            <p:cNvGrpSpPr/>
+            <p:nvPr/>
+          </p:nvGrpSpPr>
+          <p:grpSpPr>
+            <a:xfrm>
+              <a:off x="1101012" y="1380932"/>
+              <a:ext cx="373224" cy="270586"/>
+              <a:chOff x="1101012" y="1380932"/>
+              <a:chExt cx="373224" cy="270586"/>
+            </a:xfrm>
+          </p:grpSpPr>
+          <p:cxnSp>
+            <p:nvCxnSpPr>
+              <p:cNvPr id="209" name="Gerader Verbinder 208">
+                <a:extLst>
+                  <a:ext uri="{FF2B5EF4-FFF2-40B4-BE49-F238E27FC236}">
+                    <a16:creationId xmlns:a16="http://schemas.microsoft.com/office/drawing/2014/main" id="{33164172-4C10-463B-8869-4638CDCA14D2}"/>
+                  </a:ext>
+                </a:extLst>
+              </p:cNvPr>
+              <p:cNvCxnSpPr>
+                <a:cxnSpLocks/>
+              </p:cNvCxnSpPr>
+              <p:nvPr/>
+            </p:nvCxnSpPr>
+            <p:spPr>
+              <a:xfrm>
+                <a:off x="1474236" y="1380932"/>
+                <a:ext cx="0" cy="270586"/>
+              </a:xfrm>
+              <a:prstGeom prst="line">
+                <a:avLst/>
+              </a:prstGeom>
+              <a:ln>
+                <a:solidFill>
+                  <a:schemeClr val="tx1"/>
+                </a:solidFill>
+              </a:ln>
+            </p:spPr>
+            <p:style>
+              <a:lnRef idx="1">
+                <a:schemeClr val="accent1"/>
+              </a:lnRef>
+              <a:fillRef idx="0">
+                <a:schemeClr val="accent1"/>
+              </a:fillRef>
+              <a:effectRef idx="0">
+                <a:schemeClr val="accent1"/>
+              </a:effectRef>
+              <a:fontRef idx="minor">
+                <a:schemeClr val="tx1"/>
+              </a:fontRef>
+            </p:style>
+          </p:cxnSp>
+          <p:cxnSp>
+            <p:nvCxnSpPr>
+              <p:cNvPr id="210" name="Gerader Verbinder 209">
+                <a:extLst>
+                  <a:ext uri="{FF2B5EF4-FFF2-40B4-BE49-F238E27FC236}">
+                    <a16:creationId xmlns:a16="http://schemas.microsoft.com/office/drawing/2014/main" id="{E766FEA0-133A-48A3-9E3F-4DEBF5A62EEF}"/>
+                  </a:ext>
+                </a:extLst>
+              </p:cNvPr>
+              <p:cNvCxnSpPr>
+                <a:cxnSpLocks/>
+              </p:cNvCxnSpPr>
+              <p:nvPr/>
+            </p:nvCxnSpPr>
+            <p:spPr>
+              <a:xfrm>
+                <a:off x="1101012" y="1651518"/>
+                <a:ext cx="373224" cy="0"/>
+              </a:xfrm>
+              <a:prstGeom prst="line">
+                <a:avLst/>
+              </a:prstGeom>
+              <a:ln>
+                <a:solidFill>
+                  <a:schemeClr val="tx1"/>
+                </a:solidFill>
+              </a:ln>
+            </p:spPr>
+            <p:style>
+              <a:lnRef idx="1">
+                <a:schemeClr val="accent1"/>
+              </a:lnRef>
+              <a:fillRef idx="0">
+                <a:schemeClr val="accent1"/>
+              </a:fillRef>
+              <a:effectRef idx="0">
+                <a:schemeClr val="accent1"/>
+              </a:effectRef>
+              <a:fontRef idx="minor">
+                <a:schemeClr val="tx1"/>
+              </a:fontRef>
+            </p:style>
+          </p:cxnSp>
+        </p:grpSp>
+      </p:grpSp>
+      <p:grpSp>
+        <p:nvGrpSpPr>
+          <p:cNvPr id="213" name="Gruppieren 212">
+            <a:extLst>
+              <a:ext uri="{FF2B5EF4-FFF2-40B4-BE49-F238E27FC236}">
+                <a16:creationId xmlns:a16="http://schemas.microsoft.com/office/drawing/2014/main" id="{CE9148D5-51FF-44A1-B217-12BDCD3CAB3E}"/>
+              </a:ext>
+            </a:extLst>
+          </p:cNvPr>
+          <p:cNvGrpSpPr/>
+          <p:nvPr/>
+        </p:nvGrpSpPr>
+        <p:grpSpPr>
+          <a:xfrm>
+            <a:off x="3771923" y="3491451"/>
+            <a:ext cx="1270129" cy="644606"/>
+            <a:chOff x="1101012" y="1380932"/>
+            <a:chExt cx="1651519" cy="886408"/>
+          </a:xfrm>
+        </p:grpSpPr>
+        <p:sp>
+          <p:nvSpPr>
+            <p:cNvPr id="214" name="Rechteck 213">
+              <a:extLst>
+                <a:ext uri="{FF2B5EF4-FFF2-40B4-BE49-F238E27FC236}">
+                  <a16:creationId xmlns:a16="http://schemas.microsoft.com/office/drawing/2014/main" id="{1B8A1A92-FA8A-4ADC-8B14-DAA22CE0421E}"/>
+                </a:ext>
+              </a:extLst>
+            </p:cNvPr>
+            <p:cNvSpPr/>
+            <p:nvPr/>
+          </p:nvSpPr>
+          <p:spPr>
+            <a:xfrm>
+              <a:off x="1101012" y="1380932"/>
+              <a:ext cx="1651519" cy="886408"/>
+            </a:xfrm>
+            <a:prstGeom prst="rect">
+              <a:avLst/>
+            </a:prstGeom>
+            <a:solidFill>
+              <a:schemeClr val="bg1"/>
+            </a:solidFill>
+            <a:ln>
+              <a:solidFill>
+                <a:schemeClr val="tx1"/>
+              </a:solidFill>
+            </a:ln>
+          </p:spPr>
+          <p:style>
+            <a:lnRef idx="2">
+              <a:schemeClr val="accent1">
+                <a:shade val="50000"/>
+              </a:schemeClr>
+            </a:lnRef>
+            <a:fillRef idx="1">
+              <a:schemeClr val="accent1"/>
+            </a:fillRef>
+            <a:effectRef idx="0">
+              <a:schemeClr val="accent1"/>
+            </a:effectRef>
+            <a:fontRef idx="minor">
+              <a:schemeClr val="lt1"/>
+            </a:fontRef>
+          </p:style>
+          <p:txBody>
+            <a:bodyPr rtlCol="0" anchor="ctr"/>
+            <a:lstStyle/>
+            <a:p>
+              <a:pPr algn="ctr"/>
+              <a:r>
+                <a:rPr lang="de-AT" sz="1600" dirty="0" err="1">
+                  <a:solidFill>
+                    <a:schemeClr val="tx1"/>
+                  </a:solidFill>
+                </a:rPr>
+                <a:t>Define</a:t>
+              </a:r>
+              <a:r>
+                <a:rPr lang="de-AT" sz="1600" dirty="0">
+                  <a:solidFill>
+                    <a:schemeClr val="tx1"/>
+                  </a:solidFill>
+                </a:rPr>
+                <a:t> API</a:t>
+              </a:r>
+            </a:p>
+          </p:txBody>
+        </p:sp>
+        <p:grpSp>
+          <p:nvGrpSpPr>
+            <p:cNvPr id="215" name="Gruppieren 214">
+              <a:extLst>
+                <a:ext uri="{FF2B5EF4-FFF2-40B4-BE49-F238E27FC236}">
+                  <a16:creationId xmlns:a16="http://schemas.microsoft.com/office/drawing/2014/main" id="{4C7B8D7D-F572-43C1-9180-5E2BCA384822}"/>
+                </a:ext>
+              </a:extLst>
+            </p:cNvPr>
+            <p:cNvGrpSpPr/>
+            <p:nvPr/>
+          </p:nvGrpSpPr>
+          <p:grpSpPr>
+            <a:xfrm>
+              <a:off x="2379306" y="1380932"/>
+              <a:ext cx="373224" cy="270586"/>
+              <a:chOff x="2379306" y="1380932"/>
+              <a:chExt cx="373224" cy="270586"/>
+            </a:xfrm>
+          </p:grpSpPr>
+          <p:cxnSp>
+            <p:nvCxnSpPr>
+              <p:cNvPr id="219" name="Gerader Verbinder 218">
+                <a:extLst>
+                  <a:ext uri="{FF2B5EF4-FFF2-40B4-BE49-F238E27FC236}">
+                    <a16:creationId xmlns:a16="http://schemas.microsoft.com/office/drawing/2014/main" id="{31D57048-4130-4EA0-A1EC-CDC5D3ABB517}"/>
+                  </a:ext>
+                </a:extLst>
+              </p:cNvPr>
+              <p:cNvCxnSpPr>
+                <a:cxnSpLocks/>
+              </p:cNvCxnSpPr>
+              <p:nvPr/>
+            </p:nvCxnSpPr>
+            <p:spPr>
+              <a:xfrm>
+                <a:off x="2379306" y="1380932"/>
+                <a:ext cx="0" cy="270586"/>
+              </a:xfrm>
+              <a:prstGeom prst="line">
+                <a:avLst/>
+              </a:prstGeom>
+              <a:ln>
+                <a:solidFill>
+                  <a:schemeClr val="tx1"/>
+                </a:solidFill>
+              </a:ln>
+            </p:spPr>
+            <p:style>
+              <a:lnRef idx="1">
+                <a:schemeClr val="accent1"/>
+              </a:lnRef>
+              <a:fillRef idx="0">
+                <a:schemeClr val="accent1"/>
+              </a:fillRef>
+              <a:effectRef idx="0">
+                <a:schemeClr val="accent1"/>
+              </a:effectRef>
+              <a:fontRef idx="minor">
+                <a:schemeClr val="tx1"/>
+              </a:fontRef>
+            </p:style>
+          </p:cxnSp>
+          <p:cxnSp>
+            <p:nvCxnSpPr>
+              <p:cNvPr id="220" name="Gerader Verbinder 219">
+                <a:extLst>
+                  <a:ext uri="{FF2B5EF4-FFF2-40B4-BE49-F238E27FC236}">
+                    <a16:creationId xmlns:a16="http://schemas.microsoft.com/office/drawing/2014/main" id="{9F65DC91-5C35-4379-BD27-442DB2E60D83}"/>
+                  </a:ext>
+                </a:extLst>
+              </p:cNvPr>
+              <p:cNvCxnSpPr>
+                <a:cxnSpLocks/>
+              </p:cNvCxnSpPr>
+              <p:nvPr/>
+            </p:nvCxnSpPr>
+            <p:spPr>
+              <a:xfrm>
+                <a:off x="2379306" y="1651518"/>
+                <a:ext cx="373224" cy="0"/>
+              </a:xfrm>
+              <a:prstGeom prst="line">
+                <a:avLst/>
+              </a:prstGeom>
+              <a:ln>
+                <a:solidFill>
+                  <a:schemeClr val="tx1"/>
+                </a:solidFill>
+              </a:ln>
+            </p:spPr>
+            <p:style>
+              <a:lnRef idx="1">
+                <a:schemeClr val="accent1"/>
+              </a:lnRef>
+              <a:fillRef idx="0">
+                <a:schemeClr val="accent1"/>
+              </a:fillRef>
+              <a:effectRef idx="0">
+                <a:schemeClr val="accent1"/>
+              </a:effectRef>
+              <a:fontRef idx="minor">
+                <a:schemeClr val="tx1"/>
+              </a:fontRef>
+            </p:style>
+          </p:cxnSp>
+        </p:grpSp>
+        <p:grpSp>
+          <p:nvGrpSpPr>
+            <p:cNvPr id="216" name="Gruppieren 215">
+              <a:extLst>
+                <a:ext uri="{FF2B5EF4-FFF2-40B4-BE49-F238E27FC236}">
+                  <a16:creationId xmlns:a16="http://schemas.microsoft.com/office/drawing/2014/main" id="{2E83C7A2-44AE-4F5D-863A-E6BD600A0DEB}"/>
+                </a:ext>
+              </a:extLst>
+            </p:cNvPr>
+            <p:cNvGrpSpPr/>
+            <p:nvPr/>
+          </p:nvGrpSpPr>
+          <p:grpSpPr>
+            <a:xfrm>
+              <a:off x="1101012" y="1380932"/>
+              <a:ext cx="373224" cy="270586"/>
+              <a:chOff x="1101012" y="1380932"/>
+              <a:chExt cx="373224" cy="270586"/>
+            </a:xfrm>
+          </p:grpSpPr>
+          <p:cxnSp>
+            <p:nvCxnSpPr>
+              <p:cNvPr id="217" name="Gerader Verbinder 216">
+                <a:extLst>
+                  <a:ext uri="{FF2B5EF4-FFF2-40B4-BE49-F238E27FC236}">
+                    <a16:creationId xmlns:a16="http://schemas.microsoft.com/office/drawing/2014/main" id="{D1EF9D84-DE42-460F-98F2-46C9D179DE92}"/>
+                  </a:ext>
+                </a:extLst>
+              </p:cNvPr>
+              <p:cNvCxnSpPr>
+                <a:cxnSpLocks/>
+              </p:cNvCxnSpPr>
+              <p:nvPr/>
+            </p:nvCxnSpPr>
+            <p:spPr>
+              <a:xfrm>
+                <a:off x="1474236" y="1380932"/>
+                <a:ext cx="0" cy="270586"/>
+              </a:xfrm>
+              <a:prstGeom prst="line">
+                <a:avLst/>
+              </a:prstGeom>
+              <a:ln>
+                <a:solidFill>
+                  <a:schemeClr val="tx1"/>
+                </a:solidFill>
+              </a:ln>
+            </p:spPr>
+            <p:style>
+              <a:lnRef idx="1">
+                <a:schemeClr val="accent1"/>
+              </a:lnRef>
+              <a:fillRef idx="0">
+                <a:schemeClr val="accent1"/>
+              </a:fillRef>
+              <a:effectRef idx="0">
+                <a:schemeClr val="accent1"/>
+              </a:effectRef>
+              <a:fontRef idx="minor">
+                <a:schemeClr val="tx1"/>
+              </a:fontRef>
+            </p:style>
+          </p:cxnSp>
+          <p:cxnSp>
+            <p:nvCxnSpPr>
+              <p:cNvPr id="218" name="Gerader Verbinder 217">
+                <a:extLst>
+                  <a:ext uri="{FF2B5EF4-FFF2-40B4-BE49-F238E27FC236}">
+                    <a16:creationId xmlns:a16="http://schemas.microsoft.com/office/drawing/2014/main" id="{69FFC408-DAAB-4DCE-A75D-CA015B6F19DB}"/>
+                  </a:ext>
+                </a:extLst>
+              </p:cNvPr>
+              <p:cNvCxnSpPr>
+                <a:cxnSpLocks/>
+              </p:cNvCxnSpPr>
+              <p:nvPr/>
+            </p:nvCxnSpPr>
+            <p:spPr>
+              <a:xfrm>
+                <a:off x="1101012" y="1651518"/>
+                <a:ext cx="373224" cy="0"/>
+              </a:xfrm>
+              <a:prstGeom prst="line">
+                <a:avLst/>
+              </a:prstGeom>
+              <a:ln>
+                <a:solidFill>
+                  <a:schemeClr val="tx1"/>
+                </a:solidFill>
+              </a:ln>
+            </p:spPr>
+            <p:style>
+              <a:lnRef idx="1">
+                <a:schemeClr val="accent1"/>
+              </a:lnRef>
+              <a:fillRef idx="0">
+                <a:schemeClr val="accent1"/>
+              </a:fillRef>
+              <a:effectRef idx="0">
+                <a:schemeClr val="accent1"/>
+              </a:effectRef>
+              <a:fontRef idx="minor">
+                <a:schemeClr val="tx1"/>
+              </a:fontRef>
+            </p:style>
+          </p:cxnSp>
+        </p:grpSp>
+      </p:grpSp>
+      <p:grpSp>
+        <p:nvGrpSpPr>
+          <p:cNvPr id="221" name="Gruppieren 220">
+            <a:extLst>
+              <a:ext uri="{FF2B5EF4-FFF2-40B4-BE49-F238E27FC236}">
+                <a16:creationId xmlns:a16="http://schemas.microsoft.com/office/drawing/2014/main" id="{271813CF-989D-4B2C-B195-7CCC26134A13}"/>
+              </a:ext>
+            </a:extLst>
+          </p:cNvPr>
+          <p:cNvGrpSpPr/>
+          <p:nvPr/>
+        </p:nvGrpSpPr>
+        <p:grpSpPr>
+          <a:xfrm>
+            <a:off x="3771923" y="4314466"/>
+            <a:ext cx="1270129" cy="644606"/>
+            <a:chOff x="1101012" y="1380932"/>
+            <a:chExt cx="1651519" cy="886408"/>
+          </a:xfrm>
+        </p:grpSpPr>
+        <p:sp>
+          <p:nvSpPr>
+            <p:cNvPr id="222" name="Rechteck 221">
+              <a:extLst>
+                <a:ext uri="{FF2B5EF4-FFF2-40B4-BE49-F238E27FC236}">
+                  <a16:creationId xmlns:a16="http://schemas.microsoft.com/office/drawing/2014/main" id="{0196658E-5BB3-4F47-A687-57D3E95D0044}"/>
+                </a:ext>
+              </a:extLst>
+            </p:cNvPr>
+            <p:cNvSpPr/>
+            <p:nvPr/>
+          </p:nvSpPr>
+          <p:spPr>
+            <a:xfrm>
+              <a:off x="1101012" y="1380932"/>
+              <a:ext cx="1651519" cy="886408"/>
+            </a:xfrm>
+            <a:prstGeom prst="rect">
+              <a:avLst/>
+            </a:prstGeom>
+            <a:solidFill>
+              <a:schemeClr val="bg1"/>
+            </a:solidFill>
+            <a:ln>
+              <a:solidFill>
+                <a:schemeClr val="tx1"/>
+              </a:solidFill>
+            </a:ln>
+          </p:spPr>
+          <p:style>
+            <a:lnRef idx="2">
+              <a:schemeClr val="accent1">
+                <a:shade val="50000"/>
+              </a:schemeClr>
+            </a:lnRef>
+            <a:fillRef idx="1">
+              <a:schemeClr val="accent1"/>
+            </a:fillRef>
+            <a:effectRef idx="0">
+              <a:schemeClr val="accent1"/>
+            </a:effectRef>
+            <a:fontRef idx="minor">
+              <a:schemeClr val="lt1"/>
+            </a:fontRef>
+          </p:style>
+          <p:txBody>
+            <a:bodyPr rtlCol="0" anchor="ctr"/>
+            <a:lstStyle/>
+            <a:p>
+              <a:pPr algn="ctr"/>
+              <a:r>
+                <a:rPr lang="de-AT" sz="1600" dirty="0" err="1">
+                  <a:solidFill>
+                    <a:schemeClr val="tx1"/>
+                  </a:solidFill>
+                </a:rPr>
+                <a:t>Define</a:t>
+              </a:r>
+              <a:r>
+                <a:rPr lang="de-AT" sz="1600" dirty="0">
+                  <a:solidFill>
+                    <a:schemeClr val="tx1"/>
+                  </a:solidFill>
+                </a:rPr>
+                <a:t> </a:t>
+              </a:r>
+              <a:r>
+                <a:rPr lang="de-AT" sz="1600" dirty="0" err="1">
+                  <a:solidFill>
+                    <a:schemeClr val="tx1"/>
+                  </a:solidFill>
+                </a:rPr>
+                <a:t>server</a:t>
+              </a:r>
+              <a:r>
+                <a:rPr lang="de-AT" sz="1600" dirty="0">
+                  <a:solidFill>
+                    <a:schemeClr val="tx1"/>
+                  </a:solidFill>
+                </a:rPr>
+                <a:t> </a:t>
+              </a:r>
+              <a:r>
+                <a:rPr lang="de-AT" sz="1600" dirty="0" err="1">
+                  <a:solidFill>
+                    <a:schemeClr val="tx1"/>
+                  </a:solidFill>
+                </a:rPr>
+                <a:t>config</a:t>
+              </a:r>
+              <a:endParaRPr lang="de-AT" sz="1600" dirty="0">
+                <a:solidFill>
+                  <a:schemeClr val="tx1"/>
+                </a:solidFill>
+              </a:endParaRPr>
+            </a:p>
+          </p:txBody>
+        </p:sp>
+        <p:grpSp>
+          <p:nvGrpSpPr>
+            <p:cNvPr id="223" name="Gruppieren 222">
+              <a:extLst>
+                <a:ext uri="{FF2B5EF4-FFF2-40B4-BE49-F238E27FC236}">
+                  <a16:creationId xmlns:a16="http://schemas.microsoft.com/office/drawing/2014/main" id="{1F460CB4-BB89-460F-BB4C-AB4F102D998B}"/>
+                </a:ext>
+              </a:extLst>
+            </p:cNvPr>
+            <p:cNvGrpSpPr/>
+            <p:nvPr/>
+          </p:nvGrpSpPr>
+          <p:grpSpPr>
+            <a:xfrm>
+              <a:off x="2379306" y="1380932"/>
+              <a:ext cx="373224" cy="270586"/>
+              <a:chOff x="2379306" y="1380932"/>
+              <a:chExt cx="373224" cy="270586"/>
+            </a:xfrm>
+          </p:grpSpPr>
+          <p:cxnSp>
+            <p:nvCxnSpPr>
+              <p:cNvPr id="227" name="Gerader Verbinder 226">
+                <a:extLst>
+                  <a:ext uri="{FF2B5EF4-FFF2-40B4-BE49-F238E27FC236}">
+                    <a16:creationId xmlns:a16="http://schemas.microsoft.com/office/drawing/2014/main" id="{BBEC1460-86A5-4D94-BEAD-322302B7C5C5}"/>
+                  </a:ext>
+                </a:extLst>
+              </p:cNvPr>
+              <p:cNvCxnSpPr>
+                <a:cxnSpLocks/>
+              </p:cNvCxnSpPr>
+              <p:nvPr/>
+            </p:nvCxnSpPr>
+            <p:spPr>
+              <a:xfrm>
+                <a:off x="2379306" y="1380932"/>
+                <a:ext cx="0" cy="270586"/>
+              </a:xfrm>
+              <a:prstGeom prst="line">
+                <a:avLst/>
+              </a:prstGeom>
+              <a:ln>
+                <a:solidFill>
+                  <a:schemeClr val="tx1"/>
+                </a:solidFill>
+              </a:ln>
+            </p:spPr>
+            <p:style>
+              <a:lnRef idx="1">
+                <a:schemeClr val="accent1"/>
+              </a:lnRef>
+              <a:fillRef idx="0">
+                <a:schemeClr val="accent1"/>
+              </a:fillRef>
+              <a:effectRef idx="0">
+                <a:schemeClr val="accent1"/>
+              </a:effectRef>
+              <a:fontRef idx="minor">
+                <a:schemeClr val="tx1"/>
+              </a:fontRef>
+            </p:style>
+          </p:cxnSp>
+          <p:cxnSp>
+            <p:nvCxnSpPr>
+              <p:cNvPr id="228" name="Gerader Verbinder 227">
+                <a:extLst>
+                  <a:ext uri="{FF2B5EF4-FFF2-40B4-BE49-F238E27FC236}">
+                    <a16:creationId xmlns:a16="http://schemas.microsoft.com/office/drawing/2014/main" id="{D670966E-720B-4944-951E-E1197B59B30C}"/>
+                  </a:ext>
+                </a:extLst>
+              </p:cNvPr>
+              <p:cNvCxnSpPr>
+                <a:cxnSpLocks/>
+              </p:cNvCxnSpPr>
+              <p:nvPr/>
+            </p:nvCxnSpPr>
+            <p:spPr>
+              <a:xfrm>
+                <a:off x="2379306" y="1651518"/>
+                <a:ext cx="373224" cy="0"/>
+              </a:xfrm>
+              <a:prstGeom prst="line">
+                <a:avLst/>
+              </a:prstGeom>
+              <a:ln>
+                <a:solidFill>
+                  <a:schemeClr val="tx1"/>
+                </a:solidFill>
+              </a:ln>
+            </p:spPr>
+            <p:style>
+              <a:lnRef idx="1">
+                <a:schemeClr val="accent1"/>
+              </a:lnRef>
+              <a:fillRef idx="0">
+                <a:schemeClr val="accent1"/>
+              </a:fillRef>
+              <a:effectRef idx="0">
+                <a:schemeClr val="accent1"/>
+              </a:effectRef>
+              <a:fontRef idx="minor">
+                <a:schemeClr val="tx1"/>
+              </a:fontRef>
+            </p:style>
+          </p:cxnSp>
+        </p:grpSp>
+        <p:grpSp>
+          <p:nvGrpSpPr>
+            <p:cNvPr id="224" name="Gruppieren 223">
+              <a:extLst>
+                <a:ext uri="{FF2B5EF4-FFF2-40B4-BE49-F238E27FC236}">
+                  <a16:creationId xmlns:a16="http://schemas.microsoft.com/office/drawing/2014/main" id="{6C332F38-5378-4468-A06D-EB4DD0C1167B}"/>
+                </a:ext>
+              </a:extLst>
+            </p:cNvPr>
+            <p:cNvGrpSpPr/>
+            <p:nvPr/>
+          </p:nvGrpSpPr>
+          <p:grpSpPr>
+            <a:xfrm>
+              <a:off x="1101012" y="1380932"/>
+              <a:ext cx="373224" cy="270586"/>
+              <a:chOff x="1101012" y="1380932"/>
+              <a:chExt cx="373224" cy="270586"/>
+            </a:xfrm>
+          </p:grpSpPr>
+          <p:cxnSp>
+            <p:nvCxnSpPr>
+              <p:cNvPr id="225" name="Gerader Verbinder 224">
+                <a:extLst>
+                  <a:ext uri="{FF2B5EF4-FFF2-40B4-BE49-F238E27FC236}">
+                    <a16:creationId xmlns:a16="http://schemas.microsoft.com/office/drawing/2014/main" id="{A685F352-1E78-476F-8C62-346BA89164AF}"/>
+                  </a:ext>
+                </a:extLst>
+              </p:cNvPr>
+              <p:cNvCxnSpPr>
+                <a:cxnSpLocks/>
+              </p:cNvCxnSpPr>
+              <p:nvPr/>
+            </p:nvCxnSpPr>
+            <p:spPr>
+              <a:xfrm>
+                <a:off x="1474236" y="1380932"/>
+                <a:ext cx="0" cy="270586"/>
+              </a:xfrm>
+              <a:prstGeom prst="line">
+                <a:avLst/>
+              </a:prstGeom>
+              <a:ln>
+                <a:solidFill>
+                  <a:schemeClr val="tx1"/>
+                </a:solidFill>
+              </a:ln>
+            </p:spPr>
+            <p:style>
+              <a:lnRef idx="1">
+                <a:schemeClr val="accent1"/>
+              </a:lnRef>
+              <a:fillRef idx="0">
+                <a:schemeClr val="accent1"/>
+              </a:fillRef>
+              <a:effectRef idx="0">
+                <a:schemeClr val="accent1"/>
+              </a:effectRef>
+              <a:fontRef idx="minor">
+                <a:schemeClr val="tx1"/>
+              </a:fontRef>
+            </p:style>
+          </p:cxnSp>
+          <p:cxnSp>
+            <p:nvCxnSpPr>
+              <p:cNvPr id="226" name="Gerader Verbinder 225">
+                <a:extLst>
+                  <a:ext uri="{FF2B5EF4-FFF2-40B4-BE49-F238E27FC236}">
+                    <a16:creationId xmlns:a16="http://schemas.microsoft.com/office/drawing/2014/main" id="{22BC9B94-505E-4710-8C21-81A1A4611C58}"/>
+                  </a:ext>
+                </a:extLst>
+              </p:cNvPr>
+              <p:cNvCxnSpPr>
+                <a:cxnSpLocks/>
+              </p:cNvCxnSpPr>
+              <p:nvPr/>
+            </p:nvCxnSpPr>
+            <p:spPr>
+              <a:xfrm>
+                <a:off x="1101012" y="1651518"/>
+                <a:ext cx="373224" cy="0"/>
+              </a:xfrm>
+              <a:prstGeom prst="line">
+                <a:avLst/>
+              </a:prstGeom>
+              <a:ln>
+                <a:solidFill>
+                  <a:schemeClr val="tx1"/>
+                </a:solidFill>
+              </a:ln>
+            </p:spPr>
+            <p:style>
+              <a:lnRef idx="1">
+                <a:schemeClr val="accent1"/>
+              </a:lnRef>
+              <a:fillRef idx="0">
+                <a:schemeClr val="accent1"/>
+              </a:fillRef>
+              <a:effectRef idx="0">
+                <a:schemeClr val="accent1"/>
+              </a:effectRef>
+              <a:fontRef idx="minor">
+                <a:schemeClr val="tx1"/>
+              </a:fontRef>
+            </p:style>
+          </p:cxnSp>
+        </p:grpSp>
+      </p:grpSp>
+      <p:grpSp>
+        <p:nvGrpSpPr>
+          <p:cNvPr id="229" name="Gruppieren 228">
+            <a:extLst>
+              <a:ext uri="{FF2B5EF4-FFF2-40B4-BE49-F238E27FC236}">
+                <a16:creationId xmlns:a16="http://schemas.microsoft.com/office/drawing/2014/main" id="{C6364DEA-B16D-4D64-908E-CC6E3E6BC02A}"/>
+              </a:ext>
+            </a:extLst>
+          </p:cNvPr>
+          <p:cNvGrpSpPr/>
+          <p:nvPr/>
+        </p:nvGrpSpPr>
+        <p:grpSpPr>
+          <a:xfrm>
+            <a:off x="3775984" y="5110744"/>
+            <a:ext cx="1270129" cy="644606"/>
+            <a:chOff x="1101012" y="1380932"/>
+            <a:chExt cx="1651519" cy="886408"/>
+          </a:xfrm>
+        </p:grpSpPr>
+        <p:sp>
+          <p:nvSpPr>
+            <p:cNvPr id="230" name="Rechteck 229">
+              <a:extLst>
+                <a:ext uri="{FF2B5EF4-FFF2-40B4-BE49-F238E27FC236}">
+                  <a16:creationId xmlns:a16="http://schemas.microsoft.com/office/drawing/2014/main" id="{6135A554-45E4-438B-B35A-8F72C35F3ED1}"/>
+                </a:ext>
+              </a:extLst>
+            </p:cNvPr>
+            <p:cNvSpPr/>
+            <p:nvPr/>
+          </p:nvSpPr>
+          <p:spPr>
+            <a:xfrm>
+              <a:off x="1101012" y="1380932"/>
+              <a:ext cx="1651519" cy="886408"/>
+            </a:xfrm>
+            <a:prstGeom prst="rect">
+              <a:avLst/>
+            </a:prstGeom>
+            <a:solidFill>
+              <a:schemeClr val="bg1"/>
+            </a:solidFill>
+            <a:ln>
+              <a:solidFill>
+                <a:schemeClr val="tx1"/>
+              </a:solidFill>
+            </a:ln>
+          </p:spPr>
+          <p:style>
+            <a:lnRef idx="2">
+              <a:schemeClr val="accent1">
+                <a:shade val="50000"/>
+              </a:schemeClr>
+            </a:lnRef>
+            <a:fillRef idx="1">
+              <a:schemeClr val="accent1"/>
+            </a:fillRef>
+            <a:effectRef idx="0">
+              <a:schemeClr val="accent1"/>
+            </a:effectRef>
+            <a:fontRef idx="minor">
+              <a:schemeClr val="lt1"/>
+            </a:fontRef>
+          </p:style>
+          <p:txBody>
+            <a:bodyPr rtlCol="0" anchor="ctr"/>
+            <a:lstStyle/>
+            <a:p>
+              <a:pPr algn="ctr"/>
+              <a:r>
+                <a:rPr lang="de-AT" sz="1600" dirty="0" err="1">
+                  <a:solidFill>
+                    <a:schemeClr val="tx1"/>
+                  </a:solidFill>
+                </a:rPr>
+                <a:t>Define</a:t>
+              </a:r>
+              <a:r>
+                <a:rPr lang="de-AT" sz="1600" dirty="0">
+                  <a:solidFill>
+                    <a:schemeClr val="tx1"/>
+                  </a:solidFill>
+                </a:rPr>
+                <a:t> </a:t>
+              </a:r>
+              <a:r>
+                <a:rPr lang="de-AT" sz="1600" dirty="0" err="1">
+                  <a:solidFill>
+                    <a:schemeClr val="tx1"/>
+                  </a:solidFill>
+                </a:rPr>
+                <a:t>testcases</a:t>
+              </a:r>
+              <a:endParaRPr lang="de-AT" sz="1600" dirty="0">
+                <a:solidFill>
+                  <a:schemeClr val="tx1"/>
+                </a:solidFill>
+              </a:endParaRPr>
+            </a:p>
+          </p:txBody>
+        </p:sp>
+        <p:grpSp>
+          <p:nvGrpSpPr>
+            <p:cNvPr id="231" name="Gruppieren 230">
+              <a:extLst>
+                <a:ext uri="{FF2B5EF4-FFF2-40B4-BE49-F238E27FC236}">
+                  <a16:creationId xmlns:a16="http://schemas.microsoft.com/office/drawing/2014/main" id="{7846AFA1-BEF6-4831-9C39-CCD407BC429A}"/>
+                </a:ext>
+              </a:extLst>
+            </p:cNvPr>
+            <p:cNvGrpSpPr/>
+            <p:nvPr/>
+          </p:nvGrpSpPr>
+          <p:grpSpPr>
+            <a:xfrm>
+              <a:off x="2379306" y="1380932"/>
+              <a:ext cx="373224" cy="270586"/>
+              <a:chOff x="2379306" y="1380932"/>
+              <a:chExt cx="373224" cy="270586"/>
+            </a:xfrm>
+          </p:grpSpPr>
+          <p:cxnSp>
+            <p:nvCxnSpPr>
+              <p:cNvPr id="235" name="Gerader Verbinder 234">
+                <a:extLst>
+                  <a:ext uri="{FF2B5EF4-FFF2-40B4-BE49-F238E27FC236}">
+                    <a16:creationId xmlns:a16="http://schemas.microsoft.com/office/drawing/2014/main" id="{A4BC3B45-709B-4A9F-B47A-93C3F66E3EA4}"/>
+                  </a:ext>
+                </a:extLst>
+              </p:cNvPr>
+              <p:cNvCxnSpPr>
+                <a:cxnSpLocks/>
+              </p:cNvCxnSpPr>
+              <p:nvPr/>
+            </p:nvCxnSpPr>
+            <p:spPr>
+              <a:xfrm>
+                <a:off x="2379306" y="1380932"/>
+                <a:ext cx="0" cy="270586"/>
+              </a:xfrm>
+              <a:prstGeom prst="line">
+                <a:avLst/>
+              </a:prstGeom>
+              <a:ln>
+                <a:solidFill>
+                  <a:schemeClr val="tx1"/>
+                </a:solidFill>
+              </a:ln>
+            </p:spPr>
+            <p:style>
+              <a:lnRef idx="1">
+                <a:schemeClr val="accent1"/>
+              </a:lnRef>
+              <a:fillRef idx="0">
+                <a:schemeClr val="accent1"/>
+              </a:fillRef>
+              <a:effectRef idx="0">
+                <a:schemeClr val="accent1"/>
+              </a:effectRef>
+              <a:fontRef idx="minor">
+                <a:schemeClr val="tx1"/>
+              </a:fontRef>
+            </p:style>
+          </p:cxnSp>
+          <p:cxnSp>
+            <p:nvCxnSpPr>
+              <p:cNvPr id="236" name="Gerader Verbinder 235">
+                <a:extLst>
+                  <a:ext uri="{FF2B5EF4-FFF2-40B4-BE49-F238E27FC236}">
+                    <a16:creationId xmlns:a16="http://schemas.microsoft.com/office/drawing/2014/main" id="{D05B43FA-3CD5-4BBE-924C-F865D635A10C}"/>
+                  </a:ext>
+                </a:extLst>
+              </p:cNvPr>
+              <p:cNvCxnSpPr>
+                <a:cxnSpLocks/>
+              </p:cNvCxnSpPr>
+              <p:nvPr/>
+            </p:nvCxnSpPr>
+            <p:spPr>
+              <a:xfrm>
+                <a:off x="2379306" y="1651518"/>
+                <a:ext cx="373224" cy="0"/>
+              </a:xfrm>
+              <a:prstGeom prst="line">
+                <a:avLst/>
+              </a:prstGeom>
+              <a:ln>
+                <a:solidFill>
+                  <a:schemeClr val="tx1"/>
+                </a:solidFill>
+              </a:ln>
+            </p:spPr>
+            <p:style>
+              <a:lnRef idx="1">
+                <a:schemeClr val="accent1"/>
+              </a:lnRef>
+              <a:fillRef idx="0">
+                <a:schemeClr val="accent1"/>
+              </a:fillRef>
+              <a:effectRef idx="0">
+                <a:schemeClr val="accent1"/>
+              </a:effectRef>
+              <a:fontRef idx="minor">
+                <a:schemeClr val="tx1"/>
+              </a:fontRef>
+            </p:style>
+          </p:cxnSp>
+        </p:grpSp>
+        <p:grpSp>
+          <p:nvGrpSpPr>
+            <p:cNvPr id="232" name="Gruppieren 231">
+              <a:extLst>
+                <a:ext uri="{FF2B5EF4-FFF2-40B4-BE49-F238E27FC236}">
+                  <a16:creationId xmlns:a16="http://schemas.microsoft.com/office/drawing/2014/main" id="{EEFC9B3F-A8AC-4C18-9C7C-027140C795BC}"/>
+                </a:ext>
+              </a:extLst>
+            </p:cNvPr>
+            <p:cNvGrpSpPr/>
+            <p:nvPr/>
+          </p:nvGrpSpPr>
+          <p:grpSpPr>
+            <a:xfrm>
+              <a:off x="1101012" y="1380932"/>
+              <a:ext cx="373224" cy="270586"/>
+              <a:chOff x="1101012" y="1380932"/>
+              <a:chExt cx="373224" cy="270586"/>
+            </a:xfrm>
+          </p:grpSpPr>
+          <p:cxnSp>
+            <p:nvCxnSpPr>
+              <p:cNvPr id="233" name="Gerader Verbinder 232">
+                <a:extLst>
+                  <a:ext uri="{FF2B5EF4-FFF2-40B4-BE49-F238E27FC236}">
+                    <a16:creationId xmlns:a16="http://schemas.microsoft.com/office/drawing/2014/main" id="{04484FAF-4AF6-4DC3-A1EE-B67F0563B6D1}"/>
+                  </a:ext>
+                </a:extLst>
+              </p:cNvPr>
+              <p:cNvCxnSpPr>
+                <a:cxnSpLocks/>
+              </p:cNvCxnSpPr>
+              <p:nvPr/>
+            </p:nvCxnSpPr>
+            <p:spPr>
+              <a:xfrm>
+                <a:off x="1474236" y="1380932"/>
+                <a:ext cx="0" cy="270586"/>
+              </a:xfrm>
+              <a:prstGeom prst="line">
+                <a:avLst/>
+              </a:prstGeom>
+              <a:ln>
+                <a:solidFill>
+                  <a:schemeClr val="tx1"/>
+                </a:solidFill>
+              </a:ln>
+            </p:spPr>
+            <p:style>
+              <a:lnRef idx="1">
+                <a:schemeClr val="accent1"/>
+              </a:lnRef>
+              <a:fillRef idx="0">
+                <a:schemeClr val="accent1"/>
+              </a:fillRef>
+              <a:effectRef idx="0">
+                <a:schemeClr val="accent1"/>
+              </a:effectRef>
+              <a:fontRef idx="minor">
+                <a:schemeClr val="tx1"/>
+              </a:fontRef>
+            </p:style>
+          </p:cxnSp>
+          <p:cxnSp>
+            <p:nvCxnSpPr>
+              <p:cNvPr id="234" name="Gerader Verbinder 233">
+                <a:extLst>
+                  <a:ext uri="{FF2B5EF4-FFF2-40B4-BE49-F238E27FC236}">
+                    <a16:creationId xmlns:a16="http://schemas.microsoft.com/office/drawing/2014/main" id="{88BB9A20-1187-43C3-9E74-BE812B2C0FE6}"/>
+                  </a:ext>
+                </a:extLst>
+              </p:cNvPr>
+              <p:cNvCxnSpPr>
+                <a:cxnSpLocks/>
+              </p:cNvCxnSpPr>
+              <p:nvPr/>
+            </p:nvCxnSpPr>
+            <p:spPr>
+              <a:xfrm>
+                <a:off x="1101012" y="1651518"/>
+                <a:ext cx="373224" cy="0"/>
+              </a:xfrm>
+              <a:prstGeom prst="line">
+                <a:avLst/>
+              </a:prstGeom>
+              <a:ln>
+                <a:solidFill>
+                  <a:schemeClr val="tx1"/>
+                </a:solidFill>
+              </a:ln>
+            </p:spPr>
+            <p:style>
+              <a:lnRef idx="1">
+                <a:schemeClr val="accent1"/>
+              </a:lnRef>
+              <a:fillRef idx="0">
+                <a:schemeClr val="accent1"/>
+              </a:fillRef>
+              <a:effectRef idx="0">
+                <a:schemeClr val="accent1"/>
+              </a:effectRef>
+              <a:fontRef idx="minor">
+                <a:schemeClr val="tx1"/>
+              </a:fontRef>
+            </p:style>
+          </p:cxnSp>
+        </p:grpSp>
+      </p:grpSp>
+      <p:sp>
+        <p:nvSpPr>
+          <p:cNvPr id="237" name="Textfeld 236">
+            <a:extLst>
+              <a:ext uri="{FF2B5EF4-FFF2-40B4-BE49-F238E27FC236}">
+                <a16:creationId xmlns:a16="http://schemas.microsoft.com/office/drawing/2014/main" id="{3BE17701-3A4B-43E5-91A8-C37D62B9B770}"/>
+              </a:ext>
+            </a:extLst>
+          </p:cNvPr>
+          <p:cNvSpPr txBox="1"/>
+          <p:nvPr/>
+        </p:nvSpPr>
+        <p:spPr>
+          <a:xfrm>
+            <a:off x="3721755" y="1844918"/>
+            <a:ext cx="604408" cy="307777"/>
+          </a:xfrm>
+          <a:prstGeom prst="rect">
+            <a:avLst/>
+          </a:prstGeom>
+          <a:noFill/>
+        </p:spPr>
+        <p:txBody>
+          <a:bodyPr wrap="square" rtlCol="0">
+            <a:spAutoFit/>
+          </a:bodyPr>
+          <a:lstStyle/>
+          <a:p>
+            <a:r>
+              <a:rPr lang="de-AT" sz="1400" dirty="0"/>
+              <a:t>3.1 </a:t>
+            </a:r>
+          </a:p>
+        </p:txBody>
+      </p:sp>
+      <p:sp>
+        <p:nvSpPr>
+          <p:cNvPr id="238" name="Textfeld 237">
+            <a:extLst>
+              <a:ext uri="{FF2B5EF4-FFF2-40B4-BE49-F238E27FC236}">
+                <a16:creationId xmlns:a16="http://schemas.microsoft.com/office/drawing/2014/main" id="{61651BCD-9BA4-499D-9550-B37563266818}"/>
+              </a:ext>
+            </a:extLst>
+          </p:cNvPr>
+          <p:cNvSpPr txBox="1"/>
+          <p:nvPr/>
+        </p:nvSpPr>
+        <p:spPr>
+          <a:xfrm>
+            <a:off x="3722296" y="2628275"/>
+            <a:ext cx="604408" cy="307777"/>
+          </a:xfrm>
+          <a:prstGeom prst="rect">
+            <a:avLst/>
+          </a:prstGeom>
+          <a:noFill/>
+        </p:spPr>
+        <p:txBody>
+          <a:bodyPr wrap="square" rtlCol="0">
+            <a:spAutoFit/>
+          </a:bodyPr>
+          <a:lstStyle/>
+          <a:p>
+            <a:r>
+              <a:rPr lang="de-AT" sz="1400" dirty="0"/>
+              <a:t>3.2 </a:t>
+            </a:r>
+          </a:p>
+        </p:txBody>
+      </p:sp>
+      <p:sp>
+        <p:nvSpPr>
+          <p:cNvPr id="239" name="Textfeld 238">
+            <a:extLst>
+              <a:ext uri="{FF2B5EF4-FFF2-40B4-BE49-F238E27FC236}">
+                <a16:creationId xmlns:a16="http://schemas.microsoft.com/office/drawing/2014/main" id="{832F3BD7-087A-4D18-BA56-BC06543F221D}"/>
+              </a:ext>
+            </a:extLst>
+          </p:cNvPr>
+          <p:cNvSpPr txBox="1"/>
+          <p:nvPr/>
+        </p:nvSpPr>
+        <p:spPr>
+          <a:xfrm>
+            <a:off x="3716027" y="3435013"/>
+            <a:ext cx="604408" cy="307777"/>
+          </a:xfrm>
+          <a:prstGeom prst="rect">
+            <a:avLst/>
+          </a:prstGeom>
+          <a:noFill/>
+        </p:spPr>
+        <p:txBody>
+          <a:bodyPr wrap="square" rtlCol="0">
+            <a:spAutoFit/>
+          </a:bodyPr>
+          <a:lstStyle/>
+          <a:p>
+            <a:r>
+              <a:rPr lang="de-AT" sz="1400" dirty="0"/>
+              <a:t>3.3 </a:t>
+            </a:r>
+          </a:p>
+        </p:txBody>
+      </p:sp>
+      <p:sp>
+        <p:nvSpPr>
+          <p:cNvPr id="240" name="Textfeld 239">
+            <a:extLst>
+              <a:ext uri="{FF2B5EF4-FFF2-40B4-BE49-F238E27FC236}">
+                <a16:creationId xmlns:a16="http://schemas.microsoft.com/office/drawing/2014/main" id="{E936B428-B813-4486-8B0A-1D2C3677ECFF}"/>
+              </a:ext>
+            </a:extLst>
+          </p:cNvPr>
+          <p:cNvSpPr txBox="1"/>
+          <p:nvPr/>
+        </p:nvSpPr>
+        <p:spPr>
+          <a:xfrm>
+            <a:off x="3716027" y="4257464"/>
+            <a:ext cx="604408" cy="307777"/>
+          </a:xfrm>
+          <a:prstGeom prst="rect">
+            <a:avLst/>
+          </a:prstGeom>
+          <a:noFill/>
+        </p:spPr>
+        <p:txBody>
+          <a:bodyPr wrap="square" rtlCol="0">
+            <a:spAutoFit/>
+          </a:bodyPr>
+          <a:lstStyle/>
+          <a:p>
+            <a:r>
+              <a:rPr lang="de-AT" sz="1400" dirty="0"/>
+              <a:t>3.4 </a:t>
+            </a:r>
+          </a:p>
+        </p:txBody>
+      </p:sp>
+      <p:sp>
+        <p:nvSpPr>
+          <p:cNvPr id="241" name="Textfeld 240">
+            <a:extLst>
+              <a:ext uri="{FF2B5EF4-FFF2-40B4-BE49-F238E27FC236}">
+                <a16:creationId xmlns:a16="http://schemas.microsoft.com/office/drawing/2014/main" id="{D8596326-97C7-4A08-9564-B2A9E0945BB3}"/>
+              </a:ext>
+            </a:extLst>
+          </p:cNvPr>
+          <p:cNvSpPr txBox="1"/>
+          <p:nvPr/>
+        </p:nvSpPr>
+        <p:spPr>
+          <a:xfrm>
+            <a:off x="3724228" y="5051662"/>
+            <a:ext cx="604408" cy="307777"/>
+          </a:xfrm>
+          <a:prstGeom prst="rect">
+            <a:avLst/>
+          </a:prstGeom>
+          <a:noFill/>
+        </p:spPr>
+        <p:txBody>
+          <a:bodyPr wrap="square" rtlCol="0">
+            <a:spAutoFit/>
+          </a:bodyPr>
+          <a:lstStyle/>
+          <a:p>
+            <a:r>
+              <a:rPr lang="de-AT" sz="1400" dirty="0"/>
+              <a:t>3.5 </a:t>
+            </a:r>
+          </a:p>
+        </p:txBody>
+      </p:sp>
+      <p:cxnSp>
+        <p:nvCxnSpPr>
+          <p:cNvPr id="242" name="Gerader Verbinder 241">
+            <a:extLst>
+              <a:ext uri="{FF2B5EF4-FFF2-40B4-BE49-F238E27FC236}">
+                <a16:creationId xmlns:a16="http://schemas.microsoft.com/office/drawing/2014/main" id="{7D374C99-B992-44C8-9F0E-D04FE631B51A}"/>
+              </a:ext>
+            </a:extLst>
+          </p:cNvPr>
+          <p:cNvCxnSpPr>
+            <a:cxnSpLocks/>
+            <a:stCxn id="198" idx="2"/>
+            <a:endCxn id="206" idx="0"/>
+          </p:cNvCxnSpPr>
+          <p:nvPr/>
+        </p:nvCxnSpPr>
+        <p:spPr>
+          <a:xfrm>
+            <a:off x="4407637" y="2541280"/>
+            <a:ext cx="0" cy="132689"/>
+          </a:xfrm>
+          <a:prstGeom prst="line">
+            <a:avLst/>
+          </a:prstGeom>
+          <a:ln>
+            <a:solidFill>
+              <a:schemeClr val="tx1"/>
+            </a:solidFill>
+          </a:ln>
+        </p:spPr>
+        <p:style>
+          <a:lnRef idx="1">
+            <a:schemeClr val="accent1"/>
+          </a:lnRef>
+          <a:fillRef idx="0">
+            <a:schemeClr val="accent1"/>
+          </a:fillRef>
+          <a:effectRef idx="0">
+            <a:schemeClr val="accent1"/>
+          </a:effectRef>
+          <a:fontRef idx="minor">
+            <a:schemeClr val="tx1"/>
+          </a:fontRef>
+        </p:style>
+      </p:cxnSp>
+      <p:cxnSp>
+        <p:nvCxnSpPr>
+          <p:cNvPr id="243" name="Gerader Verbinder 242">
+            <a:extLst>
+              <a:ext uri="{FF2B5EF4-FFF2-40B4-BE49-F238E27FC236}">
+                <a16:creationId xmlns:a16="http://schemas.microsoft.com/office/drawing/2014/main" id="{34A72D4E-D03B-4669-A12F-6C5F4CFABA74}"/>
+              </a:ext>
+            </a:extLst>
+          </p:cNvPr>
+          <p:cNvCxnSpPr>
+            <a:cxnSpLocks/>
+            <a:stCxn id="206" idx="2"/>
+            <a:endCxn id="214" idx="0"/>
+          </p:cNvCxnSpPr>
+          <p:nvPr/>
+        </p:nvCxnSpPr>
+        <p:spPr>
+          <a:xfrm flipH="1">
+            <a:off x="4406988" y="3318575"/>
+            <a:ext cx="649" cy="172876"/>
+          </a:xfrm>
+          <a:prstGeom prst="line">
+            <a:avLst/>
+          </a:prstGeom>
+          <a:ln>
+            <a:solidFill>
+              <a:schemeClr val="tx1"/>
+            </a:solidFill>
+          </a:ln>
+        </p:spPr>
+        <p:style>
+          <a:lnRef idx="1">
+            <a:schemeClr val="accent1"/>
+          </a:lnRef>
+          <a:fillRef idx="0">
+            <a:schemeClr val="accent1"/>
+          </a:fillRef>
+          <a:effectRef idx="0">
+            <a:schemeClr val="accent1"/>
+          </a:effectRef>
+          <a:fontRef idx="minor">
+            <a:schemeClr val="tx1"/>
+          </a:fontRef>
+        </p:style>
+      </p:cxnSp>
+      <p:cxnSp>
+        <p:nvCxnSpPr>
+          <p:cNvPr id="244" name="Gerader Verbinder 243">
+            <a:extLst>
+              <a:ext uri="{FF2B5EF4-FFF2-40B4-BE49-F238E27FC236}">
+                <a16:creationId xmlns:a16="http://schemas.microsoft.com/office/drawing/2014/main" id="{91061095-DED1-4A1B-94FD-B8AE1301043A}"/>
+              </a:ext>
+            </a:extLst>
+          </p:cNvPr>
+          <p:cNvCxnSpPr>
+            <a:cxnSpLocks/>
+            <a:stCxn id="214" idx="2"/>
+            <a:endCxn id="222" idx="0"/>
+          </p:cNvCxnSpPr>
+          <p:nvPr/>
+        </p:nvCxnSpPr>
+        <p:spPr>
+          <a:xfrm>
+            <a:off x="4406988" y="4136057"/>
+            <a:ext cx="0" cy="178409"/>
+          </a:xfrm>
+          <a:prstGeom prst="line">
+            <a:avLst/>
+          </a:prstGeom>
+          <a:ln>
+            <a:solidFill>
+              <a:schemeClr val="tx1"/>
+            </a:solidFill>
+          </a:ln>
+        </p:spPr>
+        <p:style>
+          <a:lnRef idx="1">
+            <a:schemeClr val="accent1"/>
+          </a:lnRef>
+          <a:fillRef idx="0">
+            <a:schemeClr val="accent1"/>
+          </a:fillRef>
+          <a:effectRef idx="0">
+            <a:schemeClr val="accent1"/>
+          </a:effectRef>
+          <a:fontRef idx="minor">
+            <a:schemeClr val="tx1"/>
+          </a:fontRef>
+        </p:style>
+      </p:cxnSp>
+      <p:cxnSp>
+        <p:nvCxnSpPr>
+          <p:cNvPr id="245" name="Gerader Verbinder 244">
+            <a:extLst>
+              <a:ext uri="{FF2B5EF4-FFF2-40B4-BE49-F238E27FC236}">
+                <a16:creationId xmlns:a16="http://schemas.microsoft.com/office/drawing/2014/main" id="{8CA6947F-936A-40F1-B4D3-D9617B6AFFE6}"/>
+              </a:ext>
+            </a:extLst>
+          </p:cNvPr>
+          <p:cNvCxnSpPr>
+            <a:cxnSpLocks/>
+            <a:stCxn id="230" idx="0"/>
+            <a:endCxn id="222" idx="2"/>
+          </p:cNvCxnSpPr>
+          <p:nvPr/>
+        </p:nvCxnSpPr>
+        <p:spPr>
+          <a:xfrm flipH="1" flipV="1">
+            <a:off x="4406988" y="4959072"/>
+            <a:ext cx="4061" cy="151672"/>
+          </a:xfrm>
+          <a:prstGeom prst="line">
+            <a:avLst/>
+          </a:prstGeom>
+          <a:ln>
+            <a:solidFill>
+              <a:schemeClr val="tx1"/>
+            </a:solidFill>
+          </a:ln>
+        </p:spPr>
+        <p:style>
+          <a:lnRef idx="1">
+            <a:schemeClr val="accent1"/>
+          </a:lnRef>
+          <a:fillRef idx="0">
+            <a:schemeClr val="accent1"/>
+          </a:fillRef>
+          <a:effectRef idx="0">
+            <a:schemeClr val="accent1"/>
+          </a:effectRef>
+          <a:fontRef idx="minor">
+            <a:schemeClr val="tx1"/>
+          </a:fontRef>
+        </p:style>
+      </p:cxnSp>
+      <p:grpSp>
+        <p:nvGrpSpPr>
+          <p:cNvPr id="247" name="Gruppieren 246">
+            <a:extLst>
+              <a:ext uri="{FF2B5EF4-FFF2-40B4-BE49-F238E27FC236}">
+                <a16:creationId xmlns:a16="http://schemas.microsoft.com/office/drawing/2014/main" id="{BE36579C-787F-4972-9A02-2CC88FF9CE74}"/>
+              </a:ext>
+            </a:extLst>
+          </p:cNvPr>
+          <p:cNvGrpSpPr/>
+          <p:nvPr/>
+        </p:nvGrpSpPr>
+        <p:grpSpPr>
+          <a:xfrm>
+            <a:off x="3797850" y="5764251"/>
+            <a:ext cx="1270129" cy="1001222"/>
+            <a:chOff x="1205964" y="4197836"/>
+            <a:chExt cx="1270129" cy="1001222"/>
+          </a:xfrm>
+        </p:grpSpPr>
+        <p:grpSp>
+          <p:nvGrpSpPr>
+            <p:cNvPr id="248" name="Gruppieren 247">
+              <a:extLst>
+                <a:ext uri="{FF2B5EF4-FFF2-40B4-BE49-F238E27FC236}">
+                  <a16:creationId xmlns:a16="http://schemas.microsoft.com/office/drawing/2014/main" id="{A370B553-FE3E-42FE-A905-0D43199229C5}"/>
+                </a:ext>
+              </a:extLst>
+            </p:cNvPr>
+            <p:cNvGrpSpPr/>
+            <p:nvPr/>
+          </p:nvGrpSpPr>
+          <p:grpSpPr>
+            <a:xfrm>
+              <a:off x="1279845" y="4197836"/>
+              <a:ext cx="1107238" cy="1001222"/>
+              <a:chOff x="1279845" y="4197836"/>
+              <a:chExt cx="1107238" cy="1001222"/>
+            </a:xfrm>
+          </p:grpSpPr>
+          <p:sp>
+            <p:nvSpPr>
+              <p:cNvPr id="250" name="Raute 249">
+                <a:extLst>
+                  <a:ext uri="{FF2B5EF4-FFF2-40B4-BE49-F238E27FC236}">
+                    <a16:creationId xmlns:a16="http://schemas.microsoft.com/office/drawing/2014/main" id="{D9413C45-F529-42CE-953E-CAF439CAA7C0}"/>
+                  </a:ext>
+                </a:extLst>
+              </p:cNvPr>
+              <p:cNvSpPr/>
+              <p:nvPr/>
+            </p:nvSpPr>
+            <p:spPr>
+              <a:xfrm>
+                <a:off x="1279845" y="4197836"/>
+                <a:ext cx="1107238" cy="1001222"/>
+              </a:xfrm>
+              <a:prstGeom prst="diamond">
+                <a:avLst/>
+              </a:prstGeom>
+              <a:solidFill>
+                <a:schemeClr val="bg1"/>
+              </a:solidFill>
+              <a:ln>
+                <a:solidFill>
+                  <a:schemeClr val="tx1"/>
+                </a:solidFill>
+              </a:ln>
+            </p:spPr>
+            <p:style>
+              <a:lnRef idx="2">
+                <a:schemeClr val="accent1">
+                  <a:shade val="50000"/>
+                </a:schemeClr>
+              </a:lnRef>
+              <a:fillRef idx="1">
+                <a:schemeClr val="accent1"/>
+              </a:fillRef>
+              <a:effectRef idx="0">
+                <a:schemeClr val="accent1"/>
+              </a:effectRef>
+              <a:fontRef idx="minor">
+                <a:schemeClr val="lt1"/>
+              </a:fontRef>
+            </p:style>
+            <p:txBody>
+              <a:bodyPr rtlCol="0" anchor="ctr"/>
+              <a:lstStyle/>
+              <a:p>
+                <a:pPr algn="ctr"/>
+                <a:endParaRPr lang="de-AT" sz="1400" dirty="0">
+                  <a:solidFill>
+                    <a:schemeClr val="tx1"/>
+                  </a:solidFill>
+                </a:endParaRPr>
+              </a:p>
+            </p:txBody>
+          </p:sp>
+          <p:cxnSp>
+            <p:nvCxnSpPr>
+              <p:cNvPr id="251" name="Gerader Verbinder 250">
+                <a:extLst>
+                  <a:ext uri="{FF2B5EF4-FFF2-40B4-BE49-F238E27FC236}">
+                    <a16:creationId xmlns:a16="http://schemas.microsoft.com/office/drawing/2014/main" id="{CBDE51E5-586D-40E8-9B1F-7A833EE61C5A}"/>
+                  </a:ext>
+                </a:extLst>
+              </p:cNvPr>
+              <p:cNvCxnSpPr>
+                <a:cxnSpLocks/>
+              </p:cNvCxnSpPr>
+              <p:nvPr/>
+            </p:nvCxnSpPr>
+            <p:spPr>
+              <a:xfrm>
+                <a:off x="1542340" y="4453269"/>
+                <a:ext cx="582247" cy="0"/>
+              </a:xfrm>
+              <a:prstGeom prst="line">
+                <a:avLst/>
+              </a:prstGeom>
+              <a:ln>
+                <a:solidFill>
+                  <a:schemeClr val="tx1"/>
+                </a:solidFill>
+              </a:ln>
+            </p:spPr>
+            <p:style>
+              <a:lnRef idx="1">
+                <a:schemeClr val="accent1"/>
+              </a:lnRef>
+              <a:fillRef idx="0">
+                <a:schemeClr val="accent1"/>
+              </a:fillRef>
+              <a:effectRef idx="0">
+                <a:schemeClr val="accent1"/>
+              </a:effectRef>
+              <a:fontRef idx="minor">
+                <a:schemeClr val="tx1"/>
+              </a:fontRef>
+            </p:style>
+          </p:cxnSp>
+        </p:grpSp>
+        <p:sp>
+          <p:nvSpPr>
+            <p:cNvPr id="249" name="Textfeld 248">
+              <a:extLst>
+                <a:ext uri="{FF2B5EF4-FFF2-40B4-BE49-F238E27FC236}">
+                  <a16:creationId xmlns:a16="http://schemas.microsoft.com/office/drawing/2014/main" id="{7E1F5B51-BC78-4536-ADB8-E3400E8FC3EC}"/>
+                </a:ext>
+              </a:extLst>
+            </p:cNvPr>
+            <p:cNvSpPr txBox="1"/>
+            <p:nvPr/>
+          </p:nvSpPr>
+          <p:spPr>
+            <a:xfrm>
+              <a:off x="1205964" y="4399929"/>
+              <a:ext cx="1270129" cy="646331"/>
+            </a:xfrm>
+            <a:prstGeom prst="rect">
+              <a:avLst/>
+            </a:prstGeom>
+            <a:noFill/>
+          </p:spPr>
+          <p:txBody>
+            <a:bodyPr wrap="square" rtlCol="0">
+              <a:spAutoFit/>
+            </a:bodyPr>
+            <a:lstStyle/>
+            <a:p>
+              <a:pPr algn="ctr"/>
+              <a:r>
+                <a:rPr lang="de-AT" sz="1200" dirty="0"/>
+                <a:t>Technical </a:t>
+              </a:r>
+            </a:p>
+            <a:p>
+              <a:pPr algn="ctr"/>
+              <a:r>
+                <a:rPr lang="de-AT" sz="1200" dirty="0" err="1"/>
+                <a:t>Planning</a:t>
+              </a:r>
+              <a:endParaRPr lang="de-AT" sz="1200" dirty="0"/>
+            </a:p>
+            <a:p>
+              <a:pPr algn="ctr"/>
+              <a:r>
+                <a:rPr lang="de-AT" sz="1200" dirty="0" err="1"/>
+                <a:t>finished</a:t>
+              </a:r>
+              <a:endParaRPr lang="de-AT" sz="1200" dirty="0"/>
+            </a:p>
+          </p:txBody>
+        </p:sp>
+      </p:grpSp>
+      <p:sp>
+        <p:nvSpPr>
+          <p:cNvPr id="252" name="Textfeld 251">
+            <a:extLst>
+              <a:ext uri="{FF2B5EF4-FFF2-40B4-BE49-F238E27FC236}">
+                <a16:creationId xmlns:a16="http://schemas.microsoft.com/office/drawing/2014/main" id="{78E54E38-BB9B-4047-9C87-297C17550E46}"/>
+              </a:ext>
+            </a:extLst>
+          </p:cNvPr>
+          <p:cNvSpPr txBox="1"/>
+          <p:nvPr/>
+        </p:nvSpPr>
+        <p:spPr>
+          <a:xfrm>
+            <a:off x="4217435" y="5784389"/>
+            <a:ext cx="604408" cy="307777"/>
+          </a:xfrm>
+          <a:prstGeom prst="rect">
+            <a:avLst/>
+          </a:prstGeom>
+          <a:noFill/>
+        </p:spPr>
+        <p:txBody>
+          <a:bodyPr wrap="square" rtlCol="0">
+            <a:spAutoFit/>
+          </a:bodyPr>
+          <a:lstStyle/>
+          <a:p>
+            <a:r>
+              <a:rPr lang="de-AT" sz="1400" dirty="0"/>
+              <a:t>3.6 </a:t>
+            </a:r>
+          </a:p>
+        </p:txBody>
+      </p:sp>
+      <p:cxnSp>
+        <p:nvCxnSpPr>
+          <p:cNvPr id="253" name="Gerader Verbinder 252">
+            <a:extLst>
+              <a:ext uri="{FF2B5EF4-FFF2-40B4-BE49-F238E27FC236}">
+                <a16:creationId xmlns:a16="http://schemas.microsoft.com/office/drawing/2014/main" id="{F7AE44E5-8633-4CB4-99DD-423F05A4EB0B}"/>
+              </a:ext>
+            </a:extLst>
+          </p:cNvPr>
+          <p:cNvCxnSpPr>
+            <a:cxnSpLocks/>
+            <a:stCxn id="141" idx="2"/>
+            <a:endCxn id="198" idx="0"/>
+          </p:cNvCxnSpPr>
+          <p:nvPr/>
+        </p:nvCxnSpPr>
+        <p:spPr>
+          <a:xfrm>
+            <a:off x="4403248" y="1636143"/>
+            <a:ext cx="4389" cy="260531"/>
+          </a:xfrm>
+          <a:prstGeom prst="line">
+            <a:avLst/>
+          </a:prstGeom>
+          <a:ln>
+            <a:solidFill>
+              <a:schemeClr val="tx1"/>
+            </a:solidFill>
+          </a:ln>
+        </p:spPr>
+        <p:style>
+          <a:lnRef idx="1">
+            <a:schemeClr val="accent1"/>
+          </a:lnRef>
+          <a:fillRef idx="0">
+            <a:schemeClr val="accent1"/>
+          </a:fillRef>
+          <a:effectRef idx="0">
+            <a:schemeClr val="accent1"/>
+          </a:effectRef>
+          <a:fontRef idx="minor">
+            <a:schemeClr val="tx1"/>
+          </a:fontRef>
+        </p:style>
+      </p:cxnSp>
     </p:spTree>
     <p:extLst>
       <p:ext uri="{BB962C8B-B14F-4D97-AF65-F5344CB8AC3E}">

--- a/Documents/projectstructureplan.pptx
+++ b/Documents/projectstructureplan.pptx
@@ -3350,315 +3350,6 @@
       </p:grpSpPr>
       <p:grpSp>
         <p:nvGrpSpPr>
-          <p:cNvPr id="23" name="Gruppieren 22">
-            <a:extLst>
-              <a:ext uri="{FF2B5EF4-FFF2-40B4-BE49-F238E27FC236}">
-                <a16:creationId xmlns:a16="http://schemas.microsoft.com/office/drawing/2014/main" id="{2185B859-2113-4158-B5E3-01094B7ACA10}"/>
-              </a:ext>
-            </a:extLst>
-          </p:cNvPr>
-          <p:cNvGrpSpPr/>
-          <p:nvPr/>
-        </p:nvGrpSpPr>
-        <p:grpSpPr>
-          <a:xfrm>
-            <a:off x="114674" y="842766"/>
-            <a:ext cx="1638871" cy="795398"/>
-            <a:chOff x="1101012" y="1380932"/>
-            <a:chExt cx="1651519" cy="886408"/>
-          </a:xfrm>
-        </p:grpSpPr>
-        <p:sp>
-          <p:nvSpPr>
-            <p:cNvPr id="5" name="Rechteck 4">
-              <a:extLst>
-                <a:ext uri="{FF2B5EF4-FFF2-40B4-BE49-F238E27FC236}">
-                  <a16:creationId xmlns:a16="http://schemas.microsoft.com/office/drawing/2014/main" id="{B453806C-E92A-4EC1-A3BC-BE846588DD78}"/>
-                </a:ext>
-              </a:extLst>
-            </p:cNvPr>
-            <p:cNvSpPr/>
-            <p:nvPr/>
-          </p:nvSpPr>
-          <p:spPr>
-            <a:xfrm>
-              <a:off x="1101012" y="1380932"/>
-              <a:ext cx="1651519" cy="886408"/>
-            </a:xfrm>
-            <a:prstGeom prst="rect">
-              <a:avLst/>
-            </a:prstGeom>
-            <a:solidFill>
-              <a:schemeClr val="bg1"/>
-            </a:solidFill>
-            <a:ln w="12700">
-              <a:solidFill>
-                <a:schemeClr val="tx1"/>
-              </a:solidFill>
-            </a:ln>
-          </p:spPr>
-          <p:style>
-            <a:lnRef idx="2">
-              <a:schemeClr val="accent1">
-                <a:shade val="50000"/>
-              </a:schemeClr>
-            </a:lnRef>
-            <a:fillRef idx="1">
-              <a:schemeClr val="accent1"/>
-            </a:fillRef>
-            <a:effectRef idx="0">
-              <a:schemeClr val="accent1"/>
-            </a:effectRef>
-            <a:fontRef idx="minor">
-              <a:schemeClr val="lt1"/>
-            </a:fontRef>
-          </p:style>
-          <p:txBody>
-            <a:bodyPr rtlCol="0" anchor="ctr"/>
-            <a:lstStyle/>
-            <a:p>
-              <a:pPr algn="ctr"/>
-              <a:r>
-                <a:rPr lang="de-AT" sz="1600" dirty="0">
-                  <a:solidFill>
-                    <a:schemeClr val="tx1"/>
-                  </a:solidFill>
-                </a:rPr>
-                <a:t>Rough </a:t>
-              </a:r>
-              <a:r>
-                <a:rPr lang="de-AT" sz="1600" dirty="0" err="1">
-                  <a:solidFill>
-                    <a:schemeClr val="tx1"/>
-                  </a:solidFill>
-                </a:rPr>
-                <a:t>Planning</a:t>
-              </a:r>
-              <a:endParaRPr lang="de-AT" sz="1600" dirty="0">
-                <a:solidFill>
-                  <a:schemeClr val="tx1"/>
-                </a:solidFill>
-              </a:endParaRPr>
-            </a:p>
-          </p:txBody>
-        </p:sp>
-        <p:grpSp>
-          <p:nvGrpSpPr>
-            <p:cNvPr id="13" name="Gruppieren 12">
-              <a:extLst>
-                <a:ext uri="{FF2B5EF4-FFF2-40B4-BE49-F238E27FC236}">
-                  <a16:creationId xmlns:a16="http://schemas.microsoft.com/office/drawing/2014/main" id="{5A9C32EF-2585-475F-812C-DF0E91E876D2}"/>
-                </a:ext>
-              </a:extLst>
-            </p:cNvPr>
-            <p:cNvGrpSpPr/>
-            <p:nvPr/>
-          </p:nvGrpSpPr>
-          <p:grpSpPr>
-            <a:xfrm>
-              <a:off x="2379306" y="1380932"/>
-              <a:ext cx="373224" cy="270586"/>
-              <a:chOff x="2379306" y="1380932"/>
-              <a:chExt cx="373224" cy="270586"/>
-            </a:xfrm>
-          </p:grpSpPr>
-          <p:cxnSp>
-            <p:nvCxnSpPr>
-              <p:cNvPr id="7" name="Gerader Verbinder 6">
-                <a:extLst>
-                  <a:ext uri="{FF2B5EF4-FFF2-40B4-BE49-F238E27FC236}">
-                    <a16:creationId xmlns:a16="http://schemas.microsoft.com/office/drawing/2014/main" id="{1B3E2CFA-0CC4-4BC3-B909-B25B747C1E82}"/>
-                  </a:ext>
-                </a:extLst>
-              </p:cNvPr>
-              <p:cNvCxnSpPr>
-                <a:cxnSpLocks/>
-              </p:cNvCxnSpPr>
-              <p:nvPr/>
-            </p:nvCxnSpPr>
-            <p:spPr>
-              <a:xfrm>
-                <a:off x="2379306" y="1380932"/>
-                <a:ext cx="0" cy="270586"/>
-              </a:xfrm>
-              <a:prstGeom prst="line">
-                <a:avLst/>
-              </a:prstGeom>
-              <a:ln w="12700">
-                <a:solidFill>
-                  <a:schemeClr val="tx1"/>
-                </a:solidFill>
-              </a:ln>
-            </p:spPr>
-            <p:style>
-              <a:lnRef idx="1">
-                <a:schemeClr val="accent1"/>
-              </a:lnRef>
-              <a:fillRef idx="0">
-                <a:schemeClr val="accent1"/>
-              </a:fillRef>
-              <a:effectRef idx="0">
-                <a:schemeClr val="accent1"/>
-              </a:effectRef>
-              <a:fontRef idx="minor">
-                <a:schemeClr val="tx1"/>
-              </a:fontRef>
-            </p:style>
-          </p:cxnSp>
-          <p:cxnSp>
-            <p:nvCxnSpPr>
-              <p:cNvPr id="8" name="Gerader Verbinder 7">
-                <a:extLst>
-                  <a:ext uri="{FF2B5EF4-FFF2-40B4-BE49-F238E27FC236}">
-                    <a16:creationId xmlns:a16="http://schemas.microsoft.com/office/drawing/2014/main" id="{35907CCE-7A26-4711-94DA-3F6AFAD2F3A4}"/>
-                  </a:ext>
-                </a:extLst>
-              </p:cNvPr>
-              <p:cNvCxnSpPr>
-                <a:cxnSpLocks/>
-              </p:cNvCxnSpPr>
-              <p:nvPr/>
-            </p:nvCxnSpPr>
-            <p:spPr>
-              <a:xfrm>
-                <a:off x="2379306" y="1651518"/>
-                <a:ext cx="373224" cy="0"/>
-              </a:xfrm>
-              <a:prstGeom prst="line">
-                <a:avLst/>
-              </a:prstGeom>
-              <a:ln w="12700">
-                <a:solidFill>
-                  <a:schemeClr val="tx1"/>
-                </a:solidFill>
-              </a:ln>
-            </p:spPr>
-            <p:style>
-              <a:lnRef idx="1">
-                <a:schemeClr val="accent1"/>
-              </a:lnRef>
-              <a:fillRef idx="0">
-                <a:schemeClr val="accent1"/>
-              </a:fillRef>
-              <a:effectRef idx="0">
-                <a:schemeClr val="accent1"/>
-              </a:effectRef>
-              <a:fontRef idx="minor">
-                <a:schemeClr val="tx1"/>
-              </a:fontRef>
-            </p:style>
-          </p:cxnSp>
-        </p:grpSp>
-        <p:grpSp>
-          <p:nvGrpSpPr>
-            <p:cNvPr id="22" name="Gruppieren 21">
-              <a:extLst>
-                <a:ext uri="{FF2B5EF4-FFF2-40B4-BE49-F238E27FC236}">
-                  <a16:creationId xmlns:a16="http://schemas.microsoft.com/office/drawing/2014/main" id="{A3E68379-FED9-41DE-82BF-CC8E3DD8133C}"/>
-                </a:ext>
-              </a:extLst>
-            </p:cNvPr>
-            <p:cNvGrpSpPr/>
-            <p:nvPr/>
-          </p:nvGrpSpPr>
-          <p:grpSpPr>
-            <a:xfrm>
-              <a:off x="1101012" y="1380932"/>
-              <a:ext cx="373224" cy="270586"/>
-              <a:chOff x="1101012" y="1380932"/>
-              <a:chExt cx="373224" cy="270586"/>
-            </a:xfrm>
-          </p:grpSpPr>
-          <p:cxnSp>
-            <p:nvCxnSpPr>
-              <p:cNvPr id="20" name="Gerader Verbinder 19">
-                <a:extLst>
-                  <a:ext uri="{FF2B5EF4-FFF2-40B4-BE49-F238E27FC236}">
-                    <a16:creationId xmlns:a16="http://schemas.microsoft.com/office/drawing/2014/main" id="{708B5C7B-57AE-4012-84F1-35C57E783F41}"/>
-                  </a:ext>
-                </a:extLst>
-              </p:cNvPr>
-              <p:cNvCxnSpPr>
-                <a:cxnSpLocks/>
-              </p:cNvCxnSpPr>
-              <p:nvPr/>
-            </p:nvCxnSpPr>
-            <p:spPr>
-              <a:xfrm>
-                <a:off x="1474236" y="1380932"/>
-                <a:ext cx="0" cy="270586"/>
-              </a:xfrm>
-              <a:prstGeom prst="line">
-                <a:avLst/>
-              </a:prstGeom>
-              <a:ln w="12700">
-                <a:solidFill>
-                  <a:schemeClr val="tx1"/>
-                </a:solidFill>
-              </a:ln>
-            </p:spPr>
-            <p:style>
-              <a:lnRef idx="1">
-                <a:schemeClr val="accent1"/>
-              </a:lnRef>
-              <a:fillRef idx="0">
-                <a:schemeClr val="accent1"/>
-              </a:fillRef>
-              <a:effectRef idx="0">
-                <a:schemeClr val="accent1"/>
-              </a:effectRef>
-              <a:fontRef idx="minor">
-                <a:schemeClr val="tx1"/>
-              </a:fontRef>
-            </p:style>
-          </p:cxnSp>
-          <p:cxnSp>
-            <p:nvCxnSpPr>
-              <p:cNvPr id="21" name="Gerader Verbinder 20">
-                <a:extLst>
-                  <a:ext uri="{FF2B5EF4-FFF2-40B4-BE49-F238E27FC236}">
-                    <a16:creationId xmlns:a16="http://schemas.microsoft.com/office/drawing/2014/main" id="{1D66948A-7C01-4684-A1B1-051D3D52A768}"/>
-                  </a:ext>
-                </a:extLst>
-              </p:cNvPr>
-              <p:cNvCxnSpPr>
-                <a:cxnSpLocks/>
-              </p:cNvCxnSpPr>
-              <p:nvPr/>
-            </p:nvCxnSpPr>
-            <p:spPr>
-              <a:xfrm>
-                <a:off x="1101012" y="1651518"/>
-                <a:ext cx="373224" cy="0"/>
-              </a:xfrm>
-              <a:prstGeom prst="line">
-                <a:avLst/>
-              </a:prstGeom>
-              <a:ln w="12700">
-                <a:solidFill>
-                  <a:schemeClr val="tx1"/>
-                </a:solidFill>
-              </a:ln>
-            </p:spPr>
-            <p:style>
-              <a:lnRef idx="1">
-                <a:schemeClr val="accent1"/>
-              </a:lnRef>
-              <a:fillRef idx="0">
-                <a:schemeClr val="accent1"/>
-              </a:fillRef>
-              <a:effectRef idx="0">
-                <a:schemeClr val="accent1"/>
-              </a:effectRef>
-              <a:fontRef idx="minor">
-                <a:schemeClr val="tx1"/>
-              </a:fontRef>
-            </p:style>
-          </p:cxnSp>
-        </p:grpSp>
-      </p:grpSp>
-      <p:grpSp>
-        <p:nvGrpSpPr>
           <p:cNvPr id="24" name="Gruppieren 23">
             <a:extLst>
               <a:ext uri="{FF2B5EF4-FFF2-40B4-BE49-F238E27FC236}">
@@ -3671,7 +3362,7 @@
         </p:nvGrpSpPr>
         <p:grpSpPr>
           <a:xfrm>
-            <a:off x="291580" y="1857047"/>
+            <a:off x="291580" y="1385107"/>
             <a:ext cx="1270129" cy="644606"/>
             <a:chOff x="1101012" y="1380932"/>
             <a:chExt cx="1651519" cy="886408"/>
@@ -3967,7 +3658,7 @@
         </p:nvGrpSpPr>
         <p:grpSpPr>
           <a:xfrm>
-            <a:off x="291580" y="2634342"/>
+            <a:off x="291580" y="2162402"/>
             <a:ext cx="1270129" cy="644606"/>
             <a:chOff x="1101012" y="1380932"/>
             <a:chExt cx="1651519" cy="886408"/>
@@ -4263,7 +3954,7 @@
         </p:nvGrpSpPr>
         <p:grpSpPr>
           <a:xfrm>
-            <a:off x="291579" y="3426504"/>
+            <a:off x="291579" y="2954564"/>
             <a:ext cx="1270129" cy="644606"/>
             <a:chOff x="1101012" y="1380932"/>
             <a:chExt cx="1651519" cy="886408"/>
@@ -4559,7 +4250,7 @@
         </p:nvGrpSpPr>
         <p:grpSpPr>
           <a:xfrm>
-            <a:off x="291578" y="5091494"/>
+            <a:off x="291578" y="4619554"/>
             <a:ext cx="1270129" cy="644606"/>
             <a:chOff x="1101012" y="1380932"/>
             <a:chExt cx="1651519" cy="886408"/>
@@ -4858,7 +4549,7 @@
         </p:nvCxnSpPr>
         <p:spPr>
           <a:xfrm flipH="1">
-            <a:off x="926645" y="1628466"/>
+            <a:off x="926645" y="1156526"/>
             <a:ext cx="3203" cy="228581"/>
           </a:xfrm>
           <a:prstGeom prst="line">
@@ -4902,7 +4593,7 @@
         </p:nvCxnSpPr>
         <p:spPr>
           <a:xfrm>
-            <a:off x="926645" y="2501653"/>
+            <a:off x="926645" y="2029713"/>
             <a:ext cx="0" cy="132689"/>
           </a:xfrm>
           <a:prstGeom prst="line">
@@ -4946,7 +4637,7 @@
         </p:nvCxnSpPr>
         <p:spPr>
           <a:xfrm flipH="1">
-            <a:off x="926644" y="3278948"/>
+            <a:off x="926644" y="2807008"/>
             <a:ext cx="1" cy="147556"/>
           </a:xfrm>
           <a:prstGeom prst="line">
@@ -4987,7 +4678,7 @@
         </p:nvGrpSpPr>
         <p:grpSpPr>
           <a:xfrm>
-            <a:off x="380644" y="4080691"/>
+            <a:off x="380644" y="3608751"/>
             <a:ext cx="1107238" cy="1001222"/>
             <a:chOff x="1279845" y="4197836"/>
             <a:chExt cx="1107238" cy="1001222"/>
@@ -5179,7 +4870,7 @@
         </p:nvCxnSpPr>
         <p:spPr>
           <a:xfrm>
-            <a:off x="926644" y="4071110"/>
+            <a:off x="926644" y="3599170"/>
             <a:ext cx="7619" cy="9581"/>
           </a:xfrm>
           <a:prstGeom prst="line">
@@ -5223,7 +4914,7 @@
         </p:nvCxnSpPr>
         <p:spPr>
           <a:xfrm flipH="1">
-            <a:off x="926643" y="5081913"/>
+            <a:off x="926643" y="4609973"/>
             <a:ext cx="7620" cy="9581"/>
           </a:xfrm>
           <a:prstGeom prst="line">
@@ -5264,7 +4955,7 @@
         </p:nvGrpSpPr>
         <p:grpSpPr>
           <a:xfrm>
-            <a:off x="352484" y="5748302"/>
+            <a:off x="352484" y="5276362"/>
             <a:ext cx="1178742" cy="1001222"/>
             <a:chOff x="1251685" y="4197836"/>
             <a:chExt cx="1178742" cy="1001222"/>
@@ -5444,323 +5135,6 @@
       </p:grpSp>
       <p:grpSp>
         <p:nvGrpSpPr>
-          <p:cNvPr id="81" name="Gruppieren 80">
-            <a:extLst>
-              <a:ext uri="{FF2B5EF4-FFF2-40B4-BE49-F238E27FC236}">
-                <a16:creationId xmlns:a16="http://schemas.microsoft.com/office/drawing/2014/main" id="{373CE939-BC5C-4A05-AC40-05BD4DCE6F97}"/>
-              </a:ext>
-            </a:extLst>
-          </p:cNvPr>
-          <p:cNvGrpSpPr/>
-          <p:nvPr/>
-        </p:nvGrpSpPr>
-        <p:grpSpPr>
-          <a:xfrm>
-            <a:off x="1833386" y="848308"/>
-            <a:ext cx="1638871" cy="795398"/>
-            <a:chOff x="1101012" y="1380932"/>
-            <a:chExt cx="1651519" cy="886408"/>
-          </a:xfrm>
-        </p:grpSpPr>
-        <p:sp>
-          <p:nvSpPr>
-            <p:cNvPr id="82" name="Rechteck 81">
-              <a:extLst>
-                <a:ext uri="{FF2B5EF4-FFF2-40B4-BE49-F238E27FC236}">
-                  <a16:creationId xmlns:a16="http://schemas.microsoft.com/office/drawing/2014/main" id="{B1A64F6A-B5FC-4F3B-9D6B-2E91906766B2}"/>
-                </a:ext>
-              </a:extLst>
-            </p:cNvPr>
-            <p:cNvSpPr/>
-            <p:nvPr/>
-          </p:nvSpPr>
-          <p:spPr>
-            <a:xfrm>
-              <a:off x="1101012" y="1380932"/>
-              <a:ext cx="1651519" cy="886408"/>
-            </a:xfrm>
-            <a:prstGeom prst="rect">
-              <a:avLst/>
-            </a:prstGeom>
-            <a:solidFill>
-              <a:schemeClr val="bg1"/>
-            </a:solidFill>
-            <a:ln w="12700">
-              <a:solidFill>
-                <a:schemeClr val="tx1"/>
-              </a:solidFill>
-            </a:ln>
-          </p:spPr>
-          <p:style>
-            <a:lnRef idx="2">
-              <a:schemeClr val="accent1">
-                <a:shade val="50000"/>
-              </a:schemeClr>
-            </a:lnRef>
-            <a:fillRef idx="1">
-              <a:schemeClr val="accent1"/>
-            </a:fillRef>
-            <a:effectRef idx="0">
-              <a:schemeClr val="accent1"/>
-            </a:effectRef>
-            <a:fontRef idx="minor">
-              <a:schemeClr val="lt1"/>
-            </a:fontRef>
-          </p:style>
-          <p:txBody>
-            <a:bodyPr rtlCol="0" anchor="ctr"/>
-            <a:lstStyle/>
-            <a:p>
-              <a:pPr algn="ctr"/>
-              <a:r>
-                <a:rPr lang="de-AT" sz="1600" dirty="0" err="1">
-                  <a:solidFill>
-                    <a:schemeClr val="tx1"/>
-                  </a:solidFill>
-                </a:rPr>
-                <a:t>Detailed</a:t>
-              </a:r>
-              <a:r>
-                <a:rPr lang="de-AT" sz="1600" dirty="0">
-                  <a:solidFill>
-                    <a:schemeClr val="tx1"/>
-                  </a:solidFill>
-                </a:rPr>
-                <a:t> </a:t>
-              </a:r>
-              <a:r>
-                <a:rPr lang="de-AT" sz="1600" dirty="0" err="1">
-                  <a:solidFill>
-                    <a:schemeClr val="tx1"/>
-                  </a:solidFill>
-                </a:rPr>
-                <a:t>Planning</a:t>
-              </a:r>
-              <a:endParaRPr lang="de-AT" sz="1600" dirty="0">
-                <a:solidFill>
-                  <a:schemeClr val="tx1"/>
-                </a:solidFill>
-              </a:endParaRPr>
-            </a:p>
-          </p:txBody>
-        </p:sp>
-        <p:grpSp>
-          <p:nvGrpSpPr>
-            <p:cNvPr id="83" name="Gruppieren 82">
-              <a:extLst>
-                <a:ext uri="{FF2B5EF4-FFF2-40B4-BE49-F238E27FC236}">
-                  <a16:creationId xmlns:a16="http://schemas.microsoft.com/office/drawing/2014/main" id="{55D05D57-90BA-4CA6-9C1B-D11FD00AAB9E}"/>
-                </a:ext>
-              </a:extLst>
-            </p:cNvPr>
-            <p:cNvGrpSpPr/>
-            <p:nvPr/>
-          </p:nvGrpSpPr>
-          <p:grpSpPr>
-            <a:xfrm>
-              <a:off x="2379306" y="1380932"/>
-              <a:ext cx="373224" cy="270586"/>
-              <a:chOff x="2379306" y="1380932"/>
-              <a:chExt cx="373224" cy="270586"/>
-            </a:xfrm>
-          </p:grpSpPr>
-          <p:cxnSp>
-            <p:nvCxnSpPr>
-              <p:cNvPr id="87" name="Gerader Verbinder 86">
-                <a:extLst>
-                  <a:ext uri="{FF2B5EF4-FFF2-40B4-BE49-F238E27FC236}">
-                    <a16:creationId xmlns:a16="http://schemas.microsoft.com/office/drawing/2014/main" id="{B981CFD2-505D-4900-9037-D8A2B7C8E794}"/>
-                  </a:ext>
-                </a:extLst>
-              </p:cNvPr>
-              <p:cNvCxnSpPr>
-                <a:cxnSpLocks/>
-              </p:cNvCxnSpPr>
-              <p:nvPr/>
-            </p:nvCxnSpPr>
-            <p:spPr>
-              <a:xfrm>
-                <a:off x="2379306" y="1380932"/>
-                <a:ext cx="0" cy="270586"/>
-              </a:xfrm>
-              <a:prstGeom prst="line">
-                <a:avLst/>
-              </a:prstGeom>
-              <a:ln w="12700">
-                <a:solidFill>
-                  <a:schemeClr val="tx1"/>
-                </a:solidFill>
-              </a:ln>
-            </p:spPr>
-            <p:style>
-              <a:lnRef idx="1">
-                <a:schemeClr val="accent1"/>
-              </a:lnRef>
-              <a:fillRef idx="0">
-                <a:schemeClr val="accent1"/>
-              </a:fillRef>
-              <a:effectRef idx="0">
-                <a:schemeClr val="accent1"/>
-              </a:effectRef>
-              <a:fontRef idx="minor">
-                <a:schemeClr val="tx1"/>
-              </a:fontRef>
-            </p:style>
-          </p:cxnSp>
-          <p:cxnSp>
-            <p:nvCxnSpPr>
-              <p:cNvPr id="88" name="Gerader Verbinder 87">
-                <a:extLst>
-                  <a:ext uri="{FF2B5EF4-FFF2-40B4-BE49-F238E27FC236}">
-                    <a16:creationId xmlns:a16="http://schemas.microsoft.com/office/drawing/2014/main" id="{BEDB8EBB-AD0F-4DE5-9F82-6822B1CF0089}"/>
-                  </a:ext>
-                </a:extLst>
-              </p:cNvPr>
-              <p:cNvCxnSpPr>
-                <a:cxnSpLocks/>
-              </p:cNvCxnSpPr>
-              <p:nvPr/>
-            </p:nvCxnSpPr>
-            <p:spPr>
-              <a:xfrm>
-                <a:off x="2379306" y="1651518"/>
-                <a:ext cx="373224" cy="0"/>
-              </a:xfrm>
-              <a:prstGeom prst="line">
-                <a:avLst/>
-              </a:prstGeom>
-              <a:ln w="12700">
-                <a:solidFill>
-                  <a:schemeClr val="tx1"/>
-                </a:solidFill>
-              </a:ln>
-            </p:spPr>
-            <p:style>
-              <a:lnRef idx="1">
-                <a:schemeClr val="accent1"/>
-              </a:lnRef>
-              <a:fillRef idx="0">
-                <a:schemeClr val="accent1"/>
-              </a:fillRef>
-              <a:effectRef idx="0">
-                <a:schemeClr val="accent1"/>
-              </a:effectRef>
-              <a:fontRef idx="minor">
-                <a:schemeClr val="tx1"/>
-              </a:fontRef>
-            </p:style>
-          </p:cxnSp>
-        </p:grpSp>
-        <p:grpSp>
-          <p:nvGrpSpPr>
-            <p:cNvPr id="84" name="Gruppieren 83">
-              <a:extLst>
-                <a:ext uri="{FF2B5EF4-FFF2-40B4-BE49-F238E27FC236}">
-                  <a16:creationId xmlns:a16="http://schemas.microsoft.com/office/drawing/2014/main" id="{C468AF45-6C18-4A2F-A63D-559B7C95EB33}"/>
-                </a:ext>
-              </a:extLst>
-            </p:cNvPr>
-            <p:cNvGrpSpPr/>
-            <p:nvPr/>
-          </p:nvGrpSpPr>
-          <p:grpSpPr>
-            <a:xfrm>
-              <a:off x="1101012" y="1380932"/>
-              <a:ext cx="373224" cy="270586"/>
-              <a:chOff x="1101012" y="1380932"/>
-              <a:chExt cx="373224" cy="270586"/>
-            </a:xfrm>
-          </p:grpSpPr>
-          <p:cxnSp>
-            <p:nvCxnSpPr>
-              <p:cNvPr id="85" name="Gerader Verbinder 84">
-                <a:extLst>
-                  <a:ext uri="{FF2B5EF4-FFF2-40B4-BE49-F238E27FC236}">
-                    <a16:creationId xmlns:a16="http://schemas.microsoft.com/office/drawing/2014/main" id="{6B40CCE6-4172-40B8-B2B9-012631B412D6}"/>
-                  </a:ext>
-                </a:extLst>
-              </p:cNvPr>
-              <p:cNvCxnSpPr>
-                <a:cxnSpLocks/>
-              </p:cNvCxnSpPr>
-              <p:nvPr/>
-            </p:nvCxnSpPr>
-            <p:spPr>
-              <a:xfrm>
-                <a:off x="1474236" y="1380932"/>
-                <a:ext cx="0" cy="270586"/>
-              </a:xfrm>
-              <a:prstGeom prst="line">
-                <a:avLst/>
-              </a:prstGeom>
-              <a:ln w="12700">
-                <a:solidFill>
-                  <a:schemeClr val="tx1"/>
-                </a:solidFill>
-              </a:ln>
-            </p:spPr>
-            <p:style>
-              <a:lnRef idx="1">
-                <a:schemeClr val="accent1"/>
-              </a:lnRef>
-              <a:fillRef idx="0">
-                <a:schemeClr val="accent1"/>
-              </a:fillRef>
-              <a:effectRef idx="0">
-                <a:schemeClr val="accent1"/>
-              </a:effectRef>
-              <a:fontRef idx="minor">
-                <a:schemeClr val="tx1"/>
-              </a:fontRef>
-            </p:style>
-          </p:cxnSp>
-          <p:cxnSp>
-            <p:nvCxnSpPr>
-              <p:cNvPr id="86" name="Gerader Verbinder 85">
-                <a:extLst>
-                  <a:ext uri="{FF2B5EF4-FFF2-40B4-BE49-F238E27FC236}">
-                    <a16:creationId xmlns:a16="http://schemas.microsoft.com/office/drawing/2014/main" id="{ED5A92EA-08D8-4453-9B07-F03618D0216F}"/>
-                  </a:ext>
-                </a:extLst>
-              </p:cNvPr>
-              <p:cNvCxnSpPr>
-                <a:cxnSpLocks/>
-              </p:cNvCxnSpPr>
-              <p:nvPr/>
-            </p:nvCxnSpPr>
-            <p:spPr>
-              <a:xfrm>
-                <a:off x="1101012" y="1651518"/>
-                <a:ext cx="373224" cy="0"/>
-              </a:xfrm>
-              <a:prstGeom prst="line">
-                <a:avLst/>
-              </a:prstGeom>
-              <a:ln w="12700">
-                <a:solidFill>
-                  <a:schemeClr val="tx1"/>
-                </a:solidFill>
-              </a:ln>
-            </p:spPr>
-            <p:style>
-              <a:lnRef idx="1">
-                <a:schemeClr val="accent1"/>
-              </a:lnRef>
-              <a:fillRef idx="0">
-                <a:schemeClr val="accent1"/>
-              </a:fillRef>
-              <a:effectRef idx="0">
-                <a:schemeClr val="accent1"/>
-              </a:effectRef>
-              <a:fontRef idx="minor">
-                <a:schemeClr val="tx1"/>
-              </a:fontRef>
-            </p:style>
-          </p:cxnSp>
-        </p:grpSp>
-      </p:grpSp>
-      <p:grpSp>
-        <p:nvGrpSpPr>
           <p:cNvPr id="89" name="Gruppieren 88">
             <a:extLst>
               <a:ext uri="{FF2B5EF4-FFF2-40B4-BE49-F238E27FC236}">
@@ -5773,7 +5147,7 @@
         </p:nvGrpSpPr>
         <p:grpSpPr>
           <a:xfrm>
-            <a:off x="2014554" y="1872287"/>
+            <a:off x="2014554" y="1400347"/>
             <a:ext cx="1270129" cy="644606"/>
             <a:chOff x="1101012" y="1380932"/>
             <a:chExt cx="1651519" cy="886408"/>
@@ -6069,7 +5443,7 @@
         </p:nvGrpSpPr>
         <p:grpSpPr>
           <a:xfrm>
-            <a:off x="2014554" y="2649582"/>
+            <a:off x="2014554" y="2177642"/>
             <a:ext cx="1270129" cy="644606"/>
             <a:chOff x="1101012" y="1380932"/>
             <a:chExt cx="1651519" cy="886408"/>
@@ -6365,7 +5739,7 @@
         </p:nvGrpSpPr>
         <p:grpSpPr>
           <a:xfrm>
-            <a:off x="2029764" y="4323881"/>
+            <a:off x="2029764" y="3851941"/>
             <a:ext cx="1270129" cy="644606"/>
             <a:chOff x="1101012" y="1380932"/>
             <a:chExt cx="1651519" cy="886408"/>
@@ -6661,7 +6035,7 @@
         </p:nvGrpSpPr>
         <p:grpSpPr>
           <a:xfrm>
-            <a:off x="2029792" y="5106734"/>
+            <a:off x="2029792" y="4634794"/>
             <a:ext cx="1270129" cy="644606"/>
             <a:chOff x="1101012" y="1380932"/>
             <a:chExt cx="1651519" cy="886408"/>
@@ -6961,7 +6335,7 @@
         </p:nvCxnSpPr>
         <p:spPr>
           <a:xfrm flipH="1">
-            <a:off x="2649619" y="1643706"/>
+            <a:off x="2649619" y="1171766"/>
             <a:ext cx="3203" cy="228581"/>
           </a:xfrm>
           <a:prstGeom prst="line">
@@ -7005,7 +6379,7 @@
         </p:nvCxnSpPr>
         <p:spPr>
           <a:xfrm>
-            <a:off x="2649619" y="2516893"/>
+            <a:off x="2649619" y="2044953"/>
             <a:ext cx="0" cy="132689"/>
           </a:xfrm>
           <a:prstGeom prst="line">
@@ -7050,7 +6424,7 @@
         </p:nvCxnSpPr>
         <p:spPr>
           <a:xfrm>
-            <a:off x="2649619" y="3294188"/>
+            <a:off x="2649619" y="2822248"/>
             <a:ext cx="7618" cy="9263"/>
           </a:xfrm>
           <a:prstGeom prst="line">
@@ -7091,7 +6465,7 @@
         </p:nvGrpSpPr>
         <p:grpSpPr>
           <a:xfrm>
-            <a:off x="2103618" y="3303451"/>
+            <a:off x="2103618" y="2831511"/>
             <a:ext cx="1107238" cy="1001222"/>
             <a:chOff x="1279845" y="4197836"/>
             <a:chExt cx="1107238" cy="1001222"/>
@@ -7282,7 +6656,7 @@
         </p:nvCxnSpPr>
         <p:spPr>
           <a:xfrm>
-            <a:off x="2657237" y="4304673"/>
+            <a:off x="2657237" y="3832733"/>
             <a:ext cx="7592" cy="19208"/>
           </a:xfrm>
           <a:prstGeom prst="line">
@@ -7323,7 +6697,7 @@
         </p:nvGrpSpPr>
         <p:grpSpPr>
           <a:xfrm>
-            <a:off x="2014553" y="5764251"/>
+            <a:off x="2014553" y="5292311"/>
             <a:ext cx="1270129" cy="1001222"/>
             <a:chOff x="1205964" y="4197836"/>
             <a:chExt cx="1270129" cy="1001222"/>
@@ -7525,7 +6899,7 @@
         </p:nvCxnSpPr>
         <p:spPr>
           <a:xfrm>
-            <a:off x="2664829" y="4968487"/>
+            <a:off x="2664829" y="4496547"/>
             <a:ext cx="28" cy="138247"/>
           </a:xfrm>
           <a:prstGeom prst="line">
@@ -7554,10 +6928,10 @@
       </p:cxnSp>
       <p:grpSp>
         <p:nvGrpSpPr>
-          <p:cNvPr id="140" name="Gruppieren 139">
+          <p:cNvPr id="17" name="Gruppieren 16">
             <a:extLst>
               <a:ext uri="{FF2B5EF4-FFF2-40B4-BE49-F238E27FC236}">
-                <a16:creationId xmlns:a16="http://schemas.microsoft.com/office/drawing/2014/main" id="{B9A44A2A-B571-4148-9F8F-A836AEE85025}"/>
+                <a16:creationId xmlns:a16="http://schemas.microsoft.com/office/drawing/2014/main" id="{390B8692-87AE-4714-974B-F7980F3685C4}"/>
               </a:ext>
             </a:extLst>
           </p:cNvPr>
@@ -7566,92 +6940,18 @@
         </p:nvGrpSpPr>
         <p:grpSpPr>
           <a:xfrm>
-            <a:off x="3583812" y="840745"/>
-            <a:ext cx="1638871" cy="795398"/>
-            <a:chOff x="1101012" y="1380932"/>
-            <a:chExt cx="1651519" cy="886408"/>
+            <a:off x="114674" y="305104"/>
+            <a:ext cx="1638871" cy="861120"/>
+            <a:chOff x="114674" y="305104"/>
+            <a:chExt cx="1638871" cy="861120"/>
           </a:xfrm>
         </p:grpSpPr>
-        <p:sp>
-          <p:nvSpPr>
-            <p:cNvPr id="141" name="Rechteck 140">
+        <p:grpSp>
+          <p:nvGrpSpPr>
+            <p:cNvPr id="23" name="Gruppieren 22">
               <a:extLst>
                 <a:ext uri="{FF2B5EF4-FFF2-40B4-BE49-F238E27FC236}">
-                  <a16:creationId xmlns:a16="http://schemas.microsoft.com/office/drawing/2014/main" id="{384182B4-FDC5-4568-8B91-E4668CFE4E82}"/>
-                </a:ext>
-              </a:extLst>
-            </p:cNvPr>
-            <p:cNvSpPr/>
-            <p:nvPr/>
-          </p:nvSpPr>
-          <p:spPr>
-            <a:xfrm>
-              <a:off x="1101012" y="1380932"/>
-              <a:ext cx="1651519" cy="886408"/>
-            </a:xfrm>
-            <a:prstGeom prst="rect">
-              <a:avLst/>
-            </a:prstGeom>
-            <a:solidFill>
-              <a:schemeClr val="bg1"/>
-            </a:solidFill>
-            <a:ln w="12700">
-              <a:solidFill>
-                <a:schemeClr val="tx1"/>
-              </a:solidFill>
-            </a:ln>
-          </p:spPr>
-          <p:style>
-            <a:lnRef idx="2">
-              <a:schemeClr val="accent1">
-                <a:shade val="50000"/>
-              </a:schemeClr>
-            </a:lnRef>
-            <a:fillRef idx="1">
-              <a:schemeClr val="accent1"/>
-            </a:fillRef>
-            <a:effectRef idx="0">
-              <a:schemeClr val="accent1"/>
-            </a:effectRef>
-            <a:fontRef idx="minor">
-              <a:schemeClr val="lt1"/>
-            </a:fontRef>
-          </p:style>
-          <p:txBody>
-            <a:bodyPr rtlCol="0" anchor="ctr"/>
-            <a:lstStyle/>
-            <a:p>
-              <a:pPr algn="ctr"/>
-              <a:r>
-                <a:rPr lang="de-AT" sz="1600" dirty="0">
-                  <a:solidFill>
-                    <a:schemeClr val="tx1"/>
-                  </a:solidFill>
-                </a:rPr>
-                <a:t>Technical </a:t>
-              </a:r>
-              <a:r>
-                <a:rPr lang="de-AT" sz="1600" dirty="0" err="1">
-                  <a:solidFill>
-                    <a:schemeClr val="tx1"/>
-                  </a:solidFill>
-                </a:rPr>
-                <a:t>Planning</a:t>
-              </a:r>
-              <a:endParaRPr lang="de-AT" sz="1600" dirty="0">
-                <a:solidFill>
-                  <a:schemeClr val="tx1"/>
-                </a:solidFill>
-              </a:endParaRPr>
-            </a:p>
-          </p:txBody>
-        </p:sp>
-        <p:grpSp>
-          <p:nvGrpSpPr>
-            <p:cNvPr id="142" name="Gruppieren 141">
-              <a:extLst>
-                <a:ext uri="{FF2B5EF4-FFF2-40B4-BE49-F238E27FC236}">
-                  <a16:creationId xmlns:a16="http://schemas.microsoft.com/office/drawing/2014/main" id="{BA8606DD-3E1A-452E-8891-1BD6FF0094BC}"/>
+                  <a16:creationId xmlns:a16="http://schemas.microsoft.com/office/drawing/2014/main" id="{2185B859-2113-4158-B5E3-01094B7ACA10}"/>
                 </a:ext>
               </a:extLst>
             </p:cNvPr>
@@ -7660,34 +6960,35 @@
           </p:nvGrpSpPr>
           <p:grpSpPr>
             <a:xfrm>
-              <a:off x="2379306" y="1380932"/>
-              <a:ext cx="373224" cy="270586"/>
-              <a:chOff x="2379306" y="1380932"/>
-              <a:chExt cx="373224" cy="270586"/>
+              <a:off x="114674" y="370826"/>
+              <a:ext cx="1638871" cy="795398"/>
+              <a:chOff x="1101012" y="1380932"/>
+              <a:chExt cx="1651519" cy="886408"/>
             </a:xfrm>
           </p:grpSpPr>
-          <p:cxnSp>
-            <p:nvCxnSpPr>
-              <p:cNvPr id="146" name="Gerader Verbinder 145">
+          <p:sp>
+            <p:nvSpPr>
+              <p:cNvPr id="5" name="Rechteck 4">
                 <a:extLst>
                   <a:ext uri="{FF2B5EF4-FFF2-40B4-BE49-F238E27FC236}">
-                    <a16:creationId xmlns:a16="http://schemas.microsoft.com/office/drawing/2014/main" id="{88AC196D-2B74-42A3-8024-81EFCDFC8F19}"/>
+                    <a16:creationId xmlns:a16="http://schemas.microsoft.com/office/drawing/2014/main" id="{B453806C-E92A-4EC1-A3BC-BE846588DD78}"/>
                   </a:ext>
                 </a:extLst>
               </p:cNvPr>
-              <p:cNvCxnSpPr>
-                <a:cxnSpLocks/>
-              </p:cNvCxnSpPr>
+              <p:cNvSpPr/>
               <p:nvPr/>
-            </p:nvCxnSpPr>
+            </p:nvSpPr>
             <p:spPr>
               <a:xfrm>
-                <a:off x="2379306" y="1380932"/>
-                <a:ext cx="0" cy="270586"/>
+                <a:off x="1101012" y="1380932"/>
+                <a:ext cx="1651519" cy="886408"/>
               </a:xfrm>
-              <a:prstGeom prst="line">
+              <a:prstGeom prst="rect">
                 <a:avLst/>
               </a:prstGeom>
+              <a:solidFill>
+                <a:schemeClr val="bg1"/>
+              </a:solidFill>
               <a:ln w="12700">
                 <a:solidFill>
                   <a:schemeClr val="tx1"/>
@@ -7695,70 +6996,327 @@
               </a:ln>
             </p:spPr>
             <p:style>
-              <a:lnRef idx="1">
-                <a:schemeClr val="accent1"/>
+              <a:lnRef idx="2">
+                <a:schemeClr val="accent1">
+                  <a:shade val="50000"/>
+                </a:schemeClr>
               </a:lnRef>
-              <a:fillRef idx="0">
+              <a:fillRef idx="1">
                 <a:schemeClr val="accent1"/>
               </a:fillRef>
               <a:effectRef idx="0">
                 <a:schemeClr val="accent1"/>
               </a:effectRef>
               <a:fontRef idx="minor">
-                <a:schemeClr val="tx1"/>
+                <a:schemeClr val="lt1"/>
               </a:fontRef>
             </p:style>
-          </p:cxnSp>
-          <p:cxnSp>
-            <p:nvCxnSpPr>
-              <p:cNvPr id="147" name="Gerader Verbinder 146">
+            <p:txBody>
+              <a:bodyPr rtlCol="0" anchor="ctr"/>
+              <a:lstStyle/>
+              <a:p>
+                <a:pPr algn="ctr"/>
+                <a:r>
+                  <a:rPr lang="de-AT" sz="1600" dirty="0">
+                    <a:solidFill>
+                      <a:schemeClr val="tx1"/>
+                    </a:solidFill>
+                  </a:rPr>
+                  <a:t>Rough </a:t>
+                </a:r>
+                <a:r>
+                  <a:rPr lang="de-AT" sz="1600" dirty="0" err="1">
+                    <a:solidFill>
+                      <a:schemeClr val="tx1"/>
+                    </a:solidFill>
+                  </a:rPr>
+                  <a:t>Planning</a:t>
+                </a:r>
+                <a:endParaRPr lang="de-AT" sz="1600" dirty="0">
+                  <a:solidFill>
+                    <a:schemeClr val="tx1"/>
+                  </a:solidFill>
+                </a:endParaRPr>
+              </a:p>
+            </p:txBody>
+          </p:sp>
+          <p:grpSp>
+            <p:nvGrpSpPr>
+              <p:cNvPr id="13" name="Gruppieren 12">
                 <a:extLst>
                   <a:ext uri="{FF2B5EF4-FFF2-40B4-BE49-F238E27FC236}">
-                    <a16:creationId xmlns:a16="http://schemas.microsoft.com/office/drawing/2014/main" id="{8112026A-AD98-426F-B12E-B5AD3297953E}"/>
+                    <a16:creationId xmlns:a16="http://schemas.microsoft.com/office/drawing/2014/main" id="{5A9C32EF-2585-475F-812C-DF0E91E876D2}"/>
                   </a:ext>
                 </a:extLst>
               </p:cNvPr>
-              <p:cNvCxnSpPr>
-                <a:cxnSpLocks/>
-              </p:cNvCxnSpPr>
+              <p:cNvGrpSpPr/>
               <p:nvPr/>
-            </p:nvCxnSpPr>
-            <p:spPr>
+            </p:nvGrpSpPr>
+            <p:grpSpPr>
               <a:xfrm>
-                <a:off x="2379306" y="1651518"/>
-                <a:ext cx="373224" cy="0"/>
+                <a:off x="2379306" y="1380932"/>
+                <a:ext cx="373224" cy="270586"/>
+                <a:chOff x="2379306" y="1380932"/>
+                <a:chExt cx="373224" cy="270586"/>
               </a:xfrm>
-              <a:prstGeom prst="line">
-                <a:avLst/>
-              </a:prstGeom>
-              <a:ln w="12700">
-                <a:solidFill>
+            </p:grpSpPr>
+            <p:cxnSp>
+              <p:nvCxnSpPr>
+                <p:cNvPr id="7" name="Gerader Verbinder 6">
+                  <a:extLst>
+                    <a:ext uri="{FF2B5EF4-FFF2-40B4-BE49-F238E27FC236}">
+                      <a16:creationId xmlns:a16="http://schemas.microsoft.com/office/drawing/2014/main" id="{1B3E2CFA-0CC4-4BC3-B909-B25B747C1E82}"/>
+                    </a:ext>
+                  </a:extLst>
+                </p:cNvPr>
+                <p:cNvCxnSpPr>
+                  <a:cxnSpLocks/>
+                </p:cNvCxnSpPr>
+                <p:nvPr/>
+              </p:nvCxnSpPr>
+              <p:spPr>
+                <a:xfrm>
+                  <a:off x="2379306" y="1380932"/>
+                  <a:ext cx="0" cy="270586"/>
+                </a:xfrm>
+                <a:prstGeom prst="line">
+                  <a:avLst/>
+                </a:prstGeom>
+                <a:ln w="12700">
+                  <a:solidFill>
+                    <a:schemeClr val="tx1"/>
+                  </a:solidFill>
+                </a:ln>
+              </p:spPr>
+              <p:style>
+                <a:lnRef idx="1">
+                  <a:schemeClr val="accent1"/>
+                </a:lnRef>
+                <a:fillRef idx="0">
+                  <a:schemeClr val="accent1"/>
+                </a:fillRef>
+                <a:effectRef idx="0">
+                  <a:schemeClr val="accent1"/>
+                </a:effectRef>
+                <a:fontRef idx="minor">
                   <a:schemeClr val="tx1"/>
-                </a:solidFill>
-              </a:ln>
-            </p:spPr>
-            <p:style>
-              <a:lnRef idx="1">
-                <a:schemeClr val="accent1"/>
-              </a:lnRef>
-              <a:fillRef idx="0">
-                <a:schemeClr val="accent1"/>
-              </a:fillRef>
-              <a:effectRef idx="0">
-                <a:schemeClr val="accent1"/>
-              </a:effectRef>
-              <a:fontRef idx="minor">
-                <a:schemeClr val="tx1"/>
-              </a:fontRef>
-            </p:style>
-          </p:cxnSp>
+                </a:fontRef>
+              </p:style>
+            </p:cxnSp>
+            <p:cxnSp>
+              <p:nvCxnSpPr>
+                <p:cNvPr id="8" name="Gerader Verbinder 7">
+                  <a:extLst>
+                    <a:ext uri="{FF2B5EF4-FFF2-40B4-BE49-F238E27FC236}">
+                      <a16:creationId xmlns:a16="http://schemas.microsoft.com/office/drawing/2014/main" id="{35907CCE-7A26-4711-94DA-3F6AFAD2F3A4}"/>
+                    </a:ext>
+                  </a:extLst>
+                </p:cNvPr>
+                <p:cNvCxnSpPr>
+                  <a:cxnSpLocks/>
+                </p:cNvCxnSpPr>
+                <p:nvPr/>
+              </p:nvCxnSpPr>
+              <p:spPr>
+                <a:xfrm>
+                  <a:off x="2379306" y="1651518"/>
+                  <a:ext cx="373224" cy="0"/>
+                </a:xfrm>
+                <a:prstGeom prst="line">
+                  <a:avLst/>
+                </a:prstGeom>
+                <a:ln w="12700">
+                  <a:solidFill>
+                    <a:schemeClr val="tx1"/>
+                  </a:solidFill>
+                </a:ln>
+              </p:spPr>
+              <p:style>
+                <a:lnRef idx="1">
+                  <a:schemeClr val="accent1"/>
+                </a:lnRef>
+                <a:fillRef idx="0">
+                  <a:schemeClr val="accent1"/>
+                </a:fillRef>
+                <a:effectRef idx="0">
+                  <a:schemeClr val="accent1"/>
+                </a:effectRef>
+                <a:fontRef idx="minor">
+                  <a:schemeClr val="tx1"/>
+                </a:fontRef>
+              </p:style>
+            </p:cxnSp>
+          </p:grpSp>
+          <p:grpSp>
+            <p:nvGrpSpPr>
+              <p:cNvPr id="22" name="Gruppieren 21">
+                <a:extLst>
+                  <a:ext uri="{FF2B5EF4-FFF2-40B4-BE49-F238E27FC236}">
+                    <a16:creationId xmlns:a16="http://schemas.microsoft.com/office/drawing/2014/main" id="{A3E68379-FED9-41DE-82BF-CC8E3DD8133C}"/>
+                  </a:ext>
+                </a:extLst>
+              </p:cNvPr>
+              <p:cNvGrpSpPr/>
+              <p:nvPr/>
+            </p:nvGrpSpPr>
+            <p:grpSpPr>
+              <a:xfrm>
+                <a:off x="1101012" y="1380932"/>
+                <a:ext cx="373224" cy="270586"/>
+                <a:chOff x="1101012" y="1380932"/>
+                <a:chExt cx="373224" cy="270586"/>
+              </a:xfrm>
+            </p:grpSpPr>
+            <p:cxnSp>
+              <p:nvCxnSpPr>
+                <p:cNvPr id="20" name="Gerader Verbinder 19">
+                  <a:extLst>
+                    <a:ext uri="{FF2B5EF4-FFF2-40B4-BE49-F238E27FC236}">
+                      <a16:creationId xmlns:a16="http://schemas.microsoft.com/office/drawing/2014/main" id="{708B5C7B-57AE-4012-84F1-35C57E783F41}"/>
+                    </a:ext>
+                  </a:extLst>
+                </p:cNvPr>
+                <p:cNvCxnSpPr>
+                  <a:cxnSpLocks/>
+                </p:cNvCxnSpPr>
+                <p:nvPr/>
+              </p:nvCxnSpPr>
+              <p:spPr>
+                <a:xfrm>
+                  <a:off x="1474236" y="1380932"/>
+                  <a:ext cx="0" cy="270586"/>
+                </a:xfrm>
+                <a:prstGeom prst="line">
+                  <a:avLst/>
+                </a:prstGeom>
+                <a:ln w="12700">
+                  <a:solidFill>
+                    <a:schemeClr val="tx1"/>
+                  </a:solidFill>
+                </a:ln>
+              </p:spPr>
+              <p:style>
+                <a:lnRef idx="1">
+                  <a:schemeClr val="accent1"/>
+                </a:lnRef>
+                <a:fillRef idx="0">
+                  <a:schemeClr val="accent1"/>
+                </a:fillRef>
+                <a:effectRef idx="0">
+                  <a:schemeClr val="accent1"/>
+                </a:effectRef>
+                <a:fontRef idx="minor">
+                  <a:schemeClr val="tx1"/>
+                </a:fontRef>
+              </p:style>
+            </p:cxnSp>
+            <p:cxnSp>
+              <p:nvCxnSpPr>
+                <p:cNvPr id="21" name="Gerader Verbinder 20">
+                  <a:extLst>
+                    <a:ext uri="{FF2B5EF4-FFF2-40B4-BE49-F238E27FC236}">
+                      <a16:creationId xmlns:a16="http://schemas.microsoft.com/office/drawing/2014/main" id="{1D66948A-7C01-4684-A1B1-051D3D52A768}"/>
+                    </a:ext>
+                  </a:extLst>
+                </p:cNvPr>
+                <p:cNvCxnSpPr>
+                  <a:cxnSpLocks/>
+                </p:cNvCxnSpPr>
+                <p:nvPr/>
+              </p:nvCxnSpPr>
+              <p:spPr>
+                <a:xfrm>
+                  <a:off x="1101012" y="1651518"/>
+                  <a:ext cx="373224" cy="0"/>
+                </a:xfrm>
+                <a:prstGeom prst="line">
+                  <a:avLst/>
+                </a:prstGeom>
+                <a:ln w="12700">
+                  <a:solidFill>
+                    <a:schemeClr val="tx1"/>
+                  </a:solidFill>
+                </a:ln>
+              </p:spPr>
+              <p:style>
+                <a:lnRef idx="1">
+                  <a:schemeClr val="accent1"/>
+                </a:lnRef>
+                <a:fillRef idx="0">
+                  <a:schemeClr val="accent1"/>
+                </a:fillRef>
+                <a:effectRef idx="0">
+                  <a:schemeClr val="accent1"/>
+                </a:effectRef>
+                <a:fontRef idx="minor">
+                  <a:schemeClr val="tx1"/>
+                </a:fontRef>
+              </p:style>
+            </p:cxnSp>
+          </p:grpSp>
         </p:grpSp>
+        <p:sp>
+          <p:nvSpPr>
+            <p:cNvPr id="2" name="Textfeld 1">
+              <a:extLst>
+                <a:ext uri="{FF2B5EF4-FFF2-40B4-BE49-F238E27FC236}">
+                  <a16:creationId xmlns:a16="http://schemas.microsoft.com/office/drawing/2014/main" id="{2A845882-8B52-413C-A4FE-D1B510DBDAD1}"/>
+                </a:ext>
+              </a:extLst>
+            </p:cNvPr>
+            <p:cNvSpPr txBox="1"/>
+            <p:nvPr/>
+          </p:nvSpPr>
+          <p:spPr>
+            <a:xfrm>
+              <a:off x="142441" y="305104"/>
+              <a:ext cx="359394" cy="369332"/>
+            </a:xfrm>
+            <a:prstGeom prst="rect">
+              <a:avLst/>
+            </a:prstGeom>
+            <a:noFill/>
+          </p:spPr>
+          <p:txBody>
+            <a:bodyPr wrap="none" rtlCol="0">
+              <a:spAutoFit/>
+            </a:bodyPr>
+            <a:lstStyle/>
+            <a:p>
+              <a:r>
+                <a:rPr lang="de-AT" dirty="0"/>
+                <a:t>1.</a:t>
+              </a:r>
+            </a:p>
+          </p:txBody>
+        </p:sp>
+      </p:grpSp>
+      <p:grpSp>
+        <p:nvGrpSpPr>
+          <p:cNvPr id="18" name="Gruppieren 17">
+            <a:extLst>
+              <a:ext uri="{FF2B5EF4-FFF2-40B4-BE49-F238E27FC236}">
+                <a16:creationId xmlns:a16="http://schemas.microsoft.com/office/drawing/2014/main" id="{F658F17E-A93A-41DC-BF82-B1B5DD8C8E77}"/>
+              </a:ext>
+            </a:extLst>
+          </p:cNvPr>
+          <p:cNvGrpSpPr/>
+          <p:nvPr/>
+        </p:nvGrpSpPr>
+        <p:grpSpPr>
+          <a:xfrm>
+            <a:off x="1833386" y="320329"/>
+            <a:ext cx="1638871" cy="851437"/>
+            <a:chOff x="1833386" y="320329"/>
+            <a:chExt cx="1638871" cy="851437"/>
+          </a:xfrm>
+        </p:grpSpPr>
         <p:grpSp>
           <p:nvGrpSpPr>
-            <p:cNvPr id="143" name="Gruppieren 142">
+            <p:cNvPr id="81" name="Gruppieren 80">
               <a:extLst>
                 <a:ext uri="{FF2B5EF4-FFF2-40B4-BE49-F238E27FC236}">
-                  <a16:creationId xmlns:a16="http://schemas.microsoft.com/office/drawing/2014/main" id="{59125026-9CBF-4CD6-9550-88695E72709E}"/>
+                  <a16:creationId xmlns:a16="http://schemas.microsoft.com/office/drawing/2014/main" id="{373CE939-BC5C-4A05-AC40-05BD4DCE6F97}"/>
                 </a:ext>
               </a:extLst>
             </p:cNvPr>
@@ -7767,34 +7325,35 @@
           </p:nvGrpSpPr>
           <p:grpSpPr>
             <a:xfrm>
-              <a:off x="1101012" y="1380932"/>
-              <a:ext cx="373224" cy="270586"/>
+              <a:off x="1833386" y="376368"/>
+              <a:ext cx="1638871" cy="795398"/>
               <a:chOff x="1101012" y="1380932"/>
-              <a:chExt cx="373224" cy="270586"/>
+              <a:chExt cx="1651519" cy="886408"/>
             </a:xfrm>
           </p:grpSpPr>
-          <p:cxnSp>
-            <p:nvCxnSpPr>
-              <p:cNvPr id="144" name="Gerader Verbinder 143">
+          <p:sp>
+            <p:nvSpPr>
+              <p:cNvPr id="82" name="Rechteck 81">
                 <a:extLst>
                   <a:ext uri="{FF2B5EF4-FFF2-40B4-BE49-F238E27FC236}">
-                    <a16:creationId xmlns:a16="http://schemas.microsoft.com/office/drawing/2014/main" id="{0457A217-673E-4DD4-A868-2568874A1E2F}"/>
+                    <a16:creationId xmlns:a16="http://schemas.microsoft.com/office/drawing/2014/main" id="{B1A64F6A-B5FC-4F3B-9D6B-2E91906766B2}"/>
                   </a:ext>
                 </a:extLst>
               </p:cNvPr>
-              <p:cNvCxnSpPr>
-                <a:cxnSpLocks/>
-              </p:cNvCxnSpPr>
+              <p:cNvSpPr/>
               <p:nvPr/>
-            </p:nvCxnSpPr>
+            </p:nvSpPr>
             <p:spPr>
               <a:xfrm>
-                <a:off x="1474236" y="1380932"/>
-                <a:ext cx="0" cy="270586"/>
+                <a:off x="1101012" y="1380932"/>
+                <a:ext cx="1651519" cy="886408"/>
               </a:xfrm>
-              <a:prstGeom prst="line">
+              <a:prstGeom prst="rect">
                 <a:avLst/>
               </a:prstGeom>
+              <a:solidFill>
+                <a:schemeClr val="bg1"/>
+              </a:solidFill>
               <a:ln w="12700">
                 <a:solidFill>
                   <a:schemeClr val="tx1"/>
@@ -7802,71 +7361,315 @@
               </a:ln>
             </p:spPr>
             <p:style>
-              <a:lnRef idx="1">
-                <a:schemeClr val="accent1"/>
+              <a:lnRef idx="2">
+                <a:schemeClr val="accent1">
+                  <a:shade val="50000"/>
+                </a:schemeClr>
               </a:lnRef>
-              <a:fillRef idx="0">
+              <a:fillRef idx="1">
                 <a:schemeClr val="accent1"/>
               </a:fillRef>
               <a:effectRef idx="0">
                 <a:schemeClr val="accent1"/>
               </a:effectRef>
               <a:fontRef idx="minor">
-                <a:schemeClr val="tx1"/>
+                <a:schemeClr val="lt1"/>
               </a:fontRef>
             </p:style>
-          </p:cxnSp>
-          <p:cxnSp>
-            <p:nvCxnSpPr>
-              <p:cNvPr id="145" name="Gerader Verbinder 144">
+            <p:txBody>
+              <a:bodyPr rtlCol="0" anchor="ctr"/>
+              <a:lstStyle/>
+              <a:p>
+                <a:pPr algn="ctr"/>
+                <a:r>
+                  <a:rPr lang="de-AT" sz="1600" dirty="0" err="1">
+                    <a:solidFill>
+                      <a:schemeClr val="tx1"/>
+                    </a:solidFill>
+                  </a:rPr>
+                  <a:t>Detailed</a:t>
+                </a:r>
+                <a:r>
+                  <a:rPr lang="de-AT" sz="1600" dirty="0">
+                    <a:solidFill>
+                      <a:schemeClr val="tx1"/>
+                    </a:solidFill>
+                  </a:rPr>
+                  <a:t> </a:t>
+                </a:r>
+                <a:r>
+                  <a:rPr lang="de-AT" sz="1600" dirty="0" err="1">
+                    <a:solidFill>
+                      <a:schemeClr val="tx1"/>
+                    </a:solidFill>
+                  </a:rPr>
+                  <a:t>Planning</a:t>
+                </a:r>
+                <a:endParaRPr lang="de-AT" sz="1600" dirty="0">
+                  <a:solidFill>
+                    <a:schemeClr val="tx1"/>
+                  </a:solidFill>
+                </a:endParaRPr>
+              </a:p>
+            </p:txBody>
+          </p:sp>
+          <p:grpSp>
+            <p:nvGrpSpPr>
+              <p:cNvPr id="83" name="Gruppieren 82">
                 <a:extLst>
                   <a:ext uri="{FF2B5EF4-FFF2-40B4-BE49-F238E27FC236}">
-                    <a16:creationId xmlns:a16="http://schemas.microsoft.com/office/drawing/2014/main" id="{B12823EE-160C-48EE-BC41-DC228097A3A7}"/>
+                    <a16:creationId xmlns:a16="http://schemas.microsoft.com/office/drawing/2014/main" id="{55D05D57-90BA-4CA6-9C1B-D11FD00AAB9E}"/>
                   </a:ext>
                 </a:extLst>
               </p:cNvPr>
-              <p:cNvCxnSpPr>
-                <a:cxnSpLocks/>
-              </p:cNvCxnSpPr>
+              <p:cNvGrpSpPr/>
               <p:nvPr/>
-            </p:nvCxnSpPr>
-            <p:spPr>
+            </p:nvGrpSpPr>
+            <p:grpSpPr>
               <a:xfrm>
-                <a:off x="1101012" y="1651518"/>
-                <a:ext cx="373224" cy="0"/>
+                <a:off x="2379306" y="1380932"/>
+                <a:ext cx="373224" cy="270586"/>
+                <a:chOff x="2379306" y="1380932"/>
+                <a:chExt cx="373224" cy="270586"/>
               </a:xfrm>
-              <a:prstGeom prst="line">
-                <a:avLst/>
-              </a:prstGeom>
-              <a:ln w="12700">
-                <a:solidFill>
+            </p:grpSpPr>
+            <p:cxnSp>
+              <p:nvCxnSpPr>
+                <p:cNvPr id="87" name="Gerader Verbinder 86">
+                  <a:extLst>
+                    <a:ext uri="{FF2B5EF4-FFF2-40B4-BE49-F238E27FC236}">
+                      <a16:creationId xmlns:a16="http://schemas.microsoft.com/office/drawing/2014/main" id="{B981CFD2-505D-4900-9037-D8A2B7C8E794}"/>
+                    </a:ext>
+                  </a:extLst>
+                </p:cNvPr>
+                <p:cNvCxnSpPr>
+                  <a:cxnSpLocks/>
+                </p:cNvCxnSpPr>
+                <p:nvPr/>
+              </p:nvCxnSpPr>
+              <p:spPr>
+                <a:xfrm>
+                  <a:off x="2379306" y="1380932"/>
+                  <a:ext cx="0" cy="270586"/>
+                </a:xfrm>
+                <a:prstGeom prst="line">
+                  <a:avLst/>
+                </a:prstGeom>
+                <a:ln w="12700">
+                  <a:solidFill>
+                    <a:schemeClr val="tx1"/>
+                  </a:solidFill>
+                </a:ln>
+              </p:spPr>
+              <p:style>
+                <a:lnRef idx="1">
+                  <a:schemeClr val="accent1"/>
+                </a:lnRef>
+                <a:fillRef idx="0">
+                  <a:schemeClr val="accent1"/>
+                </a:fillRef>
+                <a:effectRef idx="0">
+                  <a:schemeClr val="accent1"/>
+                </a:effectRef>
+                <a:fontRef idx="minor">
                   <a:schemeClr val="tx1"/>
-                </a:solidFill>
-              </a:ln>
-            </p:spPr>
-            <p:style>
-              <a:lnRef idx="1">
-                <a:schemeClr val="accent1"/>
-              </a:lnRef>
-              <a:fillRef idx="0">
-                <a:schemeClr val="accent1"/>
-              </a:fillRef>
-              <a:effectRef idx="0">
-                <a:schemeClr val="accent1"/>
-              </a:effectRef>
-              <a:fontRef idx="minor">
-                <a:schemeClr val="tx1"/>
-              </a:fontRef>
-            </p:style>
-          </p:cxnSp>
+                </a:fontRef>
+              </p:style>
+            </p:cxnSp>
+            <p:cxnSp>
+              <p:nvCxnSpPr>
+                <p:cNvPr id="88" name="Gerader Verbinder 87">
+                  <a:extLst>
+                    <a:ext uri="{FF2B5EF4-FFF2-40B4-BE49-F238E27FC236}">
+                      <a16:creationId xmlns:a16="http://schemas.microsoft.com/office/drawing/2014/main" id="{BEDB8EBB-AD0F-4DE5-9F82-6822B1CF0089}"/>
+                    </a:ext>
+                  </a:extLst>
+                </p:cNvPr>
+                <p:cNvCxnSpPr>
+                  <a:cxnSpLocks/>
+                </p:cNvCxnSpPr>
+                <p:nvPr/>
+              </p:nvCxnSpPr>
+              <p:spPr>
+                <a:xfrm>
+                  <a:off x="2379306" y="1651518"/>
+                  <a:ext cx="373224" cy="0"/>
+                </a:xfrm>
+                <a:prstGeom prst="line">
+                  <a:avLst/>
+                </a:prstGeom>
+                <a:ln w="12700">
+                  <a:solidFill>
+                    <a:schemeClr val="tx1"/>
+                  </a:solidFill>
+                </a:ln>
+              </p:spPr>
+              <p:style>
+                <a:lnRef idx="1">
+                  <a:schemeClr val="accent1"/>
+                </a:lnRef>
+                <a:fillRef idx="0">
+                  <a:schemeClr val="accent1"/>
+                </a:fillRef>
+                <a:effectRef idx="0">
+                  <a:schemeClr val="accent1"/>
+                </a:effectRef>
+                <a:fontRef idx="minor">
+                  <a:schemeClr val="tx1"/>
+                </a:fontRef>
+              </p:style>
+            </p:cxnSp>
+          </p:grpSp>
+          <p:grpSp>
+            <p:nvGrpSpPr>
+              <p:cNvPr id="84" name="Gruppieren 83">
+                <a:extLst>
+                  <a:ext uri="{FF2B5EF4-FFF2-40B4-BE49-F238E27FC236}">
+                    <a16:creationId xmlns:a16="http://schemas.microsoft.com/office/drawing/2014/main" id="{C468AF45-6C18-4A2F-A63D-559B7C95EB33}"/>
+                  </a:ext>
+                </a:extLst>
+              </p:cNvPr>
+              <p:cNvGrpSpPr/>
+              <p:nvPr/>
+            </p:nvGrpSpPr>
+            <p:grpSpPr>
+              <a:xfrm>
+                <a:off x="1101012" y="1380932"/>
+                <a:ext cx="373224" cy="270586"/>
+                <a:chOff x="1101012" y="1380932"/>
+                <a:chExt cx="373224" cy="270586"/>
+              </a:xfrm>
+            </p:grpSpPr>
+            <p:cxnSp>
+              <p:nvCxnSpPr>
+                <p:cNvPr id="85" name="Gerader Verbinder 84">
+                  <a:extLst>
+                    <a:ext uri="{FF2B5EF4-FFF2-40B4-BE49-F238E27FC236}">
+                      <a16:creationId xmlns:a16="http://schemas.microsoft.com/office/drawing/2014/main" id="{6B40CCE6-4172-40B8-B2B9-012631B412D6}"/>
+                    </a:ext>
+                  </a:extLst>
+                </p:cNvPr>
+                <p:cNvCxnSpPr>
+                  <a:cxnSpLocks/>
+                </p:cNvCxnSpPr>
+                <p:nvPr/>
+              </p:nvCxnSpPr>
+              <p:spPr>
+                <a:xfrm>
+                  <a:off x="1474236" y="1380932"/>
+                  <a:ext cx="0" cy="270586"/>
+                </a:xfrm>
+                <a:prstGeom prst="line">
+                  <a:avLst/>
+                </a:prstGeom>
+                <a:ln w="12700">
+                  <a:solidFill>
+                    <a:schemeClr val="tx1"/>
+                  </a:solidFill>
+                </a:ln>
+              </p:spPr>
+              <p:style>
+                <a:lnRef idx="1">
+                  <a:schemeClr val="accent1"/>
+                </a:lnRef>
+                <a:fillRef idx="0">
+                  <a:schemeClr val="accent1"/>
+                </a:fillRef>
+                <a:effectRef idx="0">
+                  <a:schemeClr val="accent1"/>
+                </a:effectRef>
+                <a:fontRef idx="minor">
+                  <a:schemeClr val="tx1"/>
+                </a:fontRef>
+              </p:style>
+            </p:cxnSp>
+            <p:cxnSp>
+              <p:nvCxnSpPr>
+                <p:cNvPr id="86" name="Gerader Verbinder 85">
+                  <a:extLst>
+                    <a:ext uri="{FF2B5EF4-FFF2-40B4-BE49-F238E27FC236}">
+                      <a16:creationId xmlns:a16="http://schemas.microsoft.com/office/drawing/2014/main" id="{ED5A92EA-08D8-4453-9B07-F03618D0216F}"/>
+                    </a:ext>
+                  </a:extLst>
+                </p:cNvPr>
+                <p:cNvCxnSpPr>
+                  <a:cxnSpLocks/>
+                </p:cNvCxnSpPr>
+                <p:nvPr/>
+              </p:nvCxnSpPr>
+              <p:spPr>
+                <a:xfrm>
+                  <a:off x="1101012" y="1651518"/>
+                  <a:ext cx="373224" cy="0"/>
+                </a:xfrm>
+                <a:prstGeom prst="line">
+                  <a:avLst/>
+                </a:prstGeom>
+                <a:ln w="12700">
+                  <a:solidFill>
+                    <a:schemeClr val="tx1"/>
+                  </a:solidFill>
+                </a:ln>
+              </p:spPr>
+              <p:style>
+                <a:lnRef idx="1">
+                  <a:schemeClr val="accent1"/>
+                </a:lnRef>
+                <a:fillRef idx="0">
+                  <a:schemeClr val="accent1"/>
+                </a:fillRef>
+                <a:effectRef idx="0">
+                  <a:schemeClr val="accent1"/>
+                </a:effectRef>
+                <a:fontRef idx="minor">
+                  <a:schemeClr val="tx1"/>
+                </a:fontRef>
+              </p:style>
+            </p:cxnSp>
+          </p:grpSp>
         </p:grpSp>
+        <p:sp>
+          <p:nvSpPr>
+            <p:cNvPr id="180" name="Textfeld 179">
+              <a:extLst>
+                <a:ext uri="{FF2B5EF4-FFF2-40B4-BE49-F238E27FC236}">
+                  <a16:creationId xmlns:a16="http://schemas.microsoft.com/office/drawing/2014/main" id="{DC2759F0-D4CF-498D-A358-BDA2F5B4F282}"/>
+                </a:ext>
+              </a:extLst>
+            </p:cNvPr>
+            <p:cNvSpPr txBox="1"/>
+            <p:nvPr/>
+          </p:nvSpPr>
+          <p:spPr>
+            <a:xfrm>
+              <a:off x="1876205" y="320329"/>
+              <a:ext cx="359394" cy="369332"/>
+            </a:xfrm>
+            <a:prstGeom prst="rect">
+              <a:avLst/>
+            </a:prstGeom>
+            <a:noFill/>
+          </p:spPr>
+          <p:txBody>
+            <a:bodyPr wrap="none" rtlCol="0">
+              <a:spAutoFit/>
+            </a:bodyPr>
+            <a:lstStyle/>
+            <a:p>
+              <a:r>
+                <a:rPr lang="de-AT" dirty="0"/>
+                <a:t>2.</a:t>
+              </a:r>
+            </a:p>
+          </p:txBody>
+        </p:sp>
       </p:grpSp>
       <p:grpSp>
         <p:nvGrpSpPr>
-          <p:cNvPr id="148" name="Gruppieren 147">
+          <p:cNvPr id="19" name="Gruppieren 18">
             <a:extLst>
               <a:ext uri="{FF2B5EF4-FFF2-40B4-BE49-F238E27FC236}">
-                <a16:creationId xmlns:a16="http://schemas.microsoft.com/office/drawing/2014/main" id="{C35394DD-F1FA-44F7-88C3-979DE3491B61}"/>
+                <a16:creationId xmlns:a16="http://schemas.microsoft.com/office/drawing/2014/main" id="{94519D18-6EA1-4EA9-AE63-550E9409F127}"/>
               </a:ext>
             </a:extLst>
           </p:cNvPr>
@@ -7875,79 +7678,18 @@
         </p:nvGrpSpPr>
         <p:grpSpPr>
           <a:xfrm>
-            <a:off x="5301383" y="833068"/>
-            <a:ext cx="1638871" cy="795398"/>
-            <a:chOff x="1101012" y="1380932"/>
-            <a:chExt cx="1651519" cy="886408"/>
+            <a:off x="3583812" y="307696"/>
+            <a:ext cx="1638871" cy="856507"/>
+            <a:chOff x="3583812" y="307696"/>
+            <a:chExt cx="1638871" cy="856507"/>
           </a:xfrm>
         </p:grpSpPr>
-        <p:sp>
-          <p:nvSpPr>
-            <p:cNvPr id="149" name="Rechteck 148">
+        <p:grpSp>
+          <p:nvGrpSpPr>
+            <p:cNvPr id="140" name="Gruppieren 139">
               <a:extLst>
                 <a:ext uri="{FF2B5EF4-FFF2-40B4-BE49-F238E27FC236}">
-                  <a16:creationId xmlns:a16="http://schemas.microsoft.com/office/drawing/2014/main" id="{F89CEAAB-E0E3-445D-A49E-65A5147155E5}"/>
-                </a:ext>
-              </a:extLst>
-            </p:cNvPr>
-            <p:cNvSpPr/>
-            <p:nvPr/>
-          </p:nvSpPr>
-          <p:spPr>
-            <a:xfrm>
-              <a:off x="1101012" y="1380932"/>
-              <a:ext cx="1651519" cy="886408"/>
-            </a:xfrm>
-            <a:prstGeom prst="rect">
-              <a:avLst/>
-            </a:prstGeom>
-            <a:solidFill>
-              <a:schemeClr val="bg1"/>
-            </a:solidFill>
-            <a:ln w="12700">
-              <a:solidFill>
-                <a:schemeClr val="tx1"/>
-              </a:solidFill>
-            </a:ln>
-          </p:spPr>
-          <p:style>
-            <a:lnRef idx="2">
-              <a:schemeClr val="accent1">
-                <a:shade val="50000"/>
-              </a:schemeClr>
-            </a:lnRef>
-            <a:fillRef idx="1">
-              <a:schemeClr val="accent1"/>
-            </a:fillRef>
-            <a:effectRef idx="0">
-              <a:schemeClr val="accent1"/>
-            </a:effectRef>
-            <a:fontRef idx="minor">
-              <a:schemeClr val="lt1"/>
-            </a:fontRef>
-          </p:style>
-          <p:txBody>
-            <a:bodyPr rtlCol="0" anchor="ctr"/>
-            <a:lstStyle/>
-            <a:p>
-              <a:pPr algn="ctr"/>
-              <a:r>
-                <a:rPr lang="de-AT" sz="1600" dirty="0">
-                  <a:solidFill>
-                    <a:schemeClr val="tx1"/>
-                  </a:solidFill>
-                </a:rPr>
-                <a:t>Implementation</a:t>
-              </a:r>
-            </a:p>
-          </p:txBody>
-        </p:sp>
-        <p:grpSp>
-          <p:nvGrpSpPr>
-            <p:cNvPr id="150" name="Gruppieren 149">
-              <a:extLst>
-                <a:ext uri="{FF2B5EF4-FFF2-40B4-BE49-F238E27FC236}">
-                  <a16:creationId xmlns:a16="http://schemas.microsoft.com/office/drawing/2014/main" id="{B05FA634-4DBE-4B8B-920F-210EC2CB17FC}"/>
+                  <a16:creationId xmlns:a16="http://schemas.microsoft.com/office/drawing/2014/main" id="{B9A44A2A-B571-4148-9F8F-A836AEE85025}"/>
                 </a:ext>
               </a:extLst>
             </p:cNvPr>
@@ -7956,34 +7698,35 @@
           </p:nvGrpSpPr>
           <p:grpSpPr>
             <a:xfrm>
-              <a:off x="2379306" y="1380932"/>
-              <a:ext cx="373224" cy="270586"/>
-              <a:chOff x="2379306" y="1380932"/>
-              <a:chExt cx="373224" cy="270586"/>
+              <a:off x="3583812" y="368805"/>
+              <a:ext cx="1638871" cy="795398"/>
+              <a:chOff x="1101012" y="1380932"/>
+              <a:chExt cx="1651519" cy="886408"/>
             </a:xfrm>
           </p:grpSpPr>
-          <p:cxnSp>
-            <p:nvCxnSpPr>
-              <p:cNvPr id="154" name="Gerader Verbinder 153">
+          <p:sp>
+            <p:nvSpPr>
+              <p:cNvPr id="141" name="Rechteck 140">
                 <a:extLst>
                   <a:ext uri="{FF2B5EF4-FFF2-40B4-BE49-F238E27FC236}">
-                    <a16:creationId xmlns:a16="http://schemas.microsoft.com/office/drawing/2014/main" id="{3C00D4F3-B0B8-408D-A414-17792DC621B3}"/>
+                    <a16:creationId xmlns:a16="http://schemas.microsoft.com/office/drawing/2014/main" id="{384182B4-FDC5-4568-8B91-E4668CFE4E82}"/>
                   </a:ext>
                 </a:extLst>
               </p:cNvPr>
-              <p:cNvCxnSpPr>
-                <a:cxnSpLocks/>
-              </p:cNvCxnSpPr>
+              <p:cNvSpPr/>
               <p:nvPr/>
-            </p:nvCxnSpPr>
+            </p:nvSpPr>
             <p:spPr>
               <a:xfrm>
-                <a:off x="2379306" y="1380932"/>
-                <a:ext cx="0" cy="270586"/>
+                <a:off x="1101012" y="1380932"/>
+                <a:ext cx="1651519" cy="886408"/>
               </a:xfrm>
-              <a:prstGeom prst="line">
+              <a:prstGeom prst="rect">
                 <a:avLst/>
               </a:prstGeom>
+              <a:solidFill>
+                <a:schemeClr val="bg1"/>
+              </a:solidFill>
               <a:ln w="12700">
                 <a:solidFill>
                   <a:schemeClr val="tx1"/>
@@ -7991,70 +7734,327 @@
               </a:ln>
             </p:spPr>
             <p:style>
-              <a:lnRef idx="1">
-                <a:schemeClr val="accent1"/>
+              <a:lnRef idx="2">
+                <a:schemeClr val="accent1">
+                  <a:shade val="50000"/>
+                </a:schemeClr>
               </a:lnRef>
-              <a:fillRef idx="0">
+              <a:fillRef idx="1">
                 <a:schemeClr val="accent1"/>
               </a:fillRef>
               <a:effectRef idx="0">
                 <a:schemeClr val="accent1"/>
               </a:effectRef>
               <a:fontRef idx="minor">
-                <a:schemeClr val="tx1"/>
+                <a:schemeClr val="lt1"/>
               </a:fontRef>
             </p:style>
-          </p:cxnSp>
-          <p:cxnSp>
-            <p:nvCxnSpPr>
-              <p:cNvPr id="155" name="Gerader Verbinder 154">
+            <p:txBody>
+              <a:bodyPr rtlCol="0" anchor="ctr"/>
+              <a:lstStyle/>
+              <a:p>
+                <a:pPr algn="ctr"/>
+                <a:r>
+                  <a:rPr lang="de-AT" sz="1600" dirty="0">
+                    <a:solidFill>
+                      <a:schemeClr val="tx1"/>
+                    </a:solidFill>
+                  </a:rPr>
+                  <a:t>Technical </a:t>
+                </a:r>
+                <a:r>
+                  <a:rPr lang="de-AT" sz="1600" dirty="0" err="1">
+                    <a:solidFill>
+                      <a:schemeClr val="tx1"/>
+                    </a:solidFill>
+                  </a:rPr>
+                  <a:t>Planning</a:t>
+                </a:r>
+                <a:endParaRPr lang="de-AT" sz="1600" dirty="0">
+                  <a:solidFill>
+                    <a:schemeClr val="tx1"/>
+                  </a:solidFill>
+                </a:endParaRPr>
+              </a:p>
+            </p:txBody>
+          </p:sp>
+          <p:grpSp>
+            <p:nvGrpSpPr>
+              <p:cNvPr id="142" name="Gruppieren 141">
                 <a:extLst>
                   <a:ext uri="{FF2B5EF4-FFF2-40B4-BE49-F238E27FC236}">
-                    <a16:creationId xmlns:a16="http://schemas.microsoft.com/office/drawing/2014/main" id="{4E093B7F-5161-486D-830F-68194665F9FA}"/>
+                    <a16:creationId xmlns:a16="http://schemas.microsoft.com/office/drawing/2014/main" id="{BA8606DD-3E1A-452E-8891-1BD6FF0094BC}"/>
                   </a:ext>
                 </a:extLst>
               </p:cNvPr>
-              <p:cNvCxnSpPr>
-                <a:cxnSpLocks/>
-              </p:cNvCxnSpPr>
+              <p:cNvGrpSpPr/>
               <p:nvPr/>
-            </p:nvCxnSpPr>
-            <p:spPr>
+            </p:nvGrpSpPr>
+            <p:grpSpPr>
               <a:xfrm>
-                <a:off x="2379306" y="1651518"/>
-                <a:ext cx="373224" cy="0"/>
+                <a:off x="2379306" y="1380932"/>
+                <a:ext cx="373224" cy="270586"/>
+                <a:chOff x="2379306" y="1380932"/>
+                <a:chExt cx="373224" cy="270586"/>
               </a:xfrm>
-              <a:prstGeom prst="line">
-                <a:avLst/>
-              </a:prstGeom>
-              <a:ln w="12700">
-                <a:solidFill>
+            </p:grpSpPr>
+            <p:cxnSp>
+              <p:nvCxnSpPr>
+                <p:cNvPr id="146" name="Gerader Verbinder 145">
+                  <a:extLst>
+                    <a:ext uri="{FF2B5EF4-FFF2-40B4-BE49-F238E27FC236}">
+                      <a16:creationId xmlns:a16="http://schemas.microsoft.com/office/drawing/2014/main" id="{88AC196D-2B74-42A3-8024-81EFCDFC8F19}"/>
+                    </a:ext>
+                  </a:extLst>
+                </p:cNvPr>
+                <p:cNvCxnSpPr>
+                  <a:cxnSpLocks/>
+                </p:cNvCxnSpPr>
+                <p:nvPr/>
+              </p:nvCxnSpPr>
+              <p:spPr>
+                <a:xfrm>
+                  <a:off x="2379306" y="1380932"/>
+                  <a:ext cx="0" cy="270586"/>
+                </a:xfrm>
+                <a:prstGeom prst="line">
+                  <a:avLst/>
+                </a:prstGeom>
+                <a:ln w="12700">
+                  <a:solidFill>
+                    <a:schemeClr val="tx1"/>
+                  </a:solidFill>
+                </a:ln>
+              </p:spPr>
+              <p:style>
+                <a:lnRef idx="1">
+                  <a:schemeClr val="accent1"/>
+                </a:lnRef>
+                <a:fillRef idx="0">
+                  <a:schemeClr val="accent1"/>
+                </a:fillRef>
+                <a:effectRef idx="0">
+                  <a:schemeClr val="accent1"/>
+                </a:effectRef>
+                <a:fontRef idx="minor">
                   <a:schemeClr val="tx1"/>
-                </a:solidFill>
-              </a:ln>
-            </p:spPr>
-            <p:style>
-              <a:lnRef idx="1">
-                <a:schemeClr val="accent1"/>
-              </a:lnRef>
-              <a:fillRef idx="0">
-                <a:schemeClr val="accent1"/>
-              </a:fillRef>
-              <a:effectRef idx="0">
-                <a:schemeClr val="accent1"/>
-              </a:effectRef>
-              <a:fontRef idx="minor">
-                <a:schemeClr val="tx1"/>
-              </a:fontRef>
-            </p:style>
-          </p:cxnSp>
+                </a:fontRef>
+              </p:style>
+            </p:cxnSp>
+            <p:cxnSp>
+              <p:nvCxnSpPr>
+                <p:cNvPr id="147" name="Gerader Verbinder 146">
+                  <a:extLst>
+                    <a:ext uri="{FF2B5EF4-FFF2-40B4-BE49-F238E27FC236}">
+                      <a16:creationId xmlns:a16="http://schemas.microsoft.com/office/drawing/2014/main" id="{8112026A-AD98-426F-B12E-B5AD3297953E}"/>
+                    </a:ext>
+                  </a:extLst>
+                </p:cNvPr>
+                <p:cNvCxnSpPr>
+                  <a:cxnSpLocks/>
+                </p:cNvCxnSpPr>
+                <p:nvPr/>
+              </p:nvCxnSpPr>
+              <p:spPr>
+                <a:xfrm>
+                  <a:off x="2379306" y="1651518"/>
+                  <a:ext cx="373224" cy="0"/>
+                </a:xfrm>
+                <a:prstGeom prst="line">
+                  <a:avLst/>
+                </a:prstGeom>
+                <a:ln w="12700">
+                  <a:solidFill>
+                    <a:schemeClr val="tx1"/>
+                  </a:solidFill>
+                </a:ln>
+              </p:spPr>
+              <p:style>
+                <a:lnRef idx="1">
+                  <a:schemeClr val="accent1"/>
+                </a:lnRef>
+                <a:fillRef idx="0">
+                  <a:schemeClr val="accent1"/>
+                </a:fillRef>
+                <a:effectRef idx="0">
+                  <a:schemeClr val="accent1"/>
+                </a:effectRef>
+                <a:fontRef idx="minor">
+                  <a:schemeClr val="tx1"/>
+                </a:fontRef>
+              </p:style>
+            </p:cxnSp>
+          </p:grpSp>
+          <p:grpSp>
+            <p:nvGrpSpPr>
+              <p:cNvPr id="143" name="Gruppieren 142">
+                <a:extLst>
+                  <a:ext uri="{FF2B5EF4-FFF2-40B4-BE49-F238E27FC236}">
+                    <a16:creationId xmlns:a16="http://schemas.microsoft.com/office/drawing/2014/main" id="{59125026-9CBF-4CD6-9550-88695E72709E}"/>
+                  </a:ext>
+                </a:extLst>
+              </p:cNvPr>
+              <p:cNvGrpSpPr/>
+              <p:nvPr/>
+            </p:nvGrpSpPr>
+            <p:grpSpPr>
+              <a:xfrm>
+                <a:off x="1101012" y="1380932"/>
+                <a:ext cx="373224" cy="270586"/>
+                <a:chOff x="1101012" y="1380932"/>
+                <a:chExt cx="373224" cy="270586"/>
+              </a:xfrm>
+            </p:grpSpPr>
+            <p:cxnSp>
+              <p:nvCxnSpPr>
+                <p:cNvPr id="144" name="Gerader Verbinder 143">
+                  <a:extLst>
+                    <a:ext uri="{FF2B5EF4-FFF2-40B4-BE49-F238E27FC236}">
+                      <a16:creationId xmlns:a16="http://schemas.microsoft.com/office/drawing/2014/main" id="{0457A217-673E-4DD4-A868-2568874A1E2F}"/>
+                    </a:ext>
+                  </a:extLst>
+                </p:cNvPr>
+                <p:cNvCxnSpPr>
+                  <a:cxnSpLocks/>
+                </p:cNvCxnSpPr>
+                <p:nvPr/>
+              </p:nvCxnSpPr>
+              <p:spPr>
+                <a:xfrm>
+                  <a:off x="1474236" y="1380932"/>
+                  <a:ext cx="0" cy="270586"/>
+                </a:xfrm>
+                <a:prstGeom prst="line">
+                  <a:avLst/>
+                </a:prstGeom>
+                <a:ln w="12700">
+                  <a:solidFill>
+                    <a:schemeClr val="tx1"/>
+                  </a:solidFill>
+                </a:ln>
+              </p:spPr>
+              <p:style>
+                <a:lnRef idx="1">
+                  <a:schemeClr val="accent1"/>
+                </a:lnRef>
+                <a:fillRef idx="0">
+                  <a:schemeClr val="accent1"/>
+                </a:fillRef>
+                <a:effectRef idx="0">
+                  <a:schemeClr val="accent1"/>
+                </a:effectRef>
+                <a:fontRef idx="minor">
+                  <a:schemeClr val="tx1"/>
+                </a:fontRef>
+              </p:style>
+            </p:cxnSp>
+            <p:cxnSp>
+              <p:nvCxnSpPr>
+                <p:cNvPr id="145" name="Gerader Verbinder 144">
+                  <a:extLst>
+                    <a:ext uri="{FF2B5EF4-FFF2-40B4-BE49-F238E27FC236}">
+                      <a16:creationId xmlns:a16="http://schemas.microsoft.com/office/drawing/2014/main" id="{B12823EE-160C-48EE-BC41-DC228097A3A7}"/>
+                    </a:ext>
+                  </a:extLst>
+                </p:cNvPr>
+                <p:cNvCxnSpPr>
+                  <a:cxnSpLocks/>
+                </p:cNvCxnSpPr>
+                <p:nvPr/>
+              </p:nvCxnSpPr>
+              <p:spPr>
+                <a:xfrm>
+                  <a:off x="1101012" y="1651518"/>
+                  <a:ext cx="373224" cy="0"/>
+                </a:xfrm>
+                <a:prstGeom prst="line">
+                  <a:avLst/>
+                </a:prstGeom>
+                <a:ln w="12700">
+                  <a:solidFill>
+                    <a:schemeClr val="tx1"/>
+                  </a:solidFill>
+                </a:ln>
+              </p:spPr>
+              <p:style>
+                <a:lnRef idx="1">
+                  <a:schemeClr val="accent1"/>
+                </a:lnRef>
+                <a:fillRef idx="0">
+                  <a:schemeClr val="accent1"/>
+                </a:fillRef>
+                <a:effectRef idx="0">
+                  <a:schemeClr val="accent1"/>
+                </a:effectRef>
+                <a:fontRef idx="minor">
+                  <a:schemeClr val="tx1"/>
+                </a:fontRef>
+              </p:style>
+            </p:cxnSp>
+          </p:grpSp>
         </p:grpSp>
+        <p:sp>
+          <p:nvSpPr>
+            <p:cNvPr id="181" name="Textfeld 180">
+              <a:extLst>
+                <a:ext uri="{FF2B5EF4-FFF2-40B4-BE49-F238E27FC236}">
+                  <a16:creationId xmlns:a16="http://schemas.microsoft.com/office/drawing/2014/main" id="{E5BB6B98-D12D-45C6-810F-5F12CACCAFA0}"/>
+                </a:ext>
+              </a:extLst>
+            </p:cNvPr>
+            <p:cNvSpPr txBox="1"/>
+            <p:nvPr/>
+          </p:nvSpPr>
+          <p:spPr>
+            <a:xfrm>
+              <a:off x="3618152" y="307696"/>
+              <a:ext cx="359394" cy="369332"/>
+            </a:xfrm>
+            <a:prstGeom prst="rect">
+              <a:avLst/>
+            </a:prstGeom>
+            <a:noFill/>
+          </p:spPr>
+          <p:txBody>
+            <a:bodyPr wrap="none" rtlCol="0">
+              <a:spAutoFit/>
+            </a:bodyPr>
+            <a:lstStyle/>
+            <a:p>
+              <a:r>
+                <a:rPr lang="de-AT" dirty="0"/>
+                <a:t>3.</a:t>
+              </a:r>
+            </a:p>
+          </p:txBody>
+        </p:sp>
+      </p:grpSp>
+      <p:grpSp>
+        <p:nvGrpSpPr>
+          <p:cNvPr id="56" name="Gruppieren 55">
+            <a:extLst>
+              <a:ext uri="{FF2B5EF4-FFF2-40B4-BE49-F238E27FC236}">
+                <a16:creationId xmlns:a16="http://schemas.microsoft.com/office/drawing/2014/main" id="{08F70205-F3F5-4390-869E-6D8988FB6FC4}"/>
+              </a:ext>
+            </a:extLst>
+          </p:cNvPr>
+          <p:cNvGrpSpPr/>
+          <p:nvPr/>
+        </p:nvGrpSpPr>
+        <p:grpSpPr>
+          <a:xfrm>
+            <a:off x="5301383" y="308465"/>
+            <a:ext cx="1638871" cy="848061"/>
+            <a:chOff x="5301383" y="308465"/>
+            <a:chExt cx="1638871" cy="848061"/>
+          </a:xfrm>
+        </p:grpSpPr>
         <p:grpSp>
           <p:nvGrpSpPr>
-            <p:cNvPr id="151" name="Gruppieren 150">
+            <p:cNvPr id="148" name="Gruppieren 147">
               <a:extLst>
                 <a:ext uri="{FF2B5EF4-FFF2-40B4-BE49-F238E27FC236}">
-                  <a16:creationId xmlns:a16="http://schemas.microsoft.com/office/drawing/2014/main" id="{1E7F28FB-3857-4AD6-9475-67E24D9E80AE}"/>
+                  <a16:creationId xmlns:a16="http://schemas.microsoft.com/office/drawing/2014/main" id="{C35394DD-F1FA-44F7-88C3-979DE3491B61}"/>
                 </a:ext>
               </a:extLst>
             </p:cNvPr>
@@ -8063,34 +8063,35 @@
           </p:nvGrpSpPr>
           <p:grpSpPr>
             <a:xfrm>
-              <a:off x="1101012" y="1380932"/>
-              <a:ext cx="373224" cy="270586"/>
+              <a:off x="5301383" y="361128"/>
+              <a:ext cx="1638871" cy="795398"/>
               <a:chOff x="1101012" y="1380932"/>
-              <a:chExt cx="373224" cy="270586"/>
+              <a:chExt cx="1651519" cy="886408"/>
             </a:xfrm>
           </p:grpSpPr>
-          <p:cxnSp>
-            <p:nvCxnSpPr>
-              <p:cNvPr id="152" name="Gerader Verbinder 151">
+          <p:sp>
+            <p:nvSpPr>
+              <p:cNvPr id="149" name="Rechteck 148">
                 <a:extLst>
                   <a:ext uri="{FF2B5EF4-FFF2-40B4-BE49-F238E27FC236}">
-                    <a16:creationId xmlns:a16="http://schemas.microsoft.com/office/drawing/2014/main" id="{E1603160-8CFC-4F48-B8B7-5DCE245538E1}"/>
+                    <a16:creationId xmlns:a16="http://schemas.microsoft.com/office/drawing/2014/main" id="{F89CEAAB-E0E3-445D-A49E-65A5147155E5}"/>
                   </a:ext>
                 </a:extLst>
               </p:cNvPr>
-              <p:cNvCxnSpPr>
-                <a:cxnSpLocks/>
-              </p:cNvCxnSpPr>
+              <p:cNvSpPr/>
               <p:nvPr/>
-            </p:nvCxnSpPr>
+            </p:nvSpPr>
             <p:spPr>
               <a:xfrm>
-                <a:off x="1474236" y="1380932"/>
-                <a:ext cx="0" cy="270586"/>
+                <a:off x="1101012" y="1380932"/>
+                <a:ext cx="1651519" cy="886408"/>
               </a:xfrm>
-              <a:prstGeom prst="line">
+              <a:prstGeom prst="rect">
                 <a:avLst/>
               </a:prstGeom>
+              <a:solidFill>
+                <a:schemeClr val="bg1"/>
+              </a:solidFill>
               <a:ln w="12700">
                 <a:solidFill>
                   <a:schemeClr val="tx1"/>
@@ -8098,71 +8099,294 @@
               </a:ln>
             </p:spPr>
             <p:style>
-              <a:lnRef idx="1">
-                <a:schemeClr val="accent1"/>
+              <a:lnRef idx="2">
+                <a:schemeClr val="accent1">
+                  <a:shade val="50000"/>
+                </a:schemeClr>
               </a:lnRef>
-              <a:fillRef idx="0">
+              <a:fillRef idx="1">
                 <a:schemeClr val="accent1"/>
               </a:fillRef>
               <a:effectRef idx="0">
                 <a:schemeClr val="accent1"/>
               </a:effectRef>
               <a:fontRef idx="minor">
-                <a:schemeClr val="tx1"/>
+                <a:schemeClr val="lt1"/>
               </a:fontRef>
             </p:style>
-          </p:cxnSp>
-          <p:cxnSp>
-            <p:nvCxnSpPr>
-              <p:cNvPr id="153" name="Gerader Verbinder 152">
+            <p:txBody>
+              <a:bodyPr rtlCol="0" anchor="ctr"/>
+              <a:lstStyle/>
+              <a:p>
+                <a:pPr algn="ctr"/>
+                <a:r>
+                  <a:rPr lang="de-AT" sz="1600" dirty="0">
+                    <a:solidFill>
+                      <a:schemeClr val="tx1"/>
+                    </a:solidFill>
+                  </a:rPr>
+                  <a:t>Implementation</a:t>
+                </a:r>
+              </a:p>
+            </p:txBody>
+          </p:sp>
+          <p:grpSp>
+            <p:nvGrpSpPr>
+              <p:cNvPr id="150" name="Gruppieren 149">
                 <a:extLst>
                   <a:ext uri="{FF2B5EF4-FFF2-40B4-BE49-F238E27FC236}">
-                    <a16:creationId xmlns:a16="http://schemas.microsoft.com/office/drawing/2014/main" id="{2262F17C-2DED-4541-B86F-D30FBCF4CF6C}"/>
+                    <a16:creationId xmlns:a16="http://schemas.microsoft.com/office/drawing/2014/main" id="{B05FA634-4DBE-4B8B-920F-210EC2CB17FC}"/>
                   </a:ext>
                 </a:extLst>
               </p:cNvPr>
-              <p:cNvCxnSpPr>
-                <a:cxnSpLocks/>
-              </p:cNvCxnSpPr>
+              <p:cNvGrpSpPr/>
               <p:nvPr/>
-            </p:nvCxnSpPr>
-            <p:spPr>
+            </p:nvGrpSpPr>
+            <p:grpSpPr>
               <a:xfrm>
-                <a:off x="1101012" y="1651518"/>
-                <a:ext cx="373224" cy="0"/>
+                <a:off x="2379306" y="1380932"/>
+                <a:ext cx="373224" cy="270586"/>
+                <a:chOff x="2379306" y="1380932"/>
+                <a:chExt cx="373224" cy="270586"/>
               </a:xfrm>
-              <a:prstGeom prst="line">
-                <a:avLst/>
-              </a:prstGeom>
-              <a:ln w="12700">
-                <a:solidFill>
+            </p:grpSpPr>
+            <p:cxnSp>
+              <p:nvCxnSpPr>
+                <p:cNvPr id="154" name="Gerader Verbinder 153">
+                  <a:extLst>
+                    <a:ext uri="{FF2B5EF4-FFF2-40B4-BE49-F238E27FC236}">
+                      <a16:creationId xmlns:a16="http://schemas.microsoft.com/office/drawing/2014/main" id="{3C00D4F3-B0B8-408D-A414-17792DC621B3}"/>
+                    </a:ext>
+                  </a:extLst>
+                </p:cNvPr>
+                <p:cNvCxnSpPr>
+                  <a:cxnSpLocks/>
+                </p:cNvCxnSpPr>
+                <p:nvPr/>
+              </p:nvCxnSpPr>
+              <p:spPr>
+                <a:xfrm>
+                  <a:off x="2379306" y="1380932"/>
+                  <a:ext cx="0" cy="270586"/>
+                </a:xfrm>
+                <a:prstGeom prst="line">
+                  <a:avLst/>
+                </a:prstGeom>
+                <a:ln w="12700">
+                  <a:solidFill>
+                    <a:schemeClr val="tx1"/>
+                  </a:solidFill>
+                </a:ln>
+              </p:spPr>
+              <p:style>
+                <a:lnRef idx="1">
+                  <a:schemeClr val="accent1"/>
+                </a:lnRef>
+                <a:fillRef idx="0">
+                  <a:schemeClr val="accent1"/>
+                </a:fillRef>
+                <a:effectRef idx="0">
+                  <a:schemeClr val="accent1"/>
+                </a:effectRef>
+                <a:fontRef idx="minor">
                   <a:schemeClr val="tx1"/>
-                </a:solidFill>
-              </a:ln>
-            </p:spPr>
-            <p:style>
-              <a:lnRef idx="1">
-                <a:schemeClr val="accent1"/>
-              </a:lnRef>
-              <a:fillRef idx="0">
-                <a:schemeClr val="accent1"/>
-              </a:fillRef>
-              <a:effectRef idx="0">
-                <a:schemeClr val="accent1"/>
-              </a:effectRef>
-              <a:fontRef idx="minor">
-                <a:schemeClr val="tx1"/>
-              </a:fontRef>
-            </p:style>
-          </p:cxnSp>
+                </a:fontRef>
+              </p:style>
+            </p:cxnSp>
+            <p:cxnSp>
+              <p:nvCxnSpPr>
+                <p:cNvPr id="155" name="Gerader Verbinder 154">
+                  <a:extLst>
+                    <a:ext uri="{FF2B5EF4-FFF2-40B4-BE49-F238E27FC236}">
+                      <a16:creationId xmlns:a16="http://schemas.microsoft.com/office/drawing/2014/main" id="{4E093B7F-5161-486D-830F-68194665F9FA}"/>
+                    </a:ext>
+                  </a:extLst>
+                </p:cNvPr>
+                <p:cNvCxnSpPr>
+                  <a:cxnSpLocks/>
+                </p:cNvCxnSpPr>
+                <p:nvPr/>
+              </p:nvCxnSpPr>
+              <p:spPr>
+                <a:xfrm>
+                  <a:off x="2379306" y="1651518"/>
+                  <a:ext cx="373224" cy="0"/>
+                </a:xfrm>
+                <a:prstGeom prst="line">
+                  <a:avLst/>
+                </a:prstGeom>
+                <a:ln w="12700">
+                  <a:solidFill>
+                    <a:schemeClr val="tx1"/>
+                  </a:solidFill>
+                </a:ln>
+              </p:spPr>
+              <p:style>
+                <a:lnRef idx="1">
+                  <a:schemeClr val="accent1"/>
+                </a:lnRef>
+                <a:fillRef idx="0">
+                  <a:schemeClr val="accent1"/>
+                </a:fillRef>
+                <a:effectRef idx="0">
+                  <a:schemeClr val="accent1"/>
+                </a:effectRef>
+                <a:fontRef idx="minor">
+                  <a:schemeClr val="tx1"/>
+                </a:fontRef>
+              </p:style>
+            </p:cxnSp>
+          </p:grpSp>
+          <p:grpSp>
+            <p:nvGrpSpPr>
+              <p:cNvPr id="151" name="Gruppieren 150">
+                <a:extLst>
+                  <a:ext uri="{FF2B5EF4-FFF2-40B4-BE49-F238E27FC236}">
+                    <a16:creationId xmlns:a16="http://schemas.microsoft.com/office/drawing/2014/main" id="{1E7F28FB-3857-4AD6-9475-67E24D9E80AE}"/>
+                  </a:ext>
+                </a:extLst>
+              </p:cNvPr>
+              <p:cNvGrpSpPr/>
+              <p:nvPr/>
+            </p:nvGrpSpPr>
+            <p:grpSpPr>
+              <a:xfrm>
+                <a:off x="1101012" y="1380932"/>
+                <a:ext cx="373224" cy="270586"/>
+                <a:chOff x="1101012" y="1380932"/>
+                <a:chExt cx="373224" cy="270586"/>
+              </a:xfrm>
+            </p:grpSpPr>
+            <p:cxnSp>
+              <p:nvCxnSpPr>
+                <p:cNvPr id="152" name="Gerader Verbinder 151">
+                  <a:extLst>
+                    <a:ext uri="{FF2B5EF4-FFF2-40B4-BE49-F238E27FC236}">
+                      <a16:creationId xmlns:a16="http://schemas.microsoft.com/office/drawing/2014/main" id="{E1603160-8CFC-4F48-B8B7-5DCE245538E1}"/>
+                    </a:ext>
+                  </a:extLst>
+                </p:cNvPr>
+                <p:cNvCxnSpPr>
+                  <a:cxnSpLocks/>
+                </p:cNvCxnSpPr>
+                <p:nvPr/>
+              </p:nvCxnSpPr>
+              <p:spPr>
+                <a:xfrm>
+                  <a:off x="1474236" y="1380932"/>
+                  <a:ext cx="0" cy="270586"/>
+                </a:xfrm>
+                <a:prstGeom prst="line">
+                  <a:avLst/>
+                </a:prstGeom>
+                <a:ln w="12700">
+                  <a:solidFill>
+                    <a:schemeClr val="tx1"/>
+                  </a:solidFill>
+                </a:ln>
+              </p:spPr>
+              <p:style>
+                <a:lnRef idx="1">
+                  <a:schemeClr val="accent1"/>
+                </a:lnRef>
+                <a:fillRef idx="0">
+                  <a:schemeClr val="accent1"/>
+                </a:fillRef>
+                <a:effectRef idx="0">
+                  <a:schemeClr val="accent1"/>
+                </a:effectRef>
+                <a:fontRef idx="minor">
+                  <a:schemeClr val="tx1"/>
+                </a:fontRef>
+              </p:style>
+            </p:cxnSp>
+            <p:cxnSp>
+              <p:nvCxnSpPr>
+                <p:cNvPr id="153" name="Gerader Verbinder 152">
+                  <a:extLst>
+                    <a:ext uri="{FF2B5EF4-FFF2-40B4-BE49-F238E27FC236}">
+                      <a16:creationId xmlns:a16="http://schemas.microsoft.com/office/drawing/2014/main" id="{2262F17C-2DED-4541-B86F-D30FBCF4CF6C}"/>
+                    </a:ext>
+                  </a:extLst>
+                </p:cNvPr>
+                <p:cNvCxnSpPr>
+                  <a:cxnSpLocks/>
+                </p:cNvCxnSpPr>
+                <p:nvPr/>
+              </p:nvCxnSpPr>
+              <p:spPr>
+                <a:xfrm>
+                  <a:off x="1101012" y="1651518"/>
+                  <a:ext cx="373224" cy="0"/>
+                </a:xfrm>
+                <a:prstGeom prst="line">
+                  <a:avLst/>
+                </a:prstGeom>
+                <a:ln w="12700">
+                  <a:solidFill>
+                    <a:schemeClr val="tx1"/>
+                  </a:solidFill>
+                </a:ln>
+              </p:spPr>
+              <p:style>
+                <a:lnRef idx="1">
+                  <a:schemeClr val="accent1"/>
+                </a:lnRef>
+                <a:fillRef idx="0">
+                  <a:schemeClr val="accent1"/>
+                </a:fillRef>
+                <a:effectRef idx="0">
+                  <a:schemeClr val="accent1"/>
+                </a:effectRef>
+                <a:fontRef idx="minor">
+                  <a:schemeClr val="tx1"/>
+                </a:fontRef>
+              </p:style>
+            </p:cxnSp>
+          </p:grpSp>
         </p:grpSp>
+        <p:sp>
+          <p:nvSpPr>
+            <p:cNvPr id="182" name="Textfeld 181">
+              <a:extLst>
+                <a:ext uri="{FF2B5EF4-FFF2-40B4-BE49-F238E27FC236}">
+                  <a16:creationId xmlns:a16="http://schemas.microsoft.com/office/drawing/2014/main" id="{CD19758D-2ED2-41EE-AAB3-8A7926EDB8B4}"/>
+                </a:ext>
+              </a:extLst>
+            </p:cNvPr>
+            <p:cNvSpPr txBox="1"/>
+            <p:nvPr/>
+          </p:nvSpPr>
+          <p:spPr>
+            <a:xfrm>
+              <a:off x="5335723" y="308465"/>
+              <a:ext cx="359394" cy="369332"/>
+            </a:xfrm>
+            <a:prstGeom prst="rect">
+              <a:avLst/>
+            </a:prstGeom>
+            <a:noFill/>
+          </p:spPr>
+          <p:txBody>
+            <a:bodyPr wrap="none" rtlCol="0">
+              <a:spAutoFit/>
+            </a:bodyPr>
+            <a:lstStyle/>
+            <a:p>
+              <a:r>
+                <a:rPr lang="de-AT" dirty="0"/>
+                <a:t>4.</a:t>
+              </a:r>
+            </a:p>
+          </p:txBody>
+        </p:sp>
       </p:grpSp>
       <p:grpSp>
         <p:nvGrpSpPr>
-          <p:cNvPr id="156" name="Gruppieren 155">
+          <p:cNvPr id="58" name="Gruppieren 57">
             <a:extLst>
               <a:ext uri="{FF2B5EF4-FFF2-40B4-BE49-F238E27FC236}">
-                <a16:creationId xmlns:a16="http://schemas.microsoft.com/office/drawing/2014/main" id="{8A93F963-8051-4C75-BDCD-5FF399301863}"/>
+                <a16:creationId xmlns:a16="http://schemas.microsoft.com/office/drawing/2014/main" id="{F677113D-563C-492E-8848-81AC2E39E770}"/>
               </a:ext>
             </a:extLst>
           </p:cNvPr>
@@ -8171,84 +8395,18 @@
         </p:nvGrpSpPr>
         <p:grpSpPr>
           <a:xfrm>
-            <a:off x="7018954" y="833068"/>
-            <a:ext cx="1638871" cy="795398"/>
-            <a:chOff x="1101012" y="1380932"/>
-            <a:chExt cx="1651519" cy="886408"/>
+            <a:off x="7018954" y="297864"/>
+            <a:ext cx="1638871" cy="858662"/>
+            <a:chOff x="7018954" y="297864"/>
+            <a:chExt cx="1638871" cy="858662"/>
           </a:xfrm>
         </p:grpSpPr>
-        <p:sp>
-          <p:nvSpPr>
-            <p:cNvPr id="157" name="Rechteck 156">
+        <p:grpSp>
+          <p:nvGrpSpPr>
+            <p:cNvPr id="156" name="Gruppieren 155">
               <a:extLst>
                 <a:ext uri="{FF2B5EF4-FFF2-40B4-BE49-F238E27FC236}">
-                  <a16:creationId xmlns:a16="http://schemas.microsoft.com/office/drawing/2014/main" id="{90B5128D-6B41-447D-87D0-FBB8F6F38AFA}"/>
-                </a:ext>
-              </a:extLst>
-            </p:cNvPr>
-            <p:cNvSpPr/>
-            <p:nvPr/>
-          </p:nvSpPr>
-          <p:spPr>
-            <a:xfrm>
-              <a:off x="1101012" y="1380932"/>
-              <a:ext cx="1651519" cy="886408"/>
-            </a:xfrm>
-            <a:prstGeom prst="rect">
-              <a:avLst/>
-            </a:prstGeom>
-            <a:solidFill>
-              <a:schemeClr val="bg1"/>
-            </a:solidFill>
-            <a:ln w="12700">
-              <a:solidFill>
-                <a:schemeClr val="tx1"/>
-              </a:solidFill>
-            </a:ln>
-          </p:spPr>
-          <p:style>
-            <a:lnRef idx="2">
-              <a:schemeClr val="accent1">
-                <a:shade val="50000"/>
-              </a:schemeClr>
-            </a:lnRef>
-            <a:fillRef idx="1">
-              <a:schemeClr val="accent1"/>
-            </a:fillRef>
-            <a:effectRef idx="0">
-              <a:schemeClr val="accent1"/>
-            </a:effectRef>
-            <a:fontRef idx="minor">
-              <a:schemeClr val="lt1"/>
-            </a:fontRef>
-          </p:style>
-          <p:txBody>
-            <a:bodyPr rtlCol="0" anchor="ctr"/>
-            <a:lstStyle/>
-            <a:p>
-              <a:pPr algn="ctr"/>
-              <a:r>
-                <a:rPr lang="de-AT" sz="1600" dirty="0" err="1">
-                  <a:solidFill>
-                    <a:schemeClr val="tx1"/>
-                  </a:solidFill>
-                </a:rPr>
-                <a:t>Testing</a:t>
-              </a:r>
-              <a:endParaRPr lang="de-AT" sz="1600" dirty="0">
-                <a:solidFill>
-                  <a:schemeClr val="tx1"/>
-                </a:solidFill>
-              </a:endParaRPr>
-            </a:p>
-          </p:txBody>
-        </p:sp>
-        <p:grpSp>
-          <p:nvGrpSpPr>
-            <p:cNvPr id="158" name="Gruppieren 157">
-              <a:extLst>
-                <a:ext uri="{FF2B5EF4-FFF2-40B4-BE49-F238E27FC236}">
-                  <a16:creationId xmlns:a16="http://schemas.microsoft.com/office/drawing/2014/main" id="{90C5D4CC-74C0-4B31-A801-1B57FDA30DC5}"/>
+                  <a16:creationId xmlns:a16="http://schemas.microsoft.com/office/drawing/2014/main" id="{8A93F963-8051-4C75-BDCD-5FF399301863}"/>
                 </a:ext>
               </a:extLst>
             </p:cNvPr>
@@ -8257,34 +8415,35 @@
           </p:nvGrpSpPr>
           <p:grpSpPr>
             <a:xfrm>
-              <a:off x="2379306" y="1380932"/>
-              <a:ext cx="373224" cy="270586"/>
-              <a:chOff x="2379306" y="1380932"/>
-              <a:chExt cx="373224" cy="270586"/>
+              <a:off x="7018954" y="361128"/>
+              <a:ext cx="1638871" cy="795398"/>
+              <a:chOff x="1101012" y="1380932"/>
+              <a:chExt cx="1651519" cy="886408"/>
             </a:xfrm>
           </p:grpSpPr>
-          <p:cxnSp>
-            <p:nvCxnSpPr>
-              <p:cNvPr id="162" name="Gerader Verbinder 161">
+          <p:sp>
+            <p:nvSpPr>
+              <p:cNvPr id="157" name="Rechteck 156">
                 <a:extLst>
                   <a:ext uri="{FF2B5EF4-FFF2-40B4-BE49-F238E27FC236}">
-                    <a16:creationId xmlns:a16="http://schemas.microsoft.com/office/drawing/2014/main" id="{A1F5DD9E-A379-4565-BEB0-87A4A11B9334}"/>
+                    <a16:creationId xmlns:a16="http://schemas.microsoft.com/office/drawing/2014/main" id="{90B5128D-6B41-447D-87D0-FBB8F6F38AFA}"/>
                   </a:ext>
                 </a:extLst>
               </p:cNvPr>
-              <p:cNvCxnSpPr>
-                <a:cxnSpLocks/>
-              </p:cNvCxnSpPr>
+              <p:cNvSpPr/>
               <p:nvPr/>
-            </p:nvCxnSpPr>
+            </p:nvSpPr>
             <p:spPr>
               <a:xfrm>
-                <a:off x="2379306" y="1380932"/>
-                <a:ext cx="0" cy="270586"/>
+                <a:off x="1101012" y="1380932"/>
+                <a:ext cx="1651519" cy="886408"/>
               </a:xfrm>
-              <a:prstGeom prst="line">
+              <a:prstGeom prst="rect">
                 <a:avLst/>
               </a:prstGeom>
+              <a:solidFill>
+                <a:schemeClr val="bg1"/>
+              </a:solidFill>
               <a:ln w="12700">
                 <a:solidFill>
                   <a:schemeClr val="tx1"/>
@@ -8292,70 +8451,319 @@
               </a:ln>
             </p:spPr>
             <p:style>
-              <a:lnRef idx="1">
-                <a:schemeClr val="accent1"/>
+              <a:lnRef idx="2">
+                <a:schemeClr val="accent1">
+                  <a:shade val="50000"/>
+                </a:schemeClr>
               </a:lnRef>
-              <a:fillRef idx="0">
+              <a:fillRef idx="1">
                 <a:schemeClr val="accent1"/>
               </a:fillRef>
               <a:effectRef idx="0">
                 <a:schemeClr val="accent1"/>
               </a:effectRef>
               <a:fontRef idx="minor">
-                <a:schemeClr val="tx1"/>
+                <a:schemeClr val="lt1"/>
               </a:fontRef>
             </p:style>
-          </p:cxnSp>
-          <p:cxnSp>
-            <p:nvCxnSpPr>
-              <p:cNvPr id="163" name="Gerader Verbinder 162">
+            <p:txBody>
+              <a:bodyPr rtlCol="0" anchor="ctr"/>
+              <a:lstStyle/>
+              <a:p>
+                <a:pPr algn="ctr"/>
+                <a:r>
+                  <a:rPr lang="de-AT" sz="1600" dirty="0" err="1">
+                    <a:solidFill>
+                      <a:schemeClr val="tx1"/>
+                    </a:solidFill>
+                  </a:rPr>
+                  <a:t>Testing</a:t>
+                </a:r>
+                <a:endParaRPr lang="de-AT" sz="1600" dirty="0">
+                  <a:solidFill>
+                    <a:schemeClr val="tx1"/>
+                  </a:solidFill>
+                </a:endParaRPr>
+              </a:p>
+            </p:txBody>
+          </p:sp>
+          <p:grpSp>
+            <p:nvGrpSpPr>
+              <p:cNvPr id="158" name="Gruppieren 157">
                 <a:extLst>
                   <a:ext uri="{FF2B5EF4-FFF2-40B4-BE49-F238E27FC236}">
-                    <a16:creationId xmlns:a16="http://schemas.microsoft.com/office/drawing/2014/main" id="{DD99B3AF-6B58-4EBE-A34A-2C750A8581A9}"/>
+                    <a16:creationId xmlns:a16="http://schemas.microsoft.com/office/drawing/2014/main" id="{90C5D4CC-74C0-4B31-A801-1B57FDA30DC5}"/>
                   </a:ext>
                 </a:extLst>
               </p:cNvPr>
-              <p:cNvCxnSpPr>
-                <a:cxnSpLocks/>
-              </p:cNvCxnSpPr>
+              <p:cNvGrpSpPr/>
               <p:nvPr/>
-            </p:nvCxnSpPr>
-            <p:spPr>
+            </p:nvGrpSpPr>
+            <p:grpSpPr>
               <a:xfrm>
-                <a:off x="2379306" y="1651518"/>
-                <a:ext cx="373224" cy="0"/>
+                <a:off x="2379306" y="1380932"/>
+                <a:ext cx="373224" cy="270586"/>
+                <a:chOff x="2379306" y="1380932"/>
+                <a:chExt cx="373224" cy="270586"/>
               </a:xfrm>
-              <a:prstGeom prst="line">
-                <a:avLst/>
-              </a:prstGeom>
-              <a:ln w="12700">
-                <a:solidFill>
+            </p:grpSpPr>
+            <p:cxnSp>
+              <p:nvCxnSpPr>
+                <p:cNvPr id="162" name="Gerader Verbinder 161">
+                  <a:extLst>
+                    <a:ext uri="{FF2B5EF4-FFF2-40B4-BE49-F238E27FC236}">
+                      <a16:creationId xmlns:a16="http://schemas.microsoft.com/office/drawing/2014/main" id="{A1F5DD9E-A379-4565-BEB0-87A4A11B9334}"/>
+                    </a:ext>
+                  </a:extLst>
+                </p:cNvPr>
+                <p:cNvCxnSpPr>
+                  <a:cxnSpLocks/>
+                </p:cNvCxnSpPr>
+                <p:nvPr/>
+              </p:nvCxnSpPr>
+              <p:spPr>
+                <a:xfrm>
+                  <a:off x="2379306" y="1380932"/>
+                  <a:ext cx="0" cy="270586"/>
+                </a:xfrm>
+                <a:prstGeom prst="line">
+                  <a:avLst/>
+                </a:prstGeom>
+                <a:ln w="12700">
+                  <a:solidFill>
+                    <a:schemeClr val="tx1"/>
+                  </a:solidFill>
+                </a:ln>
+              </p:spPr>
+              <p:style>
+                <a:lnRef idx="1">
+                  <a:schemeClr val="accent1"/>
+                </a:lnRef>
+                <a:fillRef idx="0">
+                  <a:schemeClr val="accent1"/>
+                </a:fillRef>
+                <a:effectRef idx="0">
+                  <a:schemeClr val="accent1"/>
+                </a:effectRef>
+                <a:fontRef idx="minor">
                   <a:schemeClr val="tx1"/>
-                </a:solidFill>
-              </a:ln>
-            </p:spPr>
-            <p:style>
-              <a:lnRef idx="1">
-                <a:schemeClr val="accent1"/>
-              </a:lnRef>
-              <a:fillRef idx="0">
-                <a:schemeClr val="accent1"/>
-              </a:fillRef>
-              <a:effectRef idx="0">
-                <a:schemeClr val="accent1"/>
-              </a:effectRef>
-              <a:fontRef idx="minor">
-                <a:schemeClr val="tx1"/>
-              </a:fontRef>
-            </p:style>
-          </p:cxnSp>
+                </a:fontRef>
+              </p:style>
+            </p:cxnSp>
+            <p:cxnSp>
+              <p:nvCxnSpPr>
+                <p:cNvPr id="163" name="Gerader Verbinder 162">
+                  <a:extLst>
+                    <a:ext uri="{FF2B5EF4-FFF2-40B4-BE49-F238E27FC236}">
+                      <a16:creationId xmlns:a16="http://schemas.microsoft.com/office/drawing/2014/main" id="{DD99B3AF-6B58-4EBE-A34A-2C750A8581A9}"/>
+                    </a:ext>
+                  </a:extLst>
+                </p:cNvPr>
+                <p:cNvCxnSpPr>
+                  <a:cxnSpLocks/>
+                </p:cNvCxnSpPr>
+                <p:nvPr/>
+              </p:nvCxnSpPr>
+              <p:spPr>
+                <a:xfrm>
+                  <a:off x="2379306" y="1651518"/>
+                  <a:ext cx="373224" cy="0"/>
+                </a:xfrm>
+                <a:prstGeom prst="line">
+                  <a:avLst/>
+                </a:prstGeom>
+                <a:ln w="12700">
+                  <a:solidFill>
+                    <a:schemeClr val="tx1"/>
+                  </a:solidFill>
+                </a:ln>
+              </p:spPr>
+              <p:style>
+                <a:lnRef idx="1">
+                  <a:schemeClr val="accent1"/>
+                </a:lnRef>
+                <a:fillRef idx="0">
+                  <a:schemeClr val="accent1"/>
+                </a:fillRef>
+                <a:effectRef idx="0">
+                  <a:schemeClr val="accent1"/>
+                </a:effectRef>
+                <a:fontRef idx="minor">
+                  <a:schemeClr val="tx1"/>
+                </a:fontRef>
+              </p:style>
+            </p:cxnSp>
+          </p:grpSp>
+          <p:grpSp>
+            <p:nvGrpSpPr>
+              <p:cNvPr id="159" name="Gruppieren 158">
+                <a:extLst>
+                  <a:ext uri="{FF2B5EF4-FFF2-40B4-BE49-F238E27FC236}">
+                    <a16:creationId xmlns:a16="http://schemas.microsoft.com/office/drawing/2014/main" id="{FB00E0B6-C17F-41C6-8216-A8ECC13EDE11}"/>
+                  </a:ext>
+                </a:extLst>
+              </p:cNvPr>
+              <p:cNvGrpSpPr/>
+              <p:nvPr/>
+            </p:nvGrpSpPr>
+            <p:grpSpPr>
+              <a:xfrm>
+                <a:off x="1101012" y="1380932"/>
+                <a:ext cx="373224" cy="270586"/>
+                <a:chOff x="1101012" y="1380932"/>
+                <a:chExt cx="373224" cy="270586"/>
+              </a:xfrm>
+            </p:grpSpPr>
+            <p:cxnSp>
+              <p:nvCxnSpPr>
+                <p:cNvPr id="160" name="Gerader Verbinder 159">
+                  <a:extLst>
+                    <a:ext uri="{FF2B5EF4-FFF2-40B4-BE49-F238E27FC236}">
+                      <a16:creationId xmlns:a16="http://schemas.microsoft.com/office/drawing/2014/main" id="{AFF1F9B8-C0E3-4A46-9534-270BE562B006}"/>
+                    </a:ext>
+                  </a:extLst>
+                </p:cNvPr>
+                <p:cNvCxnSpPr>
+                  <a:cxnSpLocks/>
+                </p:cNvCxnSpPr>
+                <p:nvPr/>
+              </p:nvCxnSpPr>
+              <p:spPr>
+                <a:xfrm>
+                  <a:off x="1474236" y="1380932"/>
+                  <a:ext cx="0" cy="270586"/>
+                </a:xfrm>
+                <a:prstGeom prst="line">
+                  <a:avLst/>
+                </a:prstGeom>
+                <a:ln w="12700">
+                  <a:solidFill>
+                    <a:schemeClr val="tx1"/>
+                  </a:solidFill>
+                </a:ln>
+              </p:spPr>
+              <p:style>
+                <a:lnRef idx="1">
+                  <a:schemeClr val="accent1"/>
+                </a:lnRef>
+                <a:fillRef idx="0">
+                  <a:schemeClr val="accent1"/>
+                </a:fillRef>
+                <a:effectRef idx="0">
+                  <a:schemeClr val="accent1"/>
+                </a:effectRef>
+                <a:fontRef idx="minor">
+                  <a:schemeClr val="tx1"/>
+                </a:fontRef>
+              </p:style>
+            </p:cxnSp>
+            <p:cxnSp>
+              <p:nvCxnSpPr>
+                <p:cNvPr id="161" name="Gerader Verbinder 160">
+                  <a:extLst>
+                    <a:ext uri="{FF2B5EF4-FFF2-40B4-BE49-F238E27FC236}">
+                      <a16:creationId xmlns:a16="http://schemas.microsoft.com/office/drawing/2014/main" id="{C4BC360F-44C7-4680-9D8D-3779DE14CE5C}"/>
+                    </a:ext>
+                  </a:extLst>
+                </p:cNvPr>
+                <p:cNvCxnSpPr>
+                  <a:cxnSpLocks/>
+                </p:cNvCxnSpPr>
+                <p:nvPr/>
+              </p:nvCxnSpPr>
+              <p:spPr>
+                <a:xfrm>
+                  <a:off x="1101012" y="1651518"/>
+                  <a:ext cx="373224" cy="0"/>
+                </a:xfrm>
+                <a:prstGeom prst="line">
+                  <a:avLst/>
+                </a:prstGeom>
+                <a:ln w="12700">
+                  <a:solidFill>
+                    <a:schemeClr val="tx1"/>
+                  </a:solidFill>
+                </a:ln>
+              </p:spPr>
+              <p:style>
+                <a:lnRef idx="1">
+                  <a:schemeClr val="accent1"/>
+                </a:lnRef>
+                <a:fillRef idx="0">
+                  <a:schemeClr val="accent1"/>
+                </a:fillRef>
+                <a:effectRef idx="0">
+                  <a:schemeClr val="accent1"/>
+                </a:effectRef>
+                <a:fontRef idx="minor">
+                  <a:schemeClr val="tx1"/>
+                </a:fontRef>
+              </p:style>
+            </p:cxnSp>
+          </p:grpSp>
         </p:grpSp>
+        <p:sp>
+          <p:nvSpPr>
+            <p:cNvPr id="183" name="Textfeld 182">
+              <a:extLst>
+                <a:ext uri="{FF2B5EF4-FFF2-40B4-BE49-F238E27FC236}">
+                  <a16:creationId xmlns:a16="http://schemas.microsoft.com/office/drawing/2014/main" id="{5C6A8113-7401-4709-BDB3-36370ED1D7F7}"/>
+                </a:ext>
+              </a:extLst>
+            </p:cNvPr>
+            <p:cNvSpPr txBox="1"/>
+            <p:nvPr/>
+          </p:nvSpPr>
+          <p:spPr>
+            <a:xfrm>
+              <a:off x="7049215" y="297864"/>
+              <a:ext cx="359394" cy="369332"/>
+            </a:xfrm>
+            <a:prstGeom prst="rect">
+              <a:avLst/>
+            </a:prstGeom>
+            <a:noFill/>
+          </p:spPr>
+          <p:txBody>
+            <a:bodyPr wrap="none" rtlCol="0">
+              <a:spAutoFit/>
+            </a:bodyPr>
+            <a:lstStyle/>
+            <a:p>
+              <a:r>
+                <a:rPr lang="de-AT" dirty="0"/>
+                <a:t>5.</a:t>
+              </a:r>
+            </a:p>
+          </p:txBody>
+        </p:sp>
+      </p:grpSp>
+      <p:grpSp>
+        <p:nvGrpSpPr>
+          <p:cNvPr id="60" name="Gruppieren 59">
+            <a:extLst>
+              <a:ext uri="{FF2B5EF4-FFF2-40B4-BE49-F238E27FC236}">
+                <a16:creationId xmlns:a16="http://schemas.microsoft.com/office/drawing/2014/main" id="{4D4F8B5D-C09A-410F-990E-FFDD8E626FD0}"/>
+              </a:ext>
+            </a:extLst>
+          </p:cNvPr>
+          <p:cNvGrpSpPr/>
+          <p:nvPr/>
+        </p:nvGrpSpPr>
+        <p:grpSpPr>
+          <a:xfrm>
+            <a:off x="8736525" y="297730"/>
+            <a:ext cx="1638871" cy="858796"/>
+            <a:chOff x="8736525" y="297730"/>
+            <a:chExt cx="1638871" cy="858796"/>
+          </a:xfrm>
+        </p:grpSpPr>
         <p:grpSp>
           <p:nvGrpSpPr>
-            <p:cNvPr id="159" name="Gruppieren 158">
+            <p:cNvPr id="164" name="Gruppieren 163">
               <a:extLst>
                 <a:ext uri="{FF2B5EF4-FFF2-40B4-BE49-F238E27FC236}">
-                  <a16:creationId xmlns:a16="http://schemas.microsoft.com/office/drawing/2014/main" id="{FB00E0B6-C17F-41C6-8216-A8ECC13EDE11}"/>
+                  <a16:creationId xmlns:a16="http://schemas.microsoft.com/office/drawing/2014/main" id="{76CD7008-C428-473D-BCF2-8685BF29C302}"/>
                 </a:ext>
               </a:extLst>
             </p:cNvPr>
@@ -8364,34 +8772,35 @@
           </p:nvGrpSpPr>
           <p:grpSpPr>
             <a:xfrm>
-              <a:off x="1101012" y="1380932"/>
-              <a:ext cx="373224" cy="270586"/>
+              <a:off x="8736525" y="361128"/>
+              <a:ext cx="1638871" cy="795398"/>
               <a:chOff x="1101012" y="1380932"/>
-              <a:chExt cx="373224" cy="270586"/>
+              <a:chExt cx="1651519" cy="886408"/>
             </a:xfrm>
           </p:grpSpPr>
-          <p:cxnSp>
-            <p:nvCxnSpPr>
-              <p:cNvPr id="160" name="Gerader Verbinder 159">
+          <p:sp>
+            <p:nvSpPr>
+              <p:cNvPr id="165" name="Rechteck 164">
                 <a:extLst>
                   <a:ext uri="{FF2B5EF4-FFF2-40B4-BE49-F238E27FC236}">
-                    <a16:creationId xmlns:a16="http://schemas.microsoft.com/office/drawing/2014/main" id="{AFF1F9B8-C0E3-4A46-9534-270BE562B006}"/>
+                    <a16:creationId xmlns:a16="http://schemas.microsoft.com/office/drawing/2014/main" id="{E07FCFB1-1610-4AB1-AC12-18D7FC50F749}"/>
                   </a:ext>
                 </a:extLst>
               </p:cNvPr>
-              <p:cNvCxnSpPr>
-                <a:cxnSpLocks/>
-              </p:cNvCxnSpPr>
+              <p:cNvSpPr/>
               <p:nvPr/>
-            </p:nvCxnSpPr>
+            </p:nvSpPr>
             <p:spPr>
               <a:xfrm>
-                <a:off x="1474236" y="1380932"/>
-                <a:ext cx="0" cy="270586"/>
+                <a:off x="1101012" y="1380932"/>
+                <a:ext cx="1651519" cy="886408"/>
               </a:xfrm>
-              <a:prstGeom prst="line">
+              <a:prstGeom prst="rect">
                 <a:avLst/>
               </a:prstGeom>
+              <a:solidFill>
+                <a:schemeClr val="bg1"/>
+              </a:solidFill>
               <a:ln w="12700">
                 <a:solidFill>
                   <a:schemeClr val="tx1"/>
@@ -8399,71 +8808,299 @@
               </a:ln>
             </p:spPr>
             <p:style>
-              <a:lnRef idx="1">
-                <a:schemeClr val="accent1"/>
+              <a:lnRef idx="2">
+                <a:schemeClr val="accent1">
+                  <a:shade val="50000"/>
+                </a:schemeClr>
               </a:lnRef>
-              <a:fillRef idx="0">
+              <a:fillRef idx="1">
                 <a:schemeClr val="accent1"/>
               </a:fillRef>
               <a:effectRef idx="0">
                 <a:schemeClr val="accent1"/>
               </a:effectRef>
               <a:fontRef idx="minor">
-                <a:schemeClr val="tx1"/>
+                <a:schemeClr val="lt1"/>
               </a:fontRef>
             </p:style>
-          </p:cxnSp>
-          <p:cxnSp>
-            <p:nvCxnSpPr>
-              <p:cNvPr id="161" name="Gerader Verbinder 160">
+            <p:txBody>
+              <a:bodyPr rtlCol="0" anchor="ctr"/>
+              <a:lstStyle/>
+              <a:p>
+                <a:pPr algn="ctr"/>
+                <a:r>
+                  <a:rPr lang="de-AT" sz="1600" dirty="0" err="1">
+                    <a:solidFill>
+                      <a:schemeClr val="tx1"/>
+                    </a:solidFill>
+                  </a:rPr>
+                  <a:t>Approval</a:t>
+                </a:r>
+                <a:endParaRPr lang="de-AT" sz="1600" dirty="0">
+                  <a:solidFill>
+                    <a:schemeClr val="tx1"/>
+                  </a:solidFill>
+                </a:endParaRPr>
+              </a:p>
+            </p:txBody>
+          </p:sp>
+          <p:grpSp>
+            <p:nvGrpSpPr>
+              <p:cNvPr id="166" name="Gruppieren 165">
                 <a:extLst>
                   <a:ext uri="{FF2B5EF4-FFF2-40B4-BE49-F238E27FC236}">
-                    <a16:creationId xmlns:a16="http://schemas.microsoft.com/office/drawing/2014/main" id="{C4BC360F-44C7-4680-9D8D-3779DE14CE5C}"/>
+                    <a16:creationId xmlns:a16="http://schemas.microsoft.com/office/drawing/2014/main" id="{B8379CEB-BF11-40E7-8C5D-41BF4ECFFAE6}"/>
                   </a:ext>
                 </a:extLst>
               </p:cNvPr>
-              <p:cNvCxnSpPr>
-                <a:cxnSpLocks/>
-              </p:cNvCxnSpPr>
+              <p:cNvGrpSpPr/>
               <p:nvPr/>
-            </p:nvCxnSpPr>
-            <p:spPr>
+            </p:nvGrpSpPr>
+            <p:grpSpPr>
               <a:xfrm>
-                <a:off x="1101012" y="1651518"/>
-                <a:ext cx="373224" cy="0"/>
+                <a:off x="2379306" y="1380932"/>
+                <a:ext cx="373224" cy="270586"/>
+                <a:chOff x="2379306" y="1380932"/>
+                <a:chExt cx="373224" cy="270586"/>
               </a:xfrm>
-              <a:prstGeom prst="line">
-                <a:avLst/>
-              </a:prstGeom>
-              <a:ln w="12700">
-                <a:solidFill>
+            </p:grpSpPr>
+            <p:cxnSp>
+              <p:nvCxnSpPr>
+                <p:cNvPr id="170" name="Gerader Verbinder 169">
+                  <a:extLst>
+                    <a:ext uri="{FF2B5EF4-FFF2-40B4-BE49-F238E27FC236}">
+                      <a16:creationId xmlns:a16="http://schemas.microsoft.com/office/drawing/2014/main" id="{3557F4A6-BE37-4597-A33D-500A3EA5C53B}"/>
+                    </a:ext>
+                  </a:extLst>
+                </p:cNvPr>
+                <p:cNvCxnSpPr>
+                  <a:cxnSpLocks/>
+                </p:cNvCxnSpPr>
+                <p:nvPr/>
+              </p:nvCxnSpPr>
+              <p:spPr>
+                <a:xfrm>
+                  <a:off x="2379306" y="1380932"/>
+                  <a:ext cx="0" cy="270586"/>
+                </a:xfrm>
+                <a:prstGeom prst="line">
+                  <a:avLst/>
+                </a:prstGeom>
+                <a:ln w="12700">
+                  <a:solidFill>
+                    <a:schemeClr val="tx1"/>
+                  </a:solidFill>
+                </a:ln>
+              </p:spPr>
+              <p:style>
+                <a:lnRef idx="1">
+                  <a:schemeClr val="accent1"/>
+                </a:lnRef>
+                <a:fillRef idx="0">
+                  <a:schemeClr val="accent1"/>
+                </a:fillRef>
+                <a:effectRef idx="0">
+                  <a:schemeClr val="accent1"/>
+                </a:effectRef>
+                <a:fontRef idx="minor">
                   <a:schemeClr val="tx1"/>
-                </a:solidFill>
-              </a:ln>
-            </p:spPr>
-            <p:style>
-              <a:lnRef idx="1">
-                <a:schemeClr val="accent1"/>
-              </a:lnRef>
-              <a:fillRef idx="0">
-                <a:schemeClr val="accent1"/>
-              </a:fillRef>
-              <a:effectRef idx="0">
-                <a:schemeClr val="accent1"/>
-              </a:effectRef>
-              <a:fontRef idx="minor">
-                <a:schemeClr val="tx1"/>
-              </a:fontRef>
-            </p:style>
-          </p:cxnSp>
+                </a:fontRef>
+              </p:style>
+            </p:cxnSp>
+            <p:cxnSp>
+              <p:nvCxnSpPr>
+                <p:cNvPr id="171" name="Gerader Verbinder 170">
+                  <a:extLst>
+                    <a:ext uri="{FF2B5EF4-FFF2-40B4-BE49-F238E27FC236}">
+                      <a16:creationId xmlns:a16="http://schemas.microsoft.com/office/drawing/2014/main" id="{94D5EEDA-55BD-41FB-B1CA-DE0E601D4645}"/>
+                    </a:ext>
+                  </a:extLst>
+                </p:cNvPr>
+                <p:cNvCxnSpPr>
+                  <a:cxnSpLocks/>
+                </p:cNvCxnSpPr>
+                <p:nvPr/>
+              </p:nvCxnSpPr>
+              <p:spPr>
+                <a:xfrm>
+                  <a:off x="2379306" y="1651518"/>
+                  <a:ext cx="373224" cy="0"/>
+                </a:xfrm>
+                <a:prstGeom prst="line">
+                  <a:avLst/>
+                </a:prstGeom>
+                <a:ln w="12700">
+                  <a:solidFill>
+                    <a:schemeClr val="tx1"/>
+                  </a:solidFill>
+                </a:ln>
+              </p:spPr>
+              <p:style>
+                <a:lnRef idx="1">
+                  <a:schemeClr val="accent1"/>
+                </a:lnRef>
+                <a:fillRef idx="0">
+                  <a:schemeClr val="accent1"/>
+                </a:fillRef>
+                <a:effectRef idx="0">
+                  <a:schemeClr val="accent1"/>
+                </a:effectRef>
+                <a:fontRef idx="minor">
+                  <a:schemeClr val="tx1"/>
+                </a:fontRef>
+              </p:style>
+            </p:cxnSp>
+          </p:grpSp>
+          <p:grpSp>
+            <p:nvGrpSpPr>
+              <p:cNvPr id="167" name="Gruppieren 166">
+                <a:extLst>
+                  <a:ext uri="{FF2B5EF4-FFF2-40B4-BE49-F238E27FC236}">
+                    <a16:creationId xmlns:a16="http://schemas.microsoft.com/office/drawing/2014/main" id="{9E59E3D0-C064-4DEB-904B-3D483529B6A1}"/>
+                  </a:ext>
+                </a:extLst>
+              </p:cNvPr>
+              <p:cNvGrpSpPr/>
+              <p:nvPr/>
+            </p:nvGrpSpPr>
+            <p:grpSpPr>
+              <a:xfrm>
+                <a:off x="1101012" y="1380932"/>
+                <a:ext cx="373224" cy="270586"/>
+                <a:chOff x="1101012" y="1380932"/>
+                <a:chExt cx="373224" cy="270586"/>
+              </a:xfrm>
+            </p:grpSpPr>
+            <p:cxnSp>
+              <p:nvCxnSpPr>
+                <p:cNvPr id="168" name="Gerader Verbinder 167">
+                  <a:extLst>
+                    <a:ext uri="{FF2B5EF4-FFF2-40B4-BE49-F238E27FC236}">
+                      <a16:creationId xmlns:a16="http://schemas.microsoft.com/office/drawing/2014/main" id="{176E7254-4F8E-49A7-AC79-0CECCD44AF10}"/>
+                    </a:ext>
+                  </a:extLst>
+                </p:cNvPr>
+                <p:cNvCxnSpPr>
+                  <a:cxnSpLocks/>
+                </p:cNvCxnSpPr>
+                <p:nvPr/>
+              </p:nvCxnSpPr>
+              <p:spPr>
+                <a:xfrm>
+                  <a:off x="1474236" y="1380932"/>
+                  <a:ext cx="0" cy="270586"/>
+                </a:xfrm>
+                <a:prstGeom prst="line">
+                  <a:avLst/>
+                </a:prstGeom>
+                <a:ln w="12700">
+                  <a:solidFill>
+                    <a:schemeClr val="tx1"/>
+                  </a:solidFill>
+                </a:ln>
+              </p:spPr>
+              <p:style>
+                <a:lnRef idx="1">
+                  <a:schemeClr val="accent1"/>
+                </a:lnRef>
+                <a:fillRef idx="0">
+                  <a:schemeClr val="accent1"/>
+                </a:fillRef>
+                <a:effectRef idx="0">
+                  <a:schemeClr val="accent1"/>
+                </a:effectRef>
+                <a:fontRef idx="minor">
+                  <a:schemeClr val="tx1"/>
+                </a:fontRef>
+              </p:style>
+            </p:cxnSp>
+            <p:cxnSp>
+              <p:nvCxnSpPr>
+                <p:cNvPr id="169" name="Gerader Verbinder 168">
+                  <a:extLst>
+                    <a:ext uri="{FF2B5EF4-FFF2-40B4-BE49-F238E27FC236}">
+                      <a16:creationId xmlns:a16="http://schemas.microsoft.com/office/drawing/2014/main" id="{5363A05C-A48A-4388-AB0D-32CF376C88FF}"/>
+                    </a:ext>
+                  </a:extLst>
+                </p:cNvPr>
+                <p:cNvCxnSpPr>
+                  <a:cxnSpLocks/>
+                </p:cNvCxnSpPr>
+                <p:nvPr/>
+              </p:nvCxnSpPr>
+              <p:spPr>
+                <a:xfrm>
+                  <a:off x="1101012" y="1651518"/>
+                  <a:ext cx="373224" cy="0"/>
+                </a:xfrm>
+                <a:prstGeom prst="line">
+                  <a:avLst/>
+                </a:prstGeom>
+                <a:ln w="12700">
+                  <a:solidFill>
+                    <a:schemeClr val="tx1"/>
+                  </a:solidFill>
+                </a:ln>
+              </p:spPr>
+              <p:style>
+                <a:lnRef idx="1">
+                  <a:schemeClr val="accent1"/>
+                </a:lnRef>
+                <a:fillRef idx="0">
+                  <a:schemeClr val="accent1"/>
+                </a:fillRef>
+                <a:effectRef idx="0">
+                  <a:schemeClr val="accent1"/>
+                </a:effectRef>
+                <a:fontRef idx="minor">
+                  <a:schemeClr val="tx1"/>
+                </a:fontRef>
+              </p:style>
+            </p:cxnSp>
+          </p:grpSp>
         </p:grpSp>
+        <p:sp>
+          <p:nvSpPr>
+            <p:cNvPr id="184" name="Textfeld 183">
+              <a:extLst>
+                <a:ext uri="{FF2B5EF4-FFF2-40B4-BE49-F238E27FC236}">
+                  <a16:creationId xmlns:a16="http://schemas.microsoft.com/office/drawing/2014/main" id="{E9C0F5A7-C9BE-48E0-81A1-1AA6175B2FDF}"/>
+                </a:ext>
+              </a:extLst>
+            </p:cNvPr>
+            <p:cNvSpPr txBox="1"/>
+            <p:nvPr/>
+          </p:nvSpPr>
+          <p:spPr>
+            <a:xfrm>
+              <a:off x="8770865" y="297730"/>
+              <a:ext cx="359394" cy="369332"/>
+            </a:xfrm>
+            <a:prstGeom prst="rect">
+              <a:avLst/>
+            </a:prstGeom>
+            <a:noFill/>
+          </p:spPr>
+          <p:txBody>
+            <a:bodyPr wrap="none" rtlCol="0">
+              <a:spAutoFit/>
+            </a:bodyPr>
+            <a:lstStyle/>
+            <a:p>
+              <a:r>
+                <a:rPr lang="de-AT" dirty="0"/>
+                <a:t>6.</a:t>
+              </a:r>
+            </a:p>
+          </p:txBody>
+        </p:sp>
       </p:grpSp>
       <p:grpSp>
         <p:nvGrpSpPr>
-          <p:cNvPr id="164" name="Gruppieren 163">
+          <p:cNvPr id="64" name="Gruppieren 63">
             <a:extLst>
               <a:ext uri="{FF2B5EF4-FFF2-40B4-BE49-F238E27FC236}">
-                <a16:creationId xmlns:a16="http://schemas.microsoft.com/office/drawing/2014/main" id="{76CD7008-C428-473D-BCF2-8685BF29C302}"/>
+                <a16:creationId xmlns:a16="http://schemas.microsoft.com/office/drawing/2014/main" id="{511C5D66-7AFD-4D5B-8745-859B82B052E2}"/>
               </a:ext>
             </a:extLst>
           </p:cNvPr>
@@ -8472,84 +9109,18 @@
         </p:nvGrpSpPr>
         <p:grpSpPr>
           <a:xfrm>
-            <a:off x="8736525" y="833068"/>
-            <a:ext cx="1638871" cy="795398"/>
-            <a:chOff x="1101012" y="1380932"/>
-            <a:chExt cx="1651519" cy="886408"/>
+            <a:off x="10454096" y="297730"/>
+            <a:ext cx="1638871" cy="858796"/>
+            <a:chOff x="10454096" y="297730"/>
+            <a:chExt cx="1638871" cy="858796"/>
           </a:xfrm>
         </p:grpSpPr>
-        <p:sp>
-          <p:nvSpPr>
-            <p:cNvPr id="165" name="Rechteck 164">
+        <p:grpSp>
+          <p:nvGrpSpPr>
+            <p:cNvPr id="172" name="Gruppieren 171">
               <a:extLst>
                 <a:ext uri="{FF2B5EF4-FFF2-40B4-BE49-F238E27FC236}">
-                  <a16:creationId xmlns:a16="http://schemas.microsoft.com/office/drawing/2014/main" id="{E07FCFB1-1610-4AB1-AC12-18D7FC50F749}"/>
-                </a:ext>
-              </a:extLst>
-            </p:cNvPr>
-            <p:cNvSpPr/>
-            <p:nvPr/>
-          </p:nvSpPr>
-          <p:spPr>
-            <a:xfrm>
-              <a:off x="1101012" y="1380932"/>
-              <a:ext cx="1651519" cy="886408"/>
-            </a:xfrm>
-            <a:prstGeom prst="rect">
-              <a:avLst/>
-            </a:prstGeom>
-            <a:solidFill>
-              <a:schemeClr val="bg1"/>
-            </a:solidFill>
-            <a:ln w="12700">
-              <a:solidFill>
-                <a:schemeClr val="tx1"/>
-              </a:solidFill>
-            </a:ln>
-          </p:spPr>
-          <p:style>
-            <a:lnRef idx="2">
-              <a:schemeClr val="accent1">
-                <a:shade val="50000"/>
-              </a:schemeClr>
-            </a:lnRef>
-            <a:fillRef idx="1">
-              <a:schemeClr val="accent1"/>
-            </a:fillRef>
-            <a:effectRef idx="0">
-              <a:schemeClr val="accent1"/>
-            </a:effectRef>
-            <a:fontRef idx="minor">
-              <a:schemeClr val="lt1"/>
-            </a:fontRef>
-          </p:style>
-          <p:txBody>
-            <a:bodyPr rtlCol="0" anchor="ctr"/>
-            <a:lstStyle/>
-            <a:p>
-              <a:pPr algn="ctr"/>
-              <a:r>
-                <a:rPr lang="de-AT" sz="1600" dirty="0" err="1">
-                  <a:solidFill>
-                    <a:schemeClr val="tx1"/>
-                  </a:solidFill>
-                </a:rPr>
-                <a:t>Approval</a:t>
-              </a:r>
-              <a:endParaRPr lang="de-AT" sz="1600" dirty="0">
-                <a:solidFill>
-                  <a:schemeClr val="tx1"/>
-                </a:solidFill>
-              </a:endParaRPr>
-            </a:p>
-          </p:txBody>
-        </p:sp>
-        <p:grpSp>
-          <p:nvGrpSpPr>
-            <p:cNvPr id="166" name="Gruppieren 165">
-              <a:extLst>
-                <a:ext uri="{FF2B5EF4-FFF2-40B4-BE49-F238E27FC236}">
-                  <a16:creationId xmlns:a16="http://schemas.microsoft.com/office/drawing/2014/main" id="{B8379CEB-BF11-40E7-8C5D-41BF4ECFFAE6}"/>
+                  <a16:creationId xmlns:a16="http://schemas.microsoft.com/office/drawing/2014/main" id="{C926C566-A6EF-401A-961B-D0FF8976C899}"/>
                 </a:ext>
               </a:extLst>
             </p:cNvPr>
@@ -8558,34 +9129,35 @@
           </p:nvGrpSpPr>
           <p:grpSpPr>
             <a:xfrm>
-              <a:off x="2379306" y="1380932"/>
-              <a:ext cx="373224" cy="270586"/>
-              <a:chOff x="2379306" y="1380932"/>
-              <a:chExt cx="373224" cy="270586"/>
+              <a:off x="10454096" y="361128"/>
+              <a:ext cx="1638871" cy="795398"/>
+              <a:chOff x="1101012" y="1380932"/>
+              <a:chExt cx="1651519" cy="886408"/>
             </a:xfrm>
           </p:grpSpPr>
-          <p:cxnSp>
-            <p:nvCxnSpPr>
-              <p:cNvPr id="170" name="Gerader Verbinder 169">
+          <p:sp>
+            <p:nvSpPr>
+              <p:cNvPr id="173" name="Rechteck 172">
                 <a:extLst>
                   <a:ext uri="{FF2B5EF4-FFF2-40B4-BE49-F238E27FC236}">
-                    <a16:creationId xmlns:a16="http://schemas.microsoft.com/office/drawing/2014/main" id="{3557F4A6-BE37-4597-A33D-500A3EA5C53B}"/>
+                    <a16:creationId xmlns:a16="http://schemas.microsoft.com/office/drawing/2014/main" id="{6326A195-660F-4F14-AB73-C491F8C15F00}"/>
                   </a:ext>
                 </a:extLst>
               </p:cNvPr>
-              <p:cNvCxnSpPr>
-                <a:cxnSpLocks/>
-              </p:cNvCxnSpPr>
+              <p:cNvSpPr/>
               <p:nvPr/>
-            </p:nvCxnSpPr>
+            </p:nvSpPr>
             <p:spPr>
               <a:xfrm>
-                <a:off x="2379306" y="1380932"/>
-                <a:ext cx="0" cy="270586"/>
+                <a:off x="1101012" y="1380932"/>
+                <a:ext cx="1651519" cy="886408"/>
               </a:xfrm>
-              <a:prstGeom prst="line">
+              <a:prstGeom prst="rect">
                 <a:avLst/>
               </a:prstGeom>
+              <a:solidFill>
+                <a:schemeClr val="bg1"/>
+              </a:solidFill>
               <a:ln w="12700">
                 <a:solidFill>
                   <a:schemeClr val="tx1"/>
@@ -8593,724 +9165,299 @@
               </a:ln>
             </p:spPr>
             <p:style>
-              <a:lnRef idx="1">
-                <a:schemeClr val="accent1"/>
+              <a:lnRef idx="2">
+                <a:schemeClr val="accent1">
+                  <a:shade val="50000"/>
+                </a:schemeClr>
               </a:lnRef>
-              <a:fillRef idx="0">
+              <a:fillRef idx="1">
                 <a:schemeClr val="accent1"/>
               </a:fillRef>
               <a:effectRef idx="0">
                 <a:schemeClr val="accent1"/>
               </a:effectRef>
               <a:fontRef idx="minor">
-                <a:schemeClr val="tx1"/>
+                <a:schemeClr val="lt1"/>
               </a:fontRef>
             </p:style>
-          </p:cxnSp>
-          <p:cxnSp>
-            <p:nvCxnSpPr>
-              <p:cNvPr id="171" name="Gerader Verbinder 170">
+            <p:txBody>
+              <a:bodyPr rtlCol="0" anchor="ctr"/>
+              <a:lstStyle/>
+              <a:p>
+                <a:pPr algn="ctr"/>
+                <a:r>
+                  <a:rPr lang="de-AT" sz="1600" dirty="0">
+                    <a:solidFill>
+                      <a:schemeClr val="tx1"/>
+                    </a:solidFill>
+                  </a:rPr>
+                  <a:t>Post-</a:t>
+                </a:r>
+              </a:p>
+              <a:p>
+                <a:pPr algn="ctr"/>
+                <a:r>
+                  <a:rPr lang="de-AT" sz="1600" dirty="0">
+                    <a:solidFill>
+                      <a:schemeClr val="tx1"/>
+                    </a:solidFill>
+                  </a:rPr>
+                  <a:t>Project Phase</a:t>
+                </a:r>
+              </a:p>
+            </p:txBody>
+          </p:sp>
+          <p:grpSp>
+            <p:nvGrpSpPr>
+              <p:cNvPr id="174" name="Gruppieren 173">
                 <a:extLst>
                   <a:ext uri="{FF2B5EF4-FFF2-40B4-BE49-F238E27FC236}">
-                    <a16:creationId xmlns:a16="http://schemas.microsoft.com/office/drawing/2014/main" id="{94D5EEDA-55BD-41FB-B1CA-DE0E601D4645}"/>
+                    <a16:creationId xmlns:a16="http://schemas.microsoft.com/office/drawing/2014/main" id="{75245F0C-C25D-415D-A0F2-7B469CE45A85}"/>
                   </a:ext>
                 </a:extLst>
               </p:cNvPr>
-              <p:cNvCxnSpPr>
-                <a:cxnSpLocks/>
-              </p:cNvCxnSpPr>
+              <p:cNvGrpSpPr/>
               <p:nvPr/>
-            </p:nvCxnSpPr>
-            <p:spPr>
+            </p:nvGrpSpPr>
+            <p:grpSpPr>
               <a:xfrm>
-                <a:off x="2379306" y="1651518"/>
-                <a:ext cx="373224" cy="0"/>
+                <a:off x="2379306" y="1380932"/>
+                <a:ext cx="373224" cy="270586"/>
+                <a:chOff x="2379306" y="1380932"/>
+                <a:chExt cx="373224" cy="270586"/>
               </a:xfrm>
-              <a:prstGeom prst="line">
-                <a:avLst/>
-              </a:prstGeom>
-              <a:ln w="12700">
-                <a:solidFill>
+            </p:grpSpPr>
+            <p:cxnSp>
+              <p:nvCxnSpPr>
+                <p:cNvPr id="178" name="Gerader Verbinder 177">
+                  <a:extLst>
+                    <a:ext uri="{FF2B5EF4-FFF2-40B4-BE49-F238E27FC236}">
+                      <a16:creationId xmlns:a16="http://schemas.microsoft.com/office/drawing/2014/main" id="{06C1744D-AAD1-4550-8A1C-26EF69A5AC0F}"/>
+                    </a:ext>
+                  </a:extLst>
+                </p:cNvPr>
+                <p:cNvCxnSpPr>
+                  <a:cxnSpLocks/>
+                </p:cNvCxnSpPr>
+                <p:nvPr/>
+              </p:nvCxnSpPr>
+              <p:spPr>
+                <a:xfrm>
+                  <a:off x="2379306" y="1380932"/>
+                  <a:ext cx="0" cy="270586"/>
+                </a:xfrm>
+                <a:prstGeom prst="line">
+                  <a:avLst/>
+                </a:prstGeom>
+                <a:ln w="12700">
+                  <a:solidFill>
+                    <a:schemeClr val="tx1"/>
+                  </a:solidFill>
+                </a:ln>
+              </p:spPr>
+              <p:style>
+                <a:lnRef idx="1">
+                  <a:schemeClr val="accent1"/>
+                </a:lnRef>
+                <a:fillRef idx="0">
+                  <a:schemeClr val="accent1"/>
+                </a:fillRef>
+                <a:effectRef idx="0">
+                  <a:schemeClr val="accent1"/>
+                </a:effectRef>
+                <a:fontRef idx="minor">
                   <a:schemeClr val="tx1"/>
-                </a:solidFill>
-              </a:ln>
-            </p:spPr>
-            <p:style>
-              <a:lnRef idx="1">
-                <a:schemeClr val="accent1"/>
-              </a:lnRef>
-              <a:fillRef idx="0">
-                <a:schemeClr val="accent1"/>
-              </a:fillRef>
-              <a:effectRef idx="0">
-                <a:schemeClr val="accent1"/>
-              </a:effectRef>
-              <a:fontRef idx="minor">
-                <a:schemeClr val="tx1"/>
-              </a:fontRef>
-            </p:style>
-          </p:cxnSp>
+                </a:fontRef>
+              </p:style>
+            </p:cxnSp>
+            <p:cxnSp>
+              <p:nvCxnSpPr>
+                <p:cNvPr id="179" name="Gerader Verbinder 178">
+                  <a:extLst>
+                    <a:ext uri="{FF2B5EF4-FFF2-40B4-BE49-F238E27FC236}">
+                      <a16:creationId xmlns:a16="http://schemas.microsoft.com/office/drawing/2014/main" id="{E362E5D7-F3D0-4E36-8800-40485C80008B}"/>
+                    </a:ext>
+                  </a:extLst>
+                </p:cNvPr>
+                <p:cNvCxnSpPr>
+                  <a:cxnSpLocks/>
+                </p:cNvCxnSpPr>
+                <p:nvPr/>
+              </p:nvCxnSpPr>
+              <p:spPr>
+                <a:xfrm>
+                  <a:off x="2379306" y="1651518"/>
+                  <a:ext cx="373224" cy="0"/>
+                </a:xfrm>
+                <a:prstGeom prst="line">
+                  <a:avLst/>
+                </a:prstGeom>
+                <a:ln w="12700">
+                  <a:solidFill>
+                    <a:schemeClr val="tx1"/>
+                  </a:solidFill>
+                </a:ln>
+              </p:spPr>
+              <p:style>
+                <a:lnRef idx="1">
+                  <a:schemeClr val="accent1"/>
+                </a:lnRef>
+                <a:fillRef idx="0">
+                  <a:schemeClr val="accent1"/>
+                </a:fillRef>
+                <a:effectRef idx="0">
+                  <a:schemeClr val="accent1"/>
+                </a:effectRef>
+                <a:fontRef idx="minor">
+                  <a:schemeClr val="tx1"/>
+                </a:fontRef>
+              </p:style>
+            </p:cxnSp>
+          </p:grpSp>
+          <p:grpSp>
+            <p:nvGrpSpPr>
+              <p:cNvPr id="175" name="Gruppieren 174">
+                <a:extLst>
+                  <a:ext uri="{FF2B5EF4-FFF2-40B4-BE49-F238E27FC236}">
+                    <a16:creationId xmlns:a16="http://schemas.microsoft.com/office/drawing/2014/main" id="{008C15B2-2941-484B-A690-D437A94694E6}"/>
+                  </a:ext>
+                </a:extLst>
+              </p:cNvPr>
+              <p:cNvGrpSpPr/>
+              <p:nvPr/>
+            </p:nvGrpSpPr>
+            <p:grpSpPr>
+              <a:xfrm>
+                <a:off x="1101012" y="1380932"/>
+                <a:ext cx="373224" cy="270586"/>
+                <a:chOff x="1101012" y="1380932"/>
+                <a:chExt cx="373224" cy="270586"/>
+              </a:xfrm>
+            </p:grpSpPr>
+            <p:cxnSp>
+              <p:nvCxnSpPr>
+                <p:cNvPr id="176" name="Gerader Verbinder 175">
+                  <a:extLst>
+                    <a:ext uri="{FF2B5EF4-FFF2-40B4-BE49-F238E27FC236}">
+                      <a16:creationId xmlns:a16="http://schemas.microsoft.com/office/drawing/2014/main" id="{2C955DDC-6946-4BAB-A79D-B718B6FF69D1}"/>
+                    </a:ext>
+                  </a:extLst>
+                </p:cNvPr>
+                <p:cNvCxnSpPr>
+                  <a:cxnSpLocks/>
+                </p:cNvCxnSpPr>
+                <p:nvPr/>
+              </p:nvCxnSpPr>
+              <p:spPr>
+                <a:xfrm>
+                  <a:off x="1474236" y="1380932"/>
+                  <a:ext cx="0" cy="270586"/>
+                </a:xfrm>
+                <a:prstGeom prst="line">
+                  <a:avLst/>
+                </a:prstGeom>
+                <a:ln w="12700">
+                  <a:solidFill>
+                    <a:schemeClr val="tx1"/>
+                  </a:solidFill>
+                </a:ln>
+              </p:spPr>
+              <p:style>
+                <a:lnRef idx="1">
+                  <a:schemeClr val="accent1"/>
+                </a:lnRef>
+                <a:fillRef idx="0">
+                  <a:schemeClr val="accent1"/>
+                </a:fillRef>
+                <a:effectRef idx="0">
+                  <a:schemeClr val="accent1"/>
+                </a:effectRef>
+                <a:fontRef idx="minor">
+                  <a:schemeClr val="tx1"/>
+                </a:fontRef>
+              </p:style>
+            </p:cxnSp>
+            <p:cxnSp>
+              <p:nvCxnSpPr>
+                <p:cNvPr id="177" name="Gerader Verbinder 176">
+                  <a:extLst>
+                    <a:ext uri="{FF2B5EF4-FFF2-40B4-BE49-F238E27FC236}">
+                      <a16:creationId xmlns:a16="http://schemas.microsoft.com/office/drawing/2014/main" id="{EA5781E9-BEC0-4FBB-A1B4-60CBCF177BFD}"/>
+                    </a:ext>
+                  </a:extLst>
+                </p:cNvPr>
+                <p:cNvCxnSpPr>
+                  <a:cxnSpLocks/>
+                </p:cNvCxnSpPr>
+                <p:nvPr/>
+              </p:nvCxnSpPr>
+              <p:spPr>
+                <a:xfrm>
+                  <a:off x="1101012" y="1651518"/>
+                  <a:ext cx="373224" cy="0"/>
+                </a:xfrm>
+                <a:prstGeom prst="line">
+                  <a:avLst/>
+                </a:prstGeom>
+                <a:ln w="12700">
+                  <a:solidFill>
+                    <a:schemeClr val="tx1"/>
+                  </a:solidFill>
+                </a:ln>
+              </p:spPr>
+              <p:style>
+                <a:lnRef idx="1">
+                  <a:schemeClr val="accent1"/>
+                </a:lnRef>
+                <a:fillRef idx="0">
+                  <a:schemeClr val="accent1"/>
+                </a:fillRef>
+                <a:effectRef idx="0">
+                  <a:schemeClr val="accent1"/>
+                </a:effectRef>
+                <a:fontRef idx="minor">
+                  <a:schemeClr val="tx1"/>
+                </a:fontRef>
+              </p:style>
+            </p:cxnSp>
+          </p:grpSp>
         </p:grpSp>
-        <p:grpSp>
-          <p:nvGrpSpPr>
-            <p:cNvPr id="167" name="Gruppieren 166">
+        <p:sp>
+          <p:nvSpPr>
+            <p:cNvPr id="185" name="Textfeld 184">
               <a:extLst>
                 <a:ext uri="{FF2B5EF4-FFF2-40B4-BE49-F238E27FC236}">
-                  <a16:creationId xmlns:a16="http://schemas.microsoft.com/office/drawing/2014/main" id="{9E59E3D0-C064-4DEB-904B-3D483529B6A1}"/>
+                  <a16:creationId xmlns:a16="http://schemas.microsoft.com/office/drawing/2014/main" id="{A18E357B-2AED-4594-BA29-5F006C3781D3}"/>
                 </a:ext>
               </a:extLst>
             </p:cNvPr>
-            <p:cNvGrpSpPr/>
-            <p:nvPr/>
-          </p:nvGrpSpPr>
-          <p:grpSpPr>
-            <a:xfrm>
-              <a:off x="1101012" y="1380932"/>
-              <a:ext cx="373224" cy="270586"/>
-              <a:chOff x="1101012" y="1380932"/>
-              <a:chExt cx="373224" cy="270586"/>
-            </a:xfrm>
-          </p:grpSpPr>
-          <p:cxnSp>
-            <p:nvCxnSpPr>
-              <p:cNvPr id="168" name="Gerader Verbinder 167">
-                <a:extLst>
-                  <a:ext uri="{FF2B5EF4-FFF2-40B4-BE49-F238E27FC236}">
-                    <a16:creationId xmlns:a16="http://schemas.microsoft.com/office/drawing/2014/main" id="{176E7254-4F8E-49A7-AC79-0CECCD44AF10}"/>
-                  </a:ext>
-                </a:extLst>
-              </p:cNvPr>
-              <p:cNvCxnSpPr>
-                <a:cxnSpLocks/>
-              </p:cNvCxnSpPr>
-              <p:nvPr/>
-            </p:nvCxnSpPr>
-            <p:spPr>
-              <a:xfrm>
-                <a:off x="1474236" y="1380932"/>
-                <a:ext cx="0" cy="270586"/>
-              </a:xfrm>
-              <a:prstGeom prst="line">
-                <a:avLst/>
-              </a:prstGeom>
-              <a:ln w="12700">
-                <a:solidFill>
-                  <a:schemeClr val="tx1"/>
-                </a:solidFill>
-              </a:ln>
-            </p:spPr>
-            <p:style>
-              <a:lnRef idx="1">
-                <a:schemeClr val="accent1"/>
-              </a:lnRef>
-              <a:fillRef idx="0">
-                <a:schemeClr val="accent1"/>
-              </a:fillRef>
-              <a:effectRef idx="0">
-                <a:schemeClr val="accent1"/>
-              </a:effectRef>
-              <a:fontRef idx="minor">
-                <a:schemeClr val="tx1"/>
-              </a:fontRef>
-            </p:style>
-          </p:cxnSp>
-          <p:cxnSp>
-            <p:nvCxnSpPr>
-              <p:cNvPr id="169" name="Gerader Verbinder 168">
-                <a:extLst>
-                  <a:ext uri="{FF2B5EF4-FFF2-40B4-BE49-F238E27FC236}">
-                    <a16:creationId xmlns:a16="http://schemas.microsoft.com/office/drawing/2014/main" id="{5363A05C-A48A-4388-AB0D-32CF376C88FF}"/>
-                  </a:ext>
-                </a:extLst>
-              </p:cNvPr>
-              <p:cNvCxnSpPr>
-                <a:cxnSpLocks/>
-              </p:cNvCxnSpPr>
-              <p:nvPr/>
-            </p:nvCxnSpPr>
-            <p:spPr>
-              <a:xfrm>
-                <a:off x="1101012" y="1651518"/>
-                <a:ext cx="373224" cy="0"/>
-              </a:xfrm>
-              <a:prstGeom prst="line">
-                <a:avLst/>
-              </a:prstGeom>
-              <a:ln w="12700">
-                <a:solidFill>
-                  <a:schemeClr val="tx1"/>
-                </a:solidFill>
-              </a:ln>
-            </p:spPr>
-            <p:style>
-              <a:lnRef idx="1">
-                <a:schemeClr val="accent1"/>
-              </a:lnRef>
-              <a:fillRef idx="0">
-                <a:schemeClr val="accent1"/>
-              </a:fillRef>
-              <a:effectRef idx="0">
-                <a:schemeClr val="accent1"/>
-              </a:effectRef>
-              <a:fontRef idx="minor">
-                <a:schemeClr val="tx1"/>
-              </a:fontRef>
-            </p:style>
-          </p:cxnSp>
-        </p:grpSp>
-      </p:grpSp>
-      <p:grpSp>
-        <p:nvGrpSpPr>
-          <p:cNvPr id="172" name="Gruppieren 171">
-            <a:extLst>
-              <a:ext uri="{FF2B5EF4-FFF2-40B4-BE49-F238E27FC236}">
-                <a16:creationId xmlns:a16="http://schemas.microsoft.com/office/drawing/2014/main" id="{C926C566-A6EF-401A-961B-D0FF8976C899}"/>
-              </a:ext>
-            </a:extLst>
-          </p:cNvPr>
-          <p:cNvGrpSpPr/>
-          <p:nvPr/>
-        </p:nvGrpSpPr>
-        <p:grpSpPr>
-          <a:xfrm>
-            <a:off x="10454096" y="833068"/>
-            <a:ext cx="1638871" cy="795398"/>
-            <a:chOff x="1101012" y="1380932"/>
-            <a:chExt cx="1651519" cy="886408"/>
-          </a:xfrm>
-        </p:grpSpPr>
-        <p:sp>
-          <p:nvSpPr>
-            <p:cNvPr id="173" name="Rechteck 172">
-              <a:extLst>
-                <a:ext uri="{FF2B5EF4-FFF2-40B4-BE49-F238E27FC236}">
-                  <a16:creationId xmlns:a16="http://schemas.microsoft.com/office/drawing/2014/main" id="{6326A195-660F-4F14-AB73-C491F8C15F00}"/>
-                </a:ext>
-              </a:extLst>
-            </p:cNvPr>
-            <p:cNvSpPr/>
+            <p:cNvSpPr txBox="1"/>
             <p:nvPr/>
           </p:nvSpPr>
           <p:spPr>
             <a:xfrm>
-              <a:off x="1101012" y="1380932"/>
-              <a:ext cx="1651519" cy="886408"/>
+              <a:off x="10488435" y="297730"/>
+              <a:ext cx="359394" cy="369332"/>
             </a:xfrm>
             <a:prstGeom prst="rect">
               <a:avLst/>
             </a:prstGeom>
-            <a:solidFill>
-              <a:schemeClr val="bg1"/>
-            </a:solidFill>
-            <a:ln w="12700">
-              <a:solidFill>
-                <a:schemeClr val="tx1"/>
-              </a:solidFill>
-            </a:ln>
+            <a:noFill/>
           </p:spPr>
-          <p:style>
-            <a:lnRef idx="2">
-              <a:schemeClr val="accent1">
-                <a:shade val="50000"/>
-              </a:schemeClr>
-            </a:lnRef>
-            <a:fillRef idx="1">
-              <a:schemeClr val="accent1"/>
-            </a:fillRef>
-            <a:effectRef idx="0">
-              <a:schemeClr val="accent1"/>
-            </a:effectRef>
-            <a:fontRef idx="minor">
-              <a:schemeClr val="lt1"/>
-            </a:fontRef>
-          </p:style>
           <p:txBody>
-            <a:bodyPr rtlCol="0" anchor="ctr"/>
+            <a:bodyPr wrap="none" rtlCol="0">
+              <a:spAutoFit/>
+            </a:bodyPr>
             <a:lstStyle/>
             <a:p>
-              <a:pPr algn="ctr"/>
               <a:r>
-                <a:rPr lang="de-AT" sz="1600" dirty="0">
-                  <a:solidFill>
-                    <a:schemeClr val="tx1"/>
-                  </a:solidFill>
-                </a:rPr>
-                <a:t>Post-</a:t>
-              </a:r>
-            </a:p>
-            <a:p>
-              <a:pPr algn="ctr"/>
-              <a:r>
-                <a:rPr lang="de-AT" sz="1600" dirty="0">
-                  <a:solidFill>
-                    <a:schemeClr val="tx1"/>
-                  </a:solidFill>
-                </a:rPr>
-                <a:t>Project Phase</a:t>
+                <a:rPr lang="de-AT" dirty="0"/>
+                <a:t>7.</a:t>
               </a:r>
             </a:p>
           </p:txBody>
         </p:sp>
-        <p:grpSp>
-          <p:nvGrpSpPr>
-            <p:cNvPr id="174" name="Gruppieren 173">
-              <a:extLst>
-                <a:ext uri="{FF2B5EF4-FFF2-40B4-BE49-F238E27FC236}">
-                  <a16:creationId xmlns:a16="http://schemas.microsoft.com/office/drawing/2014/main" id="{75245F0C-C25D-415D-A0F2-7B469CE45A85}"/>
-                </a:ext>
-              </a:extLst>
-            </p:cNvPr>
-            <p:cNvGrpSpPr/>
-            <p:nvPr/>
-          </p:nvGrpSpPr>
-          <p:grpSpPr>
-            <a:xfrm>
-              <a:off x="2379306" y="1380932"/>
-              <a:ext cx="373224" cy="270586"/>
-              <a:chOff x="2379306" y="1380932"/>
-              <a:chExt cx="373224" cy="270586"/>
-            </a:xfrm>
-          </p:grpSpPr>
-          <p:cxnSp>
-            <p:nvCxnSpPr>
-              <p:cNvPr id="178" name="Gerader Verbinder 177">
-                <a:extLst>
-                  <a:ext uri="{FF2B5EF4-FFF2-40B4-BE49-F238E27FC236}">
-                    <a16:creationId xmlns:a16="http://schemas.microsoft.com/office/drawing/2014/main" id="{06C1744D-AAD1-4550-8A1C-26EF69A5AC0F}"/>
-                  </a:ext>
-                </a:extLst>
-              </p:cNvPr>
-              <p:cNvCxnSpPr>
-                <a:cxnSpLocks/>
-              </p:cNvCxnSpPr>
-              <p:nvPr/>
-            </p:nvCxnSpPr>
-            <p:spPr>
-              <a:xfrm>
-                <a:off x="2379306" y="1380932"/>
-                <a:ext cx="0" cy="270586"/>
-              </a:xfrm>
-              <a:prstGeom prst="line">
-                <a:avLst/>
-              </a:prstGeom>
-              <a:ln w="12700">
-                <a:solidFill>
-                  <a:schemeClr val="tx1"/>
-                </a:solidFill>
-              </a:ln>
-            </p:spPr>
-            <p:style>
-              <a:lnRef idx="1">
-                <a:schemeClr val="accent1"/>
-              </a:lnRef>
-              <a:fillRef idx="0">
-                <a:schemeClr val="accent1"/>
-              </a:fillRef>
-              <a:effectRef idx="0">
-                <a:schemeClr val="accent1"/>
-              </a:effectRef>
-              <a:fontRef idx="minor">
-                <a:schemeClr val="tx1"/>
-              </a:fontRef>
-            </p:style>
-          </p:cxnSp>
-          <p:cxnSp>
-            <p:nvCxnSpPr>
-              <p:cNvPr id="179" name="Gerader Verbinder 178">
-                <a:extLst>
-                  <a:ext uri="{FF2B5EF4-FFF2-40B4-BE49-F238E27FC236}">
-                    <a16:creationId xmlns:a16="http://schemas.microsoft.com/office/drawing/2014/main" id="{E362E5D7-F3D0-4E36-8800-40485C80008B}"/>
-                  </a:ext>
-                </a:extLst>
-              </p:cNvPr>
-              <p:cNvCxnSpPr>
-                <a:cxnSpLocks/>
-              </p:cNvCxnSpPr>
-              <p:nvPr/>
-            </p:nvCxnSpPr>
-            <p:spPr>
-              <a:xfrm>
-                <a:off x="2379306" y="1651518"/>
-                <a:ext cx="373224" cy="0"/>
-              </a:xfrm>
-              <a:prstGeom prst="line">
-                <a:avLst/>
-              </a:prstGeom>
-              <a:ln w="12700">
-                <a:solidFill>
-                  <a:schemeClr val="tx1"/>
-                </a:solidFill>
-              </a:ln>
-            </p:spPr>
-            <p:style>
-              <a:lnRef idx="1">
-                <a:schemeClr val="accent1"/>
-              </a:lnRef>
-              <a:fillRef idx="0">
-                <a:schemeClr val="accent1"/>
-              </a:fillRef>
-              <a:effectRef idx="0">
-                <a:schemeClr val="accent1"/>
-              </a:effectRef>
-              <a:fontRef idx="minor">
-                <a:schemeClr val="tx1"/>
-              </a:fontRef>
-            </p:style>
-          </p:cxnSp>
-        </p:grpSp>
-        <p:grpSp>
-          <p:nvGrpSpPr>
-            <p:cNvPr id="175" name="Gruppieren 174">
-              <a:extLst>
-                <a:ext uri="{FF2B5EF4-FFF2-40B4-BE49-F238E27FC236}">
-                  <a16:creationId xmlns:a16="http://schemas.microsoft.com/office/drawing/2014/main" id="{008C15B2-2941-484B-A690-D437A94694E6}"/>
-                </a:ext>
-              </a:extLst>
-            </p:cNvPr>
-            <p:cNvGrpSpPr/>
-            <p:nvPr/>
-          </p:nvGrpSpPr>
-          <p:grpSpPr>
-            <a:xfrm>
-              <a:off x="1101012" y="1380932"/>
-              <a:ext cx="373224" cy="270586"/>
-              <a:chOff x="1101012" y="1380932"/>
-              <a:chExt cx="373224" cy="270586"/>
-            </a:xfrm>
-          </p:grpSpPr>
-          <p:cxnSp>
-            <p:nvCxnSpPr>
-              <p:cNvPr id="176" name="Gerader Verbinder 175">
-                <a:extLst>
-                  <a:ext uri="{FF2B5EF4-FFF2-40B4-BE49-F238E27FC236}">
-                    <a16:creationId xmlns:a16="http://schemas.microsoft.com/office/drawing/2014/main" id="{2C955DDC-6946-4BAB-A79D-B718B6FF69D1}"/>
-                  </a:ext>
-                </a:extLst>
-              </p:cNvPr>
-              <p:cNvCxnSpPr>
-                <a:cxnSpLocks/>
-              </p:cNvCxnSpPr>
-              <p:nvPr/>
-            </p:nvCxnSpPr>
-            <p:spPr>
-              <a:xfrm>
-                <a:off x="1474236" y="1380932"/>
-                <a:ext cx="0" cy="270586"/>
-              </a:xfrm>
-              <a:prstGeom prst="line">
-                <a:avLst/>
-              </a:prstGeom>
-              <a:ln w="12700">
-                <a:solidFill>
-                  <a:schemeClr val="tx1"/>
-                </a:solidFill>
-              </a:ln>
-            </p:spPr>
-            <p:style>
-              <a:lnRef idx="1">
-                <a:schemeClr val="accent1"/>
-              </a:lnRef>
-              <a:fillRef idx="0">
-                <a:schemeClr val="accent1"/>
-              </a:fillRef>
-              <a:effectRef idx="0">
-                <a:schemeClr val="accent1"/>
-              </a:effectRef>
-              <a:fontRef idx="minor">
-                <a:schemeClr val="tx1"/>
-              </a:fontRef>
-            </p:style>
-          </p:cxnSp>
-          <p:cxnSp>
-            <p:nvCxnSpPr>
-              <p:cNvPr id="177" name="Gerader Verbinder 176">
-                <a:extLst>
-                  <a:ext uri="{FF2B5EF4-FFF2-40B4-BE49-F238E27FC236}">
-                    <a16:creationId xmlns:a16="http://schemas.microsoft.com/office/drawing/2014/main" id="{EA5781E9-BEC0-4FBB-A1B4-60CBCF177BFD}"/>
-                  </a:ext>
-                </a:extLst>
-              </p:cNvPr>
-              <p:cNvCxnSpPr>
-                <a:cxnSpLocks/>
-              </p:cNvCxnSpPr>
-              <p:nvPr/>
-            </p:nvCxnSpPr>
-            <p:spPr>
-              <a:xfrm>
-                <a:off x="1101012" y="1651518"/>
-                <a:ext cx="373224" cy="0"/>
-              </a:xfrm>
-              <a:prstGeom prst="line">
-                <a:avLst/>
-              </a:prstGeom>
-              <a:ln w="12700">
-                <a:solidFill>
-                  <a:schemeClr val="tx1"/>
-                </a:solidFill>
-              </a:ln>
-            </p:spPr>
-            <p:style>
-              <a:lnRef idx="1">
-                <a:schemeClr val="accent1"/>
-              </a:lnRef>
-              <a:fillRef idx="0">
-                <a:schemeClr val="accent1"/>
-              </a:fillRef>
-              <a:effectRef idx="0">
-                <a:schemeClr val="accent1"/>
-              </a:effectRef>
-              <a:fontRef idx="minor">
-                <a:schemeClr val="tx1"/>
-              </a:fontRef>
-            </p:style>
-          </p:cxnSp>
-        </p:grpSp>
       </p:grpSp>
-      <p:sp>
-        <p:nvSpPr>
-          <p:cNvPr id="2" name="Textfeld 1">
-            <a:extLst>
-              <a:ext uri="{FF2B5EF4-FFF2-40B4-BE49-F238E27FC236}">
-                <a16:creationId xmlns:a16="http://schemas.microsoft.com/office/drawing/2014/main" id="{2A845882-8B52-413C-A4FE-D1B510DBDAD1}"/>
-              </a:ext>
-            </a:extLst>
-          </p:cNvPr>
-          <p:cNvSpPr txBox="1"/>
-          <p:nvPr/>
-        </p:nvSpPr>
-        <p:spPr>
-          <a:xfrm>
-            <a:off x="142441" y="777044"/>
-            <a:ext cx="359394" cy="369332"/>
-          </a:xfrm>
-          <a:prstGeom prst="rect">
-            <a:avLst/>
-          </a:prstGeom>
-          <a:noFill/>
-        </p:spPr>
-        <p:txBody>
-          <a:bodyPr wrap="none" rtlCol="0">
-            <a:spAutoFit/>
-          </a:bodyPr>
-          <a:lstStyle/>
-          <a:p>
-            <a:r>
-              <a:rPr lang="de-AT" dirty="0"/>
-              <a:t>1.</a:t>
-            </a:r>
-          </a:p>
-        </p:txBody>
-      </p:sp>
-      <p:sp>
-        <p:nvSpPr>
-          <p:cNvPr id="180" name="Textfeld 179">
-            <a:extLst>
-              <a:ext uri="{FF2B5EF4-FFF2-40B4-BE49-F238E27FC236}">
-                <a16:creationId xmlns:a16="http://schemas.microsoft.com/office/drawing/2014/main" id="{DC2759F0-D4CF-498D-A358-BDA2F5B4F282}"/>
-              </a:ext>
-            </a:extLst>
-          </p:cNvPr>
-          <p:cNvSpPr txBox="1"/>
-          <p:nvPr/>
-        </p:nvSpPr>
-        <p:spPr>
-          <a:xfrm>
-            <a:off x="1876205" y="792269"/>
-            <a:ext cx="359394" cy="369332"/>
-          </a:xfrm>
-          <a:prstGeom prst="rect">
-            <a:avLst/>
-          </a:prstGeom>
-          <a:noFill/>
-        </p:spPr>
-        <p:txBody>
-          <a:bodyPr wrap="none" rtlCol="0">
-            <a:spAutoFit/>
-          </a:bodyPr>
-          <a:lstStyle/>
-          <a:p>
-            <a:r>
-              <a:rPr lang="de-AT" dirty="0"/>
-              <a:t>2.</a:t>
-            </a:r>
-          </a:p>
-        </p:txBody>
-      </p:sp>
-      <p:sp>
-        <p:nvSpPr>
-          <p:cNvPr id="181" name="Textfeld 180">
-            <a:extLst>
-              <a:ext uri="{FF2B5EF4-FFF2-40B4-BE49-F238E27FC236}">
-                <a16:creationId xmlns:a16="http://schemas.microsoft.com/office/drawing/2014/main" id="{E5BB6B98-D12D-45C6-810F-5F12CACCAFA0}"/>
-              </a:ext>
-            </a:extLst>
-          </p:cNvPr>
-          <p:cNvSpPr txBox="1"/>
-          <p:nvPr/>
-        </p:nvSpPr>
-        <p:spPr>
-          <a:xfrm>
-            <a:off x="3618152" y="779636"/>
-            <a:ext cx="359394" cy="369332"/>
-          </a:xfrm>
-          <a:prstGeom prst="rect">
-            <a:avLst/>
-          </a:prstGeom>
-          <a:noFill/>
-        </p:spPr>
-        <p:txBody>
-          <a:bodyPr wrap="none" rtlCol="0">
-            <a:spAutoFit/>
-          </a:bodyPr>
-          <a:lstStyle/>
-          <a:p>
-            <a:r>
-              <a:rPr lang="de-AT" dirty="0"/>
-              <a:t>3.</a:t>
-            </a:r>
-          </a:p>
-        </p:txBody>
-      </p:sp>
-      <p:sp>
-        <p:nvSpPr>
-          <p:cNvPr id="182" name="Textfeld 181">
-            <a:extLst>
-              <a:ext uri="{FF2B5EF4-FFF2-40B4-BE49-F238E27FC236}">
-                <a16:creationId xmlns:a16="http://schemas.microsoft.com/office/drawing/2014/main" id="{CD19758D-2ED2-41EE-AAB3-8A7926EDB8B4}"/>
-              </a:ext>
-            </a:extLst>
-          </p:cNvPr>
-          <p:cNvSpPr txBox="1"/>
-          <p:nvPr/>
-        </p:nvSpPr>
-        <p:spPr>
-          <a:xfrm>
-            <a:off x="5335723" y="780405"/>
-            <a:ext cx="359394" cy="369332"/>
-          </a:xfrm>
-          <a:prstGeom prst="rect">
-            <a:avLst/>
-          </a:prstGeom>
-          <a:noFill/>
-        </p:spPr>
-        <p:txBody>
-          <a:bodyPr wrap="none" rtlCol="0">
-            <a:spAutoFit/>
-          </a:bodyPr>
-          <a:lstStyle/>
-          <a:p>
-            <a:r>
-              <a:rPr lang="de-AT" dirty="0"/>
-              <a:t>4.</a:t>
-            </a:r>
-          </a:p>
-        </p:txBody>
-      </p:sp>
-      <p:sp>
-        <p:nvSpPr>
-          <p:cNvPr id="183" name="Textfeld 182">
-            <a:extLst>
-              <a:ext uri="{FF2B5EF4-FFF2-40B4-BE49-F238E27FC236}">
-                <a16:creationId xmlns:a16="http://schemas.microsoft.com/office/drawing/2014/main" id="{5C6A8113-7401-4709-BDB3-36370ED1D7F7}"/>
-              </a:ext>
-            </a:extLst>
-          </p:cNvPr>
-          <p:cNvSpPr txBox="1"/>
-          <p:nvPr/>
-        </p:nvSpPr>
-        <p:spPr>
-          <a:xfrm>
-            <a:off x="7049215" y="769804"/>
-            <a:ext cx="359394" cy="369332"/>
-          </a:xfrm>
-          <a:prstGeom prst="rect">
-            <a:avLst/>
-          </a:prstGeom>
-          <a:noFill/>
-        </p:spPr>
-        <p:txBody>
-          <a:bodyPr wrap="none" rtlCol="0">
-            <a:spAutoFit/>
-          </a:bodyPr>
-          <a:lstStyle/>
-          <a:p>
-            <a:r>
-              <a:rPr lang="de-AT" dirty="0"/>
-              <a:t>5.</a:t>
-            </a:r>
-          </a:p>
-        </p:txBody>
-      </p:sp>
-      <p:sp>
-        <p:nvSpPr>
-          <p:cNvPr id="184" name="Textfeld 183">
-            <a:extLst>
-              <a:ext uri="{FF2B5EF4-FFF2-40B4-BE49-F238E27FC236}">
-                <a16:creationId xmlns:a16="http://schemas.microsoft.com/office/drawing/2014/main" id="{E9C0F5A7-C9BE-48E0-81A1-1AA6175B2FDF}"/>
-              </a:ext>
-            </a:extLst>
-          </p:cNvPr>
-          <p:cNvSpPr txBox="1"/>
-          <p:nvPr/>
-        </p:nvSpPr>
-        <p:spPr>
-          <a:xfrm>
-            <a:off x="8770865" y="769670"/>
-            <a:ext cx="359394" cy="369332"/>
-          </a:xfrm>
-          <a:prstGeom prst="rect">
-            <a:avLst/>
-          </a:prstGeom>
-          <a:noFill/>
-        </p:spPr>
-        <p:txBody>
-          <a:bodyPr wrap="none" rtlCol="0">
-            <a:spAutoFit/>
-          </a:bodyPr>
-          <a:lstStyle/>
-          <a:p>
-            <a:r>
-              <a:rPr lang="de-AT" dirty="0"/>
-              <a:t>6.</a:t>
-            </a:r>
-          </a:p>
-        </p:txBody>
-      </p:sp>
-      <p:sp>
-        <p:nvSpPr>
-          <p:cNvPr id="185" name="Textfeld 184">
-            <a:extLst>
-              <a:ext uri="{FF2B5EF4-FFF2-40B4-BE49-F238E27FC236}">
-                <a16:creationId xmlns:a16="http://schemas.microsoft.com/office/drawing/2014/main" id="{A18E357B-2AED-4594-BA29-5F006C3781D3}"/>
-              </a:ext>
-            </a:extLst>
-          </p:cNvPr>
-          <p:cNvSpPr txBox="1"/>
-          <p:nvPr/>
-        </p:nvSpPr>
-        <p:spPr>
-          <a:xfrm>
-            <a:off x="10488435" y="769670"/>
-            <a:ext cx="359394" cy="369332"/>
-          </a:xfrm>
-          <a:prstGeom prst="rect">
-            <a:avLst/>
-          </a:prstGeom>
-          <a:noFill/>
-        </p:spPr>
-        <p:txBody>
-          <a:bodyPr wrap="none" rtlCol="0">
-            <a:spAutoFit/>
-          </a:bodyPr>
-          <a:lstStyle/>
-          <a:p>
-            <a:r>
-              <a:rPr lang="de-AT" dirty="0"/>
-              <a:t>7.</a:t>
-            </a:r>
-          </a:p>
-        </p:txBody>
-      </p:sp>
       <p:sp>
         <p:nvSpPr>
           <p:cNvPr id="3" name="Textfeld 2">
@@ -9325,7 +9472,7 @@
         </p:nvSpPr>
         <p:spPr>
           <a:xfrm>
-            <a:off x="235461" y="1798817"/>
+            <a:off x="235461" y="1326877"/>
             <a:ext cx="604408" cy="307777"/>
           </a:xfrm>
           <a:prstGeom prst="rect">
@@ -9360,7 +9507,7 @@
         </p:nvSpPr>
         <p:spPr>
           <a:xfrm>
-            <a:off x="240345" y="2581028"/>
+            <a:off x="240345" y="2109088"/>
             <a:ext cx="604408" cy="307777"/>
           </a:xfrm>
           <a:prstGeom prst="rect">
@@ -9395,7 +9542,7 @@
         </p:nvSpPr>
         <p:spPr>
           <a:xfrm>
-            <a:off x="237136" y="3377842"/>
+            <a:off x="237136" y="2905902"/>
             <a:ext cx="604408" cy="307777"/>
           </a:xfrm>
           <a:prstGeom prst="rect">
@@ -9430,7 +9577,7 @@
         </p:nvSpPr>
         <p:spPr>
           <a:xfrm>
-            <a:off x="721678" y="4092933"/>
+            <a:off x="721678" y="3620993"/>
             <a:ext cx="604408" cy="307777"/>
           </a:xfrm>
           <a:prstGeom prst="rect">
@@ -9465,7 +9612,7 @@
         </p:nvSpPr>
         <p:spPr>
           <a:xfrm>
-            <a:off x="235461" y="5048732"/>
+            <a:off x="235461" y="4576792"/>
             <a:ext cx="604408" cy="307777"/>
           </a:xfrm>
           <a:prstGeom prst="rect">
@@ -9500,7 +9647,7 @@
         </p:nvSpPr>
         <p:spPr>
           <a:xfrm>
-            <a:off x="722730" y="5770176"/>
+            <a:off x="722730" y="5298236"/>
             <a:ext cx="604408" cy="307777"/>
           </a:xfrm>
           <a:prstGeom prst="rect">
@@ -9535,7 +9682,7 @@
         </p:nvSpPr>
         <p:spPr>
           <a:xfrm>
-            <a:off x="1957759" y="1818481"/>
+            <a:off x="1957759" y="1346541"/>
             <a:ext cx="604408" cy="307777"/>
           </a:xfrm>
           <a:prstGeom prst="rect">
@@ -9570,7 +9717,7 @@
         </p:nvSpPr>
         <p:spPr>
           <a:xfrm>
-            <a:off x="1951070" y="2600692"/>
+            <a:off x="1951070" y="2128752"/>
             <a:ext cx="604408" cy="523220"/>
           </a:xfrm>
           <a:prstGeom prst="rect">
@@ -9605,7 +9752,7 @@
         </p:nvSpPr>
         <p:spPr>
           <a:xfrm>
-            <a:off x="2454684" y="3318545"/>
+            <a:off x="2454684" y="2846605"/>
             <a:ext cx="604408" cy="307777"/>
           </a:xfrm>
           <a:prstGeom prst="rect">
@@ -9640,7 +9787,7 @@
         </p:nvSpPr>
         <p:spPr>
           <a:xfrm>
-            <a:off x="1977423" y="4282520"/>
+            <a:off x="1977423" y="3810580"/>
             <a:ext cx="604408" cy="307777"/>
           </a:xfrm>
           <a:prstGeom prst="rect">
@@ -9675,7 +9822,7 @@
         </p:nvSpPr>
         <p:spPr>
           <a:xfrm>
-            <a:off x="1970514" y="5058096"/>
+            <a:off x="1970514" y="4586156"/>
             <a:ext cx="604408" cy="307777"/>
           </a:xfrm>
           <a:prstGeom prst="rect">
@@ -9710,7 +9857,7 @@
         </p:nvSpPr>
         <p:spPr>
           <a:xfrm>
-            <a:off x="2437206" y="5786245"/>
+            <a:off x="2437206" y="5314305"/>
             <a:ext cx="604408" cy="307777"/>
           </a:xfrm>
           <a:prstGeom prst="rect">
@@ -9745,7 +9892,7 @@
         </p:nvSpPr>
         <p:spPr>
           <a:xfrm>
-            <a:off x="4570830" y="161624"/>
+            <a:off x="4491100" y="-310597"/>
             <a:ext cx="3647765" cy="738664"/>
           </a:xfrm>
           <a:prstGeom prst="rect">
@@ -9787,7 +9934,7 @@
         </p:nvGrpSpPr>
         <p:grpSpPr>
           <a:xfrm>
-            <a:off x="3772572" y="1896674"/>
+            <a:off x="3772572" y="1424734"/>
             <a:ext cx="1270129" cy="644606"/>
             <a:chOff x="1101012" y="1380932"/>
             <a:chExt cx="1651519" cy="886408"/>
@@ -10120,7 +10267,7 @@
         </p:nvGrpSpPr>
         <p:grpSpPr>
           <a:xfrm>
-            <a:off x="3772572" y="2673969"/>
+            <a:off x="3772572" y="2202029"/>
             <a:ext cx="1270129" cy="644606"/>
             <a:chOff x="1101012" y="1380932"/>
             <a:chExt cx="1651519" cy="886408"/>
@@ -10177,7 +10324,7 @@
             <a:p>
               <a:pPr algn="ctr"/>
               <a:r>
-                <a:rPr lang="de-AT" sz="1600" dirty="0" err="1">
+                <a:rPr lang="de-AT" sz="1500" dirty="0" err="1">
                   <a:solidFill>
                     <a:schemeClr val="tx1"/>
                   </a:solidFill>
@@ -10185,7 +10332,7 @@
                 <a:t>Define</a:t>
               </a:r>
               <a:r>
-                <a:rPr lang="de-AT" sz="1600" dirty="0">
+                <a:rPr lang="de-AT" sz="1500" dirty="0">
                   <a:solidFill>
                     <a:schemeClr val="tx1"/>
                   </a:solidFill>
@@ -10193,14 +10340,14 @@
                 <a:t> </a:t>
               </a:r>
               <a:r>
-                <a:rPr lang="de-AT" sz="1600" dirty="0" err="1">
+                <a:rPr lang="de-AT" sz="1500" dirty="0" err="1">
                   <a:solidFill>
                     <a:schemeClr val="tx1"/>
                   </a:solidFill>
                 </a:rPr>
                 <a:t>relations</a:t>
               </a:r>
-              <a:endParaRPr lang="de-AT" sz="1600" dirty="0">
+              <a:endParaRPr lang="de-AT" sz="1500" dirty="0">
                 <a:solidFill>
                   <a:schemeClr val="tx1"/>
                 </a:solidFill>
@@ -10437,7 +10584,7 @@
         </p:nvGrpSpPr>
         <p:grpSpPr>
           <a:xfrm>
-            <a:off x="3771923" y="3491451"/>
+            <a:off x="3771923" y="3019511"/>
             <a:ext cx="1270129" cy="644606"/>
             <a:chOff x="1101012" y="1380932"/>
             <a:chExt cx="1651519" cy="886408"/>
@@ -10494,7 +10641,7 @@
             <a:p>
               <a:pPr algn="ctr"/>
               <a:r>
-                <a:rPr lang="de-AT" sz="1600" dirty="0" err="1">
+                <a:rPr lang="de-AT" sz="1500" dirty="0" err="1">
                   <a:solidFill>
                     <a:schemeClr val="tx1"/>
                   </a:solidFill>
@@ -10502,7 +10649,7 @@
                 <a:t>Define</a:t>
               </a:r>
               <a:r>
-                <a:rPr lang="de-AT" sz="1600" dirty="0">
+                <a:rPr lang="de-AT" sz="1500" dirty="0">
                   <a:solidFill>
                     <a:schemeClr val="tx1"/>
                   </a:solidFill>
@@ -10741,7 +10888,7 @@
         </p:nvGrpSpPr>
         <p:grpSpPr>
           <a:xfrm>
-            <a:off x="3771923" y="4314466"/>
+            <a:off x="3771923" y="3842526"/>
             <a:ext cx="1270129" cy="644606"/>
             <a:chOff x="1101012" y="1380932"/>
             <a:chExt cx="1651519" cy="886408"/>
@@ -10798,7 +10945,7 @@
             <a:p>
               <a:pPr algn="ctr"/>
               <a:r>
-                <a:rPr lang="de-AT" sz="1600" dirty="0" err="1">
+                <a:rPr lang="de-AT" sz="1500" dirty="0" err="1">
                   <a:solidFill>
                     <a:schemeClr val="tx1"/>
                   </a:solidFill>
@@ -10806,7 +10953,26 @@
                 <a:t>Define</a:t>
               </a:r>
               <a:r>
-                <a:rPr lang="de-AT" sz="1600" dirty="0">
+                <a:rPr lang="de-AT" sz="1500" dirty="0">
+                  <a:solidFill>
+                    <a:schemeClr val="tx1"/>
+                  </a:solidFill>
+                </a:rPr>
+                <a:t> </a:t>
+              </a:r>
+            </a:p>
+            <a:p>
+              <a:pPr algn="ctr"/>
+              <a:r>
+                <a:rPr lang="de-AT" sz="1500" dirty="0" err="1">
+                  <a:solidFill>
+                    <a:schemeClr val="tx1"/>
+                  </a:solidFill>
+                </a:rPr>
+                <a:t>server</a:t>
+              </a:r>
+              <a:r>
+                <a:rPr lang="de-AT" sz="1500" dirty="0">
                   <a:solidFill>
                     <a:schemeClr val="tx1"/>
                   </a:solidFill>
@@ -10814,30 +10980,14 @@
                 <a:t> </a:t>
               </a:r>
               <a:r>
-                <a:rPr lang="de-AT" sz="1600" dirty="0" err="1">
-                  <a:solidFill>
-                    <a:schemeClr val="tx1"/>
-                  </a:solidFill>
-                </a:rPr>
-                <a:t>server</a:t>
-              </a:r>
-              <a:r>
-                <a:rPr lang="de-AT" sz="1600" dirty="0">
-                  <a:solidFill>
-                    <a:schemeClr val="tx1"/>
-                  </a:solidFill>
-                </a:rPr>
-                <a:t> </a:t>
-              </a:r>
-              <a:r>
-                <a:rPr lang="de-AT" sz="1600" dirty="0" err="1">
+                <a:rPr lang="de-AT" sz="1500" dirty="0" err="1">
                   <a:solidFill>
                     <a:schemeClr val="tx1"/>
                   </a:solidFill>
                 </a:rPr>
                 <a:t>config</a:t>
               </a:r>
-              <a:endParaRPr lang="de-AT" sz="1600" dirty="0">
+              <a:endParaRPr lang="de-AT" sz="1500" dirty="0">
                 <a:solidFill>
                   <a:schemeClr val="tx1"/>
                 </a:solidFill>
@@ -11074,7 +11224,7 @@
         </p:nvGrpSpPr>
         <p:grpSpPr>
           <a:xfrm>
-            <a:off x="3775984" y="5110744"/>
+            <a:off x="3775984" y="4638804"/>
             <a:ext cx="1270129" cy="644606"/>
             <a:chOff x="1101012" y="1380932"/>
             <a:chExt cx="1651519" cy="886408"/>
@@ -11131,7 +11281,7 @@
             <a:p>
               <a:pPr algn="ctr"/>
               <a:r>
-                <a:rPr lang="de-AT" sz="1600" dirty="0" err="1">
+                <a:rPr lang="de-AT" sz="1500" dirty="0" err="1">
                   <a:solidFill>
                     <a:schemeClr val="tx1"/>
                   </a:solidFill>
@@ -11139,7 +11289,7 @@
                 <a:t>Define</a:t>
               </a:r>
               <a:r>
-                <a:rPr lang="de-AT" sz="1600" dirty="0">
+                <a:rPr lang="de-AT" sz="1500" dirty="0">
                   <a:solidFill>
                     <a:schemeClr val="tx1"/>
                   </a:solidFill>
@@ -11147,14 +11297,14 @@
                 <a:t> </a:t>
               </a:r>
               <a:r>
-                <a:rPr lang="de-AT" sz="1600" dirty="0" err="1">
+                <a:rPr lang="de-AT" sz="1500" dirty="0" err="1">
                   <a:solidFill>
                     <a:schemeClr val="tx1"/>
                   </a:solidFill>
                 </a:rPr>
                 <a:t>testcases</a:t>
               </a:r>
-              <a:endParaRPr lang="de-AT" sz="1600" dirty="0">
+              <a:endParaRPr lang="de-AT" sz="1500" dirty="0">
                 <a:solidFill>
                   <a:schemeClr val="tx1"/>
                 </a:solidFill>
@@ -11391,7 +11541,7 @@
         </p:nvSpPr>
         <p:spPr>
           <a:xfrm>
-            <a:off x="3721755" y="1844918"/>
+            <a:off x="3721755" y="1372978"/>
             <a:ext cx="604408" cy="307777"/>
           </a:xfrm>
           <a:prstGeom prst="rect">
@@ -11426,7 +11576,7 @@
         </p:nvSpPr>
         <p:spPr>
           <a:xfrm>
-            <a:off x="3722296" y="2628275"/>
+            <a:off x="3722296" y="2156335"/>
             <a:ext cx="604408" cy="307777"/>
           </a:xfrm>
           <a:prstGeom prst="rect">
@@ -11461,7 +11611,7 @@
         </p:nvSpPr>
         <p:spPr>
           <a:xfrm>
-            <a:off x="3716027" y="3435013"/>
+            <a:off x="3716027" y="2963073"/>
             <a:ext cx="604408" cy="307777"/>
           </a:xfrm>
           <a:prstGeom prst="rect">
@@ -11496,7 +11646,7 @@
         </p:nvSpPr>
         <p:spPr>
           <a:xfrm>
-            <a:off x="3716027" y="4257464"/>
+            <a:off x="3716027" y="3785524"/>
             <a:ext cx="604408" cy="307777"/>
           </a:xfrm>
           <a:prstGeom prst="rect">
@@ -11531,7 +11681,7 @@
         </p:nvSpPr>
         <p:spPr>
           <a:xfrm>
-            <a:off x="3724228" y="5051662"/>
+            <a:off x="3724228" y="4579722"/>
             <a:ext cx="604408" cy="307777"/>
           </a:xfrm>
           <a:prstGeom prst="rect">
@@ -11570,7 +11720,7 @@
         </p:nvCxnSpPr>
         <p:spPr>
           <a:xfrm>
-            <a:off x="4407637" y="2541280"/>
+            <a:off x="4407637" y="2069340"/>
             <a:ext cx="0" cy="132689"/>
           </a:xfrm>
           <a:prstGeom prst="line">
@@ -11615,7 +11765,7 @@
         </p:nvCxnSpPr>
         <p:spPr>
           <a:xfrm flipH="1">
-            <a:off x="4406988" y="3318575"/>
+            <a:off x="4406988" y="2846635"/>
             <a:ext cx="649" cy="172876"/>
           </a:xfrm>
           <a:prstGeom prst="line">
@@ -11660,7 +11810,7 @@
         </p:nvCxnSpPr>
         <p:spPr>
           <a:xfrm>
-            <a:off x="4406988" y="4136057"/>
+            <a:off x="4406988" y="3664117"/>
             <a:ext cx="0" cy="178409"/>
           </a:xfrm>
           <a:prstGeom prst="line">
@@ -11705,7 +11855,7 @@
         </p:nvCxnSpPr>
         <p:spPr>
           <a:xfrm flipH="1" flipV="1">
-            <a:off x="4406988" y="4959072"/>
+            <a:off x="4406988" y="4487132"/>
             <a:ext cx="4061" cy="151672"/>
           </a:xfrm>
           <a:prstGeom prst="line">
@@ -11746,7 +11896,7 @@
         </p:nvGrpSpPr>
         <p:grpSpPr>
           <a:xfrm>
-            <a:off x="3797850" y="5764251"/>
+            <a:off x="3797850" y="5292311"/>
             <a:ext cx="1270129" cy="1001222"/>
             <a:chOff x="1205964" y="4197836"/>
             <a:chExt cx="1270129" cy="1001222"/>
@@ -11941,7 +12091,7 @@
         </p:nvSpPr>
         <p:spPr>
           <a:xfrm>
-            <a:off x="4217435" y="5784389"/>
+            <a:off x="4217435" y="5312449"/>
             <a:ext cx="604408" cy="307777"/>
           </a:xfrm>
           <a:prstGeom prst="rect">
@@ -11980,7 +12130,7 @@
         </p:nvCxnSpPr>
         <p:spPr>
           <a:xfrm>
-            <a:off x="4403248" y="1636143"/>
+            <a:off x="4403248" y="1164203"/>
             <a:ext cx="4389" cy="260531"/>
           </a:xfrm>
           <a:prstGeom prst="line">
@@ -12007,6 +12157,2791 @@
           </a:fontRef>
         </p:style>
       </p:cxnSp>
+      <p:grpSp>
+        <p:nvGrpSpPr>
+          <p:cNvPr id="246" name="Gruppieren 245">
+            <a:extLst>
+              <a:ext uri="{FF2B5EF4-FFF2-40B4-BE49-F238E27FC236}">
+                <a16:creationId xmlns:a16="http://schemas.microsoft.com/office/drawing/2014/main" id="{FCF6092E-2EA1-47A5-940C-E5C1E1AD6871}"/>
+              </a:ext>
+            </a:extLst>
+          </p:cNvPr>
+          <p:cNvGrpSpPr/>
+          <p:nvPr/>
+        </p:nvGrpSpPr>
+        <p:grpSpPr>
+          <a:xfrm>
+            <a:off x="5488201" y="1394350"/>
+            <a:ext cx="1270129" cy="644606"/>
+            <a:chOff x="1101012" y="1380932"/>
+            <a:chExt cx="1651519" cy="886408"/>
+          </a:xfrm>
+        </p:grpSpPr>
+        <p:sp>
+          <p:nvSpPr>
+            <p:cNvPr id="254" name="Rechteck 253">
+              <a:extLst>
+                <a:ext uri="{FF2B5EF4-FFF2-40B4-BE49-F238E27FC236}">
+                  <a16:creationId xmlns:a16="http://schemas.microsoft.com/office/drawing/2014/main" id="{542FF543-D8AF-4A2E-BC25-A941D88A06E5}"/>
+                </a:ext>
+              </a:extLst>
+            </p:cNvPr>
+            <p:cNvSpPr/>
+            <p:nvPr/>
+          </p:nvSpPr>
+          <p:spPr>
+            <a:xfrm>
+              <a:off x="1101012" y="1380932"/>
+              <a:ext cx="1651519" cy="886408"/>
+            </a:xfrm>
+            <a:prstGeom prst="rect">
+              <a:avLst/>
+            </a:prstGeom>
+            <a:solidFill>
+              <a:schemeClr val="bg1"/>
+            </a:solidFill>
+            <a:ln>
+              <a:solidFill>
+                <a:schemeClr val="tx1"/>
+              </a:solidFill>
+            </a:ln>
+          </p:spPr>
+          <p:style>
+            <a:lnRef idx="2">
+              <a:schemeClr val="accent1">
+                <a:shade val="50000"/>
+              </a:schemeClr>
+            </a:lnRef>
+            <a:fillRef idx="1">
+              <a:schemeClr val="accent1"/>
+            </a:fillRef>
+            <a:effectRef idx="0">
+              <a:schemeClr val="accent1"/>
+            </a:effectRef>
+            <a:fontRef idx="minor">
+              <a:schemeClr val="lt1"/>
+            </a:fontRef>
+          </p:style>
+          <p:txBody>
+            <a:bodyPr rtlCol="0" anchor="ctr"/>
+            <a:lstStyle/>
+            <a:p>
+              <a:pPr algn="ctr"/>
+              <a:r>
+                <a:rPr lang="de-AT" sz="1500" dirty="0">
+                  <a:solidFill>
+                    <a:schemeClr val="tx1"/>
+                  </a:solidFill>
+                </a:rPr>
+                <a:t>Create </a:t>
+              </a:r>
+              <a:r>
+                <a:rPr lang="de-AT" sz="1500" dirty="0" err="1">
+                  <a:solidFill>
+                    <a:schemeClr val="tx1"/>
+                  </a:solidFill>
+                </a:rPr>
+                <a:t>database</a:t>
+              </a:r>
+              <a:r>
+                <a:rPr lang="de-AT" sz="1500" dirty="0">
+                  <a:solidFill>
+                    <a:schemeClr val="tx1"/>
+                  </a:solidFill>
+                </a:rPr>
+                <a:t>  &amp; </a:t>
+              </a:r>
+              <a:r>
+                <a:rPr lang="de-AT" sz="1500" dirty="0" err="1">
+                  <a:solidFill>
+                    <a:schemeClr val="tx1"/>
+                  </a:solidFill>
+                </a:rPr>
+                <a:t>tables</a:t>
+              </a:r>
+              <a:endParaRPr lang="de-AT" sz="1500" dirty="0">
+                <a:solidFill>
+                  <a:schemeClr val="tx1"/>
+                </a:solidFill>
+              </a:endParaRPr>
+            </a:p>
+          </p:txBody>
+        </p:sp>
+        <p:grpSp>
+          <p:nvGrpSpPr>
+            <p:cNvPr id="255" name="Gruppieren 254">
+              <a:extLst>
+                <a:ext uri="{FF2B5EF4-FFF2-40B4-BE49-F238E27FC236}">
+                  <a16:creationId xmlns:a16="http://schemas.microsoft.com/office/drawing/2014/main" id="{5E327B9E-AAA0-416D-A792-B6A84DBEA141}"/>
+                </a:ext>
+              </a:extLst>
+            </p:cNvPr>
+            <p:cNvGrpSpPr/>
+            <p:nvPr/>
+          </p:nvGrpSpPr>
+          <p:grpSpPr>
+            <a:xfrm>
+              <a:off x="2379306" y="1380932"/>
+              <a:ext cx="373224" cy="270586"/>
+              <a:chOff x="2379306" y="1380932"/>
+              <a:chExt cx="373224" cy="270586"/>
+            </a:xfrm>
+          </p:grpSpPr>
+          <p:cxnSp>
+            <p:nvCxnSpPr>
+              <p:cNvPr id="259" name="Gerader Verbinder 258">
+                <a:extLst>
+                  <a:ext uri="{FF2B5EF4-FFF2-40B4-BE49-F238E27FC236}">
+                    <a16:creationId xmlns:a16="http://schemas.microsoft.com/office/drawing/2014/main" id="{9E9EB466-C3DF-4B1C-9658-419D8A13E03E}"/>
+                  </a:ext>
+                </a:extLst>
+              </p:cNvPr>
+              <p:cNvCxnSpPr>
+                <a:cxnSpLocks/>
+              </p:cNvCxnSpPr>
+              <p:nvPr/>
+            </p:nvCxnSpPr>
+            <p:spPr>
+              <a:xfrm>
+                <a:off x="2379306" y="1380932"/>
+                <a:ext cx="0" cy="270586"/>
+              </a:xfrm>
+              <a:prstGeom prst="line">
+                <a:avLst/>
+              </a:prstGeom>
+              <a:ln>
+                <a:solidFill>
+                  <a:schemeClr val="tx1"/>
+                </a:solidFill>
+              </a:ln>
+            </p:spPr>
+            <p:style>
+              <a:lnRef idx="1">
+                <a:schemeClr val="accent1"/>
+              </a:lnRef>
+              <a:fillRef idx="0">
+                <a:schemeClr val="accent1"/>
+              </a:fillRef>
+              <a:effectRef idx="0">
+                <a:schemeClr val="accent1"/>
+              </a:effectRef>
+              <a:fontRef idx="minor">
+                <a:schemeClr val="tx1"/>
+              </a:fontRef>
+            </p:style>
+          </p:cxnSp>
+          <p:cxnSp>
+            <p:nvCxnSpPr>
+              <p:cNvPr id="260" name="Gerader Verbinder 259">
+                <a:extLst>
+                  <a:ext uri="{FF2B5EF4-FFF2-40B4-BE49-F238E27FC236}">
+                    <a16:creationId xmlns:a16="http://schemas.microsoft.com/office/drawing/2014/main" id="{7898D610-AABB-412C-9A71-22290D5DB5D3}"/>
+                  </a:ext>
+                </a:extLst>
+              </p:cNvPr>
+              <p:cNvCxnSpPr>
+                <a:cxnSpLocks/>
+              </p:cNvCxnSpPr>
+              <p:nvPr/>
+            </p:nvCxnSpPr>
+            <p:spPr>
+              <a:xfrm>
+                <a:off x="2379306" y="1651518"/>
+                <a:ext cx="373224" cy="0"/>
+              </a:xfrm>
+              <a:prstGeom prst="line">
+                <a:avLst/>
+              </a:prstGeom>
+              <a:ln>
+                <a:solidFill>
+                  <a:schemeClr val="tx1"/>
+                </a:solidFill>
+              </a:ln>
+            </p:spPr>
+            <p:style>
+              <a:lnRef idx="1">
+                <a:schemeClr val="accent1"/>
+              </a:lnRef>
+              <a:fillRef idx="0">
+                <a:schemeClr val="accent1"/>
+              </a:fillRef>
+              <a:effectRef idx="0">
+                <a:schemeClr val="accent1"/>
+              </a:effectRef>
+              <a:fontRef idx="minor">
+                <a:schemeClr val="tx1"/>
+              </a:fontRef>
+            </p:style>
+          </p:cxnSp>
+        </p:grpSp>
+        <p:grpSp>
+          <p:nvGrpSpPr>
+            <p:cNvPr id="256" name="Gruppieren 255">
+              <a:extLst>
+                <a:ext uri="{FF2B5EF4-FFF2-40B4-BE49-F238E27FC236}">
+                  <a16:creationId xmlns:a16="http://schemas.microsoft.com/office/drawing/2014/main" id="{AD133FEE-EC6F-47CF-BDED-ACA7DA5D7503}"/>
+                </a:ext>
+              </a:extLst>
+            </p:cNvPr>
+            <p:cNvGrpSpPr/>
+            <p:nvPr/>
+          </p:nvGrpSpPr>
+          <p:grpSpPr>
+            <a:xfrm>
+              <a:off x="1101012" y="1380932"/>
+              <a:ext cx="373224" cy="270586"/>
+              <a:chOff x="1101012" y="1380932"/>
+              <a:chExt cx="373224" cy="270586"/>
+            </a:xfrm>
+          </p:grpSpPr>
+          <p:cxnSp>
+            <p:nvCxnSpPr>
+              <p:cNvPr id="257" name="Gerader Verbinder 256">
+                <a:extLst>
+                  <a:ext uri="{FF2B5EF4-FFF2-40B4-BE49-F238E27FC236}">
+                    <a16:creationId xmlns:a16="http://schemas.microsoft.com/office/drawing/2014/main" id="{B54E5F32-454B-48BF-A781-13919104056C}"/>
+                  </a:ext>
+                </a:extLst>
+              </p:cNvPr>
+              <p:cNvCxnSpPr>
+                <a:cxnSpLocks/>
+              </p:cNvCxnSpPr>
+              <p:nvPr/>
+            </p:nvCxnSpPr>
+            <p:spPr>
+              <a:xfrm>
+                <a:off x="1474236" y="1380932"/>
+                <a:ext cx="0" cy="270586"/>
+              </a:xfrm>
+              <a:prstGeom prst="line">
+                <a:avLst/>
+              </a:prstGeom>
+              <a:ln>
+                <a:solidFill>
+                  <a:schemeClr val="tx1"/>
+                </a:solidFill>
+              </a:ln>
+            </p:spPr>
+            <p:style>
+              <a:lnRef idx="1">
+                <a:schemeClr val="accent1"/>
+              </a:lnRef>
+              <a:fillRef idx="0">
+                <a:schemeClr val="accent1"/>
+              </a:fillRef>
+              <a:effectRef idx="0">
+                <a:schemeClr val="accent1"/>
+              </a:effectRef>
+              <a:fontRef idx="minor">
+                <a:schemeClr val="tx1"/>
+              </a:fontRef>
+            </p:style>
+          </p:cxnSp>
+          <p:cxnSp>
+            <p:nvCxnSpPr>
+              <p:cNvPr id="258" name="Gerader Verbinder 257">
+                <a:extLst>
+                  <a:ext uri="{FF2B5EF4-FFF2-40B4-BE49-F238E27FC236}">
+                    <a16:creationId xmlns:a16="http://schemas.microsoft.com/office/drawing/2014/main" id="{B84A899F-742A-4ECC-9881-6DCC5567CEFA}"/>
+                  </a:ext>
+                </a:extLst>
+              </p:cNvPr>
+              <p:cNvCxnSpPr>
+                <a:cxnSpLocks/>
+              </p:cNvCxnSpPr>
+              <p:nvPr/>
+            </p:nvCxnSpPr>
+            <p:spPr>
+              <a:xfrm>
+                <a:off x="1101012" y="1651518"/>
+                <a:ext cx="373224" cy="0"/>
+              </a:xfrm>
+              <a:prstGeom prst="line">
+                <a:avLst/>
+              </a:prstGeom>
+              <a:ln>
+                <a:solidFill>
+                  <a:schemeClr val="tx1"/>
+                </a:solidFill>
+              </a:ln>
+            </p:spPr>
+            <p:style>
+              <a:lnRef idx="1">
+                <a:schemeClr val="accent1"/>
+              </a:lnRef>
+              <a:fillRef idx="0">
+                <a:schemeClr val="accent1"/>
+              </a:fillRef>
+              <a:effectRef idx="0">
+                <a:schemeClr val="accent1"/>
+              </a:effectRef>
+              <a:fontRef idx="minor">
+                <a:schemeClr val="tx1"/>
+              </a:fontRef>
+            </p:style>
+          </p:cxnSp>
+        </p:grpSp>
+      </p:grpSp>
+      <p:grpSp>
+        <p:nvGrpSpPr>
+          <p:cNvPr id="261" name="Gruppieren 260">
+            <a:extLst>
+              <a:ext uri="{FF2B5EF4-FFF2-40B4-BE49-F238E27FC236}">
+                <a16:creationId xmlns:a16="http://schemas.microsoft.com/office/drawing/2014/main" id="{AA92AA61-9D99-4742-864E-074F92CE7C49}"/>
+              </a:ext>
+            </a:extLst>
+          </p:cNvPr>
+          <p:cNvGrpSpPr/>
+          <p:nvPr/>
+        </p:nvGrpSpPr>
+        <p:grpSpPr>
+          <a:xfrm>
+            <a:off x="5488201" y="2171645"/>
+            <a:ext cx="1270129" cy="644606"/>
+            <a:chOff x="1101012" y="1380932"/>
+            <a:chExt cx="1651519" cy="886408"/>
+          </a:xfrm>
+        </p:grpSpPr>
+        <p:sp>
+          <p:nvSpPr>
+            <p:cNvPr id="262" name="Rechteck 261">
+              <a:extLst>
+                <a:ext uri="{FF2B5EF4-FFF2-40B4-BE49-F238E27FC236}">
+                  <a16:creationId xmlns:a16="http://schemas.microsoft.com/office/drawing/2014/main" id="{27D7D67F-6BF9-43B6-BBBC-4B670A500258}"/>
+                </a:ext>
+              </a:extLst>
+            </p:cNvPr>
+            <p:cNvSpPr/>
+            <p:nvPr/>
+          </p:nvSpPr>
+          <p:spPr>
+            <a:xfrm>
+              <a:off x="1101012" y="1380932"/>
+              <a:ext cx="1651519" cy="886408"/>
+            </a:xfrm>
+            <a:prstGeom prst="rect">
+              <a:avLst/>
+            </a:prstGeom>
+            <a:solidFill>
+              <a:schemeClr val="bg1"/>
+            </a:solidFill>
+            <a:ln>
+              <a:solidFill>
+                <a:schemeClr val="tx1"/>
+              </a:solidFill>
+            </a:ln>
+          </p:spPr>
+          <p:style>
+            <a:lnRef idx="2">
+              <a:schemeClr val="accent1">
+                <a:shade val="50000"/>
+              </a:schemeClr>
+            </a:lnRef>
+            <a:fillRef idx="1">
+              <a:schemeClr val="accent1"/>
+            </a:fillRef>
+            <a:effectRef idx="0">
+              <a:schemeClr val="accent1"/>
+            </a:effectRef>
+            <a:fontRef idx="minor">
+              <a:schemeClr val="lt1"/>
+            </a:fontRef>
+          </p:style>
+          <p:txBody>
+            <a:bodyPr rtlCol="0" anchor="ctr"/>
+            <a:lstStyle/>
+            <a:p>
+              <a:pPr algn="ctr"/>
+              <a:r>
+                <a:rPr lang="de-AT" sz="1500" dirty="0">
+                  <a:solidFill>
+                    <a:schemeClr val="tx1"/>
+                  </a:solidFill>
+                </a:rPr>
+                <a:t>Create </a:t>
+              </a:r>
+              <a:r>
+                <a:rPr lang="de-AT" sz="1500" dirty="0" err="1">
+                  <a:solidFill>
+                    <a:schemeClr val="tx1"/>
+                  </a:solidFill>
+                </a:rPr>
+                <a:t>relations</a:t>
+              </a:r>
+              <a:endParaRPr lang="de-AT" sz="1500" dirty="0">
+                <a:solidFill>
+                  <a:schemeClr val="tx1"/>
+                </a:solidFill>
+              </a:endParaRPr>
+            </a:p>
+          </p:txBody>
+        </p:sp>
+        <p:grpSp>
+          <p:nvGrpSpPr>
+            <p:cNvPr id="263" name="Gruppieren 262">
+              <a:extLst>
+                <a:ext uri="{FF2B5EF4-FFF2-40B4-BE49-F238E27FC236}">
+                  <a16:creationId xmlns:a16="http://schemas.microsoft.com/office/drawing/2014/main" id="{631E3A0A-057D-409F-AC70-6B6D29FB88C5}"/>
+                </a:ext>
+              </a:extLst>
+            </p:cNvPr>
+            <p:cNvGrpSpPr/>
+            <p:nvPr/>
+          </p:nvGrpSpPr>
+          <p:grpSpPr>
+            <a:xfrm>
+              <a:off x="2379306" y="1380932"/>
+              <a:ext cx="373224" cy="270586"/>
+              <a:chOff x="2379306" y="1380932"/>
+              <a:chExt cx="373224" cy="270586"/>
+            </a:xfrm>
+          </p:grpSpPr>
+          <p:cxnSp>
+            <p:nvCxnSpPr>
+              <p:cNvPr id="267" name="Gerader Verbinder 266">
+                <a:extLst>
+                  <a:ext uri="{FF2B5EF4-FFF2-40B4-BE49-F238E27FC236}">
+                    <a16:creationId xmlns:a16="http://schemas.microsoft.com/office/drawing/2014/main" id="{79E4FD8B-6393-4DD3-893E-BF8C058DAFFD}"/>
+                  </a:ext>
+                </a:extLst>
+              </p:cNvPr>
+              <p:cNvCxnSpPr>
+                <a:cxnSpLocks/>
+              </p:cNvCxnSpPr>
+              <p:nvPr/>
+            </p:nvCxnSpPr>
+            <p:spPr>
+              <a:xfrm>
+                <a:off x="2379306" y="1380932"/>
+                <a:ext cx="0" cy="270586"/>
+              </a:xfrm>
+              <a:prstGeom prst="line">
+                <a:avLst/>
+              </a:prstGeom>
+              <a:ln>
+                <a:solidFill>
+                  <a:schemeClr val="tx1"/>
+                </a:solidFill>
+              </a:ln>
+            </p:spPr>
+            <p:style>
+              <a:lnRef idx="1">
+                <a:schemeClr val="accent1"/>
+              </a:lnRef>
+              <a:fillRef idx="0">
+                <a:schemeClr val="accent1"/>
+              </a:fillRef>
+              <a:effectRef idx="0">
+                <a:schemeClr val="accent1"/>
+              </a:effectRef>
+              <a:fontRef idx="minor">
+                <a:schemeClr val="tx1"/>
+              </a:fontRef>
+            </p:style>
+          </p:cxnSp>
+          <p:cxnSp>
+            <p:nvCxnSpPr>
+              <p:cNvPr id="268" name="Gerader Verbinder 267">
+                <a:extLst>
+                  <a:ext uri="{FF2B5EF4-FFF2-40B4-BE49-F238E27FC236}">
+                    <a16:creationId xmlns:a16="http://schemas.microsoft.com/office/drawing/2014/main" id="{D4489384-E6C1-4558-8ED0-A22039FC4C88}"/>
+                  </a:ext>
+                </a:extLst>
+              </p:cNvPr>
+              <p:cNvCxnSpPr>
+                <a:cxnSpLocks/>
+              </p:cNvCxnSpPr>
+              <p:nvPr/>
+            </p:nvCxnSpPr>
+            <p:spPr>
+              <a:xfrm>
+                <a:off x="2379306" y="1651518"/>
+                <a:ext cx="373224" cy="0"/>
+              </a:xfrm>
+              <a:prstGeom prst="line">
+                <a:avLst/>
+              </a:prstGeom>
+              <a:ln>
+                <a:solidFill>
+                  <a:schemeClr val="tx1"/>
+                </a:solidFill>
+              </a:ln>
+            </p:spPr>
+            <p:style>
+              <a:lnRef idx="1">
+                <a:schemeClr val="accent1"/>
+              </a:lnRef>
+              <a:fillRef idx="0">
+                <a:schemeClr val="accent1"/>
+              </a:fillRef>
+              <a:effectRef idx="0">
+                <a:schemeClr val="accent1"/>
+              </a:effectRef>
+              <a:fontRef idx="minor">
+                <a:schemeClr val="tx1"/>
+              </a:fontRef>
+            </p:style>
+          </p:cxnSp>
+        </p:grpSp>
+        <p:grpSp>
+          <p:nvGrpSpPr>
+            <p:cNvPr id="264" name="Gruppieren 263">
+              <a:extLst>
+                <a:ext uri="{FF2B5EF4-FFF2-40B4-BE49-F238E27FC236}">
+                  <a16:creationId xmlns:a16="http://schemas.microsoft.com/office/drawing/2014/main" id="{DAF33BDD-3B13-4306-B951-91E01CB8144D}"/>
+                </a:ext>
+              </a:extLst>
+            </p:cNvPr>
+            <p:cNvGrpSpPr/>
+            <p:nvPr/>
+          </p:nvGrpSpPr>
+          <p:grpSpPr>
+            <a:xfrm>
+              <a:off x="1101012" y="1380932"/>
+              <a:ext cx="373224" cy="270586"/>
+              <a:chOff x="1101012" y="1380932"/>
+              <a:chExt cx="373224" cy="270586"/>
+            </a:xfrm>
+          </p:grpSpPr>
+          <p:cxnSp>
+            <p:nvCxnSpPr>
+              <p:cNvPr id="265" name="Gerader Verbinder 264">
+                <a:extLst>
+                  <a:ext uri="{FF2B5EF4-FFF2-40B4-BE49-F238E27FC236}">
+                    <a16:creationId xmlns:a16="http://schemas.microsoft.com/office/drawing/2014/main" id="{794FBF8C-1BD6-4A17-9EA3-78507B4E8A79}"/>
+                  </a:ext>
+                </a:extLst>
+              </p:cNvPr>
+              <p:cNvCxnSpPr>
+                <a:cxnSpLocks/>
+              </p:cNvCxnSpPr>
+              <p:nvPr/>
+            </p:nvCxnSpPr>
+            <p:spPr>
+              <a:xfrm>
+                <a:off x="1474236" y="1380932"/>
+                <a:ext cx="0" cy="270586"/>
+              </a:xfrm>
+              <a:prstGeom prst="line">
+                <a:avLst/>
+              </a:prstGeom>
+              <a:ln>
+                <a:solidFill>
+                  <a:schemeClr val="tx1"/>
+                </a:solidFill>
+              </a:ln>
+            </p:spPr>
+            <p:style>
+              <a:lnRef idx="1">
+                <a:schemeClr val="accent1"/>
+              </a:lnRef>
+              <a:fillRef idx="0">
+                <a:schemeClr val="accent1"/>
+              </a:fillRef>
+              <a:effectRef idx="0">
+                <a:schemeClr val="accent1"/>
+              </a:effectRef>
+              <a:fontRef idx="minor">
+                <a:schemeClr val="tx1"/>
+              </a:fontRef>
+            </p:style>
+          </p:cxnSp>
+          <p:cxnSp>
+            <p:nvCxnSpPr>
+              <p:cNvPr id="266" name="Gerader Verbinder 265">
+                <a:extLst>
+                  <a:ext uri="{FF2B5EF4-FFF2-40B4-BE49-F238E27FC236}">
+                    <a16:creationId xmlns:a16="http://schemas.microsoft.com/office/drawing/2014/main" id="{66C76A29-7A3D-4DDF-BE10-ECED6368EA0D}"/>
+                  </a:ext>
+                </a:extLst>
+              </p:cNvPr>
+              <p:cNvCxnSpPr>
+                <a:cxnSpLocks/>
+              </p:cNvCxnSpPr>
+              <p:nvPr/>
+            </p:nvCxnSpPr>
+            <p:spPr>
+              <a:xfrm>
+                <a:off x="1101012" y="1651518"/>
+                <a:ext cx="373224" cy="0"/>
+              </a:xfrm>
+              <a:prstGeom prst="line">
+                <a:avLst/>
+              </a:prstGeom>
+              <a:ln>
+                <a:solidFill>
+                  <a:schemeClr val="tx1"/>
+                </a:solidFill>
+              </a:ln>
+            </p:spPr>
+            <p:style>
+              <a:lnRef idx="1">
+                <a:schemeClr val="accent1"/>
+              </a:lnRef>
+              <a:fillRef idx="0">
+                <a:schemeClr val="accent1"/>
+              </a:fillRef>
+              <a:effectRef idx="0">
+                <a:schemeClr val="accent1"/>
+              </a:effectRef>
+              <a:fontRef idx="minor">
+                <a:schemeClr val="tx1"/>
+              </a:fontRef>
+            </p:style>
+          </p:cxnSp>
+        </p:grpSp>
+      </p:grpSp>
+      <p:grpSp>
+        <p:nvGrpSpPr>
+          <p:cNvPr id="269" name="Gruppieren 268">
+            <a:extLst>
+              <a:ext uri="{FF2B5EF4-FFF2-40B4-BE49-F238E27FC236}">
+                <a16:creationId xmlns:a16="http://schemas.microsoft.com/office/drawing/2014/main" id="{D9E1553C-BC22-47B6-83C6-9067275DB841}"/>
+              </a:ext>
+            </a:extLst>
+          </p:cNvPr>
+          <p:cNvGrpSpPr/>
+          <p:nvPr/>
+        </p:nvGrpSpPr>
+        <p:grpSpPr>
+          <a:xfrm>
+            <a:off x="5487552" y="2989127"/>
+            <a:ext cx="1270129" cy="644606"/>
+            <a:chOff x="1101012" y="1380932"/>
+            <a:chExt cx="1651519" cy="886408"/>
+          </a:xfrm>
+        </p:grpSpPr>
+        <p:sp>
+          <p:nvSpPr>
+            <p:cNvPr id="270" name="Rechteck 269">
+              <a:extLst>
+                <a:ext uri="{FF2B5EF4-FFF2-40B4-BE49-F238E27FC236}">
+                  <a16:creationId xmlns:a16="http://schemas.microsoft.com/office/drawing/2014/main" id="{08292821-DF7F-43C0-901C-6634EF7215A6}"/>
+                </a:ext>
+              </a:extLst>
+            </p:cNvPr>
+            <p:cNvSpPr/>
+            <p:nvPr/>
+          </p:nvSpPr>
+          <p:spPr>
+            <a:xfrm>
+              <a:off x="1101012" y="1380932"/>
+              <a:ext cx="1651519" cy="886408"/>
+            </a:xfrm>
+            <a:prstGeom prst="rect">
+              <a:avLst/>
+            </a:prstGeom>
+            <a:solidFill>
+              <a:schemeClr val="bg1"/>
+            </a:solidFill>
+            <a:ln>
+              <a:solidFill>
+                <a:schemeClr val="tx1"/>
+              </a:solidFill>
+            </a:ln>
+          </p:spPr>
+          <p:style>
+            <a:lnRef idx="2">
+              <a:schemeClr val="accent1">
+                <a:shade val="50000"/>
+              </a:schemeClr>
+            </a:lnRef>
+            <a:fillRef idx="1">
+              <a:schemeClr val="accent1"/>
+            </a:fillRef>
+            <a:effectRef idx="0">
+              <a:schemeClr val="accent1"/>
+            </a:effectRef>
+            <a:fontRef idx="minor">
+              <a:schemeClr val="lt1"/>
+            </a:fontRef>
+          </p:style>
+          <p:txBody>
+            <a:bodyPr rtlCol="0" anchor="ctr"/>
+            <a:lstStyle/>
+            <a:p>
+              <a:pPr algn="ctr"/>
+              <a:r>
+                <a:rPr lang="de-AT" sz="1500" dirty="0" err="1">
+                  <a:solidFill>
+                    <a:schemeClr val="tx1"/>
+                  </a:solidFill>
+                </a:rPr>
+                <a:t>Program</a:t>
+              </a:r>
+              <a:r>
+                <a:rPr lang="de-AT" sz="1500" dirty="0">
+                  <a:solidFill>
+                    <a:schemeClr val="tx1"/>
+                  </a:solidFill>
+                </a:rPr>
+                <a:t> API</a:t>
+              </a:r>
+            </a:p>
+          </p:txBody>
+        </p:sp>
+        <p:grpSp>
+          <p:nvGrpSpPr>
+            <p:cNvPr id="271" name="Gruppieren 270">
+              <a:extLst>
+                <a:ext uri="{FF2B5EF4-FFF2-40B4-BE49-F238E27FC236}">
+                  <a16:creationId xmlns:a16="http://schemas.microsoft.com/office/drawing/2014/main" id="{809DC408-4C39-4F0A-8FEA-BA3D4EE4A49F}"/>
+                </a:ext>
+              </a:extLst>
+            </p:cNvPr>
+            <p:cNvGrpSpPr/>
+            <p:nvPr/>
+          </p:nvGrpSpPr>
+          <p:grpSpPr>
+            <a:xfrm>
+              <a:off x="2379306" y="1380932"/>
+              <a:ext cx="373224" cy="270586"/>
+              <a:chOff x="2379306" y="1380932"/>
+              <a:chExt cx="373224" cy="270586"/>
+            </a:xfrm>
+          </p:grpSpPr>
+          <p:cxnSp>
+            <p:nvCxnSpPr>
+              <p:cNvPr id="275" name="Gerader Verbinder 274">
+                <a:extLst>
+                  <a:ext uri="{FF2B5EF4-FFF2-40B4-BE49-F238E27FC236}">
+                    <a16:creationId xmlns:a16="http://schemas.microsoft.com/office/drawing/2014/main" id="{7F439FB1-76B4-4DDD-8AB3-4E8B081E246A}"/>
+                  </a:ext>
+                </a:extLst>
+              </p:cNvPr>
+              <p:cNvCxnSpPr>
+                <a:cxnSpLocks/>
+              </p:cNvCxnSpPr>
+              <p:nvPr/>
+            </p:nvCxnSpPr>
+            <p:spPr>
+              <a:xfrm>
+                <a:off x="2379306" y="1380932"/>
+                <a:ext cx="0" cy="270586"/>
+              </a:xfrm>
+              <a:prstGeom prst="line">
+                <a:avLst/>
+              </a:prstGeom>
+              <a:ln>
+                <a:solidFill>
+                  <a:schemeClr val="tx1"/>
+                </a:solidFill>
+              </a:ln>
+            </p:spPr>
+            <p:style>
+              <a:lnRef idx="1">
+                <a:schemeClr val="accent1"/>
+              </a:lnRef>
+              <a:fillRef idx="0">
+                <a:schemeClr val="accent1"/>
+              </a:fillRef>
+              <a:effectRef idx="0">
+                <a:schemeClr val="accent1"/>
+              </a:effectRef>
+              <a:fontRef idx="minor">
+                <a:schemeClr val="tx1"/>
+              </a:fontRef>
+            </p:style>
+          </p:cxnSp>
+          <p:cxnSp>
+            <p:nvCxnSpPr>
+              <p:cNvPr id="276" name="Gerader Verbinder 275">
+                <a:extLst>
+                  <a:ext uri="{FF2B5EF4-FFF2-40B4-BE49-F238E27FC236}">
+                    <a16:creationId xmlns:a16="http://schemas.microsoft.com/office/drawing/2014/main" id="{5E9F0148-7227-48DF-99E8-9D7465E33B98}"/>
+                  </a:ext>
+                </a:extLst>
+              </p:cNvPr>
+              <p:cNvCxnSpPr>
+                <a:cxnSpLocks/>
+              </p:cNvCxnSpPr>
+              <p:nvPr/>
+            </p:nvCxnSpPr>
+            <p:spPr>
+              <a:xfrm>
+                <a:off x="2379306" y="1651518"/>
+                <a:ext cx="373224" cy="0"/>
+              </a:xfrm>
+              <a:prstGeom prst="line">
+                <a:avLst/>
+              </a:prstGeom>
+              <a:ln>
+                <a:solidFill>
+                  <a:schemeClr val="tx1"/>
+                </a:solidFill>
+              </a:ln>
+            </p:spPr>
+            <p:style>
+              <a:lnRef idx="1">
+                <a:schemeClr val="accent1"/>
+              </a:lnRef>
+              <a:fillRef idx="0">
+                <a:schemeClr val="accent1"/>
+              </a:fillRef>
+              <a:effectRef idx="0">
+                <a:schemeClr val="accent1"/>
+              </a:effectRef>
+              <a:fontRef idx="minor">
+                <a:schemeClr val="tx1"/>
+              </a:fontRef>
+            </p:style>
+          </p:cxnSp>
+        </p:grpSp>
+        <p:grpSp>
+          <p:nvGrpSpPr>
+            <p:cNvPr id="272" name="Gruppieren 271">
+              <a:extLst>
+                <a:ext uri="{FF2B5EF4-FFF2-40B4-BE49-F238E27FC236}">
+                  <a16:creationId xmlns:a16="http://schemas.microsoft.com/office/drawing/2014/main" id="{4CA84BF8-B92D-44BB-9649-D939999ECB49}"/>
+                </a:ext>
+              </a:extLst>
+            </p:cNvPr>
+            <p:cNvGrpSpPr/>
+            <p:nvPr/>
+          </p:nvGrpSpPr>
+          <p:grpSpPr>
+            <a:xfrm>
+              <a:off x="1101012" y="1380932"/>
+              <a:ext cx="373224" cy="270586"/>
+              <a:chOff x="1101012" y="1380932"/>
+              <a:chExt cx="373224" cy="270586"/>
+            </a:xfrm>
+          </p:grpSpPr>
+          <p:cxnSp>
+            <p:nvCxnSpPr>
+              <p:cNvPr id="273" name="Gerader Verbinder 272">
+                <a:extLst>
+                  <a:ext uri="{FF2B5EF4-FFF2-40B4-BE49-F238E27FC236}">
+                    <a16:creationId xmlns:a16="http://schemas.microsoft.com/office/drawing/2014/main" id="{418FEF73-9C4C-450F-A22C-238EC986EBF0}"/>
+                  </a:ext>
+                </a:extLst>
+              </p:cNvPr>
+              <p:cNvCxnSpPr>
+                <a:cxnSpLocks/>
+              </p:cNvCxnSpPr>
+              <p:nvPr/>
+            </p:nvCxnSpPr>
+            <p:spPr>
+              <a:xfrm>
+                <a:off x="1474236" y="1380932"/>
+                <a:ext cx="0" cy="270586"/>
+              </a:xfrm>
+              <a:prstGeom prst="line">
+                <a:avLst/>
+              </a:prstGeom>
+              <a:ln>
+                <a:solidFill>
+                  <a:schemeClr val="tx1"/>
+                </a:solidFill>
+              </a:ln>
+            </p:spPr>
+            <p:style>
+              <a:lnRef idx="1">
+                <a:schemeClr val="accent1"/>
+              </a:lnRef>
+              <a:fillRef idx="0">
+                <a:schemeClr val="accent1"/>
+              </a:fillRef>
+              <a:effectRef idx="0">
+                <a:schemeClr val="accent1"/>
+              </a:effectRef>
+              <a:fontRef idx="minor">
+                <a:schemeClr val="tx1"/>
+              </a:fontRef>
+            </p:style>
+          </p:cxnSp>
+          <p:cxnSp>
+            <p:nvCxnSpPr>
+              <p:cNvPr id="274" name="Gerader Verbinder 273">
+                <a:extLst>
+                  <a:ext uri="{FF2B5EF4-FFF2-40B4-BE49-F238E27FC236}">
+                    <a16:creationId xmlns:a16="http://schemas.microsoft.com/office/drawing/2014/main" id="{5B155D1E-5232-4750-A833-DC551139D271}"/>
+                  </a:ext>
+                </a:extLst>
+              </p:cNvPr>
+              <p:cNvCxnSpPr>
+                <a:cxnSpLocks/>
+              </p:cNvCxnSpPr>
+              <p:nvPr/>
+            </p:nvCxnSpPr>
+            <p:spPr>
+              <a:xfrm>
+                <a:off x="1101012" y="1651518"/>
+                <a:ext cx="373224" cy="0"/>
+              </a:xfrm>
+              <a:prstGeom prst="line">
+                <a:avLst/>
+              </a:prstGeom>
+              <a:ln>
+                <a:solidFill>
+                  <a:schemeClr val="tx1"/>
+                </a:solidFill>
+              </a:ln>
+            </p:spPr>
+            <p:style>
+              <a:lnRef idx="1">
+                <a:schemeClr val="accent1"/>
+              </a:lnRef>
+              <a:fillRef idx="0">
+                <a:schemeClr val="accent1"/>
+              </a:fillRef>
+              <a:effectRef idx="0">
+                <a:schemeClr val="accent1"/>
+              </a:effectRef>
+              <a:fontRef idx="minor">
+                <a:schemeClr val="tx1"/>
+              </a:fontRef>
+            </p:style>
+          </p:cxnSp>
+        </p:grpSp>
+      </p:grpSp>
+      <p:grpSp>
+        <p:nvGrpSpPr>
+          <p:cNvPr id="277" name="Gruppieren 276">
+            <a:extLst>
+              <a:ext uri="{FF2B5EF4-FFF2-40B4-BE49-F238E27FC236}">
+                <a16:creationId xmlns:a16="http://schemas.microsoft.com/office/drawing/2014/main" id="{5FCE8642-18EE-41CD-BC65-EB2F5AFF40F5}"/>
+              </a:ext>
+            </a:extLst>
+          </p:cNvPr>
+          <p:cNvGrpSpPr/>
+          <p:nvPr/>
+        </p:nvGrpSpPr>
+        <p:grpSpPr>
+          <a:xfrm>
+            <a:off x="5487552" y="3812142"/>
+            <a:ext cx="1270129" cy="644606"/>
+            <a:chOff x="1101012" y="1380932"/>
+            <a:chExt cx="1651519" cy="886408"/>
+          </a:xfrm>
+        </p:grpSpPr>
+        <p:sp>
+          <p:nvSpPr>
+            <p:cNvPr id="278" name="Rechteck 277">
+              <a:extLst>
+                <a:ext uri="{FF2B5EF4-FFF2-40B4-BE49-F238E27FC236}">
+                  <a16:creationId xmlns:a16="http://schemas.microsoft.com/office/drawing/2014/main" id="{94EC6620-8E6B-4AA8-8D98-2FF86FB4DF6C}"/>
+                </a:ext>
+              </a:extLst>
+            </p:cNvPr>
+            <p:cNvSpPr/>
+            <p:nvPr/>
+          </p:nvSpPr>
+          <p:spPr>
+            <a:xfrm>
+              <a:off x="1101012" y="1380932"/>
+              <a:ext cx="1651519" cy="886408"/>
+            </a:xfrm>
+            <a:prstGeom prst="rect">
+              <a:avLst/>
+            </a:prstGeom>
+            <a:solidFill>
+              <a:schemeClr val="bg1"/>
+            </a:solidFill>
+            <a:ln>
+              <a:solidFill>
+                <a:schemeClr val="tx1"/>
+              </a:solidFill>
+            </a:ln>
+          </p:spPr>
+          <p:style>
+            <a:lnRef idx="2">
+              <a:schemeClr val="accent1">
+                <a:shade val="50000"/>
+              </a:schemeClr>
+            </a:lnRef>
+            <a:fillRef idx="1">
+              <a:schemeClr val="accent1"/>
+            </a:fillRef>
+            <a:effectRef idx="0">
+              <a:schemeClr val="accent1"/>
+            </a:effectRef>
+            <a:fontRef idx="minor">
+              <a:schemeClr val="lt1"/>
+            </a:fontRef>
+          </p:style>
+          <p:txBody>
+            <a:bodyPr rtlCol="0" anchor="ctr"/>
+            <a:lstStyle/>
+            <a:p>
+              <a:pPr algn="ctr"/>
+              <a:r>
+                <a:rPr lang="de-AT" sz="1500" dirty="0">
+                  <a:solidFill>
+                    <a:schemeClr val="tx1"/>
+                  </a:solidFill>
+                </a:rPr>
+                <a:t>Connect </a:t>
+              </a:r>
+            </a:p>
+            <a:p>
+              <a:pPr algn="ctr"/>
+              <a:r>
+                <a:rPr lang="de-AT" sz="1500" dirty="0">
+                  <a:solidFill>
+                    <a:schemeClr val="tx1"/>
+                  </a:solidFill>
+                </a:rPr>
+                <a:t>DB </a:t>
+              </a:r>
+              <a:r>
+                <a:rPr lang="de-AT" sz="1500" dirty="0" err="1">
+                  <a:solidFill>
+                    <a:schemeClr val="tx1"/>
+                  </a:solidFill>
+                </a:rPr>
+                <a:t>with</a:t>
+              </a:r>
+              <a:r>
+                <a:rPr lang="de-AT" sz="1500" dirty="0">
+                  <a:solidFill>
+                    <a:schemeClr val="tx1"/>
+                  </a:solidFill>
+                </a:rPr>
+                <a:t> API</a:t>
+              </a:r>
+            </a:p>
+          </p:txBody>
+        </p:sp>
+        <p:grpSp>
+          <p:nvGrpSpPr>
+            <p:cNvPr id="279" name="Gruppieren 278">
+              <a:extLst>
+                <a:ext uri="{FF2B5EF4-FFF2-40B4-BE49-F238E27FC236}">
+                  <a16:creationId xmlns:a16="http://schemas.microsoft.com/office/drawing/2014/main" id="{0FE85D99-A719-459C-BB73-52B68B56D2FF}"/>
+                </a:ext>
+              </a:extLst>
+            </p:cNvPr>
+            <p:cNvGrpSpPr/>
+            <p:nvPr/>
+          </p:nvGrpSpPr>
+          <p:grpSpPr>
+            <a:xfrm>
+              <a:off x="2379306" y="1380932"/>
+              <a:ext cx="373224" cy="270586"/>
+              <a:chOff x="2379306" y="1380932"/>
+              <a:chExt cx="373224" cy="270586"/>
+            </a:xfrm>
+          </p:grpSpPr>
+          <p:cxnSp>
+            <p:nvCxnSpPr>
+              <p:cNvPr id="283" name="Gerader Verbinder 282">
+                <a:extLst>
+                  <a:ext uri="{FF2B5EF4-FFF2-40B4-BE49-F238E27FC236}">
+                    <a16:creationId xmlns:a16="http://schemas.microsoft.com/office/drawing/2014/main" id="{34A31529-402C-4FA8-B85D-810A07F02A51}"/>
+                  </a:ext>
+                </a:extLst>
+              </p:cNvPr>
+              <p:cNvCxnSpPr>
+                <a:cxnSpLocks/>
+              </p:cNvCxnSpPr>
+              <p:nvPr/>
+            </p:nvCxnSpPr>
+            <p:spPr>
+              <a:xfrm>
+                <a:off x="2379306" y="1380932"/>
+                <a:ext cx="0" cy="270586"/>
+              </a:xfrm>
+              <a:prstGeom prst="line">
+                <a:avLst/>
+              </a:prstGeom>
+              <a:ln>
+                <a:solidFill>
+                  <a:schemeClr val="tx1"/>
+                </a:solidFill>
+              </a:ln>
+            </p:spPr>
+            <p:style>
+              <a:lnRef idx="1">
+                <a:schemeClr val="accent1"/>
+              </a:lnRef>
+              <a:fillRef idx="0">
+                <a:schemeClr val="accent1"/>
+              </a:fillRef>
+              <a:effectRef idx="0">
+                <a:schemeClr val="accent1"/>
+              </a:effectRef>
+              <a:fontRef idx="minor">
+                <a:schemeClr val="tx1"/>
+              </a:fontRef>
+            </p:style>
+          </p:cxnSp>
+          <p:cxnSp>
+            <p:nvCxnSpPr>
+              <p:cNvPr id="284" name="Gerader Verbinder 283">
+                <a:extLst>
+                  <a:ext uri="{FF2B5EF4-FFF2-40B4-BE49-F238E27FC236}">
+                    <a16:creationId xmlns:a16="http://schemas.microsoft.com/office/drawing/2014/main" id="{45E5DE21-607E-4B82-A933-5ED044C8A6C1}"/>
+                  </a:ext>
+                </a:extLst>
+              </p:cNvPr>
+              <p:cNvCxnSpPr>
+                <a:cxnSpLocks/>
+              </p:cNvCxnSpPr>
+              <p:nvPr/>
+            </p:nvCxnSpPr>
+            <p:spPr>
+              <a:xfrm>
+                <a:off x="2379306" y="1651518"/>
+                <a:ext cx="373224" cy="0"/>
+              </a:xfrm>
+              <a:prstGeom prst="line">
+                <a:avLst/>
+              </a:prstGeom>
+              <a:ln>
+                <a:solidFill>
+                  <a:schemeClr val="tx1"/>
+                </a:solidFill>
+              </a:ln>
+            </p:spPr>
+            <p:style>
+              <a:lnRef idx="1">
+                <a:schemeClr val="accent1"/>
+              </a:lnRef>
+              <a:fillRef idx="0">
+                <a:schemeClr val="accent1"/>
+              </a:fillRef>
+              <a:effectRef idx="0">
+                <a:schemeClr val="accent1"/>
+              </a:effectRef>
+              <a:fontRef idx="minor">
+                <a:schemeClr val="tx1"/>
+              </a:fontRef>
+            </p:style>
+          </p:cxnSp>
+        </p:grpSp>
+        <p:grpSp>
+          <p:nvGrpSpPr>
+            <p:cNvPr id="280" name="Gruppieren 279">
+              <a:extLst>
+                <a:ext uri="{FF2B5EF4-FFF2-40B4-BE49-F238E27FC236}">
+                  <a16:creationId xmlns:a16="http://schemas.microsoft.com/office/drawing/2014/main" id="{A766134A-8767-42E2-9179-52C060F1139E}"/>
+                </a:ext>
+              </a:extLst>
+            </p:cNvPr>
+            <p:cNvGrpSpPr/>
+            <p:nvPr/>
+          </p:nvGrpSpPr>
+          <p:grpSpPr>
+            <a:xfrm>
+              <a:off x="1101012" y="1380932"/>
+              <a:ext cx="373224" cy="270586"/>
+              <a:chOff x="1101012" y="1380932"/>
+              <a:chExt cx="373224" cy="270586"/>
+            </a:xfrm>
+          </p:grpSpPr>
+          <p:cxnSp>
+            <p:nvCxnSpPr>
+              <p:cNvPr id="281" name="Gerader Verbinder 280">
+                <a:extLst>
+                  <a:ext uri="{FF2B5EF4-FFF2-40B4-BE49-F238E27FC236}">
+                    <a16:creationId xmlns:a16="http://schemas.microsoft.com/office/drawing/2014/main" id="{EA16D9F3-3756-4B38-972E-3500023D41B9}"/>
+                  </a:ext>
+                </a:extLst>
+              </p:cNvPr>
+              <p:cNvCxnSpPr>
+                <a:cxnSpLocks/>
+              </p:cNvCxnSpPr>
+              <p:nvPr/>
+            </p:nvCxnSpPr>
+            <p:spPr>
+              <a:xfrm>
+                <a:off x="1474236" y="1380932"/>
+                <a:ext cx="0" cy="270586"/>
+              </a:xfrm>
+              <a:prstGeom prst="line">
+                <a:avLst/>
+              </a:prstGeom>
+              <a:ln>
+                <a:solidFill>
+                  <a:schemeClr val="tx1"/>
+                </a:solidFill>
+              </a:ln>
+            </p:spPr>
+            <p:style>
+              <a:lnRef idx="1">
+                <a:schemeClr val="accent1"/>
+              </a:lnRef>
+              <a:fillRef idx="0">
+                <a:schemeClr val="accent1"/>
+              </a:fillRef>
+              <a:effectRef idx="0">
+                <a:schemeClr val="accent1"/>
+              </a:effectRef>
+              <a:fontRef idx="minor">
+                <a:schemeClr val="tx1"/>
+              </a:fontRef>
+            </p:style>
+          </p:cxnSp>
+          <p:cxnSp>
+            <p:nvCxnSpPr>
+              <p:cNvPr id="282" name="Gerader Verbinder 281">
+                <a:extLst>
+                  <a:ext uri="{FF2B5EF4-FFF2-40B4-BE49-F238E27FC236}">
+                    <a16:creationId xmlns:a16="http://schemas.microsoft.com/office/drawing/2014/main" id="{163E28D4-627B-450F-9D1C-B0DE8F193B08}"/>
+                  </a:ext>
+                </a:extLst>
+              </p:cNvPr>
+              <p:cNvCxnSpPr>
+                <a:cxnSpLocks/>
+              </p:cNvCxnSpPr>
+              <p:nvPr/>
+            </p:nvCxnSpPr>
+            <p:spPr>
+              <a:xfrm>
+                <a:off x="1101012" y="1651518"/>
+                <a:ext cx="373224" cy="0"/>
+              </a:xfrm>
+              <a:prstGeom prst="line">
+                <a:avLst/>
+              </a:prstGeom>
+              <a:ln>
+                <a:solidFill>
+                  <a:schemeClr val="tx1"/>
+                </a:solidFill>
+              </a:ln>
+            </p:spPr>
+            <p:style>
+              <a:lnRef idx="1">
+                <a:schemeClr val="accent1"/>
+              </a:lnRef>
+              <a:fillRef idx="0">
+                <a:schemeClr val="accent1"/>
+              </a:fillRef>
+              <a:effectRef idx="0">
+                <a:schemeClr val="accent1"/>
+              </a:effectRef>
+              <a:fontRef idx="minor">
+                <a:schemeClr val="tx1"/>
+              </a:fontRef>
+            </p:style>
+          </p:cxnSp>
+        </p:grpSp>
+      </p:grpSp>
+      <p:grpSp>
+        <p:nvGrpSpPr>
+          <p:cNvPr id="285" name="Gruppieren 284">
+            <a:extLst>
+              <a:ext uri="{FF2B5EF4-FFF2-40B4-BE49-F238E27FC236}">
+                <a16:creationId xmlns:a16="http://schemas.microsoft.com/office/drawing/2014/main" id="{5B485F18-FD7B-4351-AADB-EBC769692D5B}"/>
+              </a:ext>
+            </a:extLst>
+          </p:cNvPr>
+          <p:cNvGrpSpPr/>
+          <p:nvPr/>
+        </p:nvGrpSpPr>
+        <p:grpSpPr>
+          <a:xfrm>
+            <a:off x="5491613" y="4618253"/>
+            <a:ext cx="1270129" cy="644606"/>
+            <a:chOff x="1101012" y="1380932"/>
+            <a:chExt cx="1651519" cy="886408"/>
+          </a:xfrm>
+        </p:grpSpPr>
+        <p:sp>
+          <p:nvSpPr>
+            <p:cNvPr id="286" name="Rechteck 285">
+              <a:extLst>
+                <a:ext uri="{FF2B5EF4-FFF2-40B4-BE49-F238E27FC236}">
+                  <a16:creationId xmlns:a16="http://schemas.microsoft.com/office/drawing/2014/main" id="{71C0F370-CEDF-4B7F-8DCC-D00B227A9D28}"/>
+                </a:ext>
+              </a:extLst>
+            </p:cNvPr>
+            <p:cNvSpPr/>
+            <p:nvPr/>
+          </p:nvSpPr>
+          <p:spPr>
+            <a:xfrm>
+              <a:off x="1101012" y="1380932"/>
+              <a:ext cx="1651519" cy="886408"/>
+            </a:xfrm>
+            <a:prstGeom prst="rect">
+              <a:avLst/>
+            </a:prstGeom>
+            <a:solidFill>
+              <a:schemeClr val="bg1"/>
+            </a:solidFill>
+            <a:ln>
+              <a:solidFill>
+                <a:schemeClr val="tx1"/>
+              </a:solidFill>
+            </a:ln>
+          </p:spPr>
+          <p:style>
+            <a:lnRef idx="2">
+              <a:schemeClr val="accent1">
+                <a:shade val="50000"/>
+              </a:schemeClr>
+            </a:lnRef>
+            <a:fillRef idx="1">
+              <a:schemeClr val="accent1"/>
+            </a:fillRef>
+            <a:effectRef idx="0">
+              <a:schemeClr val="accent1"/>
+            </a:effectRef>
+            <a:fontRef idx="minor">
+              <a:schemeClr val="lt1"/>
+            </a:fontRef>
+          </p:style>
+          <p:txBody>
+            <a:bodyPr rtlCol="0" anchor="ctr"/>
+            <a:lstStyle/>
+            <a:p>
+              <a:pPr algn="ctr"/>
+              <a:r>
+                <a:rPr lang="de-AT" sz="1500" dirty="0">
+                  <a:solidFill>
+                    <a:schemeClr val="tx1"/>
+                  </a:solidFill>
+                </a:rPr>
+                <a:t>Deploy API</a:t>
+              </a:r>
+            </a:p>
+          </p:txBody>
+        </p:sp>
+        <p:grpSp>
+          <p:nvGrpSpPr>
+            <p:cNvPr id="287" name="Gruppieren 286">
+              <a:extLst>
+                <a:ext uri="{FF2B5EF4-FFF2-40B4-BE49-F238E27FC236}">
+                  <a16:creationId xmlns:a16="http://schemas.microsoft.com/office/drawing/2014/main" id="{CC649F15-E7F8-41E1-B54B-507DA750557F}"/>
+                </a:ext>
+              </a:extLst>
+            </p:cNvPr>
+            <p:cNvGrpSpPr/>
+            <p:nvPr/>
+          </p:nvGrpSpPr>
+          <p:grpSpPr>
+            <a:xfrm>
+              <a:off x="2379306" y="1380932"/>
+              <a:ext cx="373224" cy="270586"/>
+              <a:chOff x="2379306" y="1380932"/>
+              <a:chExt cx="373224" cy="270586"/>
+            </a:xfrm>
+          </p:grpSpPr>
+          <p:cxnSp>
+            <p:nvCxnSpPr>
+              <p:cNvPr id="291" name="Gerader Verbinder 290">
+                <a:extLst>
+                  <a:ext uri="{FF2B5EF4-FFF2-40B4-BE49-F238E27FC236}">
+                    <a16:creationId xmlns:a16="http://schemas.microsoft.com/office/drawing/2014/main" id="{3842E8AB-FD4A-4F80-8BCB-D8A473285D54}"/>
+                  </a:ext>
+                </a:extLst>
+              </p:cNvPr>
+              <p:cNvCxnSpPr>
+                <a:cxnSpLocks/>
+              </p:cNvCxnSpPr>
+              <p:nvPr/>
+            </p:nvCxnSpPr>
+            <p:spPr>
+              <a:xfrm>
+                <a:off x="2379306" y="1380932"/>
+                <a:ext cx="0" cy="270586"/>
+              </a:xfrm>
+              <a:prstGeom prst="line">
+                <a:avLst/>
+              </a:prstGeom>
+              <a:ln>
+                <a:solidFill>
+                  <a:schemeClr val="tx1"/>
+                </a:solidFill>
+              </a:ln>
+            </p:spPr>
+            <p:style>
+              <a:lnRef idx="1">
+                <a:schemeClr val="accent1"/>
+              </a:lnRef>
+              <a:fillRef idx="0">
+                <a:schemeClr val="accent1"/>
+              </a:fillRef>
+              <a:effectRef idx="0">
+                <a:schemeClr val="accent1"/>
+              </a:effectRef>
+              <a:fontRef idx="minor">
+                <a:schemeClr val="tx1"/>
+              </a:fontRef>
+            </p:style>
+          </p:cxnSp>
+          <p:cxnSp>
+            <p:nvCxnSpPr>
+              <p:cNvPr id="292" name="Gerader Verbinder 291">
+                <a:extLst>
+                  <a:ext uri="{FF2B5EF4-FFF2-40B4-BE49-F238E27FC236}">
+                    <a16:creationId xmlns:a16="http://schemas.microsoft.com/office/drawing/2014/main" id="{D46AAA0F-8D09-41C8-BB22-EAC3C567E342}"/>
+                  </a:ext>
+                </a:extLst>
+              </p:cNvPr>
+              <p:cNvCxnSpPr>
+                <a:cxnSpLocks/>
+              </p:cNvCxnSpPr>
+              <p:nvPr/>
+            </p:nvCxnSpPr>
+            <p:spPr>
+              <a:xfrm>
+                <a:off x="2379306" y="1651518"/>
+                <a:ext cx="373224" cy="0"/>
+              </a:xfrm>
+              <a:prstGeom prst="line">
+                <a:avLst/>
+              </a:prstGeom>
+              <a:ln>
+                <a:solidFill>
+                  <a:schemeClr val="tx1"/>
+                </a:solidFill>
+              </a:ln>
+            </p:spPr>
+            <p:style>
+              <a:lnRef idx="1">
+                <a:schemeClr val="accent1"/>
+              </a:lnRef>
+              <a:fillRef idx="0">
+                <a:schemeClr val="accent1"/>
+              </a:fillRef>
+              <a:effectRef idx="0">
+                <a:schemeClr val="accent1"/>
+              </a:effectRef>
+              <a:fontRef idx="minor">
+                <a:schemeClr val="tx1"/>
+              </a:fontRef>
+            </p:style>
+          </p:cxnSp>
+        </p:grpSp>
+        <p:grpSp>
+          <p:nvGrpSpPr>
+            <p:cNvPr id="288" name="Gruppieren 287">
+              <a:extLst>
+                <a:ext uri="{FF2B5EF4-FFF2-40B4-BE49-F238E27FC236}">
+                  <a16:creationId xmlns:a16="http://schemas.microsoft.com/office/drawing/2014/main" id="{4273C250-6601-4F77-A033-DB30558913F1}"/>
+                </a:ext>
+              </a:extLst>
+            </p:cNvPr>
+            <p:cNvGrpSpPr/>
+            <p:nvPr/>
+          </p:nvGrpSpPr>
+          <p:grpSpPr>
+            <a:xfrm>
+              <a:off x="1101012" y="1380932"/>
+              <a:ext cx="373224" cy="270586"/>
+              <a:chOff x="1101012" y="1380932"/>
+              <a:chExt cx="373224" cy="270586"/>
+            </a:xfrm>
+          </p:grpSpPr>
+          <p:cxnSp>
+            <p:nvCxnSpPr>
+              <p:cNvPr id="289" name="Gerader Verbinder 288">
+                <a:extLst>
+                  <a:ext uri="{FF2B5EF4-FFF2-40B4-BE49-F238E27FC236}">
+                    <a16:creationId xmlns:a16="http://schemas.microsoft.com/office/drawing/2014/main" id="{49CA21C6-B14A-44DD-9E0B-A4EB2CC6516E}"/>
+                  </a:ext>
+                </a:extLst>
+              </p:cNvPr>
+              <p:cNvCxnSpPr>
+                <a:cxnSpLocks/>
+              </p:cNvCxnSpPr>
+              <p:nvPr/>
+            </p:nvCxnSpPr>
+            <p:spPr>
+              <a:xfrm>
+                <a:off x="1474236" y="1380932"/>
+                <a:ext cx="0" cy="270586"/>
+              </a:xfrm>
+              <a:prstGeom prst="line">
+                <a:avLst/>
+              </a:prstGeom>
+              <a:ln>
+                <a:solidFill>
+                  <a:schemeClr val="tx1"/>
+                </a:solidFill>
+              </a:ln>
+            </p:spPr>
+            <p:style>
+              <a:lnRef idx="1">
+                <a:schemeClr val="accent1"/>
+              </a:lnRef>
+              <a:fillRef idx="0">
+                <a:schemeClr val="accent1"/>
+              </a:fillRef>
+              <a:effectRef idx="0">
+                <a:schemeClr val="accent1"/>
+              </a:effectRef>
+              <a:fontRef idx="minor">
+                <a:schemeClr val="tx1"/>
+              </a:fontRef>
+            </p:style>
+          </p:cxnSp>
+          <p:cxnSp>
+            <p:nvCxnSpPr>
+              <p:cNvPr id="290" name="Gerader Verbinder 289">
+                <a:extLst>
+                  <a:ext uri="{FF2B5EF4-FFF2-40B4-BE49-F238E27FC236}">
+                    <a16:creationId xmlns:a16="http://schemas.microsoft.com/office/drawing/2014/main" id="{494FA4A9-EA9D-42C2-BA6C-E26487E9F10F}"/>
+                  </a:ext>
+                </a:extLst>
+              </p:cNvPr>
+              <p:cNvCxnSpPr>
+                <a:cxnSpLocks/>
+              </p:cNvCxnSpPr>
+              <p:nvPr/>
+            </p:nvCxnSpPr>
+            <p:spPr>
+              <a:xfrm>
+                <a:off x="1101012" y="1651518"/>
+                <a:ext cx="373224" cy="0"/>
+              </a:xfrm>
+              <a:prstGeom prst="line">
+                <a:avLst/>
+              </a:prstGeom>
+              <a:ln>
+                <a:solidFill>
+                  <a:schemeClr val="tx1"/>
+                </a:solidFill>
+              </a:ln>
+            </p:spPr>
+            <p:style>
+              <a:lnRef idx="1">
+                <a:schemeClr val="accent1"/>
+              </a:lnRef>
+              <a:fillRef idx="0">
+                <a:schemeClr val="accent1"/>
+              </a:fillRef>
+              <a:effectRef idx="0">
+                <a:schemeClr val="accent1"/>
+              </a:effectRef>
+              <a:fontRef idx="minor">
+                <a:schemeClr val="tx1"/>
+              </a:fontRef>
+            </p:style>
+          </p:cxnSp>
+        </p:grpSp>
+      </p:grpSp>
+      <p:sp>
+        <p:nvSpPr>
+          <p:cNvPr id="293" name="Textfeld 292">
+            <a:extLst>
+              <a:ext uri="{FF2B5EF4-FFF2-40B4-BE49-F238E27FC236}">
+                <a16:creationId xmlns:a16="http://schemas.microsoft.com/office/drawing/2014/main" id="{3D213FE8-69EB-4071-9059-9C1E45CF5E39}"/>
+              </a:ext>
+            </a:extLst>
+          </p:cNvPr>
+          <p:cNvSpPr txBox="1"/>
+          <p:nvPr/>
+        </p:nvSpPr>
+        <p:spPr>
+          <a:xfrm>
+            <a:off x="5437384" y="1342594"/>
+            <a:ext cx="604408" cy="307777"/>
+          </a:xfrm>
+          <a:prstGeom prst="rect">
+            <a:avLst/>
+          </a:prstGeom>
+          <a:noFill/>
+        </p:spPr>
+        <p:txBody>
+          <a:bodyPr wrap="square" rtlCol="0">
+            <a:spAutoFit/>
+          </a:bodyPr>
+          <a:lstStyle/>
+          <a:p>
+            <a:r>
+              <a:rPr lang="de-AT" sz="1400" dirty="0"/>
+              <a:t>4.1 </a:t>
+            </a:r>
+          </a:p>
+        </p:txBody>
+      </p:sp>
+      <p:sp>
+        <p:nvSpPr>
+          <p:cNvPr id="294" name="Textfeld 293">
+            <a:extLst>
+              <a:ext uri="{FF2B5EF4-FFF2-40B4-BE49-F238E27FC236}">
+                <a16:creationId xmlns:a16="http://schemas.microsoft.com/office/drawing/2014/main" id="{4F504822-C004-4D73-8923-64776B44A883}"/>
+              </a:ext>
+            </a:extLst>
+          </p:cNvPr>
+          <p:cNvSpPr txBox="1"/>
+          <p:nvPr/>
+        </p:nvSpPr>
+        <p:spPr>
+          <a:xfrm>
+            <a:off x="5437925" y="2125951"/>
+            <a:ext cx="604408" cy="307777"/>
+          </a:xfrm>
+          <a:prstGeom prst="rect">
+            <a:avLst/>
+          </a:prstGeom>
+          <a:noFill/>
+        </p:spPr>
+        <p:txBody>
+          <a:bodyPr wrap="square" rtlCol="0">
+            <a:spAutoFit/>
+          </a:bodyPr>
+          <a:lstStyle/>
+          <a:p>
+            <a:r>
+              <a:rPr lang="de-AT" sz="1400" dirty="0"/>
+              <a:t>4.2 </a:t>
+            </a:r>
+          </a:p>
+        </p:txBody>
+      </p:sp>
+      <p:sp>
+        <p:nvSpPr>
+          <p:cNvPr id="295" name="Textfeld 294">
+            <a:extLst>
+              <a:ext uri="{FF2B5EF4-FFF2-40B4-BE49-F238E27FC236}">
+                <a16:creationId xmlns:a16="http://schemas.microsoft.com/office/drawing/2014/main" id="{AE16BECB-1AFB-41D2-BC1C-A2ED8D7A4B6E}"/>
+              </a:ext>
+            </a:extLst>
+          </p:cNvPr>
+          <p:cNvSpPr txBox="1"/>
+          <p:nvPr/>
+        </p:nvSpPr>
+        <p:spPr>
+          <a:xfrm>
+            <a:off x="5431656" y="2932689"/>
+            <a:ext cx="604408" cy="307777"/>
+          </a:xfrm>
+          <a:prstGeom prst="rect">
+            <a:avLst/>
+          </a:prstGeom>
+          <a:noFill/>
+        </p:spPr>
+        <p:txBody>
+          <a:bodyPr wrap="square" rtlCol="0">
+            <a:spAutoFit/>
+          </a:bodyPr>
+          <a:lstStyle/>
+          <a:p>
+            <a:r>
+              <a:rPr lang="de-AT" sz="1400" dirty="0"/>
+              <a:t>4.3 </a:t>
+            </a:r>
+          </a:p>
+        </p:txBody>
+      </p:sp>
+      <p:sp>
+        <p:nvSpPr>
+          <p:cNvPr id="296" name="Textfeld 295">
+            <a:extLst>
+              <a:ext uri="{FF2B5EF4-FFF2-40B4-BE49-F238E27FC236}">
+                <a16:creationId xmlns:a16="http://schemas.microsoft.com/office/drawing/2014/main" id="{D2CBD2B8-0B71-464B-839D-70DE4DE58A6F}"/>
+              </a:ext>
+            </a:extLst>
+          </p:cNvPr>
+          <p:cNvSpPr txBox="1"/>
+          <p:nvPr/>
+        </p:nvSpPr>
+        <p:spPr>
+          <a:xfrm>
+            <a:off x="5431656" y="3755140"/>
+            <a:ext cx="604408" cy="307777"/>
+          </a:xfrm>
+          <a:prstGeom prst="rect">
+            <a:avLst/>
+          </a:prstGeom>
+          <a:noFill/>
+        </p:spPr>
+        <p:txBody>
+          <a:bodyPr wrap="square" rtlCol="0">
+            <a:spAutoFit/>
+          </a:bodyPr>
+          <a:lstStyle/>
+          <a:p>
+            <a:r>
+              <a:rPr lang="de-AT" sz="1400" dirty="0"/>
+              <a:t>4.4 </a:t>
+            </a:r>
+          </a:p>
+        </p:txBody>
+      </p:sp>
+      <p:sp>
+        <p:nvSpPr>
+          <p:cNvPr id="297" name="Textfeld 296">
+            <a:extLst>
+              <a:ext uri="{FF2B5EF4-FFF2-40B4-BE49-F238E27FC236}">
+                <a16:creationId xmlns:a16="http://schemas.microsoft.com/office/drawing/2014/main" id="{5AD4E652-C878-41F7-B748-280F3F4BB5CF}"/>
+              </a:ext>
+            </a:extLst>
+          </p:cNvPr>
+          <p:cNvSpPr txBox="1"/>
+          <p:nvPr/>
+        </p:nvSpPr>
+        <p:spPr>
+          <a:xfrm>
+            <a:off x="5439857" y="4559171"/>
+            <a:ext cx="604408" cy="307777"/>
+          </a:xfrm>
+          <a:prstGeom prst="rect">
+            <a:avLst/>
+          </a:prstGeom>
+          <a:noFill/>
+        </p:spPr>
+        <p:txBody>
+          <a:bodyPr wrap="square" rtlCol="0">
+            <a:spAutoFit/>
+          </a:bodyPr>
+          <a:lstStyle/>
+          <a:p>
+            <a:r>
+              <a:rPr lang="de-AT" sz="1400" dirty="0"/>
+              <a:t>4.5 </a:t>
+            </a:r>
+          </a:p>
+        </p:txBody>
+      </p:sp>
+      <p:cxnSp>
+        <p:nvCxnSpPr>
+          <p:cNvPr id="298" name="Gerader Verbinder 297">
+            <a:extLst>
+              <a:ext uri="{FF2B5EF4-FFF2-40B4-BE49-F238E27FC236}">
+                <a16:creationId xmlns:a16="http://schemas.microsoft.com/office/drawing/2014/main" id="{4D9915BD-D3D0-44DD-BDD8-3F3C11A6FFA5}"/>
+              </a:ext>
+            </a:extLst>
+          </p:cNvPr>
+          <p:cNvCxnSpPr>
+            <a:cxnSpLocks/>
+            <a:stCxn id="254" idx="2"/>
+            <a:endCxn id="262" idx="0"/>
+          </p:cNvCxnSpPr>
+          <p:nvPr/>
+        </p:nvCxnSpPr>
+        <p:spPr>
+          <a:xfrm>
+            <a:off x="6123266" y="2038956"/>
+            <a:ext cx="0" cy="132689"/>
+          </a:xfrm>
+          <a:prstGeom prst="line">
+            <a:avLst/>
+          </a:prstGeom>
+          <a:ln>
+            <a:solidFill>
+              <a:schemeClr val="tx1"/>
+            </a:solidFill>
+          </a:ln>
+        </p:spPr>
+        <p:style>
+          <a:lnRef idx="1">
+            <a:schemeClr val="accent1"/>
+          </a:lnRef>
+          <a:fillRef idx="0">
+            <a:schemeClr val="accent1"/>
+          </a:fillRef>
+          <a:effectRef idx="0">
+            <a:schemeClr val="accent1"/>
+          </a:effectRef>
+          <a:fontRef idx="minor">
+            <a:schemeClr val="tx1"/>
+          </a:fontRef>
+        </p:style>
+      </p:cxnSp>
+      <p:cxnSp>
+        <p:nvCxnSpPr>
+          <p:cNvPr id="299" name="Gerader Verbinder 298">
+            <a:extLst>
+              <a:ext uri="{FF2B5EF4-FFF2-40B4-BE49-F238E27FC236}">
+                <a16:creationId xmlns:a16="http://schemas.microsoft.com/office/drawing/2014/main" id="{545E709F-4C1C-4EEE-A778-ECED6620494F}"/>
+              </a:ext>
+            </a:extLst>
+          </p:cNvPr>
+          <p:cNvCxnSpPr>
+            <a:cxnSpLocks/>
+            <a:stCxn id="262" idx="2"/>
+            <a:endCxn id="270" idx="0"/>
+          </p:cNvCxnSpPr>
+          <p:nvPr/>
+        </p:nvCxnSpPr>
+        <p:spPr>
+          <a:xfrm flipH="1">
+            <a:off x="6122617" y="2816251"/>
+            <a:ext cx="649" cy="172876"/>
+          </a:xfrm>
+          <a:prstGeom prst="line">
+            <a:avLst/>
+          </a:prstGeom>
+          <a:ln>
+            <a:solidFill>
+              <a:schemeClr val="tx1"/>
+            </a:solidFill>
+          </a:ln>
+        </p:spPr>
+        <p:style>
+          <a:lnRef idx="1">
+            <a:schemeClr val="accent1"/>
+          </a:lnRef>
+          <a:fillRef idx="0">
+            <a:schemeClr val="accent1"/>
+          </a:fillRef>
+          <a:effectRef idx="0">
+            <a:schemeClr val="accent1"/>
+          </a:effectRef>
+          <a:fontRef idx="minor">
+            <a:schemeClr val="tx1"/>
+          </a:fontRef>
+        </p:style>
+      </p:cxnSp>
+      <p:cxnSp>
+        <p:nvCxnSpPr>
+          <p:cNvPr id="300" name="Gerader Verbinder 299">
+            <a:extLst>
+              <a:ext uri="{FF2B5EF4-FFF2-40B4-BE49-F238E27FC236}">
+                <a16:creationId xmlns:a16="http://schemas.microsoft.com/office/drawing/2014/main" id="{F8B8EE7B-690F-4BFB-B680-4F81CA2498C3}"/>
+              </a:ext>
+            </a:extLst>
+          </p:cNvPr>
+          <p:cNvCxnSpPr>
+            <a:cxnSpLocks/>
+            <a:stCxn id="270" idx="2"/>
+            <a:endCxn id="278" idx="0"/>
+          </p:cNvCxnSpPr>
+          <p:nvPr/>
+        </p:nvCxnSpPr>
+        <p:spPr>
+          <a:xfrm>
+            <a:off x="6122617" y="3633733"/>
+            <a:ext cx="0" cy="178409"/>
+          </a:xfrm>
+          <a:prstGeom prst="line">
+            <a:avLst/>
+          </a:prstGeom>
+          <a:ln>
+            <a:solidFill>
+              <a:schemeClr val="tx1"/>
+            </a:solidFill>
+          </a:ln>
+        </p:spPr>
+        <p:style>
+          <a:lnRef idx="1">
+            <a:schemeClr val="accent1"/>
+          </a:lnRef>
+          <a:fillRef idx="0">
+            <a:schemeClr val="accent1"/>
+          </a:fillRef>
+          <a:effectRef idx="0">
+            <a:schemeClr val="accent1"/>
+          </a:effectRef>
+          <a:fontRef idx="minor">
+            <a:schemeClr val="tx1"/>
+          </a:fontRef>
+        </p:style>
+      </p:cxnSp>
+      <p:cxnSp>
+        <p:nvCxnSpPr>
+          <p:cNvPr id="301" name="Gerader Verbinder 300">
+            <a:extLst>
+              <a:ext uri="{FF2B5EF4-FFF2-40B4-BE49-F238E27FC236}">
+                <a16:creationId xmlns:a16="http://schemas.microsoft.com/office/drawing/2014/main" id="{37EF875B-710F-4BCB-9AEB-A335B2956E6F}"/>
+              </a:ext>
+            </a:extLst>
+          </p:cNvPr>
+          <p:cNvCxnSpPr>
+            <a:cxnSpLocks/>
+            <a:stCxn id="286" idx="0"/>
+            <a:endCxn id="278" idx="2"/>
+          </p:cNvCxnSpPr>
+          <p:nvPr/>
+        </p:nvCxnSpPr>
+        <p:spPr>
+          <a:xfrm flipH="1" flipV="1">
+            <a:off x="6122617" y="4456748"/>
+            <a:ext cx="4061" cy="161505"/>
+          </a:xfrm>
+          <a:prstGeom prst="line">
+            <a:avLst/>
+          </a:prstGeom>
+          <a:ln>
+            <a:solidFill>
+              <a:schemeClr val="tx1"/>
+            </a:solidFill>
+          </a:ln>
+        </p:spPr>
+        <p:style>
+          <a:lnRef idx="1">
+            <a:schemeClr val="accent1"/>
+          </a:lnRef>
+          <a:fillRef idx="0">
+            <a:schemeClr val="accent1"/>
+          </a:fillRef>
+          <a:effectRef idx="0">
+            <a:schemeClr val="accent1"/>
+          </a:effectRef>
+          <a:fontRef idx="minor">
+            <a:schemeClr val="tx1"/>
+          </a:fontRef>
+        </p:style>
+      </p:cxnSp>
+      <p:grpSp>
+        <p:nvGrpSpPr>
+          <p:cNvPr id="14" name="Gruppieren 13">
+            <a:extLst>
+              <a:ext uri="{FF2B5EF4-FFF2-40B4-BE49-F238E27FC236}">
+                <a16:creationId xmlns:a16="http://schemas.microsoft.com/office/drawing/2014/main" id="{6468F02C-4015-47C6-8752-44D06000A0A4}"/>
+              </a:ext>
+            </a:extLst>
+          </p:cNvPr>
+          <p:cNvGrpSpPr/>
+          <p:nvPr/>
+        </p:nvGrpSpPr>
+        <p:grpSpPr>
+          <a:xfrm>
+            <a:off x="5503438" y="5262859"/>
+            <a:ext cx="1270129" cy="1001222"/>
+            <a:chOff x="7116270" y="5310351"/>
+            <a:chExt cx="1270129" cy="1001222"/>
+          </a:xfrm>
+        </p:grpSpPr>
+        <p:grpSp>
+          <p:nvGrpSpPr>
+            <p:cNvPr id="302" name="Gruppieren 301">
+              <a:extLst>
+                <a:ext uri="{FF2B5EF4-FFF2-40B4-BE49-F238E27FC236}">
+                  <a16:creationId xmlns:a16="http://schemas.microsoft.com/office/drawing/2014/main" id="{8ABA78B2-41C4-4CA9-BDAD-C7E8BFBB9674}"/>
+                </a:ext>
+              </a:extLst>
+            </p:cNvPr>
+            <p:cNvGrpSpPr/>
+            <p:nvPr/>
+          </p:nvGrpSpPr>
+          <p:grpSpPr>
+            <a:xfrm>
+              <a:off x="7116270" y="5310351"/>
+              <a:ext cx="1270129" cy="1001222"/>
+              <a:chOff x="1222993" y="4197836"/>
+              <a:chExt cx="1270129" cy="1001222"/>
+            </a:xfrm>
+          </p:grpSpPr>
+          <p:grpSp>
+            <p:nvGrpSpPr>
+              <p:cNvPr id="303" name="Gruppieren 302">
+                <a:extLst>
+                  <a:ext uri="{FF2B5EF4-FFF2-40B4-BE49-F238E27FC236}">
+                    <a16:creationId xmlns:a16="http://schemas.microsoft.com/office/drawing/2014/main" id="{482F35A6-C055-4CE2-8ED7-DF2EA47A4483}"/>
+                  </a:ext>
+                </a:extLst>
+              </p:cNvPr>
+              <p:cNvGrpSpPr/>
+              <p:nvPr/>
+            </p:nvGrpSpPr>
+            <p:grpSpPr>
+              <a:xfrm>
+                <a:off x="1279845" y="4197836"/>
+                <a:ext cx="1107238" cy="1001222"/>
+                <a:chOff x="1279845" y="4197836"/>
+                <a:chExt cx="1107238" cy="1001222"/>
+              </a:xfrm>
+            </p:grpSpPr>
+            <p:sp>
+              <p:nvSpPr>
+                <p:cNvPr id="305" name="Raute 304">
+                  <a:extLst>
+                    <a:ext uri="{FF2B5EF4-FFF2-40B4-BE49-F238E27FC236}">
+                      <a16:creationId xmlns:a16="http://schemas.microsoft.com/office/drawing/2014/main" id="{CBBFF1AA-A71B-41EC-9C94-4A0D3D74695D}"/>
+                    </a:ext>
+                  </a:extLst>
+                </p:cNvPr>
+                <p:cNvSpPr/>
+                <p:nvPr/>
+              </p:nvSpPr>
+              <p:spPr>
+                <a:xfrm>
+                  <a:off x="1279845" y="4197836"/>
+                  <a:ext cx="1107238" cy="1001222"/>
+                </a:xfrm>
+                <a:prstGeom prst="diamond">
+                  <a:avLst/>
+                </a:prstGeom>
+                <a:solidFill>
+                  <a:schemeClr val="bg1"/>
+                </a:solidFill>
+                <a:ln>
+                  <a:solidFill>
+                    <a:schemeClr val="tx1"/>
+                  </a:solidFill>
+                </a:ln>
+              </p:spPr>
+              <p:style>
+                <a:lnRef idx="2">
+                  <a:schemeClr val="accent1">
+                    <a:shade val="50000"/>
+                  </a:schemeClr>
+                </a:lnRef>
+                <a:fillRef idx="1">
+                  <a:schemeClr val="accent1"/>
+                </a:fillRef>
+                <a:effectRef idx="0">
+                  <a:schemeClr val="accent1"/>
+                </a:effectRef>
+                <a:fontRef idx="minor">
+                  <a:schemeClr val="lt1"/>
+                </a:fontRef>
+              </p:style>
+              <p:txBody>
+                <a:bodyPr rtlCol="0" anchor="ctr"/>
+                <a:lstStyle/>
+                <a:p>
+                  <a:pPr algn="ctr"/>
+                  <a:endParaRPr lang="de-AT" sz="1400" dirty="0">
+                    <a:solidFill>
+                      <a:schemeClr val="tx1"/>
+                    </a:solidFill>
+                  </a:endParaRPr>
+                </a:p>
+              </p:txBody>
+            </p:sp>
+            <p:cxnSp>
+              <p:nvCxnSpPr>
+                <p:cNvPr id="306" name="Gerader Verbinder 305">
+                  <a:extLst>
+                    <a:ext uri="{FF2B5EF4-FFF2-40B4-BE49-F238E27FC236}">
+                      <a16:creationId xmlns:a16="http://schemas.microsoft.com/office/drawing/2014/main" id="{33E8AE69-7817-495E-9F7F-C7A268468A94}"/>
+                    </a:ext>
+                  </a:extLst>
+                </p:cNvPr>
+                <p:cNvCxnSpPr>
+                  <a:cxnSpLocks/>
+                </p:cNvCxnSpPr>
+                <p:nvPr/>
+              </p:nvCxnSpPr>
+              <p:spPr>
+                <a:xfrm>
+                  <a:off x="1542340" y="4453269"/>
+                  <a:ext cx="582247" cy="0"/>
+                </a:xfrm>
+                <a:prstGeom prst="line">
+                  <a:avLst/>
+                </a:prstGeom>
+                <a:ln>
+                  <a:solidFill>
+                    <a:schemeClr val="tx1"/>
+                  </a:solidFill>
+                </a:ln>
+              </p:spPr>
+              <p:style>
+                <a:lnRef idx="1">
+                  <a:schemeClr val="accent1"/>
+                </a:lnRef>
+                <a:fillRef idx="0">
+                  <a:schemeClr val="accent1"/>
+                </a:fillRef>
+                <a:effectRef idx="0">
+                  <a:schemeClr val="accent1"/>
+                </a:effectRef>
+                <a:fontRef idx="minor">
+                  <a:schemeClr val="tx1"/>
+                </a:fontRef>
+              </p:style>
+            </p:cxnSp>
+          </p:grpSp>
+          <p:sp>
+            <p:nvSpPr>
+              <p:cNvPr id="304" name="Textfeld 303">
+                <a:extLst>
+                  <a:ext uri="{FF2B5EF4-FFF2-40B4-BE49-F238E27FC236}">
+                    <a16:creationId xmlns:a16="http://schemas.microsoft.com/office/drawing/2014/main" id="{13DFA7F5-CDA0-46D6-915F-AC62A1F2A829}"/>
+                  </a:ext>
+                </a:extLst>
+              </p:cNvPr>
+              <p:cNvSpPr txBox="1"/>
+              <p:nvPr/>
+            </p:nvSpPr>
+            <p:spPr>
+              <a:xfrm>
+                <a:off x="1222993" y="4509603"/>
+                <a:ext cx="1270129" cy="461665"/>
+              </a:xfrm>
+              <a:prstGeom prst="rect">
+                <a:avLst/>
+              </a:prstGeom>
+              <a:noFill/>
+            </p:spPr>
+            <p:txBody>
+              <a:bodyPr wrap="square" rtlCol="0">
+                <a:spAutoFit/>
+              </a:bodyPr>
+              <a:lstStyle/>
+              <a:p>
+                <a:pPr algn="ctr"/>
+                <a:r>
+                  <a:rPr lang="de-AT" sz="1200" dirty="0"/>
+                  <a:t>Backend</a:t>
+                </a:r>
+              </a:p>
+              <a:p>
+                <a:pPr algn="ctr"/>
+                <a:r>
+                  <a:rPr lang="de-AT" sz="1200" dirty="0" err="1"/>
+                  <a:t>finished</a:t>
+                </a:r>
+                <a:endParaRPr lang="de-AT" sz="1200" dirty="0"/>
+              </a:p>
+            </p:txBody>
+          </p:sp>
+        </p:grpSp>
+        <p:sp>
+          <p:nvSpPr>
+            <p:cNvPr id="307" name="Textfeld 306">
+              <a:extLst>
+                <a:ext uri="{FF2B5EF4-FFF2-40B4-BE49-F238E27FC236}">
+                  <a16:creationId xmlns:a16="http://schemas.microsoft.com/office/drawing/2014/main" id="{0F3EDA96-44F1-4DAD-85AD-ADBF3586B603}"/>
+                </a:ext>
+              </a:extLst>
+            </p:cNvPr>
+            <p:cNvSpPr txBox="1"/>
+            <p:nvPr/>
+          </p:nvSpPr>
+          <p:spPr>
+            <a:xfrm>
+              <a:off x="7525336" y="5320183"/>
+              <a:ext cx="604408" cy="307777"/>
+            </a:xfrm>
+            <a:prstGeom prst="rect">
+              <a:avLst/>
+            </a:prstGeom>
+            <a:noFill/>
+          </p:spPr>
+          <p:txBody>
+            <a:bodyPr wrap="square" rtlCol="0">
+              <a:spAutoFit/>
+            </a:bodyPr>
+            <a:lstStyle/>
+            <a:p>
+              <a:r>
+                <a:rPr lang="de-AT" sz="1400" dirty="0"/>
+                <a:t>4.6 </a:t>
+              </a:r>
+            </a:p>
+          </p:txBody>
+        </p:sp>
+      </p:grpSp>
+      <p:grpSp>
+        <p:nvGrpSpPr>
+          <p:cNvPr id="317" name="Gruppieren 316">
+            <a:extLst>
+              <a:ext uri="{FF2B5EF4-FFF2-40B4-BE49-F238E27FC236}">
+                <a16:creationId xmlns:a16="http://schemas.microsoft.com/office/drawing/2014/main" id="{6FE5B3F0-DA26-4E66-B9E6-EC31CACCCC43}"/>
+              </a:ext>
+            </a:extLst>
+          </p:cNvPr>
+          <p:cNvGrpSpPr/>
+          <p:nvPr/>
+        </p:nvGrpSpPr>
+        <p:grpSpPr>
+          <a:xfrm>
+            <a:off x="5496533" y="6265150"/>
+            <a:ext cx="1270129" cy="644606"/>
+            <a:chOff x="1101012" y="1380932"/>
+            <a:chExt cx="1651519" cy="886408"/>
+          </a:xfrm>
+        </p:grpSpPr>
+        <p:sp>
+          <p:nvSpPr>
+            <p:cNvPr id="318" name="Rechteck 317">
+              <a:extLst>
+                <a:ext uri="{FF2B5EF4-FFF2-40B4-BE49-F238E27FC236}">
+                  <a16:creationId xmlns:a16="http://schemas.microsoft.com/office/drawing/2014/main" id="{EAE5DDD1-C9D0-45FE-AA7C-F27A3C0B247D}"/>
+                </a:ext>
+              </a:extLst>
+            </p:cNvPr>
+            <p:cNvSpPr/>
+            <p:nvPr/>
+          </p:nvSpPr>
+          <p:spPr>
+            <a:xfrm>
+              <a:off x="1101012" y="1380932"/>
+              <a:ext cx="1651519" cy="886408"/>
+            </a:xfrm>
+            <a:prstGeom prst="rect">
+              <a:avLst/>
+            </a:prstGeom>
+            <a:solidFill>
+              <a:schemeClr val="bg1"/>
+            </a:solidFill>
+            <a:ln>
+              <a:solidFill>
+                <a:schemeClr val="tx1"/>
+              </a:solidFill>
+            </a:ln>
+          </p:spPr>
+          <p:style>
+            <a:lnRef idx="2">
+              <a:schemeClr val="accent1">
+                <a:shade val="50000"/>
+              </a:schemeClr>
+            </a:lnRef>
+            <a:fillRef idx="1">
+              <a:schemeClr val="accent1"/>
+            </a:fillRef>
+            <a:effectRef idx="0">
+              <a:schemeClr val="accent1"/>
+            </a:effectRef>
+            <a:fontRef idx="minor">
+              <a:schemeClr val="lt1"/>
+            </a:fontRef>
+          </p:style>
+          <p:txBody>
+            <a:bodyPr rtlCol="0" anchor="ctr"/>
+            <a:lstStyle/>
+            <a:p>
+              <a:pPr algn="ctr"/>
+              <a:r>
+                <a:rPr lang="de-AT" sz="1400" dirty="0">
+                  <a:solidFill>
+                    <a:schemeClr val="tx1"/>
+                  </a:solidFill>
+                </a:rPr>
+                <a:t>Connect</a:t>
+              </a:r>
+            </a:p>
+            <a:p>
+              <a:pPr algn="ctr"/>
+              <a:r>
+                <a:rPr lang="de-AT" sz="1400" dirty="0">
+                  <a:solidFill>
+                    <a:schemeClr val="tx1"/>
+                  </a:solidFill>
+                </a:rPr>
+                <a:t>Frontend &amp; Backend</a:t>
+              </a:r>
+            </a:p>
+          </p:txBody>
+        </p:sp>
+        <p:grpSp>
+          <p:nvGrpSpPr>
+            <p:cNvPr id="319" name="Gruppieren 318">
+              <a:extLst>
+                <a:ext uri="{FF2B5EF4-FFF2-40B4-BE49-F238E27FC236}">
+                  <a16:creationId xmlns:a16="http://schemas.microsoft.com/office/drawing/2014/main" id="{2A763350-B137-471A-887F-F1732C525D2A}"/>
+                </a:ext>
+              </a:extLst>
+            </p:cNvPr>
+            <p:cNvGrpSpPr/>
+            <p:nvPr/>
+          </p:nvGrpSpPr>
+          <p:grpSpPr>
+            <a:xfrm>
+              <a:off x="2379306" y="1380932"/>
+              <a:ext cx="373224" cy="270586"/>
+              <a:chOff x="2379306" y="1380932"/>
+              <a:chExt cx="373224" cy="270586"/>
+            </a:xfrm>
+          </p:grpSpPr>
+          <p:cxnSp>
+            <p:nvCxnSpPr>
+              <p:cNvPr id="323" name="Gerader Verbinder 322">
+                <a:extLst>
+                  <a:ext uri="{FF2B5EF4-FFF2-40B4-BE49-F238E27FC236}">
+                    <a16:creationId xmlns:a16="http://schemas.microsoft.com/office/drawing/2014/main" id="{7AA1F25B-35EC-46F9-9E9E-E38FC07BB7F3}"/>
+                  </a:ext>
+                </a:extLst>
+              </p:cNvPr>
+              <p:cNvCxnSpPr>
+                <a:cxnSpLocks/>
+              </p:cNvCxnSpPr>
+              <p:nvPr/>
+            </p:nvCxnSpPr>
+            <p:spPr>
+              <a:xfrm>
+                <a:off x="2379306" y="1380932"/>
+                <a:ext cx="0" cy="270586"/>
+              </a:xfrm>
+              <a:prstGeom prst="line">
+                <a:avLst/>
+              </a:prstGeom>
+              <a:ln>
+                <a:solidFill>
+                  <a:schemeClr val="tx1"/>
+                </a:solidFill>
+              </a:ln>
+            </p:spPr>
+            <p:style>
+              <a:lnRef idx="1">
+                <a:schemeClr val="accent1"/>
+              </a:lnRef>
+              <a:fillRef idx="0">
+                <a:schemeClr val="accent1"/>
+              </a:fillRef>
+              <a:effectRef idx="0">
+                <a:schemeClr val="accent1"/>
+              </a:effectRef>
+              <a:fontRef idx="minor">
+                <a:schemeClr val="tx1"/>
+              </a:fontRef>
+            </p:style>
+          </p:cxnSp>
+          <p:cxnSp>
+            <p:nvCxnSpPr>
+              <p:cNvPr id="324" name="Gerader Verbinder 323">
+                <a:extLst>
+                  <a:ext uri="{FF2B5EF4-FFF2-40B4-BE49-F238E27FC236}">
+                    <a16:creationId xmlns:a16="http://schemas.microsoft.com/office/drawing/2014/main" id="{757460D6-574C-4A3D-8BAF-22693D4A12FD}"/>
+                  </a:ext>
+                </a:extLst>
+              </p:cNvPr>
+              <p:cNvCxnSpPr>
+                <a:cxnSpLocks/>
+              </p:cNvCxnSpPr>
+              <p:nvPr/>
+            </p:nvCxnSpPr>
+            <p:spPr>
+              <a:xfrm>
+                <a:off x="2379306" y="1651518"/>
+                <a:ext cx="373224" cy="0"/>
+              </a:xfrm>
+              <a:prstGeom prst="line">
+                <a:avLst/>
+              </a:prstGeom>
+              <a:ln>
+                <a:solidFill>
+                  <a:schemeClr val="tx1"/>
+                </a:solidFill>
+              </a:ln>
+            </p:spPr>
+            <p:style>
+              <a:lnRef idx="1">
+                <a:schemeClr val="accent1"/>
+              </a:lnRef>
+              <a:fillRef idx="0">
+                <a:schemeClr val="accent1"/>
+              </a:fillRef>
+              <a:effectRef idx="0">
+                <a:schemeClr val="accent1"/>
+              </a:effectRef>
+              <a:fontRef idx="minor">
+                <a:schemeClr val="tx1"/>
+              </a:fontRef>
+            </p:style>
+          </p:cxnSp>
+        </p:grpSp>
+        <p:grpSp>
+          <p:nvGrpSpPr>
+            <p:cNvPr id="320" name="Gruppieren 319">
+              <a:extLst>
+                <a:ext uri="{FF2B5EF4-FFF2-40B4-BE49-F238E27FC236}">
+                  <a16:creationId xmlns:a16="http://schemas.microsoft.com/office/drawing/2014/main" id="{00ED7071-7399-4C07-B362-1BAB2CDEED4C}"/>
+                </a:ext>
+              </a:extLst>
+            </p:cNvPr>
+            <p:cNvGrpSpPr/>
+            <p:nvPr/>
+          </p:nvGrpSpPr>
+          <p:grpSpPr>
+            <a:xfrm>
+              <a:off x="1101012" y="1380932"/>
+              <a:ext cx="373224" cy="270586"/>
+              <a:chOff x="1101012" y="1380932"/>
+              <a:chExt cx="373224" cy="270586"/>
+            </a:xfrm>
+          </p:grpSpPr>
+          <p:cxnSp>
+            <p:nvCxnSpPr>
+              <p:cNvPr id="321" name="Gerader Verbinder 320">
+                <a:extLst>
+                  <a:ext uri="{FF2B5EF4-FFF2-40B4-BE49-F238E27FC236}">
+                    <a16:creationId xmlns:a16="http://schemas.microsoft.com/office/drawing/2014/main" id="{A2960F6A-9AA3-41F3-BDE8-69724CAD5B74}"/>
+                  </a:ext>
+                </a:extLst>
+              </p:cNvPr>
+              <p:cNvCxnSpPr>
+                <a:cxnSpLocks/>
+              </p:cNvCxnSpPr>
+              <p:nvPr/>
+            </p:nvCxnSpPr>
+            <p:spPr>
+              <a:xfrm>
+                <a:off x="1474236" y="1380932"/>
+                <a:ext cx="0" cy="270586"/>
+              </a:xfrm>
+              <a:prstGeom prst="line">
+                <a:avLst/>
+              </a:prstGeom>
+              <a:ln>
+                <a:solidFill>
+                  <a:schemeClr val="tx1"/>
+                </a:solidFill>
+              </a:ln>
+            </p:spPr>
+            <p:style>
+              <a:lnRef idx="1">
+                <a:schemeClr val="accent1"/>
+              </a:lnRef>
+              <a:fillRef idx="0">
+                <a:schemeClr val="accent1"/>
+              </a:fillRef>
+              <a:effectRef idx="0">
+                <a:schemeClr val="accent1"/>
+              </a:effectRef>
+              <a:fontRef idx="minor">
+                <a:schemeClr val="tx1"/>
+              </a:fontRef>
+            </p:style>
+          </p:cxnSp>
+          <p:cxnSp>
+            <p:nvCxnSpPr>
+              <p:cNvPr id="322" name="Gerader Verbinder 321">
+                <a:extLst>
+                  <a:ext uri="{FF2B5EF4-FFF2-40B4-BE49-F238E27FC236}">
+                    <a16:creationId xmlns:a16="http://schemas.microsoft.com/office/drawing/2014/main" id="{4B33089B-3ACC-414F-8B63-B598528C59D1}"/>
+                  </a:ext>
+                </a:extLst>
+              </p:cNvPr>
+              <p:cNvCxnSpPr>
+                <a:cxnSpLocks/>
+              </p:cNvCxnSpPr>
+              <p:nvPr/>
+            </p:nvCxnSpPr>
+            <p:spPr>
+              <a:xfrm>
+                <a:off x="1101012" y="1651518"/>
+                <a:ext cx="373224" cy="0"/>
+              </a:xfrm>
+              <a:prstGeom prst="line">
+                <a:avLst/>
+              </a:prstGeom>
+              <a:ln>
+                <a:solidFill>
+                  <a:schemeClr val="tx1"/>
+                </a:solidFill>
+              </a:ln>
+            </p:spPr>
+            <p:style>
+              <a:lnRef idx="1">
+                <a:schemeClr val="accent1"/>
+              </a:lnRef>
+              <a:fillRef idx="0">
+                <a:schemeClr val="accent1"/>
+              </a:fillRef>
+              <a:effectRef idx="0">
+                <a:schemeClr val="accent1"/>
+              </a:effectRef>
+              <a:fontRef idx="minor">
+                <a:schemeClr val="tx1"/>
+              </a:fontRef>
+            </p:style>
+          </p:cxnSp>
+        </p:grpSp>
+      </p:grpSp>
+      <p:sp>
+        <p:nvSpPr>
+          <p:cNvPr id="325" name="Textfeld 324">
+            <a:extLst>
+              <a:ext uri="{FF2B5EF4-FFF2-40B4-BE49-F238E27FC236}">
+                <a16:creationId xmlns:a16="http://schemas.microsoft.com/office/drawing/2014/main" id="{FF1D59DB-642A-4F4F-9AC7-3AEDE7A45858}"/>
+              </a:ext>
+            </a:extLst>
+          </p:cNvPr>
+          <p:cNvSpPr txBox="1"/>
+          <p:nvPr/>
+        </p:nvSpPr>
+        <p:spPr>
+          <a:xfrm>
+            <a:off x="5444777" y="6206068"/>
+            <a:ext cx="604408" cy="307777"/>
+          </a:xfrm>
+          <a:prstGeom prst="rect">
+            <a:avLst/>
+          </a:prstGeom>
+          <a:noFill/>
+        </p:spPr>
+        <p:txBody>
+          <a:bodyPr wrap="square" rtlCol="0">
+            <a:spAutoFit/>
+          </a:bodyPr>
+          <a:lstStyle/>
+          <a:p>
+            <a:r>
+              <a:rPr lang="de-AT" sz="1400" dirty="0"/>
+              <a:t>4.7 </a:t>
+            </a:r>
+          </a:p>
+        </p:txBody>
+      </p:sp>
+      <p:cxnSp>
+        <p:nvCxnSpPr>
+          <p:cNvPr id="326" name="Gerader Verbinder 325">
+            <a:extLst>
+              <a:ext uri="{FF2B5EF4-FFF2-40B4-BE49-F238E27FC236}">
+                <a16:creationId xmlns:a16="http://schemas.microsoft.com/office/drawing/2014/main" id="{B37CCC5F-0BFC-4350-BFD5-D90BC442F3F4}"/>
+              </a:ext>
+            </a:extLst>
+          </p:cNvPr>
+          <p:cNvCxnSpPr>
+            <a:cxnSpLocks/>
+            <a:stCxn id="149" idx="2"/>
+            <a:endCxn id="254" idx="0"/>
+          </p:cNvCxnSpPr>
+          <p:nvPr/>
+        </p:nvCxnSpPr>
+        <p:spPr>
+          <a:xfrm>
+            <a:off x="6120819" y="1156526"/>
+            <a:ext cx="2447" cy="237824"/>
+          </a:xfrm>
+          <a:prstGeom prst="line">
+            <a:avLst/>
+          </a:prstGeom>
+          <a:ln>
+            <a:solidFill>
+              <a:schemeClr val="tx1"/>
+            </a:solidFill>
+          </a:ln>
+        </p:spPr>
+        <p:style>
+          <a:lnRef idx="1">
+            <a:schemeClr val="accent1"/>
+          </a:lnRef>
+          <a:fillRef idx="0">
+            <a:schemeClr val="accent1"/>
+          </a:fillRef>
+          <a:effectRef idx="0">
+            <a:schemeClr val="accent1"/>
+          </a:effectRef>
+          <a:fontRef idx="minor">
+            <a:schemeClr val="tx1"/>
+          </a:fontRef>
+        </p:style>
+      </p:cxnSp>
+      <p:grpSp>
+        <p:nvGrpSpPr>
+          <p:cNvPr id="327" name="Gruppieren 326">
+            <a:extLst>
+              <a:ext uri="{FF2B5EF4-FFF2-40B4-BE49-F238E27FC236}">
+                <a16:creationId xmlns:a16="http://schemas.microsoft.com/office/drawing/2014/main" id="{AF590B49-5A64-4D6C-9616-9F04C3EFF612}"/>
+              </a:ext>
+            </a:extLst>
+          </p:cNvPr>
+          <p:cNvGrpSpPr/>
+          <p:nvPr/>
+        </p:nvGrpSpPr>
+        <p:grpSpPr>
+          <a:xfrm>
+            <a:off x="5491863" y="6919588"/>
+            <a:ext cx="1270129" cy="1001222"/>
+            <a:chOff x="7104695" y="5310351"/>
+            <a:chExt cx="1270129" cy="1001222"/>
+          </a:xfrm>
+        </p:grpSpPr>
+        <p:grpSp>
+          <p:nvGrpSpPr>
+            <p:cNvPr id="328" name="Gruppieren 327">
+              <a:extLst>
+                <a:ext uri="{FF2B5EF4-FFF2-40B4-BE49-F238E27FC236}">
+                  <a16:creationId xmlns:a16="http://schemas.microsoft.com/office/drawing/2014/main" id="{DB8A684A-B9C3-4422-90A7-255961CD6865}"/>
+                </a:ext>
+              </a:extLst>
+            </p:cNvPr>
+            <p:cNvGrpSpPr/>
+            <p:nvPr/>
+          </p:nvGrpSpPr>
+          <p:grpSpPr>
+            <a:xfrm>
+              <a:off x="7104695" y="5310351"/>
+              <a:ext cx="1270129" cy="1001222"/>
+              <a:chOff x="1211418" y="4197836"/>
+              <a:chExt cx="1270129" cy="1001222"/>
+            </a:xfrm>
+          </p:grpSpPr>
+          <p:grpSp>
+            <p:nvGrpSpPr>
+              <p:cNvPr id="330" name="Gruppieren 329">
+                <a:extLst>
+                  <a:ext uri="{FF2B5EF4-FFF2-40B4-BE49-F238E27FC236}">
+                    <a16:creationId xmlns:a16="http://schemas.microsoft.com/office/drawing/2014/main" id="{AFC43F62-2520-4094-812A-321F7AAFB80F}"/>
+                  </a:ext>
+                </a:extLst>
+              </p:cNvPr>
+              <p:cNvGrpSpPr/>
+              <p:nvPr/>
+            </p:nvGrpSpPr>
+            <p:grpSpPr>
+              <a:xfrm>
+                <a:off x="1279845" y="4197836"/>
+                <a:ext cx="1107238" cy="1001222"/>
+                <a:chOff x="1279845" y="4197836"/>
+                <a:chExt cx="1107238" cy="1001222"/>
+              </a:xfrm>
+            </p:grpSpPr>
+            <p:sp>
+              <p:nvSpPr>
+                <p:cNvPr id="332" name="Raute 331">
+                  <a:extLst>
+                    <a:ext uri="{FF2B5EF4-FFF2-40B4-BE49-F238E27FC236}">
+                      <a16:creationId xmlns:a16="http://schemas.microsoft.com/office/drawing/2014/main" id="{E4FBBB10-47B4-4396-B618-527E75F18CB8}"/>
+                    </a:ext>
+                  </a:extLst>
+                </p:cNvPr>
+                <p:cNvSpPr/>
+                <p:nvPr/>
+              </p:nvSpPr>
+              <p:spPr>
+                <a:xfrm>
+                  <a:off x="1279845" y="4197836"/>
+                  <a:ext cx="1107238" cy="1001222"/>
+                </a:xfrm>
+                <a:prstGeom prst="diamond">
+                  <a:avLst/>
+                </a:prstGeom>
+                <a:solidFill>
+                  <a:schemeClr val="bg1"/>
+                </a:solidFill>
+                <a:ln>
+                  <a:solidFill>
+                    <a:schemeClr val="tx1"/>
+                  </a:solidFill>
+                </a:ln>
+              </p:spPr>
+              <p:style>
+                <a:lnRef idx="2">
+                  <a:schemeClr val="accent1">
+                    <a:shade val="50000"/>
+                  </a:schemeClr>
+                </a:lnRef>
+                <a:fillRef idx="1">
+                  <a:schemeClr val="accent1"/>
+                </a:fillRef>
+                <a:effectRef idx="0">
+                  <a:schemeClr val="accent1"/>
+                </a:effectRef>
+                <a:fontRef idx="minor">
+                  <a:schemeClr val="lt1"/>
+                </a:fontRef>
+              </p:style>
+              <p:txBody>
+                <a:bodyPr rtlCol="0" anchor="ctr"/>
+                <a:lstStyle/>
+                <a:p>
+                  <a:pPr algn="ctr"/>
+                  <a:endParaRPr lang="de-AT" sz="1400" dirty="0">
+                    <a:solidFill>
+                      <a:schemeClr val="tx1"/>
+                    </a:solidFill>
+                  </a:endParaRPr>
+                </a:p>
+              </p:txBody>
+            </p:sp>
+            <p:cxnSp>
+              <p:nvCxnSpPr>
+                <p:cNvPr id="333" name="Gerader Verbinder 332">
+                  <a:extLst>
+                    <a:ext uri="{FF2B5EF4-FFF2-40B4-BE49-F238E27FC236}">
+                      <a16:creationId xmlns:a16="http://schemas.microsoft.com/office/drawing/2014/main" id="{9B51171B-0277-439B-9893-42FD31246129}"/>
+                    </a:ext>
+                  </a:extLst>
+                </p:cNvPr>
+                <p:cNvCxnSpPr>
+                  <a:cxnSpLocks/>
+                </p:cNvCxnSpPr>
+                <p:nvPr/>
+              </p:nvCxnSpPr>
+              <p:spPr>
+                <a:xfrm>
+                  <a:off x="1542340" y="4453269"/>
+                  <a:ext cx="582247" cy="0"/>
+                </a:xfrm>
+                <a:prstGeom prst="line">
+                  <a:avLst/>
+                </a:prstGeom>
+                <a:ln>
+                  <a:solidFill>
+                    <a:schemeClr val="tx1"/>
+                  </a:solidFill>
+                </a:ln>
+              </p:spPr>
+              <p:style>
+                <a:lnRef idx="1">
+                  <a:schemeClr val="accent1"/>
+                </a:lnRef>
+                <a:fillRef idx="0">
+                  <a:schemeClr val="accent1"/>
+                </a:fillRef>
+                <a:effectRef idx="0">
+                  <a:schemeClr val="accent1"/>
+                </a:effectRef>
+                <a:fontRef idx="minor">
+                  <a:schemeClr val="tx1"/>
+                </a:fontRef>
+              </p:style>
+            </p:cxnSp>
+          </p:grpSp>
+          <p:sp>
+            <p:nvSpPr>
+              <p:cNvPr id="331" name="Textfeld 330">
+                <a:extLst>
+                  <a:ext uri="{FF2B5EF4-FFF2-40B4-BE49-F238E27FC236}">
+                    <a16:creationId xmlns:a16="http://schemas.microsoft.com/office/drawing/2014/main" id="{235ADB9D-4EA8-4FA5-B8AD-FDFAB2EC7E40}"/>
+                  </a:ext>
+                </a:extLst>
+              </p:cNvPr>
+              <p:cNvSpPr txBox="1"/>
+              <p:nvPr/>
+            </p:nvSpPr>
+            <p:spPr>
+              <a:xfrm>
+                <a:off x="1211418" y="4555903"/>
+                <a:ext cx="1270129" cy="461665"/>
+              </a:xfrm>
+              <a:prstGeom prst="rect">
+                <a:avLst/>
+              </a:prstGeom>
+              <a:noFill/>
+            </p:spPr>
+            <p:txBody>
+              <a:bodyPr wrap="square" rtlCol="0">
+                <a:spAutoFit/>
+              </a:bodyPr>
+              <a:lstStyle/>
+              <a:p>
+                <a:pPr algn="ctr"/>
+                <a:r>
+                  <a:rPr lang="de-AT" sz="1200" dirty="0"/>
+                  <a:t>Implementation</a:t>
+                </a:r>
+              </a:p>
+              <a:p>
+                <a:pPr algn="ctr"/>
+                <a:r>
+                  <a:rPr lang="de-AT" sz="1200" dirty="0" err="1"/>
+                  <a:t>finished</a:t>
+                </a:r>
+                <a:endParaRPr lang="de-AT" sz="1200" dirty="0"/>
+              </a:p>
+            </p:txBody>
+          </p:sp>
+        </p:grpSp>
+        <p:sp>
+          <p:nvSpPr>
+            <p:cNvPr id="329" name="Textfeld 328">
+              <a:extLst>
+                <a:ext uri="{FF2B5EF4-FFF2-40B4-BE49-F238E27FC236}">
+                  <a16:creationId xmlns:a16="http://schemas.microsoft.com/office/drawing/2014/main" id="{AF67952F-FE3E-463A-8153-D28B4BB71C50}"/>
+                </a:ext>
+              </a:extLst>
+            </p:cNvPr>
+            <p:cNvSpPr txBox="1"/>
+            <p:nvPr/>
+          </p:nvSpPr>
+          <p:spPr>
+            <a:xfrm>
+              <a:off x="7525336" y="5320183"/>
+              <a:ext cx="604408" cy="307777"/>
+            </a:xfrm>
+            <a:prstGeom prst="rect">
+              <a:avLst/>
+            </a:prstGeom>
+            <a:noFill/>
+          </p:spPr>
+          <p:txBody>
+            <a:bodyPr wrap="square" rtlCol="0">
+              <a:spAutoFit/>
+            </a:bodyPr>
+            <a:lstStyle/>
+            <a:p>
+              <a:r>
+                <a:rPr lang="de-AT" sz="1400" dirty="0"/>
+                <a:t>4.8 </a:t>
+              </a:r>
+            </a:p>
+          </p:txBody>
+        </p:sp>
+      </p:grpSp>
     </p:spTree>
     <p:extLst>
       <p:ext uri="{BB962C8B-B14F-4D97-AF65-F5344CB8AC3E}">

--- a/Documents/projectstructureplan.pptx
+++ b/Documents/projectstructureplan.pptx
@@ -262,7 +262,7 @@
           <a:p>
             <a:fld id="{1FD5B0D3-95BA-406C-B500-C3B45FB0BF63}" type="datetimeFigureOut">
               <a:rPr lang="de-AT" smtClean="0"/>
-              <a:t>16.01.2020</a:t>
+              <a:t>23.01.2020</a:t>
             </a:fld>
             <a:endParaRPr lang="de-AT"/>
           </a:p>
@@ -462,7 +462,7 @@
           <a:p>
             <a:fld id="{1FD5B0D3-95BA-406C-B500-C3B45FB0BF63}" type="datetimeFigureOut">
               <a:rPr lang="de-AT" smtClean="0"/>
-              <a:t>16.01.2020</a:t>
+              <a:t>23.01.2020</a:t>
             </a:fld>
             <a:endParaRPr lang="de-AT"/>
           </a:p>
@@ -672,7 +672,7 @@
           <a:p>
             <a:fld id="{1FD5B0D3-95BA-406C-B500-C3B45FB0BF63}" type="datetimeFigureOut">
               <a:rPr lang="de-AT" smtClean="0"/>
-              <a:t>16.01.2020</a:t>
+              <a:t>23.01.2020</a:t>
             </a:fld>
             <a:endParaRPr lang="de-AT"/>
           </a:p>
@@ -872,7 +872,7 @@
           <a:p>
             <a:fld id="{1FD5B0D3-95BA-406C-B500-C3B45FB0BF63}" type="datetimeFigureOut">
               <a:rPr lang="de-AT" smtClean="0"/>
-              <a:t>16.01.2020</a:t>
+              <a:t>23.01.2020</a:t>
             </a:fld>
             <a:endParaRPr lang="de-AT"/>
           </a:p>
@@ -1148,7 +1148,7 @@
           <a:p>
             <a:fld id="{1FD5B0D3-95BA-406C-B500-C3B45FB0BF63}" type="datetimeFigureOut">
               <a:rPr lang="de-AT" smtClean="0"/>
-              <a:t>16.01.2020</a:t>
+              <a:t>23.01.2020</a:t>
             </a:fld>
             <a:endParaRPr lang="de-AT"/>
           </a:p>
@@ -1416,7 +1416,7 @@
           <a:p>
             <a:fld id="{1FD5B0D3-95BA-406C-B500-C3B45FB0BF63}" type="datetimeFigureOut">
               <a:rPr lang="de-AT" smtClean="0"/>
-              <a:t>16.01.2020</a:t>
+              <a:t>23.01.2020</a:t>
             </a:fld>
             <a:endParaRPr lang="de-AT"/>
           </a:p>
@@ -1831,7 +1831,7 @@
           <a:p>
             <a:fld id="{1FD5B0D3-95BA-406C-B500-C3B45FB0BF63}" type="datetimeFigureOut">
               <a:rPr lang="de-AT" smtClean="0"/>
-              <a:t>16.01.2020</a:t>
+              <a:t>23.01.2020</a:t>
             </a:fld>
             <a:endParaRPr lang="de-AT"/>
           </a:p>
@@ -1973,7 +1973,7 @@
           <a:p>
             <a:fld id="{1FD5B0D3-95BA-406C-B500-C3B45FB0BF63}" type="datetimeFigureOut">
               <a:rPr lang="de-AT" smtClean="0"/>
-              <a:t>16.01.2020</a:t>
+              <a:t>23.01.2020</a:t>
             </a:fld>
             <a:endParaRPr lang="de-AT"/>
           </a:p>
@@ -2086,7 +2086,7 @@
           <a:p>
             <a:fld id="{1FD5B0D3-95BA-406C-B500-C3B45FB0BF63}" type="datetimeFigureOut">
               <a:rPr lang="de-AT" smtClean="0"/>
-              <a:t>16.01.2020</a:t>
+              <a:t>23.01.2020</a:t>
             </a:fld>
             <a:endParaRPr lang="de-AT"/>
           </a:p>
@@ -2399,7 +2399,7 @@
           <a:p>
             <a:fld id="{1FD5B0D3-95BA-406C-B500-C3B45FB0BF63}" type="datetimeFigureOut">
               <a:rPr lang="de-AT" smtClean="0"/>
-              <a:t>16.01.2020</a:t>
+              <a:t>23.01.2020</a:t>
             </a:fld>
             <a:endParaRPr lang="de-AT"/>
           </a:p>
@@ -2688,7 +2688,7 @@
           <a:p>
             <a:fld id="{1FD5B0D3-95BA-406C-B500-C3B45FB0BF63}" type="datetimeFigureOut">
               <a:rPr lang="de-AT" smtClean="0"/>
-              <a:t>16.01.2020</a:t>
+              <a:t>23.01.2020</a:t>
             </a:fld>
             <a:endParaRPr lang="de-AT"/>
           </a:p>
@@ -2931,7 +2931,7 @@
           <a:p>
             <a:fld id="{1FD5B0D3-95BA-406C-B500-C3B45FB0BF63}" type="datetimeFigureOut">
               <a:rPr lang="de-AT" smtClean="0"/>
-              <a:t>16.01.2020</a:t>
+              <a:t>23.01.2020</a:t>
             </a:fld>
             <a:endParaRPr lang="de-AT"/>
           </a:p>
@@ -8834,7 +8834,7 @@
                       <a:schemeClr val="tx1"/>
                     </a:solidFill>
                   </a:rPr>
-                  <a:t>Approval</a:t>
+                  <a:t>Delivery</a:t>
                 </a:r>
                 <a:endParaRPr lang="de-AT" sz="1600" dirty="0">
                   <a:solidFill>
@@ -14937,6 +14937,3813 @@
               <a:r>
                 <a:rPr lang="de-AT" sz="1400" dirty="0"/>
                 <a:t>4.8 </a:t>
+              </a:r>
+            </a:p>
+          </p:txBody>
+        </p:sp>
+      </p:grpSp>
+      <p:grpSp>
+        <p:nvGrpSpPr>
+          <p:cNvPr id="375" name="Gruppieren 374">
+            <a:extLst>
+              <a:ext uri="{FF2B5EF4-FFF2-40B4-BE49-F238E27FC236}">
+                <a16:creationId xmlns:a16="http://schemas.microsoft.com/office/drawing/2014/main" id="{7909CD52-89EB-4FF1-87C7-CF03DB3DD060}"/>
+              </a:ext>
+            </a:extLst>
+          </p:cNvPr>
+          <p:cNvGrpSpPr/>
+          <p:nvPr/>
+        </p:nvGrpSpPr>
+        <p:grpSpPr>
+          <a:xfrm>
+            <a:off x="7244528" y="1410601"/>
+            <a:ext cx="1270129" cy="644606"/>
+            <a:chOff x="1101012" y="1380932"/>
+            <a:chExt cx="1651519" cy="886408"/>
+          </a:xfrm>
+        </p:grpSpPr>
+        <p:sp>
+          <p:nvSpPr>
+            <p:cNvPr id="376" name="Rechteck 375">
+              <a:extLst>
+                <a:ext uri="{FF2B5EF4-FFF2-40B4-BE49-F238E27FC236}">
+                  <a16:creationId xmlns:a16="http://schemas.microsoft.com/office/drawing/2014/main" id="{E7A61356-32AB-42E4-BEAB-36331A2835F8}"/>
+                </a:ext>
+              </a:extLst>
+            </p:cNvPr>
+            <p:cNvSpPr/>
+            <p:nvPr/>
+          </p:nvSpPr>
+          <p:spPr>
+            <a:xfrm>
+              <a:off x="1101012" y="1380932"/>
+              <a:ext cx="1651519" cy="886408"/>
+            </a:xfrm>
+            <a:prstGeom prst="rect">
+              <a:avLst/>
+            </a:prstGeom>
+            <a:solidFill>
+              <a:schemeClr val="bg1"/>
+            </a:solidFill>
+            <a:ln>
+              <a:solidFill>
+                <a:schemeClr val="tx1"/>
+              </a:solidFill>
+            </a:ln>
+          </p:spPr>
+          <p:style>
+            <a:lnRef idx="2">
+              <a:schemeClr val="accent1">
+                <a:shade val="50000"/>
+              </a:schemeClr>
+            </a:lnRef>
+            <a:fillRef idx="1">
+              <a:schemeClr val="accent1"/>
+            </a:fillRef>
+            <a:effectRef idx="0">
+              <a:schemeClr val="accent1"/>
+            </a:effectRef>
+            <a:fontRef idx="minor">
+              <a:schemeClr val="lt1"/>
+            </a:fontRef>
+          </p:style>
+          <p:txBody>
+            <a:bodyPr rtlCol="0" anchor="ctr"/>
+            <a:lstStyle/>
+            <a:p>
+              <a:pPr algn="ctr"/>
+              <a:r>
+                <a:rPr lang="de-AT" sz="1500" dirty="0">
+                  <a:solidFill>
+                    <a:schemeClr val="tx1"/>
+                  </a:solidFill>
+                </a:rPr>
+                <a:t>Manual Test</a:t>
+              </a:r>
+            </a:p>
+          </p:txBody>
+        </p:sp>
+        <p:grpSp>
+          <p:nvGrpSpPr>
+            <p:cNvPr id="377" name="Gruppieren 376">
+              <a:extLst>
+                <a:ext uri="{FF2B5EF4-FFF2-40B4-BE49-F238E27FC236}">
+                  <a16:creationId xmlns:a16="http://schemas.microsoft.com/office/drawing/2014/main" id="{FC52FD0E-412E-4EB5-878F-D3F5CC86963F}"/>
+                </a:ext>
+              </a:extLst>
+            </p:cNvPr>
+            <p:cNvGrpSpPr/>
+            <p:nvPr/>
+          </p:nvGrpSpPr>
+          <p:grpSpPr>
+            <a:xfrm>
+              <a:off x="2379306" y="1380932"/>
+              <a:ext cx="373224" cy="270586"/>
+              <a:chOff x="2379306" y="1380932"/>
+              <a:chExt cx="373224" cy="270586"/>
+            </a:xfrm>
+          </p:grpSpPr>
+          <p:cxnSp>
+            <p:nvCxnSpPr>
+              <p:cNvPr id="381" name="Gerader Verbinder 380">
+                <a:extLst>
+                  <a:ext uri="{FF2B5EF4-FFF2-40B4-BE49-F238E27FC236}">
+                    <a16:creationId xmlns:a16="http://schemas.microsoft.com/office/drawing/2014/main" id="{31A3ED87-7008-4082-9894-F6C94891EFEF}"/>
+                  </a:ext>
+                </a:extLst>
+              </p:cNvPr>
+              <p:cNvCxnSpPr>
+                <a:cxnSpLocks/>
+              </p:cNvCxnSpPr>
+              <p:nvPr/>
+            </p:nvCxnSpPr>
+            <p:spPr>
+              <a:xfrm>
+                <a:off x="2379306" y="1380932"/>
+                <a:ext cx="0" cy="270586"/>
+              </a:xfrm>
+              <a:prstGeom prst="line">
+                <a:avLst/>
+              </a:prstGeom>
+              <a:ln>
+                <a:solidFill>
+                  <a:schemeClr val="tx1"/>
+                </a:solidFill>
+              </a:ln>
+            </p:spPr>
+            <p:style>
+              <a:lnRef idx="1">
+                <a:schemeClr val="accent1"/>
+              </a:lnRef>
+              <a:fillRef idx="0">
+                <a:schemeClr val="accent1"/>
+              </a:fillRef>
+              <a:effectRef idx="0">
+                <a:schemeClr val="accent1"/>
+              </a:effectRef>
+              <a:fontRef idx="minor">
+                <a:schemeClr val="tx1"/>
+              </a:fontRef>
+            </p:style>
+          </p:cxnSp>
+          <p:cxnSp>
+            <p:nvCxnSpPr>
+              <p:cNvPr id="382" name="Gerader Verbinder 381">
+                <a:extLst>
+                  <a:ext uri="{FF2B5EF4-FFF2-40B4-BE49-F238E27FC236}">
+                    <a16:creationId xmlns:a16="http://schemas.microsoft.com/office/drawing/2014/main" id="{47BFC0ED-8D62-4E93-B90A-46374F54097C}"/>
+                  </a:ext>
+                </a:extLst>
+              </p:cNvPr>
+              <p:cNvCxnSpPr>
+                <a:cxnSpLocks/>
+              </p:cNvCxnSpPr>
+              <p:nvPr/>
+            </p:nvCxnSpPr>
+            <p:spPr>
+              <a:xfrm>
+                <a:off x="2379306" y="1651518"/>
+                <a:ext cx="373224" cy="0"/>
+              </a:xfrm>
+              <a:prstGeom prst="line">
+                <a:avLst/>
+              </a:prstGeom>
+              <a:ln>
+                <a:solidFill>
+                  <a:schemeClr val="tx1"/>
+                </a:solidFill>
+              </a:ln>
+            </p:spPr>
+            <p:style>
+              <a:lnRef idx="1">
+                <a:schemeClr val="accent1"/>
+              </a:lnRef>
+              <a:fillRef idx="0">
+                <a:schemeClr val="accent1"/>
+              </a:fillRef>
+              <a:effectRef idx="0">
+                <a:schemeClr val="accent1"/>
+              </a:effectRef>
+              <a:fontRef idx="minor">
+                <a:schemeClr val="tx1"/>
+              </a:fontRef>
+            </p:style>
+          </p:cxnSp>
+        </p:grpSp>
+        <p:grpSp>
+          <p:nvGrpSpPr>
+            <p:cNvPr id="378" name="Gruppieren 377">
+              <a:extLst>
+                <a:ext uri="{FF2B5EF4-FFF2-40B4-BE49-F238E27FC236}">
+                  <a16:creationId xmlns:a16="http://schemas.microsoft.com/office/drawing/2014/main" id="{A5F8F3B2-29BE-4938-9397-0B2C355CA747}"/>
+                </a:ext>
+              </a:extLst>
+            </p:cNvPr>
+            <p:cNvGrpSpPr/>
+            <p:nvPr/>
+          </p:nvGrpSpPr>
+          <p:grpSpPr>
+            <a:xfrm>
+              <a:off x="1101012" y="1380932"/>
+              <a:ext cx="373224" cy="270586"/>
+              <a:chOff x="1101012" y="1380932"/>
+              <a:chExt cx="373224" cy="270586"/>
+            </a:xfrm>
+          </p:grpSpPr>
+          <p:cxnSp>
+            <p:nvCxnSpPr>
+              <p:cNvPr id="379" name="Gerader Verbinder 378">
+                <a:extLst>
+                  <a:ext uri="{FF2B5EF4-FFF2-40B4-BE49-F238E27FC236}">
+                    <a16:creationId xmlns:a16="http://schemas.microsoft.com/office/drawing/2014/main" id="{21B231E5-BE13-4BF1-944D-D718E91B8E5E}"/>
+                  </a:ext>
+                </a:extLst>
+              </p:cNvPr>
+              <p:cNvCxnSpPr>
+                <a:cxnSpLocks/>
+              </p:cNvCxnSpPr>
+              <p:nvPr/>
+            </p:nvCxnSpPr>
+            <p:spPr>
+              <a:xfrm>
+                <a:off x="1474236" y="1380932"/>
+                <a:ext cx="0" cy="270586"/>
+              </a:xfrm>
+              <a:prstGeom prst="line">
+                <a:avLst/>
+              </a:prstGeom>
+              <a:ln>
+                <a:solidFill>
+                  <a:schemeClr val="tx1"/>
+                </a:solidFill>
+              </a:ln>
+            </p:spPr>
+            <p:style>
+              <a:lnRef idx="1">
+                <a:schemeClr val="accent1"/>
+              </a:lnRef>
+              <a:fillRef idx="0">
+                <a:schemeClr val="accent1"/>
+              </a:fillRef>
+              <a:effectRef idx="0">
+                <a:schemeClr val="accent1"/>
+              </a:effectRef>
+              <a:fontRef idx="minor">
+                <a:schemeClr val="tx1"/>
+              </a:fontRef>
+            </p:style>
+          </p:cxnSp>
+          <p:cxnSp>
+            <p:nvCxnSpPr>
+              <p:cNvPr id="380" name="Gerader Verbinder 379">
+                <a:extLst>
+                  <a:ext uri="{FF2B5EF4-FFF2-40B4-BE49-F238E27FC236}">
+                    <a16:creationId xmlns:a16="http://schemas.microsoft.com/office/drawing/2014/main" id="{81C70C6D-86F3-46BE-B693-FA0F5664CF89}"/>
+                  </a:ext>
+                </a:extLst>
+              </p:cNvPr>
+              <p:cNvCxnSpPr>
+                <a:cxnSpLocks/>
+              </p:cNvCxnSpPr>
+              <p:nvPr/>
+            </p:nvCxnSpPr>
+            <p:spPr>
+              <a:xfrm>
+                <a:off x="1101012" y="1651518"/>
+                <a:ext cx="373224" cy="0"/>
+              </a:xfrm>
+              <a:prstGeom prst="line">
+                <a:avLst/>
+              </a:prstGeom>
+              <a:ln>
+                <a:solidFill>
+                  <a:schemeClr val="tx1"/>
+                </a:solidFill>
+              </a:ln>
+            </p:spPr>
+            <p:style>
+              <a:lnRef idx="1">
+                <a:schemeClr val="accent1"/>
+              </a:lnRef>
+              <a:fillRef idx="0">
+                <a:schemeClr val="accent1"/>
+              </a:fillRef>
+              <a:effectRef idx="0">
+                <a:schemeClr val="accent1"/>
+              </a:effectRef>
+              <a:fontRef idx="minor">
+                <a:schemeClr val="tx1"/>
+              </a:fontRef>
+            </p:style>
+          </p:cxnSp>
+        </p:grpSp>
+      </p:grpSp>
+      <p:grpSp>
+        <p:nvGrpSpPr>
+          <p:cNvPr id="383" name="Gruppieren 382">
+            <a:extLst>
+              <a:ext uri="{FF2B5EF4-FFF2-40B4-BE49-F238E27FC236}">
+                <a16:creationId xmlns:a16="http://schemas.microsoft.com/office/drawing/2014/main" id="{D061CD44-CF72-4A71-8FE1-6F5A6E935C0E}"/>
+              </a:ext>
+            </a:extLst>
+          </p:cNvPr>
+          <p:cNvGrpSpPr/>
+          <p:nvPr/>
+        </p:nvGrpSpPr>
+        <p:grpSpPr>
+          <a:xfrm>
+            <a:off x="7244528" y="2187896"/>
+            <a:ext cx="1270129" cy="644606"/>
+            <a:chOff x="1101012" y="1380932"/>
+            <a:chExt cx="1651519" cy="886408"/>
+          </a:xfrm>
+        </p:grpSpPr>
+        <p:sp>
+          <p:nvSpPr>
+            <p:cNvPr id="384" name="Rechteck 383">
+              <a:extLst>
+                <a:ext uri="{FF2B5EF4-FFF2-40B4-BE49-F238E27FC236}">
+                  <a16:creationId xmlns:a16="http://schemas.microsoft.com/office/drawing/2014/main" id="{B77D22ED-6CEE-4B51-B2C9-9A7199868B47}"/>
+                </a:ext>
+              </a:extLst>
+            </p:cNvPr>
+            <p:cNvSpPr/>
+            <p:nvPr/>
+          </p:nvSpPr>
+          <p:spPr>
+            <a:xfrm>
+              <a:off x="1101012" y="1380932"/>
+              <a:ext cx="1651519" cy="886408"/>
+            </a:xfrm>
+            <a:prstGeom prst="rect">
+              <a:avLst/>
+            </a:prstGeom>
+            <a:solidFill>
+              <a:schemeClr val="bg1"/>
+            </a:solidFill>
+            <a:ln>
+              <a:solidFill>
+                <a:schemeClr val="tx1"/>
+              </a:solidFill>
+            </a:ln>
+          </p:spPr>
+          <p:style>
+            <a:lnRef idx="2">
+              <a:schemeClr val="accent1">
+                <a:shade val="50000"/>
+              </a:schemeClr>
+            </a:lnRef>
+            <a:fillRef idx="1">
+              <a:schemeClr val="accent1"/>
+            </a:fillRef>
+            <a:effectRef idx="0">
+              <a:schemeClr val="accent1"/>
+            </a:effectRef>
+            <a:fontRef idx="minor">
+              <a:schemeClr val="lt1"/>
+            </a:fontRef>
+          </p:style>
+          <p:txBody>
+            <a:bodyPr rtlCol="0" anchor="ctr"/>
+            <a:lstStyle/>
+            <a:p>
+              <a:pPr algn="ctr"/>
+              <a:r>
+                <a:rPr lang="de-AT" sz="1500" dirty="0">
+                  <a:solidFill>
+                    <a:schemeClr val="tx1"/>
+                  </a:solidFill>
+                </a:rPr>
+                <a:t>Unit Tests</a:t>
+              </a:r>
+            </a:p>
+          </p:txBody>
+        </p:sp>
+        <p:grpSp>
+          <p:nvGrpSpPr>
+            <p:cNvPr id="385" name="Gruppieren 384">
+              <a:extLst>
+                <a:ext uri="{FF2B5EF4-FFF2-40B4-BE49-F238E27FC236}">
+                  <a16:creationId xmlns:a16="http://schemas.microsoft.com/office/drawing/2014/main" id="{5F3ADAE1-07BA-4955-9411-36551453F950}"/>
+                </a:ext>
+              </a:extLst>
+            </p:cNvPr>
+            <p:cNvGrpSpPr/>
+            <p:nvPr/>
+          </p:nvGrpSpPr>
+          <p:grpSpPr>
+            <a:xfrm>
+              <a:off x="2379306" y="1380932"/>
+              <a:ext cx="373224" cy="270586"/>
+              <a:chOff x="2379306" y="1380932"/>
+              <a:chExt cx="373224" cy="270586"/>
+            </a:xfrm>
+          </p:grpSpPr>
+          <p:cxnSp>
+            <p:nvCxnSpPr>
+              <p:cNvPr id="389" name="Gerader Verbinder 388">
+                <a:extLst>
+                  <a:ext uri="{FF2B5EF4-FFF2-40B4-BE49-F238E27FC236}">
+                    <a16:creationId xmlns:a16="http://schemas.microsoft.com/office/drawing/2014/main" id="{EF8EF480-D8E8-47A7-8772-7CA9AE2E9A5B}"/>
+                  </a:ext>
+                </a:extLst>
+              </p:cNvPr>
+              <p:cNvCxnSpPr>
+                <a:cxnSpLocks/>
+              </p:cNvCxnSpPr>
+              <p:nvPr/>
+            </p:nvCxnSpPr>
+            <p:spPr>
+              <a:xfrm>
+                <a:off x="2379306" y="1380932"/>
+                <a:ext cx="0" cy="270586"/>
+              </a:xfrm>
+              <a:prstGeom prst="line">
+                <a:avLst/>
+              </a:prstGeom>
+              <a:ln>
+                <a:solidFill>
+                  <a:schemeClr val="tx1"/>
+                </a:solidFill>
+              </a:ln>
+            </p:spPr>
+            <p:style>
+              <a:lnRef idx="1">
+                <a:schemeClr val="accent1"/>
+              </a:lnRef>
+              <a:fillRef idx="0">
+                <a:schemeClr val="accent1"/>
+              </a:fillRef>
+              <a:effectRef idx="0">
+                <a:schemeClr val="accent1"/>
+              </a:effectRef>
+              <a:fontRef idx="minor">
+                <a:schemeClr val="tx1"/>
+              </a:fontRef>
+            </p:style>
+          </p:cxnSp>
+          <p:cxnSp>
+            <p:nvCxnSpPr>
+              <p:cNvPr id="390" name="Gerader Verbinder 389">
+                <a:extLst>
+                  <a:ext uri="{FF2B5EF4-FFF2-40B4-BE49-F238E27FC236}">
+                    <a16:creationId xmlns:a16="http://schemas.microsoft.com/office/drawing/2014/main" id="{7ED4E061-F2D6-4C42-9AF6-9212C8C94B7B}"/>
+                  </a:ext>
+                </a:extLst>
+              </p:cNvPr>
+              <p:cNvCxnSpPr>
+                <a:cxnSpLocks/>
+              </p:cNvCxnSpPr>
+              <p:nvPr/>
+            </p:nvCxnSpPr>
+            <p:spPr>
+              <a:xfrm>
+                <a:off x="2379306" y="1651518"/>
+                <a:ext cx="373224" cy="0"/>
+              </a:xfrm>
+              <a:prstGeom prst="line">
+                <a:avLst/>
+              </a:prstGeom>
+              <a:ln>
+                <a:solidFill>
+                  <a:schemeClr val="tx1"/>
+                </a:solidFill>
+              </a:ln>
+            </p:spPr>
+            <p:style>
+              <a:lnRef idx="1">
+                <a:schemeClr val="accent1"/>
+              </a:lnRef>
+              <a:fillRef idx="0">
+                <a:schemeClr val="accent1"/>
+              </a:fillRef>
+              <a:effectRef idx="0">
+                <a:schemeClr val="accent1"/>
+              </a:effectRef>
+              <a:fontRef idx="minor">
+                <a:schemeClr val="tx1"/>
+              </a:fontRef>
+            </p:style>
+          </p:cxnSp>
+        </p:grpSp>
+        <p:grpSp>
+          <p:nvGrpSpPr>
+            <p:cNvPr id="386" name="Gruppieren 385">
+              <a:extLst>
+                <a:ext uri="{FF2B5EF4-FFF2-40B4-BE49-F238E27FC236}">
+                  <a16:creationId xmlns:a16="http://schemas.microsoft.com/office/drawing/2014/main" id="{F1924D3D-7D88-4C85-BBDE-CA45B0C27C5A}"/>
+                </a:ext>
+              </a:extLst>
+            </p:cNvPr>
+            <p:cNvGrpSpPr/>
+            <p:nvPr/>
+          </p:nvGrpSpPr>
+          <p:grpSpPr>
+            <a:xfrm>
+              <a:off x="1101012" y="1380932"/>
+              <a:ext cx="373224" cy="270586"/>
+              <a:chOff x="1101012" y="1380932"/>
+              <a:chExt cx="373224" cy="270586"/>
+            </a:xfrm>
+          </p:grpSpPr>
+          <p:cxnSp>
+            <p:nvCxnSpPr>
+              <p:cNvPr id="387" name="Gerader Verbinder 386">
+                <a:extLst>
+                  <a:ext uri="{FF2B5EF4-FFF2-40B4-BE49-F238E27FC236}">
+                    <a16:creationId xmlns:a16="http://schemas.microsoft.com/office/drawing/2014/main" id="{7784627D-58A7-4A9B-8A87-2577A78929E7}"/>
+                  </a:ext>
+                </a:extLst>
+              </p:cNvPr>
+              <p:cNvCxnSpPr>
+                <a:cxnSpLocks/>
+              </p:cNvCxnSpPr>
+              <p:nvPr/>
+            </p:nvCxnSpPr>
+            <p:spPr>
+              <a:xfrm>
+                <a:off x="1474236" y="1380932"/>
+                <a:ext cx="0" cy="270586"/>
+              </a:xfrm>
+              <a:prstGeom prst="line">
+                <a:avLst/>
+              </a:prstGeom>
+              <a:ln>
+                <a:solidFill>
+                  <a:schemeClr val="tx1"/>
+                </a:solidFill>
+              </a:ln>
+            </p:spPr>
+            <p:style>
+              <a:lnRef idx="1">
+                <a:schemeClr val="accent1"/>
+              </a:lnRef>
+              <a:fillRef idx="0">
+                <a:schemeClr val="accent1"/>
+              </a:fillRef>
+              <a:effectRef idx="0">
+                <a:schemeClr val="accent1"/>
+              </a:effectRef>
+              <a:fontRef idx="minor">
+                <a:schemeClr val="tx1"/>
+              </a:fontRef>
+            </p:style>
+          </p:cxnSp>
+          <p:cxnSp>
+            <p:nvCxnSpPr>
+              <p:cNvPr id="388" name="Gerader Verbinder 387">
+                <a:extLst>
+                  <a:ext uri="{FF2B5EF4-FFF2-40B4-BE49-F238E27FC236}">
+                    <a16:creationId xmlns:a16="http://schemas.microsoft.com/office/drawing/2014/main" id="{65CBC5FB-A870-445A-8857-87CC91C4D353}"/>
+                  </a:ext>
+                </a:extLst>
+              </p:cNvPr>
+              <p:cNvCxnSpPr>
+                <a:cxnSpLocks/>
+              </p:cNvCxnSpPr>
+              <p:nvPr/>
+            </p:nvCxnSpPr>
+            <p:spPr>
+              <a:xfrm>
+                <a:off x="1101012" y="1651518"/>
+                <a:ext cx="373224" cy="0"/>
+              </a:xfrm>
+              <a:prstGeom prst="line">
+                <a:avLst/>
+              </a:prstGeom>
+              <a:ln>
+                <a:solidFill>
+                  <a:schemeClr val="tx1"/>
+                </a:solidFill>
+              </a:ln>
+            </p:spPr>
+            <p:style>
+              <a:lnRef idx="1">
+                <a:schemeClr val="accent1"/>
+              </a:lnRef>
+              <a:fillRef idx="0">
+                <a:schemeClr val="accent1"/>
+              </a:fillRef>
+              <a:effectRef idx="0">
+                <a:schemeClr val="accent1"/>
+              </a:effectRef>
+              <a:fontRef idx="minor">
+                <a:schemeClr val="tx1"/>
+              </a:fontRef>
+            </p:style>
+          </p:cxnSp>
+        </p:grpSp>
+      </p:grpSp>
+      <p:sp>
+        <p:nvSpPr>
+          <p:cNvPr id="415" name="Textfeld 414">
+            <a:extLst>
+              <a:ext uri="{FF2B5EF4-FFF2-40B4-BE49-F238E27FC236}">
+                <a16:creationId xmlns:a16="http://schemas.microsoft.com/office/drawing/2014/main" id="{1323651E-5081-4938-BC7D-1832CE617A84}"/>
+              </a:ext>
+            </a:extLst>
+          </p:cNvPr>
+          <p:cNvSpPr txBox="1"/>
+          <p:nvPr/>
+        </p:nvSpPr>
+        <p:spPr>
+          <a:xfrm>
+            <a:off x="7193711" y="1358845"/>
+            <a:ext cx="604408" cy="307777"/>
+          </a:xfrm>
+          <a:prstGeom prst="rect">
+            <a:avLst/>
+          </a:prstGeom>
+          <a:noFill/>
+        </p:spPr>
+        <p:txBody>
+          <a:bodyPr wrap="square" rtlCol="0">
+            <a:spAutoFit/>
+          </a:bodyPr>
+          <a:lstStyle/>
+          <a:p>
+            <a:r>
+              <a:rPr lang="de-AT" sz="1400" dirty="0"/>
+              <a:t>5.1 </a:t>
+            </a:r>
+          </a:p>
+        </p:txBody>
+      </p:sp>
+      <p:sp>
+        <p:nvSpPr>
+          <p:cNvPr id="416" name="Textfeld 415">
+            <a:extLst>
+              <a:ext uri="{FF2B5EF4-FFF2-40B4-BE49-F238E27FC236}">
+                <a16:creationId xmlns:a16="http://schemas.microsoft.com/office/drawing/2014/main" id="{933324EB-40E8-43F6-A1E7-7297B375F860}"/>
+              </a:ext>
+            </a:extLst>
+          </p:cNvPr>
+          <p:cNvSpPr txBox="1"/>
+          <p:nvPr/>
+        </p:nvSpPr>
+        <p:spPr>
+          <a:xfrm>
+            <a:off x="7194252" y="2142202"/>
+            <a:ext cx="604408" cy="307777"/>
+          </a:xfrm>
+          <a:prstGeom prst="rect">
+            <a:avLst/>
+          </a:prstGeom>
+          <a:noFill/>
+        </p:spPr>
+        <p:txBody>
+          <a:bodyPr wrap="square" rtlCol="0">
+            <a:spAutoFit/>
+          </a:bodyPr>
+          <a:lstStyle/>
+          <a:p>
+            <a:r>
+              <a:rPr lang="de-AT" sz="1400" dirty="0"/>
+              <a:t>5.2 </a:t>
+            </a:r>
+          </a:p>
+        </p:txBody>
+      </p:sp>
+      <p:cxnSp>
+        <p:nvCxnSpPr>
+          <p:cNvPr id="420" name="Gerader Verbinder 419">
+            <a:extLst>
+              <a:ext uri="{FF2B5EF4-FFF2-40B4-BE49-F238E27FC236}">
+                <a16:creationId xmlns:a16="http://schemas.microsoft.com/office/drawing/2014/main" id="{5E3701E7-FAC0-452C-8719-FB07A2B18537}"/>
+              </a:ext>
+            </a:extLst>
+          </p:cNvPr>
+          <p:cNvCxnSpPr>
+            <a:cxnSpLocks/>
+            <a:stCxn id="376" idx="2"/>
+            <a:endCxn id="384" idx="0"/>
+          </p:cNvCxnSpPr>
+          <p:nvPr/>
+        </p:nvCxnSpPr>
+        <p:spPr>
+          <a:xfrm>
+            <a:off x="7879593" y="2055207"/>
+            <a:ext cx="0" cy="132689"/>
+          </a:xfrm>
+          <a:prstGeom prst="line">
+            <a:avLst/>
+          </a:prstGeom>
+          <a:ln>
+            <a:solidFill>
+              <a:schemeClr val="tx1"/>
+            </a:solidFill>
+          </a:ln>
+        </p:spPr>
+        <p:style>
+          <a:lnRef idx="1">
+            <a:schemeClr val="accent1"/>
+          </a:lnRef>
+          <a:fillRef idx="0">
+            <a:schemeClr val="accent1"/>
+          </a:fillRef>
+          <a:effectRef idx="0">
+            <a:schemeClr val="accent1"/>
+          </a:effectRef>
+          <a:fontRef idx="minor">
+            <a:schemeClr val="tx1"/>
+          </a:fontRef>
+        </p:style>
+      </p:cxnSp>
+      <p:cxnSp>
+        <p:nvCxnSpPr>
+          <p:cNvPr id="424" name="Gerader Verbinder 423">
+            <a:extLst>
+              <a:ext uri="{FF2B5EF4-FFF2-40B4-BE49-F238E27FC236}">
+                <a16:creationId xmlns:a16="http://schemas.microsoft.com/office/drawing/2014/main" id="{045FF056-AD3D-4E95-B14E-DC0DE227DF8B}"/>
+              </a:ext>
+            </a:extLst>
+          </p:cNvPr>
+          <p:cNvCxnSpPr>
+            <a:cxnSpLocks/>
+            <a:endCxn id="376" idx="0"/>
+          </p:cNvCxnSpPr>
+          <p:nvPr/>
+        </p:nvCxnSpPr>
+        <p:spPr>
+          <a:xfrm>
+            <a:off x="7877146" y="1172777"/>
+            <a:ext cx="2447" cy="237824"/>
+          </a:xfrm>
+          <a:prstGeom prst="line">
+            <a:avLst/>
+          </a:prstGeom>
+          <a:ln>
+            <a:solidFill>
+              <a:schemeClr val="tx1"/>
+            </a:solidFill>
+          </a:ln>
+        </p:spPr>
+        <p:style>
+          <a:lnRef idx="1">
+            <a:schemeClr val="accent1"/>
+          </a:lnRef>
+          <a:fillRef idx="0">
+            <a:schemeClr val="accent1"/>
+          </a:fillRef>
+          <a:effectRef idx="0">
+            <a:schemeClr val="accent1"/>
+          </a:effectRef>
+          <a:fontRef idx="minor">
+            <a:schemeClr val="tx1"/>
+          </a:fontRef>
+        </p:style>
+      </p:cxnSp>
+      <p:grpSp>
+        <p:nvGrpSpPr>
+          <p:cNvPr id="425" name="Gruppieren 424">
+            <a:extLst>
+              <a:ext uri="{FF2B5EF4-FFF2-40B4-BE49-F238E27FC236}">
+                <a16:creationId xmlns:a16="http://schemas.microsoft.com/office/drawing/2014/main" id="{CCD23EA5-8E76-4ACD-9E7A-381DBD788335}"/>
+              </a:ext>
+            </a:extLst>
+          </p:cNvPr>
+          <p:cNvGrpSpPr/>
+          <p:nvPr/>
+        </p:nvGrpSpPr>
+        <p:grpSpPr>
+          <a:xfrm>
+            <a:off x="8886082" y="1401666"/>
+            <a:ext cx="1270129" cy="644606"/>
+            <a:chOff x="1101012" y="1380932"/>
+            <a:chExt cx="1651519" cy="886408"/>
+          </a:xfrm>
+        </p:grpSpPr>
+        <p:sp>
+          <p:nvSpPr>
+            <p:cNvPr id="426" name="Rechteck 425">
+              <a:extLst>
+                <a:ext uri="{FF2B5EF4-FFF2-40B4-BE49-F238E27FC236}">
+                  <a16:creationId xmlns:a16="http://schemas.microsoft.com/office/drawing/2014/main" id="{A101A57D-551A-40CF-97B4-F8D4E9BA12BD}"/>
+                </a:ext>
+              </a:extLst>
+            </p:cNvPr>
+            <p:cNvSpPr/>
+            <p:nvPr/>
+          </p:nvSpPr>
+          <p:spPr>
+            <a:xfrm>
+              <a:off x="1101012" y="1380932"/>
+              <a:ext cx="1651519" cy="886408"/>
+            </a:xfrm>
+            <a:prstGeom prst="rect">
+              <a:avLst/>
+            </a:prstGeom>
+            <a:solidFill>
+              <a:schemeClr val="bg1"/>
+            </a:solidFill>
+            <a:ln>
+              <a:solidFill>
+                <a:schemeClr val="tx1"/>
+              </a:solidFill>
+            </a:ln>
+          </p:spPr>
+          <p:style>
+            <a:lnRef idx="2">
+              <a:schemeClr val="accent1">
+                <a:shade val="50000"/>
+              </a:schemeClr>
+            </a:lnRef>
+            <a:fillRef idx="1">
+              <a:schemeClr val="accent1"/>
+            </a:fillRef>
+            <a:effectRef idx="0">
+              <a:schemeClr val="accent1"/>
+            </a:effectRef>
+            <a:fontRef idx="minor">
+              <a:schemeClr val="lt1"/>
+            </a:fontRef>
+          </p:style>
+          <p:txBody>
+            <a:bodyPr rtlCol="0" anchor="ctr"/>
+            <a:lstStyle/>
+            <a:p>
+              <a:pPr algn="ctr"/>
+              <a:r>
+                <a:rPr lang="de-AT" sz="1500" dirty="0" err="1">
+                  <a:solidFill>
+                    <a:schemeClr val="tx1"/>
+                  </a:solidFill>
+                </a:rPr>
+                <a:t>Prepare</a:t>
+              </a:r>
+              <a:r>
+                <a:rPr lang="de-AT" sz="1500" dirty="0">
+                  <a:solidFill>
+                    <a:schemeClr val="tx1"/>
+                  </a:solidFill>
+                </a:rPr>
+                <a:t> </a:t>
+              </a:r>
+              <a:r>
+                <a:rPr lang="de-AT" sz="1500" dirty="0" err="1">
+                  <a:solidFill>
+                    <a:schemeClr val="tx1"/>
+                  </a:solidFill>
+                </a:rPr>
+                <a:t>Delivery</a:t>
+              </a:r>
+              <a:endParaRPr lang="de-AT" sz="1500" dirty="0">
+                <a:solidFill>
+                  <a:schemeClr val="tx1"/>
+                </a:solidFill>
+              </a:endParaRPr>
+            </a:p>
+          </p:txBody>
+        </p:sp>
+        <p:grpSp>
+          <p:nvGrpSpPr>
+            <p:cNvPr id="427" name="Gruppieren 426">
+              <a:extLst>
+                <a:ext uri="{FF2B5EF4-FFF2-40B4-BE49-F238E27FC236}">
+                  <a16:creationId xmlns:a16="http://schemas.microsoft.com/office/drawing/2014/main" id="{1C2EED17-E761-4879-8D28-0365AEFA551C}"/>
+                </a:ext>
+              </a:extLst>
+            </p:cNvPr>
+            <p:cNvGrpSpPr/>
+            <p:nvPr/>
+          </p:nvGrpSpPr>
+          <p:grpSpPr>
+            <a:xfrm>
+              <a:off x="2379306" y="1380932"/>
+              <a:ext cx="373224" cy="270586"/>
+              <a:chOff x="2379306" y="1380932"/>
+              <a:chExt cx="373224" cy="270586"/>
+            </a:xfrm>
+          </p:grpSpPr>
+          <p:cxnSp>
+            <p:nvCxnSpPr>
+              <p:cNvPr id="431" name="Gerader Verbinder 430">
+                <a:extLst>
+                  <a:ext uri="{FF2B5EF4-FFF2-40B4-BE49-F238E27FC236}">
+                    <a16:creationId xmlns:a16="http://schemas.microsoft.com/office/drawing/2014/main" id="{A0E4852D-B618-484E-ACF8-E6A0F8CA89F3}"/>
+                  </a:ext>
+                </a:extLst>
+              </p:cNvPr>
+              <p:cNvCxnSpPr>
+                <a:cxnSpLocks/>
+              </p:cNvCxnSpPr>
+              <p:nvPr/>
+            </p:nvCxnSpPr>
+            <p:spPr>
+              <a:xfrm>
+                <a:off x="2379306" y="1380932"/>
+                <a:ext cx="0" cy="270586"/>
+              </a:xfrm>
+              <a:prstGeom prst="line">
+                <a:avLst/>
+              </a:prstGeom>
+              <a:ln>
+                <a:solidFill>
+                  <a:schemeClr val="tx1"/>
+                </a:solidFill>
+              </a:ln>
+            </p:spPr>
+            <p:style>
+              <a:lnRef idx="1">
+                <a:schemeClr val="accent1"/>
+              </a:lnRef>
+              <a:fillRef idx="0">
+                <a:schemeClr val="accent1"/>
+              </a:fillRef>
+              <a:effectRef idx="0">
+                <a:schemeClr val="accent1"/>
+              </a:effectRef>
+              <a:fontRef idx="minor">
+                <a:schemeClr val="tx1"/>
+              </a:fontRef>
+            </p:style>
+          </p:cxnSp>
+          <p:cxnSp>
+            <p:nvCxnSpPr>
+              <p:cNvPr id="432" name="Gerader Verbinder 431">
+                <a:extLst>
+                  <a:ext uri="{FF2B5EF4-FFF2-40B4-BE49-F238E27FC236}">
+                    <a16:creationId xmlns:a16="http://schemas.microsoft.com/office/drawing/2014/main" id="{0A486DAD-19FC-49FB-AD10-6188C21BE1F0}"/>
+                  </a:ext>
+                </a:extLst>
+              </p:cNvPr>
+              <p:cNvCxnSpPr>
+                <a:cxnSpLocks/>
+              </p:cNvCxnSpPr>
+              <p:nvPr/>
+            </p:nvCxnSpPr>
+            <p:spPr>
+              <a:xfrm>
+                <a:off x="2379306" y="1651518"/>
+                <a:ext cx="373224" cy="0"/>
+              </a:xfrm>
+              <a:prstGeom prst="line">
+                <a:avLst/>
+              </a:prstGeom>
+              <a:ln>
+                <a:solidFill>
+                  <a:schemeClr val="tx1"/>
+                </a:solidFill>
+              </a:ln>
+            </p:spPr>
+            <p:style>
+              <a:lnRef idx="1">
+                <a:schemeClr val="accent1"/>
+              </a:lnRef>
+              <a:fillRef idx="0">
+                <a:schemeClr val="accent1"/>
+              </a:fillRef>
+              <a:effectRef idx="0">
+                <a:schemeClr val="accent1"/>
+              </a:effectRef>
+              <a:fontRef idx="minor">
+                <a:schemeClr val="tx1"/>
+              </a:fontRef>
+            </p:style>
+          </p:cxnSp>
+        </p:grpSp>
+        <p:grpSp>
+          <p:nvGrpSpPr>
+            <p:cNvPr id="428" name="Gruppieren 427">
+              <a:extLst>
+                <a:ext uri="{FF2B5EF4-FFF2-40B4-BE49-F238E27FC236}">
+                  <a16:creationId xmlns:a16="http://schemas.microsoft.com/office/drawing/2014/main" id="{B782A385-9B0C-45FB-87F8-27F71D0DD39C}"/>
+                </a:ext>
+              </a:extLst>
+            </p:cNvPr>
+            <p:cNvGrpSpPr/>
+            <p:nvPr/>
+          </p:nvGrpSpPr>
+          <p:grpSpPr>
+            <a:xfrm>
+              <a:off x="1101012" y="1380932"/>
+              <a:ext cx="373224" cy="270586"/>
+              <a:chOff x="1101012" y="1380932"/>
+              <a:chExt cx="373224" cy="270586"/>
+            </a:xfrm>
+          </p:grpSpPr>
+          <p:cxnSp>
+            <p:nvCxnSpPr>
+              <p:cNvPr id="429" name="Gerader Verbinder 428">
+                <a:extLst>
+                  <a:ext uri="{FF2B5EF4-FFF2-40B4-BE49-F238E27FC236}">
+                    <a16:creationId xmlns:a16="http://schemas.microsoft.com/office/drawing/2014/main" id="{7B46A395-76F3-4676-B2BB-BF5788A5516A}"/>
+                  </a:ext>
+                </a:extLst>
+              </p:cNvPr>
+              <p:cNvCxnSpPr>
+                <a:cxnSpLocks/>
+              </p:cNvCxnSpPr>
+              <p:nvPr/>
+            </p:nvCxnSpPr>
+            <p:spPr>
+              <a:xfrm>
+                <a:off x="1474236" y="1380932"/>
+                <a:ext cx="0" cy="270586"/>
+              </a:xfrm>
+              <a:prstGeom prst="line">
+                <a:avLst/>
+              </a:prstGeom>
+              <a:ln>
+                <a:solidFill>
+                  <a:schemeClr val="tx1"/>
+                </a:solidFill>
+              </a:ln>
+            </p:spPr>
+            <p:style>
+              <a:lnRef idx="1">
+                <a:schemeClr val="accent1"/>
+              </a:lnRef>
+              <a:fillRef idx="0">
+                <a:schemeClr val="accent1"/>
+              </a:fillRef>
+              <a:effectRef idx="0">
+                <a:schemeClr val="accent1"/>
+              </a:effectRef>
+              <a:fontRef idx="minor">
+                <a:schemeClr val="tx1"/>
+              </a:fontRef>
+            </p:style>
+          </p:cxnSp>
+          <p:cxnSp>
+            <p:nvCxnSpPr>
+              <p:cNvPr id="430" name="Gerader Verbinder 429">
+                <a:extLst>
+                  <a:ext uri="{FF2B5EF4-FFF2-40B4-BE49-F238E27FC236}">
+                    <a16:creationId xmlns:a16="http://schemas.microsoft.com/office/drawing/2014/main" id="{7C59AAE4-CE06-4408-9FAB-4FC22204FB22}"/>
+                  </a:ext>
+                </a:extLst>
+              </p:cNvPr>
+              <p:cNvCxnSpPr>
+                <a:cxnSpLocks/>
+              </p:cNvCxnSpPr>
+              <p:nvPr/>
+            </p:nvCxnSpPr>
+            <p:spPr>
+              <a:xfrm>
+                <a:off x="1101012" y="1651518"/>
+                <a:ext cx="373224" cy="0"/>
+              </a:xfrm>
+              <a:prstGeom prst="line">
+                <a:avLst/>
+              </a:prstGeom>
+              <a:ln>
+                <a:solidFill>
+                  <a:schemeClr val="tx1"/>
+                </a:solidFill>
+              </a:ln>
+            </p:spPr>
+            <p:style>
+              <a:lnRef idx="1">
+                <a:schemeClr val="accent1"/>
+              </a:lnRef>
+              <a:fillRef idx="0">
+                <a:schemeClr val="accent1"/>
+              </a:fillRef>
+              <a:effectRef idx="0">
+                <a:schemeClr val="accent1"/>
+              </a:effectRef>
+              <a:fontRef idx="minor">
+                <a:schemeClr val="tx1"/>
+              </a:fontRef>
+            </p:style>
+          </p:cxnSp>
+        </p:grpSp>
+      </p:grpSp>
+      <p:grpSp>
+        <p:nvGrpSpPr>
+          <p:cNvPr id="433" name="Gruppieren 432">
+            <a:extLst>
+              <a:ext uri="{FF2B5EF4-FFF2-40B4-BE49-F238E27FC236}">
+                <a16:creationId xmlns:a16="http://schemas.microsoft.com/office/drawing/2014/main" id="{B74BC5CD-348F-48F8-9119-6D67A4C43700}"/>
+              </a:ext>
+            </a:extLst>
+          </p:cNvPr>
+          <p:cNvGrpSpPr/>
+          <p:nvPr/>
+        </p:nvGrpSpPr>
+        <p:grpSpPr>
+          <a:xfrm>
+            <a:off x="8886082" y="2178961"/>
+            <a:ext cx="1270129" cy="644606"/>
+            <a:chOff x="1101012" y="1380932"/>
+            <a:chExt cx="1651519" cy="886408"/>
+          </a:xfrm>
+        </p:grpSpPr>
+        <p:sp>
+          <p:nvSpPr>
+            <p:cNvPr id="434" name="Rechteck 433">
+              <a:extLst>
+                <a:ext uri="{FF2B5EF4-FFF2-40B4-BE49-F238E27FC236}">
+                  <a16:creationId xmlns:a16="http://schemas.microsoft.com/office/drawing/2014/main" id="{5EE178C8-3E9B-4644-ADF4-319A03A54E55}"/>
+                </a:ext>
+              </a:extLst>
+            </p:cNvPr>
+            <p:cNvSpPr/>
+            <p:nvPr/>
+          </p:nvSpPr>
+          <p:spPr>
+            <a:xfrm>
+              <a:off x="1101012" y="1380932"/>
+              <a:ext cx="1651519" cy="886408"/>
+            </a:xfrm>
+            <a:prstGeom prst="rect">
+              <a:avLst/>
+            </a:prstGeom>
+            <a:solidFill>
+              <a:schemeClr val="bg1"/>
+            </a:solidFill>
+            <a:ln>
+              <a:solidFill>
+                <a:schemeClr val="tx1"/>
+              </a:solidFill>
+            </a:ln>
+          </p:spPr>
+          <p:style>
+            <a:lnRef idx="2">
+              <a:schemeClr val="accent1">
+                <a:shade val="50000"/>
+              </a:schemeClr>
+            </a:lnRef>
+            <a:fillRef idx="1">
+              <a:schemeClr val="accent1"/>
+            </a:fillRef>
+            <a:effectRef idx="0">
+              <a:schemeClr val="accent1"/>
+            </a:effectRef>
+            <a:fontRef idx="minor">
+              <a:schemeClr val="lt1"/>
+            </a:fontRef>
+          </p:style>
+          <p:txBody>
+            <a:bodyPr rtlCol="0" anchor="ctr"/>
+            <a:lstStyle/>
+            <a:p>
+              <a:pPr algn="ctr"/>
+              <a:r>
+                <a:rPr lang="de-AT" sz="1500" dirty="0">
+                  <a:solidFill>
+                    <a:schemeClr val="tx1"/>
+                  </a:solidFill>
+                </a:rPr>
+                <a:t>Test </a:t>
+              </a:r>
+              <a:r>
+                <a:rPr lang="de-AT" sz="1500" dirty="0" err="1">
+                  <a:solidFill>
+                    <a:schemeClr val="tx1"/>
+                  </a:solidFill>
+                </a:rPr>
+                <a:t>Delivery</a:t>
+              </a:r>
+              <a:endParaRPr lang="de-AT" sz="1500" dirty="0">
+                <a:solidFill>
+                  <a:schemeClr val="tx1"/>
+                </a:solidFill>
+              </a:endParaRPr>
+            </a:p>
+          </p:txBody>
+        </p:sp>
+        <p:grpSp>
+          <p:nvGrpSpPr>
+            <p:cNvPr id="435" name="Gruppieren 434">
+              <a:extLst>
+                <a:ext uri="{FF2B5EF4-FFF2-40B4-BE49-F238E27FC236}">
+                  <a16:creationId xmlns:a16="http://schemas.microsoft.com/office/drawing/2014/main" id="{6D9D9753-7BC9-4272-AEEA-583B49ACF117}"/>
+                </a:ext>
+              </a:extLst>
+            </p:cNvPr>
+            <p:cNvGrpSpPr/>
+            <p:nvPr/>
+          </p:nvGrpSpPr>
+          <p:grpSpPr>
+            <a:xfrm>
+              <a:off x="2379306" y="1380932"/>
+              <a:ext cx="373224" cy="270586"/>
+              <a:chOff x="2379306" y="1380932"/>
+              <a:chExt cx="373224" cy="270586"/>
+            </a:xfrm>
+          </p:grpSpPr>
+          <p:cxnSp>
+            <p:nvCxnSpPr>
+              <p:cNvPr id="439" name="Gerader Verbinder 438">
+                <a:extLst>
+                  <a:ext uri="{FF2B5EF4-FFF2-40B4-BE49-F238E27FC236}">
+                    <a16:creationId xmlns:a16="http://schemas.microsoft.com/office/drawing/2014/main" id="{4D46BAEE-8024-4757-BB7D-15AAE6BBCBD3}"/>
+                  </a:ext>
+                </a:extLst>
+              </p:cNvPr>
+              <p:cNvCxnSpPr>
+                <a:cxnSpLocks/>
+              </p:cNvCxnSpPr>
+              <p:nvPr/>
+            </p:nvCxnSpPr>
+            <p:spPr>
+              <a:xfrm>
+                <a:off x="2379306" y="1380932"/>
+                <a:ext cx="0" cy="270586"/>
+              </a:xfrm>
+              <a:prstGeom prst="line">
+                <a:avLst/>
+              </a:prstGeom>
+              <a:ln>
+                <a:solidFill>
+                  <a:schemeClr val="tx1"/>
+                </a:solidFill>
+              </a:ln>
+            </p:spPr>
+            <p:style>
+              <a:lnRef idx="1">
+                <a:schemeClr val="accent1"/>
+              </a:lnRef>
+              <a:fillRef idx="0">
+                <a:schemeClr val="accent1"/>
+              </a:fillRef>
+              <a:effectRef idx="0">
+                <a:schemeClr val="accent1"/>
+              </a:effectRef>
+              <a:fontRef idx="minor">
+                <a:schemeClr val="tx1"/>
+              </a:fontRef>
+            </p:style>
+          </p:cxnSp>
+          <p:cxnSp>
+            <p:nvCxnSpPr>
+              <p:cNvPr id="440" name="Gerader Verbinder 439">
+                <a:extLst>
+                  <a:ext uri="{FF2B5EF4-FFF2-40B4-BE49-F238E27FC236}">
+                    <a16:creationId xmlns:a16="http://schemas.microsoft.com/office/drawing/2014/main" id="{FA1AC831-23BF-4AA8-A312-2FE2A13CA972}"/>
+                  </a:ext>
+                </a:extLst>
+              </p:cNvPr>
+              <p:cNvCxnSpPr>
+                <a:cxnSpLocks/>
+              </p:cNvCxnSpPr>
+              <p:nvPr/>
+            </p:nvCxnSpPr>
+            <p:spPr>
+              <a:xfrm>
+                <a:off x="2379306" y="1651518"/>
+                <a:ext cx="373224" cy="0"/>
+              </a:xfrm>
+              <a:prstGeom prst="line">
+                <a:avLst/>
+              </a:prstGeom>
+              <a:ln>
+                <a:solidFill>
+                  <a:schemeClr val="tx1"/>
+                </a:solidFill>
+              </a:ln>
+            </p:spPr>
+            <p:style>
+              <a:lnRef idx="1">
+                <a:schemeClr val="accent1"/>
+              </a:lnRef>
+              <a:fillRef idx="0">
+                <a:schemeClr val="accent1"/>
+              </a:fillRef>
+              <a:effectRef idx="0">
+                <a:schemeClr val="accent1"/>
+              </a:effectRef>
+              <a:fontRef idx="minor">
+                <a:schemeClr val="tx1"/>
+              </a:fontRef>
+            </p:style>
+          </p:cxnSp>
+        </p:grpSp>
+        <p:grpSp>
+          <p:nvGrpSpPr>
+            <p:cNvPr id="436" name="Gruppieren 435">
+              <a:extLst>
+                <a:ext uri="{FF2B5EF4-FFF2-40B4-BE49-F238E27FC236}">
+                  <a16:creationId xmlns:a16="http://schemas.microsoft.com/office/drawing/2014/main" id="{BD8D16EE-D4B7-4949-B67F-A47536A487CE}"/>
+                </a:ext>
+              </a:extLst>
+            </p:cNvPr>
+            <p:cNvGrpSpPr/>
+            <p:nvPr/>
+          </p:nvGrpSpPr>
+          <p:grpSpPr>
+            <a:xfrm>
+              <a:off x="1101012" y="1380932"/>
+              <a:ext cx="373224" cy="270586"/>
+              <a:chOff x="1101012" y="1380932"/>
+              <a:chExt cx="373224" cy="270586"/>
+            </a:xfrm>
+          </p:grpSpPr>
+          <p:cxnSp>
+            <p:nvCxnSpPr>
+              <p:cNvPr id="437" name="Gerader Verbinder 436">
+                <a:extLst>
+                  <a:ext uri="{FF2B5EF4-FFF2-40B4-BE49-F238E27FC236}">
+                    <a16:creationId xmlns:a16="http://schemas.microsoft.com/office/drawing/2014/main" id="{E08B37CE-26F4-47DF-AE75-A7B2C7F23276}"/>
+                  </a:ext>
+                </a:extLst>
+              </p:cNvPr>
+              <p:cNvCxnSpPr>
+                <a:cxnSpLocks/>
+              </p:cNvCxnSpPr>
+              <p:nvPr/>
+            </p:nvCxnSpPr>
+            <p:spPr>
+              <a:xfrm>
+                <a:off x="1474236" y="1380932"/>
+                <a:ext cx="0" cy="270586"/>
+              </a:xfrm>
+              <a:prstGeom prst="line">
+                <a:avLst/>
+              </a:prstGeom>
+              <a:ln>
+                <a:solidFill>
+                  <a:schemeClr val="tx1"/>
+                </a:solidFill>
+              </a:ln>
+            </p:spPr>
+            <p:style>
+              <a:lnRef idx="1">
+                <a:schemeClr val="accent1"/>
+              </a:lnRef>
+              <a:fillRef idx="0">
+                <a:schemeClr val="accent1"/>
+              </a:fillRef>
+              <a:effectRef idx="0">
+                <a:schemeClr val="accent1"/>
+              </a:effectRef>
+              <a:fontRef idx="minor">
+                <a:schemeClr val="tx1"/>
+              </a:fontRef>
+            </p:style>
+          </p:cxnSp>
+          <p:cxnSp>
+            <p:nvCxnSpPr>
+              <p:cNvPr id="438" name="Gerader Verbinder 437">
+                <a:extLst>
+                  <a:ext uri="{FF2B5EF4-FFF2-40B4-BE49-F238E27FC236}">
+                    <a16:creationId xmlns:a16="http://schemas.microsoft.com/office/drawing/2014/main" id="{54FE05FB-C382-475D-BE9A-8AF0E5D48B81}"/>
+                  </a:ext>
+                </a:extLst>
+              </p:cNvPr>
+              <p:cNvCxnSpPr>
+                <a:cxnSpLocks/>
+              </p:cNvCxnSpPr>
+              <p:nvPr/>
+            </p:nvCxnSpPr>
+            <p:spPr>
+              <a:xfrm>
+                <a:off x="1101012" y="1651518"/>
+                <a:ext cx="373224" cy="0"/>
+              </a:xfrm>
+              <a:prstGeom prst="line">
+                <a:avLst/>
+              </a:prstGeom>
+              <a:ln>
+                <a:solidFill>
+                  <a:schemeClr val="tx1"/>
+                </a:solidFill>
+              </a:ln>
+            </p:spPr>
+            <p:style>
+              <a:lnRef idx="1">
+                <a:schemeClr val="accent1"/>
+              </a:lnRef>
+              <a:fillRef idx="0">
+                <a:schemeClr val="accent1"/>
+              </a:fillRef>
+              <a:effectRef idx="0">
+                <a:schemeClr val="accent1"/>
+              </a:effectRef>
+              <a:fontRef idx="minor">
+                <a:schemeClr val="tx1"/>
+              </a:fontRef>
+            </p:style>
+          </p:cxnSp>
+        </p:grpSp>
+      </p:grpSp>
+      <p:grpSp>
+        <p:nvGrpSpPr>
+          <p:cNvPr id="441" name="Gruppieren 440">
+            <a:extLst>
+              <a:ext uri="{FF2B5EF4-FFF2-40B4-BE49-F238E27FC236}">
+                <a16:creationId xmlns:a16="http://schemas.microsoft.com/office/drawing/2014/main" id="{1577E9C7-DE13-4AC3-9DFA-BC678BDDB10A}"/>
+              </a:ext>
+            </a:extLst>
+          </p:cNvPr>
+          <p:cNvGrpSpPr/>
+          <p:nvPr/>
+        </p:nvGrpSpPr>
+        <p:grpSpPr>
+          <a:xfrm>
+            <a:off x="8885433" y="2996443"/>
+            <a:ext cx="1270129" cy="644606"/>
+            <a:chOff x="1101012" y="1380932"/>
+            <a:chExt cx="1651519" cy="886408"/>
+          </a:xfrm>
+        </p:grpSpPr>
+        <p:sp>
+          <p:nvSpPr>
+            <p:cNvPr id="442" name="Rechteck 441">
+              <a:extLst>
+                <a:ext uri="{FF2B5EF4-FFF2-40B4-BE49-F238E27FC236}">
+                  <a16:creationId xmlns:a16="http://schemas.microsoft.com/office/drawing/2014/main" id="{F63E7808-6C4D-4966-98B7-9822B44FFBF7}"/>
+                </a:ext>
+              </a:extLst>
+            </p:cNvPr>
+            <p:cNvSpPr/>
+            <p:nvPr/>
+          </p:nvSpPr>
+          <p:spPr>
+            <a:xfrm>
+              <a:off x="1101012" y="1380932"/>
+              <a:ext cx="1651519" cy="886408"/>
+            </a:xfrm>
+            <a:prstGeom prst="rect">
+              <a:avLst/>
+            </a:prstGeom>
+            <a:solidFill>
+              <a:schemeClr val="bg1"/>
+            </a:solidFill>
+            <a:ln>
+              <a:solidFill>
+                <a:schemeClr val="tx1"/>
+              </a:solidFill>
+            </a:ln>
+          </p:spPr>
+          <p:style>
+            <a:lnRef idx="2">
+              <a:schemeClr val="accent1">
+                <a:shade val="50000"/>
+              </a:schemeClr>
+            </a:lnRef>
+            <a:fillRef idx="1">
+              <a:schemeClr val="accent1"/>
+            </a:fillRef>
+            <a:effectRef idx="0">
+              <a:schemeClr val="accent1"/>
+            </a:effectRef>
+            <a:fontRef idx="minor">
+              <a:schemeClr val="lt1"/>
+            </a:fontRef>
+          </p:style>
+          <p:txBody>
+            <a:bodyPr rtlCol="0" anchor="ctr"/>
+            <a:lstStyle/>
+            <a:p>
+              <a:pPr algn="ctr"/>
+              <a:r>
+                <a:rPr lang="de-AT" sz="1500" dirty="0" err="1">
+                  <a:solidFill>
+                    <a:schemeClr val="tx1"/>
+                  </a:solidFill>
+                </a:rPr>
+                <a:t>Delivery</a:t>
+              </a:r>
+              <a:endParaRPr lang="de-AT" sz="1500" dirty="0">
+                <a:solidFill>
+                  <a:schemeClr val="tx1"/>
+                </a:solidFill>
+              </a:endParaRPr>
+            </a:p>
+          </p:txBody>
+        </p:sp>
+        <p:grpSp>
+          <p:nvGrpSpPr>
+            <p:cNvPr id="443" name="Gruppieren 442">
+              <a:extLst>
+                <a:ext uri="{FF2B5EF4-FFF2-40B4-BE49-F238E27FC236}">
+                  <a16:creationId xmlns:a16="http://schemas.microsoft.com/office/drawing/2014/main" id="{01F23B2E-4843-4D6F-B928-A0C43C06D8FA}"/>
+                </a:ext>
+              </a:extLst>
+            </p:cNvPr>
+            <p:cNvGrpSpPr/>
+            <p:nvPr/>
+          </p:nvGrpSpPr>
+          <p:grpSpPr>
+            <a:xfrm>
+              <a:off x="2379306" y="1380932"/>
+              <a:ext cx="373224" cy="270586"/>
+              <a:chOff x="2379306" y="1380932"/>
+              <a:chExt cx="373224" cy="270586"/>
+            </a:xfrm>
+          </p:grpSpPr>
+          <p:cxnSp>
+            <p:nvCxnSpPr>
+              <p:cNvPr id="447" name="Gerader Verbinder 446">
+                <a:extLst>
+                  <a:ext uri="{FF2B5EF4-FFF2-40B4-BE49-F238E27FC236}">
+                    <a16:creationId xmlns:a16="http://schemas.microsoft.com/office/drawing/2014/main" id="{7D6E4B08-56A5-450D-923B-E1FFF95869B5}"/>
+                  </a:ext>
+                </a:extLst>
+              </p:cNvPr>
+              <p:cNvCxnSpPr>
+                <a:cxnSpLocks/>
+              </p:cNvCxnSpPr>
+              <p:nvPr/>
+            </p:nvCxnSpPr>
+            <p:spPr>
+              <a:xfrm>
+                <a:off x="2379306" y="1380932"/>
+                <a:ext cx="0" cy="270586"/>
+              </a:xfrm>
+              <a:prstGeom prst="line">
+                <a:avLst/>
+              </a:prstGeom>
+              <a:ln>
+                <a:solidFill>
+                  <a:schemeClr val="tx1"/>
+                </a:solidFill>
+              </a:ln>
+            </p:spPr>
+            <p:style>
+              <a:lnRef idx="1">
+                <a:schemeClr val="accent1"/>
+              </a:lnRef>
+              <a:fillRef idx="0">
+                <a:schemeClr val="accent1"/>
+              </a:fillRef>
+              <a:effectRef idx="0">
+                <a:schemeClr val="accent1"/>
+              </a:effectRef>
+              <a:fontRef idx="minor">
+                <a:schemeClr val="tx1"/>
+              </a:fontRef>
+            </p:style>
+          </p:cxnSp>
+          <p:cxnSp>
+            <p:nvCxnSpPr>
+              <p:cNvPr id="448" name="Gerader Verbinder 447">
+                <a:extLst>
+                  <a:ext uri="{FF2B5EF4-FFF2-40B4-BE49-F238E27FC236}">
+                    <a16:creationId xmlns:a16="http://schemas.microsoft.com/office/drawing/2014/main" id="{41EE8731-EBD3-405B-92DD-8788253C2999}"/>
+                  </a:ext>
+                </a:extLst>
+              </p:cNvPr>
+              <p:cNvCxnSpPr>
+                <a:cxnSpLocks/>
+              </p:cNvCxnSpPr>
+              <p:nvPr/>
+            </p:nvCxnSpPr>
+            <p:spPr>
+              <a:xfrm>
+                <a:off x="2379306" y="1651518"/>
+                <a:ext cx="373224" cy="0"/>
+              </a:xfrm>
+              <a:prstGeom prst="line">
+                <a:avLst/>
+              </a:prstGeom>
+              <a:ln>
+                <a:solidFill>
+                  <a:schemeClr val="tx1"/>
+                </a:solidFill>
+              </a:ln>
+            </p:spPr>
+            <p:style>
+              <a:lnRef idx="1">
+                <a:schemeClr val="accent1"/>
+              </a:lnRef>
+              <a:fillRef idx="0">
+                <a:schemeClr val="accent1"/>
+              </a:fillRef>
+              <a:effectRef idx="0">
+                <a:schemeClr val="accent1"/>
+              </a:effectRef>
+              <a:fontRef idx="minor">
+                <a:schemeClr val="tx1"/>
+              </a:fontRef>
+            </p:style>
+          </p:cxnSp>
+        </p:grpSp>
+        <p:grpSp>
+          <p:nvGrpSpPr>
+            <p:cNvPr id="444" name="Gruppieren 443">
+              <a:extLst>
+                <a:ext uri="{FF2B5EF4-FFF2-40B4-BE49-F238E27FC236}">
+                  <a16:creationId xmlns:a16="http://schemas.microsoft.com/office/drawing/2014/main" id="{ACF2A39F-7C75-4733-8B04-384C67C93587}"/>
+                </a:ext>
+              </a:extLst>
+            </p:cNvPr>
+            <p:cNvGrpSpPr/>
+            <p:nvPr/>
+          </p:nvGrpSpPr>
+          <p:grpSpPr>
+            <a:xfrm>
+              <a:off x="1101012" y="1380932"/>
+              <a:ext cx="373224" cy="270586"/>
+              <a:chOff x="1101012" y="1380932"/>
+              <a:chExt cx="373224" cy="270586"/>
+            </a:xfrm>
+          </p:grpSpPr>
+          <p:cxnSp>
+            <p:nvCxnSpPr>
+              <p:cNvPr id="445" name="Gerader Verbinder 444">
+                <a:extLst>
+                  <a:ext uri="{FF2B5EF4-FFF2-40B4-BE49-F238E27FC236}">
+                    <a16:creationId xmlns:a16="http://schemas.microsoft.com/office/drawing/2014/main" id="{CBD19DF8-EF0A-434D-BC72-7D6B18CCB47E}"/>
+                  </a:ext>
+                </a:extLst>
+              </p:cNvPr>
+              <p:cNvCxnSpPr>
+                <a:cxnSpLocks/>
+              </p:cNvCxnSpPr>
+              <p:nvPr/>
+            </p:nvCxnSpPr>
+            <p:spPr>
+              <a:xfrm>
+                <a:off x="1474236" y="1380932"/>
+                <a:ext cx="0" cy="270586"/>
+              </a:xfrm>
+              <a:prstGeom prst="line">
+                <a:avLst/>
+              </a:prstGeom>
+              <a:ln>
+                <a:solidFill>
+                  <a:schemeClr val="tx1"/>
+                </a:solidFill>
+              </a:ln>
+            </p:spPr>
+            <p:style>
+              <a:lnRef idx="1">
+                <a:schemeClr val="accent1"/>
+              </a:lnRef>
+              <a:fillRef idx="0">
+                <a:schemeClr val="accent1"/>
+              </a:fillRef>
+              <a:effectRef idx="0">
+                <a:schemeClr val="accent1"/>
+              </a:effectRef>
+              <a:fontRef idx="minor">
+                <a:schemeClr val="tx1"/>
+              </a:fontRef>
+            </p:style>
+          </p:cxnSp>
+          <p:cxnSp>
+            <p:nvCxnSpPr>
+              <p:cNvPr id="446" name="Gerader Verbinder 445">
+                <a:extLst>
+                  <a:ext uri="{FF2B5EF4-FFF2-40B4-BE49-F238E27FC236}">
+                    <a16:creationId xmlns:a16="http://schemas.microsoft.com/office/drawing/2014/main" id="{5037F861-EC61-4305-8EB1-387D2B4F22CE}"/>
+                  </a:ext>
+                </a:extLst>
+              </p:cNvPr>
+              <p:cNvCxnSpPr>
+                <a:cxnSpLocks/>
+              </p:cNvCxnSpPr>
+              <p:nvPr/>
+            </p:nvCxnSpPr>
+            <p:spPr>
+              <a:xfrm>
+                <a:off x="1101012" y="1651518"/>
+                <a:ext cx="373224" cy="0"/>
+              </a:xfrm>
+              <a:prstGeom prst="line">
+                <a:avLst/>
+              </a:prstGeom>
+              <a:ln>
+                <a:solidFill>
+                  <a:schemeClr val="tx1"/>
+                </a:solidFill>
+              </a:ln>
+            </p:spPr>
+            <p:style>
+              <a:lnRef idx="1">
+                <a:schemeClr val="accent1"/>
+              </a:lnRef>
+              <a:fillRef idx="0">
+                <a:schemeClr val="accent1"/>
+              </a:fillRef>
+              <a:effectRef idx="0">
+                <a:schemeClr val="accent1"/>
+              </a:effectRef>
+              <a:fontRef idx="minor">
+                <a:schemeClr val="tx1"/>
+              </a:fontRef>
+            </p:style>
+          </p:cxnSp>
+        </p:grpSp>
+      </p:grpSp>
+      <p:sp>
+        <p:nvSpPr>
+          <p:cNvPr id="465" name="Textfeld 464">
+            <a:extLst>
+              <a:ext uri="{FF2B5EF4-FFF2-40B4-BE49-F238E27FC236}">
+                <a16:creationId xmlns:a16="http://schemas.microsoft.com/office/drawing/2014/main" id="{0A7C1D91-AF02-4A86-841D-FC620B568501}"/>
+              </a:ext>
+            </a:extLst>
+          </p:cNvPr>
+          <p:cNvSpPr txBox="1"/>
+          <p:nvPr/>
+        </p:nvSpPr>
+        <p:spPr>
+          <a:xfrm>
+            <a:off x="8835265" y="1349910"/>
+            <a:ext cx="604408" cy="307777"/>
+          </a:xfrm>
+          <a:prstGeom prst="rect">
+            <a:avLst/>
+          </a:prstGeom>
+          <a:noFill/>
+        </p:spPr>
+        <p:txBody>
+          <a:bodyPr wrap="square" rtlCol="0">
+            <a:spAutoFit/>
+          </a:bodyPr>
+          <a:lstStyle/>
+          <a:p>
+            <a:r>
+              <a:rPr lang="de-AT" sz="1400" dirty="0"/>
+              <a:t>6.1 </a:t>
+            </a:r>
+          </a:p>
+        </p:txBody>
+      </p:sp>
+      <p:sp>
+        <p:nvSpPr>
+          <p:cNvPr id="466" name="Textfeld 465">
+            <a:extLst>
+              <a:ext uri="{FF2B5EF4-FFF2-40B4-BE49-F238E27FC236}">
+                <a16:creationId xmlns:a16="http://schemas.microsoft.com/office/drawing/2014/main" id="{39B00D5A-6D08-4A2D-A5FB-F9646FD09FBE}"/>
+              </a:ext>
+            </a:extLst>
+          </p:cNvPr>
+          <p:cNvSpPr txBox="1"/>
+          <p:nvPr/>
+        </p:nvSpPr>
+        <p:spPr>
+          <a:xfrm>
+            <a:off x="8835806" y="2133267"/>
+            <a:ext cx="604408" cy="307777"/>
+          </a:xfrm>
+          <a:prstGeom prst="rect">
+            <a:avLst/>
+          </a:prstGeom>
+          <a:noFill/>
+        </p:spPr>
+        <p:txBody>
+          <a:bodyPr wrap="square" rtlCol="0">
+            <a:spAutoFit/>
+          </a:bodyPr>
+          <a:lstStyle/>
+          <a:p>
+            <a:r>
+              <a:rPr lang="de-AT" sz="1400" dirty="0"/>
+              <a:t>6.2 </a:t>
+            </a:r>
+          </a:p>
+        </p:txBody>
+      </p:sp>
+      <p:sp>
+        <p:nvSpPr>
+          <p:cNvPr id="467" name="Textfeld 466">
+            <a:extLst>
+              <a:ext uri="{FF2B5EF4-FFF2-40B4-BE49-F238E27FC236}">
+                <a16:creationId xmlns:a16="http://schemas.microsoft.com/office/drawing/2014/main" id="{F694E692-9DE6-42D9-801A-F9212066A623}"/>
+              </a:ext>
+            </a:extLst>
+          </p:cNvPr>
+          <p:cNvSpPr txBox="1"/>
+          <p:nvPr/>
+        </p:nvSpPr>
+        <p:spPr>
+          <a:xfrm>
+            <a:off x="8829537" y="2940005"/>
+            <a:ext cx="604408" cy="307777"/>
+          </a:xfrm>
+          <a:prstGeom prst="rect">
+            <a:avLst/>
+          </a:prstGeom>
+          <a:noFill/>
+        </p:spPr>
+        <p:txBody>
+          <a:bodyPr wrap="square" rtlCol="0">
+            <a:spAutoFit/>
+          </a:bodyPr>
+          <a:lstStyle/>
+          <a:p>
+            <a:r>
+              <a:rPr lang="de-AT" sz="1400" dirty="0"/>
+              <a:t>6.3 </a:t>
+            </a:r>
+          </a:p>
+        </p:txBody>
+      </p:sp>
+      <p:cxnSp>
+        <p:nvCxnSpPr>
+          <p:cNvPr id="470" name="Gerader Verbinder 469">
+            <a:extLst>
+              <a:ext uri="{FF2B5EF4-FFF2-40B4-BE49-F238E27FC236}">
+                <a16:creationId xmlns:a16="http://schemas.microsoft.com/office/drawing/2014/main" id="{A8673BA4-A32A-4862-9A54-87BF300BB409}"/>
+              </a:ext>
+            </a:extLst>
+          </p:cNvPr>
+          <p:cNvCxnSpPr>
+            <a:cxnSpLocks/>
+            <a:stCxn id="426" idx="2"/>
+            <a:endCxn id="434" idx="0"/>
+          </p:cNvCxnSpPr>
+          <p:nvPr/>
+        </p:nvCxnSpPr>
+        <p:spPr>
+          <a:xfrm>
+            <a:off x="9521147" y="2046272"/>
+            <a:ext cx="0" cy="132689"/>
+          </a:xfrm>
+          <a:prstGeom prst="line">
+            <a:avLst/>
+          </a:prstGeom>
+          <a:ln>
+            <a:solidFill>
+              <a:schemeClr val="tx1"/>
+            </a:solidFill>
+          </a:ln>
+        </p:spPr>
+        <p:style>
+          <a:lnRef idx="1">
+            <a:schemeClr val="accent1"/>
+          </a:lnRef>
+          <a:fillRef idx="0">
+            <a:schemeClr val="accent1"/>
+          </a:fillRef>
+          <a:effectRef idx="0">
+            <a:schemeClr val="accent1"/>
+          </a:effectRef>
+          <a:fontRef idx="minor">
+            <a:schemeClr val="tx1"/>
+          </a:fontRef>
+        </p:style>
+      </p:cxnSp>
+      <p:cxnSp>
+        <p:nvCxnSpPr>
+          <p:cNvPr id="471" name="Gerader Verbinder 470">
+            <a:extLst>
+              <a:ext uri="{FF2B5EF4-FFF2-40B4-BE49-F238E27FC236}">
+                <a16:creationId xmlns:a16="http://schemas.microsoft.com/office/drawing/2014/main" id="{41231B71-A9B9-446A-9652-69E2A45F597D}"/>
+              </a:ext>
+            </a:extLst>
+          </p:cNvPr>
+          <p:cNvCxnSpPr>
+            <a:cxnSpLocks/>
+            <a:stCxn id="434" idx="2"/>
+            <a:endCxn id="442" idx="0"/>
+          </p:cNvCxnSpPr>
+          <p:nvPr/>
+        </p:nvCxnSpPr>
+        <p:spPr>
+          <a:xfrm flipH="1">
+            <a:off x="9520498" y="2823567"/>
+            <a:ext cx="649" cy="172876"/>
+          </a:xfrm>
+          <a:prstGeom prst="line">
+            <a:avLst/>
+          </a:prstGeom>
+          <a:ln>
+            <a:solidFill>
+              <a:schemeClr val="tx1"/>
+            </a:solidFill>
+          </a:ln>
+        </p:spPr>
+        <p:style>
+          <a:lnRef idx="1">
+            <a:schemeClr val="accent1"/>
+          </a:lnRef>
+          <a:fillRef idx="0">
+            <a:schemeClr val="accent1"/>
+          </a:fillRef>
+          <a:effectRef idx="0">
+            <a:schemeClr val="accent1"/>
+          </a:effectRef>
+          <a:fontRef idx="minor">
+            <a:schemeClr val="tx1"/>
+          </a:fontRef>
+        </p:style>
+      </p:cxnSp>
+      <p:cxnSp>
+        <p:nvCxnSpPr>
+          <p:cNvPr id="474" name="Gerader Verbinder 473">
+            <a:extLst>
+              <a:ext uri="{FF2B5EF4-FFF2-40B4-BE49-F238E27FC236}">
+                <a16:creationId xmlns:a16="http://schemas.microsoft.com/office/drawing/2014/main" id="{9EBAD39F-15E4-4280-AE91-13F45691F8A9}"/>
+              </a:ext>
+            </a:extLst>
+          </p:cNvPr>
+          <p:cNvCxnSpPr>
+            <a:cxnSpLocks/>
+            <a:endCxn id="426" idx="0"/>
+          </p:cNvCxnSpPr>
+          <p:nvPr/>
+        </p:nvCxnSpPr>
+        <p:spPr>
+          <a:xfrm>
+            <a:off x="9518700" y="1163842"/>
+            <a:ext cx="2447" cy="237824"/>
+          </a:xfrm>
+          <a:prstGeom prst="line">
+            <a:avLst/>
+          </a:prstGeom>
+          <a:ln>
+            <a:solidFill>
+              <a:schemeClr val="tx1"/>
+            </a:solidFill>
+          </a:ln>
+        </p:spPr>
+        <p:style>
+          <a:lnRef idx="1">
+            <a:schemeClr val="accent1"/>
+          </a:lnRef>
+          <a:fillRef idx="0">
+            <a:schemeClr val="accent1"/>
+          </a:fillRef>
+          <a:effectRef idx="0">
+            <a:schemeClr val="accent1"/>
+          </a:effectRef>
+          <a:fontRef idx="minor">
+            <a:schemeClr val="tx1"/>
+          </a:fontRef>
+        </p:style>
+      </p:cxnSp>
+      <p:grpSp>
+        <p:nvGrpSpPr>
+          <p:cNvPr id="475" name="Gruppieren 474">
+            <a:extLst>
+              <a:ext uri="{FF2B5EF4-FFF2-40B4-BE49-F238E27FC236}">
+                <a16:creationId xmlns:a16="http://schemas.microsoft.com/office/drawing/2014/main" id="{9C474312-394C-4157-894D-DB06F99A75AF}"/>
+              </a:ext>
+            </a:extLst>
+          </p:cNvPr>
+          <p:cNvGrpSpPr/>
+          <p:nvPr/>
+        </p:nvGrpSpPr>
+        <p:grpSpPr>
+          <a:xfrm>
+            <a:off x="10634989" y="1410601"/>
+            <a:ext cx="1270129" cy="644606"/>
+            <a:chOff x="1101012" y="1380932"/>
+            <a:chExt cx="1651519" cy="886408"/>
+          </a:xfrm>
+        </p:grpSpPr>
+        <p:sp>
+          <p:nvSpPr>
+            <p:cNvPr id="476" name="Rechteck 475">
+              <a:extLst>
+                <a:ext uri="{FF2B5EF4-FFF2-40B4-BE49-F238E27FC236}">
+                  <a16:creationId xmlns:a16="http://schemas.microsoft.com/office/drawing/2014/main" id="{8CB90ED9-CD22-4463-9B1B-7BC42FC52059}"/>
+                </a:ext>
+              </a:extLst>
+            </p:cNvPr>
+            <p:cNvSpPr/>
+            <p:nvPr/>
+          </p:nvSpPr>
+          <p:spPr>
+            <a:xfrm>
+              <a:off x="1101012" y="1380932"/>
+              <a:ext cx="1651519" cy="886408"/>
+            </a:xfrm>
+            <a:prstGeom prst="rect">
+              <a:avLst/>
+            </a:prstGeom>
+            <a:solidFill>
+              <a:schemeClr val="bg1"/>
+            </a:solidFill>
+            <a:ln>
+              <a:solidFill>
+                <a:schemeClr val="tx1"/>
+              </a:solidFill>
+            </a:ln>
+          </p:spPr>
+          <p:style>
+            <a:lnRef idx="2">
+              <a:schemeClr val="accent1">
+                <a:shade val="50000"/>
+              </a:schemeClr>
+            </a:lnRef>
+            <a:fillRef idx="1">
+              <a:schemeClr val="accent1"/>
+            </a:fillRef>
+            <a:effectRef idx="0">
+              <a:schemeClr val="accent1"/>
+            </a:effectRef>
+            <a:fontRef idx="minor">
+              <a:schemeClr val="lt1"/>
+            </a:fontRef>
+          </p:style>
+          <p:txBody>
+            <a:bodyPr rtlCol="0" anchor="ctr"/>
+            <a:lstStyle/>
+            <a:p>
+              <a:pPr algn="ctr"/>
+              <a:r>
+                <a:rPr lang="de-AT" sz="1200" dirty="0">
+                  <a:solidFill>
+                    <a:schemeClr val="tx1"/>
+                  </a:solidFill>
+                </a:rPr>
+                <a:t>N_01 Rate Project</a:t>
+              </a:r>
+            </a:p>
+          </p:txBody>
+        </p:sp>
+        <p:grpSp>
+          <p:nvGrpSpPr>
+            <p:cNvPr id="477" name="Gruppieren 476">
+              <a:extLst>
+                <a:ext uri="{FF2B5EF4-FFF2-40B4-BE49-F238E27FC236}">
+                  <a16:creationId xmlns:a16="http://schemas.microsoft.com/office/drawing/2014/main" id="{436F8385-CD0A-4D93-AE08-8C159A75ACD9}"/>
+                </a:ext>
+              </a:extLst>
+            </p:cNvPr>
+            <p:cNvGrpSpPr/>
+            <p:nvPr/>
+          </p:nvGrpSpPr>
+          <p:grpSpPr>
+            <a:xfrm>
+              <a:off x="2379306" y="1380932"/>
+              <a:ext cx="373224" cy="270586"/>
+              <a:chOff x="2379306" y="1380932"/>
+              <a:chExt cx="373224" cy="270586"/>
+            </a:xfrm>
+          </p:grpSpPr>
+          <p:cxnSp>
+            <p:nvCxnSpPr>
+              <p:cNvPr id="481" name="Gerader Verbinder 480">
+                <a:extLst>
+                  <a:ext uri="{FF2B5EF4-FFF2-40B4-BE49-F238E27FC236}">
+                    <a16:creationId xmlns:a16="http://schemas.microsoft.com/office/drawing/2014/main" id="{8F9B51F3-34D3-49A9-96D5-36F736FD6EF4}"/>
+                  </a:ext>
+                </a:extLst>
+              </p:cNvPr>
+              <p:cNvCxnSpPr>
+                <a:cxnSpLocks/>
+              </p:cNvCxnSpPr>
+              <p:nvPr/>
+            </p:nvCxnSpPr>
+            <p:spPr>
+              <a:xfrm>
+                <a:off x="2379306" y="1380932"/>
+                <a:ext cx="0" cy="270586"/>
+              </a:xfrm>
+              <a:prstGeom prst="line">
+                <a:avLst/>
+              </a:prstGeom>
+              <a:ln>
+                <a:solidFill>
+                  <a:schemeClr val="tx1"/>
+                </a:solidFill>
+              </a:ln>
+            </p:spPr>
+            <p:style>
+              <a:lnRef idx="1">
+                <a:schemeClr val="accent1"/>
+              </a:lnRef>
+              <a:fillRef idx="0">
+                <a:schemeClr val="accent1"/>
+              </a:fillRef>
+              <a:effectRef idx="0">
+                <a:schemeClr val="accent1"/>
+              </a:effectRef>
+              <a:fontRef idx="minor">
+                <a:schemeClr val="tx1"/>
+              </a:fontRef>
+            </p:style>
+          </p:cxnSp>
+          <p:cxnSp>
+            <p:nvCxnSpPr>
+              <p:cNvPr id="482" name="Gerader Verbinder 481">
+                <a:extLst>
+                  <a:ext uri="{FF2B5EF4-FFF2-40B4-BE49-F238E27FC236}">
+                    <a16:creationId xmlns:a16="http://schemas.microsoft.com/office/drawing/2014/main" id="{AB64A0FF-6FA8-4901-8352-7E2A3B9DE982}"/>
+                  </a:ext>
+                </a:extLst>
+              </p:cNvPr>
+              <p:cNvCxnSpPr>
+                <a:cxnSpLocks/>
+              </p:cNvCxnSpPr>
+              <p:nvPr/>
+            </p:nvCxnSpPr>
+            <p:spPr>
+              <a:xfrm>
+                <a:off x="2379306" y="1651518"/>
+                <a:ext cx="373224" cy="0"/>
+              </a:xfrm>
+              <a:prstGeom prst="line">
+                <a:avLst/>
+              </a:prstGeom>
+              <a:ln>
+                <a:solidFill>
+                  <a:schemeClr val="tx1"/>
+                </a:solidFill>
+              </a:ln>
+            </p:spPr>
+            <p:style>
+              <a:lnRef idx="1">
+                <a:schemeClr val="accent1"/>
+              </a:lnRef>
+              <a:fillRef idx="0">
+                <a:schemeClr val="accent1"/>
+              </a:fillRef>
+              <a:effectRef idx="0">
+                <a:schemeClr val="accent1"/>
+              </a:effectRef>
+              <a:fontRef idx="minor">
+                <a:schemeClr val="tx1"/>
+              </a:fontRef>
+            </p:style>
+          </p:cxnSp>
+        </p:grpSp>
+        <p:grpSp>
+          <p:nvGrpSpPr>
+            <p:cNvPr id="478" name="Gruppieren 477">
+              <a:extLst>
+                <a:ext uri="{FF2B5EF4-FFF2-40B4-BE49-F238E27FC236}">
+                  <a16:creationId xmlns:a16="http://schemas.microsoft.com/office/drawing/2014/main" id="{AF5478CB-D815-4F20-B978-3FC02E8903CC}"/>
+                </a:ext>
+              </a:extLst>
+            </p:cNvPr>
+            <p:cNvGrpSpPr/>
+            <p:nvPr/>
+          </p:nvGrpSpPr>
+          <p:grpSpPr>
+            <a:xfrm>
+              <a:off x="1101012" y="1380932"/>
+              <a:ext cx="373224" cy="270586"/>
+              <a:chOff x="1101012" y="1380932"/>
+              <a:chExt cx="373224" cy="270586"/>
+            </a:xfrm>
+          </p:grpSpPr>
+          <p:cxnSp>
+            <p:nvCxnSpPr>
+              <p:cNvPr id="479" name="Gerader Verbinder 478">
+                <a:extLst>
+                  <a:ext uri="{FF2B5EF4-FFF2-40B4-BE49-F238E27FC236}">
+                    <a16:creationId xmlns:a16="http://schemas.microsoft.com/office/drawing/2014/main" id="{796D274A-AEA7-4B7F-BD69-5C6DCBCEFF59}"/>
+                  </a:ext>
+                </a:extLst>
+              </p:cNvPr>
+              <p:cNvCxnSpPr>
+                <a:cxnSpLocks/>
+              </p:cNvCxnSpPr>
+              <p:nvPr/>
+            </p:nvCxnSpPr>
+            <p:spPr>
+              <a:xfrm>
+                <a:off x="1474236" y="1380932"/>
+                <a:ext cx="0" cy="270586"/>
+              </a:xfrm>
+              <a:prstGeom prst="line">
+                <a:avLst/>
+              </a:prstGeom>
+              <a:ln>
+                <a:solidFill>
+                  <a:schemeClr val="tx1"/>
+                </a:solidFill>
+              </a:ln>
+            </p:spPr>
+            <p:style>
+              <a:lnRef idx="1">
+                <a:schemeClr val="accent1"/>
+              </a:lnRef>
+              <a:fillRef idx="0">
+                <a:schemeClr val="accent1"/>
+              </a:fillRef>
+              <a:effectRef idx="0">
+                <a:schemeClr val="accent1"/>
+              </a:effectRef>
+              <a:fontRef idx="minor">
+                <a:schemeClr val="tx1"/>
+              </a:fontRef>
+            </p:style>
+          </p:cxnSp>
+          <p:cxnSp>
+            <p:nvCxnSpPr>
+              <p:cNvPr id="480" name="Gerader Verbinder 479">
+                <a:extLst>
+                  <a:ext uri="{FF2B5EF4-FFF2-40B4-BE49-F238E27FC236}">
+                    <a16:creationId xmlns:a16="http://schemas.microsoft.com/office/drawing/2014/main" id="{791AFF37-013D-4CB0-9246-6267DA649CA6}"/>
+                  </a:ext>
+                </a:extLst>
+              </p:cNvPr>
+              <p:cNvCxnSpPr>
+                <a:cxnSpLocks/>
+              </p:cNvCxnSpPr>
+              <p:nvPr/>
+            </p:nvCxnSpPr>
+            <p:spPr>
+              <a:xfrm>
+                <a:off x="1101012" y="1651518"/>
+                <a:ext cx="373224" cy="0"/>
+              </a:xfrm>
+              <a:prstGeom prst="line">
+                <a:avLst/>
+              </a:prstGeom>
+              <a:ln>
+                <a:solidFill>
+                  <a:schemeClr val="tx1"/>
+                </a:solidFill>
+              </a:ln>
+            </p:spPr>
+            <p:style>
+              <a:lnRef idx="1">
+                <a:schemeClr val="accent1"/>
+              </a:lnRef>
+              <a:fillRef idx="0">
+                <a:schemeClr val="accent1"/>
+              </a:fillRef>
+              <a:effectRef idx="0">
+                <a:schemeClr val="accent1"/>
+              </a:effectRef>
+              <a:fontRef idx="minor">
+                <a:schemeClr val="tx1"/>
+              </a:fontRef>
+            </p:style>
+          </p:cxnSp>
+        </p:grpSp>
+      </p:grpSp>
+      <p:grpSp>
+        <p:nvGrpSpPr>
+          <p:cNvPr id="483" name="Gruppieren 482">
+            <a:extLst>
+              <a:ext uri="{FF2B5EF4-FFF2-40B4-BE49-F238E27FC236}">
+                <a16:creationId xmlns:a16="http://schemas.microsoft.com/office/drawing/2014/main" id="{F326AF33-EF79-41D0-9002-5437614DA2D2}"/>
+              </a:ext>
+            </a:extLst>
+          </p:cNvPr>
+          <p:cNvGrpSpPr/>
+          <p:nvPr/>
+        </p:nvGrpSpPr>
+        <p:grpSpPr>
+          <a:xfrm>
+            <a:off x="10634989" y="2187896"/>
+            <a:ext cx="1270129" cy="644606"/>
+            <a:chOff x="1101012" y="1380932"/>
+            <a:chExt cx="1651519" cy="886408"/>
+          </a:xfrm>
+        </p:grpSpPr>
+        <p:sp>
+          <p:nvSpPr>
+            <p:cNvPr id="484" name="Rechteck 483">
+              <a:extLst>
+                <a:ext uri="{FF2B5EF4-FFF2-40B4-BE49-F238E27FC236}">
+                  <a16:creationId xmlns:a16="http://schemas.microsoft.com/office/drawing/2014/main" id="{2FA11654-C155-406A-AE6C-CA6E6ABE6ECD}"/>
+                </a:ext>
+              </a:extLst>
+            </p:cNvPr>
+            <p:cNvSpPr/>
+            <p:nvPr/>
+          </p:nvSpPr>
+          <p:spPr>
+            <a:xfrm>
+              <a:off x="1101012" y="1380932"/>
+              <a:ext cx="1651519" cy="886408"/>
+            </a:xfrm>
+            <a:prstGeom prst="rect">
+              <a:avLst/>
+            </a:prstGeom>
+            <a:solidFill>
+              <a:schemeClr val="bg1"/>
+            </a:solidFill>
+            <a:ln>
+              <a:solidFill>
+                <a:schemeClr val="tx1"/>
+              </a:solidFill>
+            </a:ln>
+          </p:spPr>
+          <p:style>
+            <a:lnRef idx="2">
+              <a:schemeClr val="accent1">
+                <a:shade val="50000"/>
+              </a:schemeClr>
+            </a:lnRef>
+            <a:fillRef idx="1">
+              <a:schemeClr val="accent1"/>
+            </a:fillRef>
+            <a:effectRef idx="0">
+              <a:schemeClr val="accent1"/>
+            </a:effectRef>
+            <a:fontRef idx="minor">
+              <a:schemeClr val="lt1"/>
+            </a:fontRef>
+          </p:style>
+          <p:txBody>
+            <a:bodyPr rtlCol="0" anchor="ctr"/>
+            <a:lstStyle/>
+            <a:p>
+              <a:pPr algn="ctr"/>
+              <a:r>
+                <a:rPr lang="de-AT" sz="1200" dirty="0">
+                  <a:solidFill>
+                    <a:schemeClr val="tx1"/>
+                  </a:solidFill>
+                </a:rPr>
+                <a:t>N02 </a:t>
+              </a:r>
+              <a:r>
+                <a:rPr lang="de-AT" sz="1200" dirty="0" err="1">
+                  <a:solidFill>
+                    <a:schemeClr val="tx1"/>
+                  </a:solidFill>
+                </a:rPr>
+                <a:t>Lessons</a:t>
+              </a:r>
+              <a:r>
+                <a:rPr lang="de-AT" sz="1200" dirty="0">
+                  <a:solidFill>
+                    <a:schemeClr val="tx1"/>
+                  </a:solidFill>
+                </a:rPr>
+                <a:t> </a:t>
+              </a:r>
+              <a:r>
+                <a:rPr lang="de-AT" sz="1200" dirty="0" err="1">
+                  <a:solidFill>
+                    <a:schemeClr val="tx1"/>
+                  </a:solidFill>
+                </a:rPr>
+                <a:t>Learned</a:t>
+              </a:r>
+              <a:endParaRPr lang="de-AT" sz="1200" dirty="0">
+                <a:solidFill>
+                  <a:schemeClr val="tx1"/>
+                </a:solidFill>
+              </a:endParaRPr>
+            </a:p>
+          </p:txBody>
+        </p:sp>
+        <p:grpSp>
+          <p:nvGrpSpPr>
+            <p:cNvPr id="485" name="Gruppieren 484">
+              <a:extLst>
+                <a:ext uri="{FF2B5EF4-FFF2-40B4-BE49-F238E27FC236}">
+                  <a16:creationId xmlns:a16="http://schemas.microsoft.com/office/drawing/2014/main" id="{953E9806-6B4A-4079-8AE9-BBD60AAA30B1}"/>
+                </a:ext>
+              </a:extLst>
+            </p:cNvPr>
+            <p:cNvGrpSpPr/>
+            <p:nvPr/>
+          </p:nvGrpSpPr>
+          <p:grpSpPr>
+            <a:xfrm>
+              <a:off x="2379306" y="1380932"/>
+              <a:ext cx="373224" cy="270586"/>
+              <a:chOff x="2379306" y="1380932"/>
+              <a:chExt cx="373224" cy="270586"/>
+            </a:xfrm>
+          </p:grpSpPr>
+          <p:cxnSp>
+            <p:nvCxnSpPr>
+              <p:cNvPr id="489" name="Gerader Verbinder 488">
+                <a:extLst>
+                  <a:ext uri="{FF2B5EF4-FFF2-40B4-BE49-F238E27FC236}">
+                    <a16:creationId xmlns:a16="http://schemas.microsoft.com/office/drawing/2014/main" id="{D4A46D4E-E108-4AB5-BB7B-41261CC53029}"/>
+                  </a:ext>
+                </a:extLst>
+              </p:cNvPr>
+              <p:cNvCxnSpPr>
+                <a:cxnSpLocks/>
+              </p:cNvCxnSpPr>
+              <p:nvPr/>
+            </p:nvCxnSpPr>
+            <p:spPr>
+              <a:xfrm>
+                <a:off x="2379306" y="1380932"/>
+                <a:ext cx="0" cy="270586"/>
+              </a:xfrm>
+              <a:prstGeom prst="line">
+                <a:avLst/>
+              </a:prstGeom>
+              <a:ln>
+                <a:solidFill>
+                  <a:schemeClr val="tx1"/>
+                </a:solidFill>
+              </a:ln>
+            </p:spPr>
+            <p:style>
+              <a:lnRef idx="1">
+                <a:schemeClr val="accent1"/>
+              </a:lnRef>
+              <a:fillRef idx="0">
+                <a:schemeClr val="accent1"/>
+              </a:fillRef>
+              <a:effectRef idx="0">
+                <a:schemeClr val="accent1"/>
+              </a:effectRef>
+              <a:fontRef idx="minor">
+                <a:schemeClr val="tx1"/>
+              </a:fontRef>
+            </p:style>
+          </p:cxnSp>
+          <p:cxnSp>
+            <p:nvCxnSpPr>
+              <p:cNvPr id="490" name="Gerader Verbinder 489">
+                <a:extLst>
+                  <a:ext uri="{FF2B5EF4-FFF2-40B4-BE49-F238E27FC236}">
+                    <a16:creationId xmlns:a16="http://schemas.microsoft.com/office/drawing/2014/main" id="{3966ECC4-F9E6-4E75-B4E1-7728E4FD5B1A}"/>
+                  </a:ext>
+                </a:extLst>
+              </p:cNvPr>
+              <p:cNvCxnSpPr>
+                <a:cxnSpLocks/>
+              </p:cNvCxnSpPr>
+              <p:nvPr/>
+            </p:nvCxnSpPr>
+            <p:spPr>
+              <a:xfrm>
+                <a:off x="2379306" y="1651518"/>
+                <a:ext cx="373224" cy="0"/>
+              </a:xfrm>
+              <a:prstGeom prst="line">
+                <a:avLst/>
+              </a:prstGeom>
+              <a:ln>
+                <a:solidFill>
+                  <a:schemeClr val="tx1"/>
+                </a:solidFill>
+              </a:ln>
+            </p:spPr>
+            <p:style>
+              <a:lnRef idx="1">
+                <a:schemeClr val="accent1"/>
+              </a:lnRef>
+              <a:fillRef idx="0">
+                <a:schemeClr val="accent1"/>
+              </a:fillRef>
+              <a:effectRef idx="0">
+                <a:schemeClr val="accent1"/>
+              </a:effectRef>
+              <a:fontRef idx="minor">
+                <a:schemeClr val="tx1"/>
+              </a:fontRef>
+            </p:style>
+          </p:cxnSp>
+        </p:grpSp>
+        <p:grpSp>
+          <p:nvGrpSpPr>
+            <p:cNvPr id="486" name="Gruppieren 485">
+              <a:extLst>
+                <a:ext uri="{FF2B5EF4-FFF2-40B4-BE49-F238E27FC236}">
+                  <a16:creationId xmlns:a16="http://schemas.microsoft.com/office/drawing/2014/main" id="{C7EE57FA-496A-4D3B-B270-6B499B55C979}"/>
+                </a:ext>
+              </a:extLst>
+            </p:cNvPr>
+            <p:cNvGrpSpPr/>
+            <p:nvPr/>
+          </p:nvGrpSpPr>
+          <p:grpSpPr>
+            <a:xfrm>
+              <a:off x="1101012" y="1380932"/>
+              <a:ext cx="373224" cy="270586"/>
+              <a:chOff x="1101012" y="1380932"/>
+              <a:chExt cx="373224" cy="270586"/>
+            </a:xfrm>
+          </p:grpSpPr>
+          <p:cxnSp>
+            <p:nvCxnSpPr>
+              <p:cNvPr id="487" name="Gerader Verbinder 486">
+                <a:extLst>
+                  <a:ext uri="{FF2B5EF4-FFF2-40B4-BE49-F238E27FC236}">
+                    <a16:creationId xmlns:a16="http://schemas.microsoft.com/office/drawing/2014/main" id="{9371ADB8-1427-47E2-A9B8-D1D6A9930914}"/>
+                  </a:ext>
+                </a:extLst>
+              </p:cNvPr>
+              <p:cNvCxnSpPr>
+                <a:cxnSpLocks/>
+              </p:cNvCxnSpPr>
+              <p:nvPr/>
+            </p:nvCxnSpPr>
+            <p:spPr>
+              <a:xfrm>
+                <a:off x="1474236" y="1380932"/>
+                <a:ext cx="0" cy="270586"/>
+              </a:xfrm>
+              <a:prstGeom prst="line">
+                <a:avLst/>
+              </a:prstGeom>
+              <a:ln>
+                <a:solidFill>
+                  <a:schemeClr val="tx1"/>
+                </a:solidFill>
+              </a:ln>
+            </p:spPr>
+            <p:style>
+              <a:lnRef idx="1">
+                <a:schemeClr val="accent1"/>
+              </a:lnRef>
+              <a:fillRef idx="0">
+                <a:schemeClr val="accent1"/>
+              </a:fillRef>
+              <a:effectRef idx="0">
+                <a:schemeClr val="accent1"/>
+              </a:effectRef>
+              <a:fontRef idx="minor">
+                <a:schemeClr val="tx1"/>
+              </a:fontRef>
+            </p:style>
+          </p:cxnSp>
+          <p:cxnSp>
+            <p:nvCxnSpPr>
+              <p:cNvPr id="488" name="Gerader Verbinder 487">
+                <a:extLst>
+                  <a:ext uri="{FF2B5EF4-FFF2-40B4-BE49-F238E27FC236}">
+                    <a16:creationId xmlns:a16="http://schemas.microsoft.com/office/drawing/2014/main" id="{511250C3-B9F7-4F69-A0CF-529440994AD2}"/>
+                  </a:ext>
+                </a:extLst>
+              </p:cNvPr>
+              <p:cNvCxnSpPr>
+                <a:cxnSpLocks/>
+              </p:cNvCxnSpPr>
+              <p:nvPr/>
+            </p:nvCxnSpPr>
+            <p:spPr>
+              <a:xfrm>
+                <a:off x="1101012" y="1651518"/>
+                <a:ext cx="373224" cy="0"/>
+              </a:xfrm>
+              <a:prstGeom prst="line">
+                <a:avLst/>
+              </a:prstGeom>
+              <a:ln>
+                <a:solidFill>
+                  <a:schemeClr val="tx1"/>
+                </a:solidFill>
+              </a:ln>
+            </p:spPr>
+            <p:style>
+              <a:lnRef idx="1">
+                <a:schemeClr val="accent1"/>
+              </a:lnRef>
+              <a:fillRef idx="0">
+                <a:schemeClr val="accent1"/>
+              </a:fillRef>
+              <a:effectRef idx="0">
+                <a:schemeClr val="accent1"/>
+              </a:effectRef>
+              <a:fontRef idx="minor">
+                <a:schemeClr val="tx1"/>
+              </a:fontRef>
+            </p:style>
+          </p:cxnSp>
+        </p:grpSp>
+      </p:grpSp>
+      <p:grpSp>
+        <p:nvGrpSpPr>
+          <p:cNvPr id="491" name="Gruppieren 490">
+            <a:extLst>
+              <a:ext uri="{FF2B5EF4-FFF2-40B4-BE49-F238E27FC236}">
+                <a16:creationId xmlns:a16="http://schemas.microsoft.com/office/drawing/2014/main" id="{C5074724-65D4-4F70-992E-D4607DE719BD}"/>
+              </a:ext>
+            </a:extLst>
+          </p:cNvPr>
+          <p:cNvGrpSpPr/>
+          <p:nvPr/>
+        </p:nvGrpSpPr>
+        <p:grpSpPr>
+          <a:xfrm>
+            <a:off x="10634340" y="3005378"/>
+            <a:ext cx="1270129" cy="644606"/>
+            <a:chOff x="1101012" y="1380932"/>
+            <a:chExt cx="1651519" cy="886408"/>
+          </a:xfrm>
+        </p:grpSpPr>
+        <p:sp>
+          <p:nvSpPr>
+            <p:cNvPr id="492" name="Rechteck 491">
+              <a:extLst>
+                <a:ext uri="{FF2B5EF4-FFF2-40B4-BE49-F238E27FC236}">
+                  <a16:creationId xmlns:a16="http://schemas.microsoft.com/office/drawing/2014/main" id="{4BDFB585-CB55-4744-B656-1C4BD5BF8895}"/>
+                </a:ext>
+              </a:extLst>
+            </p:cNvPr>
+            <p:cNvSpPr/>
+            <p:nvPr/>
+          </p:nvSpPr>
+          <p:spPr>
+            <a:xfrm>
+              <a:off x="1101012" y="1380932"/>
+              <a:ext cx="1651519" cy="886408"/>
+            </a:xfrm>
+            <a:prstGeom prst="rect">
+              <a:avLst/>
+            </a:prstGeom>
+            <a:solidFill>
+              <a:schemeClr val="bg1"/>
+            </a:solidFill>
+            <a:ln>
+              <a:solidFill>
+                <a:schemeClr val="tx1"/>
+              </a:solidFill>
+            </a:ln>
+          </p:spPr>
+          <p:style>
+            <a:lnRef idx="2">
+              <a:schemeClr val="accent1">
+                <a:shade val="50000"/>
+              </a:schemeClr>
+            </a:lnRef>
+            <a:fillRef idx="1">
+              <a:schemeClr val="accent1"/>
+            </a:fillRef>
+            <a:effectRef idx="0">
+              <a:schemeClr val="accent1"/>
+            </a:effectRef>
+            <a:fontRef idx="minor">
+              <a:schemeClr val="lt1"/>
+            </a:fontRef>
+          </p:style>
+          <p:txBody>
+            <a:bodyPr rtlCol="0" anchor="ctr"/>
+            <a:lstStyle/>
+            <a:p>
+              <a:pPr algn="ctr"/>
+              <a:r>
+                <a:rPr lang="de-AT" sz="1200" dirty="0">
+                  <a:solidFill>
+                    <a:schemeClr val="tx1"/>
+                  </a:solidFill>
+                </a:rPr>
+                <a:t>N03 Project Review</a:t>
+              </a:r>
+            </a:p>
+          </p:txBody>
+        </p:sp>
+        <p:grpSp>
+          <p:nvGrpSpPr>
+            <p:cNvPr id="493" name="Gruppieren 492">
+              <a:extLst>
+                <a:ext uri="{FF2B5EF4-FFF2-40B4-BE49-F238E27FC236}">
+                  <a16:creationId xmlns:a16="http://schemas.microsoft.com/office/drawing/2014/main" id="{A7F0E2E5-041D-4E60-8C5C-A2A364DB515B}"/>
+                </a:ext>
+              </a:extLst>
+            </p:cNvPr>
+            <p:cNvGrpSpPr/>
+            <p:nvPr/>
+          </p:nvGrpSpPr>
+          <p:grpSpPr>
+            <a:xfrm>
+              <a:off x="2379306" y="1380932"/>
+              <a:ext cx="373224" cy="270586"/>
+              <a:chOff x="2379306" y="1380932"/>
+              <a:chExt cx="373224" cy="270586"/>
+            </a:xfrm>
+          </p:grpSpPr>
+          <p:cxnSp>
+            <p:nvCxnSpPr>
+              <p:cNvPr id="497" name="Gerader Verbinder 496">
+                <a:extLst>
+                  <a:ext uri="{FF2B5EF4-FFF2-40B4-BE49-F238E27FC236}">
+                    <a16:creationId xmlns:a16="http://schemas.microsoft.com/office/drawing/2014/main" id="{4A0C6AB0-DEE3-4D18-9E2E-A8F9DC5423E7}"/>
+                  </a:ext>
+                </a:extLst>
+              </p:cNvPr>
+              <p:cNvCxnSpPr>
+                <a:cxnSpLocks/>
+              </p:cNvCxnSpPr>
+              <p:nvPr/>
+            </p:nvCxnSpPr>
+            <p:spPr>
+              <a:xfrm>
+                <a:off x="2379306" y="1380932"/>
+                <a:ext cx="0" cy="270586"/>
+              </a:xfrm>
+              <a:prstGeom prst="line">
+                <a:avLst/>
+              </a:prstGeom>
+              <a:ln>
+                <a:solidFill>
+                  <a:schemeClr val="tx1"/>
+                </a:solidFill>
+              </a:ln>
+            </p:spPr>
+            <p:style>
+              <a:lnRef idx="1">
+                <a:schemeClr val="accent1"/>
+              </a:lnRef>
+              <a:fillRef idx="0">
+                <a:schemeClr val="accent1"/>
+              </a:fillRef>
+              <a:effectRef idx="0">
+                <a:schemeClr val="accent1"/>
+              </a:effectRef>
+              <a:fontRef idx="minor">
+                <a:schemeClr val="tx1"/>
+              </a:fontRef>
+            </p:style>
+          </p:cxnSp>
+          <p:cxnSp>
+            <p:nvCxnSpPr>
+              <p:cNvPr id="498" name="Gerader Verbinder 497">
+                <a:extLst>
+                  <a:ext uri="{FF2B5EF4-FFF2-40B4-BE49-F238E27FC236}">
+                    <a16:creationId xmlns:a16="http://schemas.microsoft.com/office/drawing/2014/main" id="{C56B5123-9C17-4F64-A5EB-95680F8CD843}"/>
+                  </a:ext>
+                </a:extLst>
+              </p:cNvPr>
+              <p:cNvCxnSpPr>
+                <a:cxnSpLocks/>
+              </p:cNvCxnSpPr>
+              <p:nvPr/>
+            </p:nvCxnSpPr>
+            <p:spPr>
+              <a:xfrm>
+                <a:off x="2379306" y="1651518"/>
+                <a:ext cx="373224" cy="0"/>
+              </a:xfrm>
+              <a:prstGeom prst="line">
+                <a:avLst/>
+              </a:prstGeom>
+              <a:ln>
+                <a:solidFill>
+                  <a:schemeClr val="tx1"/>
+                </a:solidFill>
+              </a:ln>
+            </p:spPr>
+            <p:style>
+              <a:lnRef idx="1">
+                <a:schemeClr val="accent1"/>
+              </a:lnRef>
+              <a:fillRef idx="0">
+                <a:schemeClr val="accent1"/>
+              </a:fillRef>
+              <a:effectRef idx="0">
+                <a:schemeClr val="accent1"/>
+              </a:effectRef>
+              <a:fontRef idx="minor">
+                <a:schemeClr val="tx1"/>
+              </a:fontRef>
+            </p:style>
+          </p:cxnSp>
+        </p:grpSp>
+        <p:grpSp>
+          <p:nvGrpSpPr>
+            <p:cNvPr id="494" name="Gruppieren 493">
+              <a:extLst>
+                <a:ext uri="{FF2B5EF4-FFF2-40B4-BE49-F238E27FC236}">
+                  <a16:creationId xmlns:a16="http://schemas.microsoft.com/office/drawing/2014/main" id="{56E7DBE6-B910-4D47-A63D-A9F043B92011}"/>
+                </a:ext>
+              </a:extLst>
+            </p:cNvPr>
+            <p:cNvGrpSpPr/>
+            <p:nvPr/>
+          </p:nvGrpSpPr>
+          <p:grpSpPr>
+            <a:xfrm>
+              <a:off x="1101012" y="1380932"/>
+              <a:ext cx="373224" cy="270586"/>
+              <a:chOff x="1101012" y="1380932"/>
+              <a:chExt cx="373224" cy="270586"/>
+            </a:xfrm>
+          </p:grpSpPr>
+          <p:cxnSp>
+            <p:nvCxnSpPr>
+              <p:cNvPr id="495" name="Gerader Verbinder 494">
+                <a:extLst>
+                  <a:ext uri="{FF2B5EF4-FFF2-40B4-BE49-F238E27FC236}">
+                    <a16:creationId xmlns:a16="http://schemas.microsoft.com/office/drawing/2014/main" id="{D3D51F11-6F76-42D1-8F25-5ECAC2230BB6}"/>
+                  </a:ext>
+                </a:extLst>
+              </p:cNvPr>
+              <p:cNvCxnSpPr>
+                <a:cxnSpLocks/>
+              </p:cNvCxnSpPr>
+              <p:nvPr/>
+            </p:nvCxnSpPr>
+            <p:spPr>
+              <a:xfrm>
+                <a:off x="1474236" y="1380932"/>
+                <a:ext cx="0" cy="270586"/>
+              </a:xfrm>
+              <a:prstGeom prst="line">
+                <a:avLst/>
+              </a:prstGeom>
+              <a:ln>
+                <a:solidFill>
+                  <a:schemeClr val="tx1"/>
+                </a:solidFill>
+              </a:ln>
+            </p:spPr>
+            <p:style>
+              <a:lnRef idx="1">
+                <a:schemeClr val="accent1"/>
+              </a:lnRef>
+              <a:fillRef idx="0">
+                <a:schemeClr val="accent1"/>
+              </a:fillRef>
+              <a:effectRef idx="0">
+                <a:schemeClr val="accent1"/>
+              </a:effectRef>
+              <a:fontRef idx="minor">
+                <a:schemeClr val="tx1"/>
+              </a:fontRef>
+            </p:style>
+          </p:cxnSp>
+          <p:cxnSp>
+            <p:nvCxnSpPr>
+              <p:cNvPr id="496" name="Gerader Verbinder 495">
+                <a:extLst>
+                  <a:ext uri="{FF2B5EF4-FFF2-40B4-BE49-F238E27FC236}">
+                    <a16:creationId xmlns:a16="http://schemas.microsoft.com/office/drawing/2014/main" id="{6DD0026E-2844-4BED-A767-7040D3046BCA}"/>
+                  </a:ext>
+                </a:extLst>
+              </p:cNvPr>
+              <p:cNvCxnSpPr>
+                <a:cxnSpLocks/>
+              </p:cNvCxnSpPr>
+              <p:nvPr/>
+            </p:nvCxnSpPr>
+            <p:spPr>
+              <a:xfrm>
+                <a:off x="1101012" y="1651518"/>
+                <a:ext cx="373224" cy="0"/>
+              </a:xfrm>
+              <a:prstGeom prst="line">
+                <a:avLst/>
+              </a:prstGeom>
+              <a:ln>
+                <a:solidFill>
+                  <a:schemeClr val="tx1"/>
+                </a:solidFill>
+              </a:ln>
+            </p:spPr>
+            <p:style>
+              <a:lnRef idx="1">
+                <a:schemeClr val="accent1"/>
+              </a:lnRef>
+              <a:fillRef idx="0">
+                <a:schemeClr val="accent1"/>
+              </a:fillRef>
+              <a:effectRef idx="0">
+                <a:schemeClr val="accent1"/>
+              </a:effectRef>
+              <a:fontRef idx="minor">
+                <a:schemeClr val="tx1"/>
+              </a:fontRef>
+            </p:style>
+          </p:cxnSp>
+        </p:grpSp>
+      </p:grpSp>
+      <p:sp>
+        <p:nvSpPr>
+          <p:cNvPr id="515" name="Textfeld 514">
+            <a:extLst>
+              <a:ext uri="{FF2B5EF4-FFF2-40B4-BE49-F238E27FC236}">
+                <a16:creationId xmlns:a16="http://schemas.microsoft.com/office/drawing/2014/main" id="{60477763-0A48-476A-9506-9AB7E2E4D87F}"/>
+              </a:ext>
+            </a:extLst>
+          </p:cNvPr>
+          <p:cNvSpPr txBox="1"/>
+          <p:nvPr/>
+        </p:nvSpPr>
+        <p:spPr>
+          <a:xfrm>
+            <a:off x="10584172" y="1358845"/>
+            <a:ext cx="604408" cy="307777"/>
+          </a:xfrm>
+          <a:prstGeom prst="rect">
+            <a:avLst/>
+          </a:prstGeom>
+          <a:noFill/>
+        </p:spPr>
+        <p:txBody>
+          <a:bodyPr wrap="square" rtlCol="0">
+            <a:spAutoFit/>
+          </a:bodyPr>
+          <a:lstStyle/>
+          <a:p>
+            <a:r>
+              <a:rPr lang="de-AT" sz="1400" dirty="0"/>
+              <a:t>7.1 </a:t>
+            </a:r>
+          </a:p>
+        </p:txBody>
+      </p:sp>
+      <p:sp>
+        <p:nvSpPr>
+          <p:cNvPr id="516" name="Textfeld 515">
+            <a:extLst>
+              <a:ext uri="{FF2B5EF4-FFF2-40B4-BE49-F238E27FC236}">
+                <a16:creationId xmlns:a16="http://schemas.microsoft.com/office/drawing/2014/main" id="{3859A80C-46F9-4075-A6C5-05783134B7AA}"/>
+              </a:ext>
+            </a:extLst>
+          </p:cNvPr>
+          <p:cNvSpPr txBox="1"/>
+          <p:nvPr/>
+        </p:nvSpPr>
+        <p:spPr>
+          <a:xfrm>
+            <a:off x="10584713" y="2142202"/>
+            <a:ext cx="604408" cy="307777"/>
+          </a:xfrm>
+          <a:prstGeom prst="rect">
+            <a:avLst/>
+          </a:prstGeom>
+          <a:noFill/>
+        </p:spPr>
+        <p:txBody>
+          <a:bodyPr wrap="square" rtlCol="0">
+            <a:spAutoFit/>
+          </a:bodyPr>
+          <a:lstStyle/>
+          <a:p>
+            <a:r>
+              <a:rPr lang="de-AT" sz="1400" dirty="0"/>
+              <a:t>7.2 </a:t>
+            </a:r>
+          </a:p>
+        </p:txBody>
+      </p:sp>
+      <p:sp>
+        <p:nvSpPr>
+          <p:cNvPr id="517" name="Textfeld 516">
+            <a:extLst>
+              <a:ext uri="{FF2B5EF4-FFF2-40B4-BE49-F238E27FC236}">
+                <a16:creationId xmlns:a16="http://schemas.microsoft.com/office/drawing/2014/main" id="{3A3C5EB2-1D6B-4767-902C-D67FDE82B524}"/>
+              </a:ext>
+            </a:extLst>
+          </p:cNvPr>
+          <p:cNvSpPr txBox="1"/>
+          <p:nvPr/>
+        </p:nvSpPr>
+        <p:spPr>
+          <a:xfrm>
+            <a:off x="10578444" y="2948940"/>
+            <a:ext cx="604408" cy="307777"/>
+          </a:xfrm>
+          <a:prstGeom prst="rect">
+            <a:avLst/>
+          </a:prstGeom>
+          <a:noFill/>
+        </p:spPr>
+        <p:txBody>
+          <a:bodyPr wrap="square" rtlCol="0">
+            <a:spAutoFit/>
+          </a:bodyPr>
+          <a:lstStyle/>
+          <a:p>
+            <a:r>
+              <a:rPr lang="de-AT" sz="1400" dirty="0"/>
+              <a:t>7.3 </a:t>
+            </a:r>
+          </a:p>
+        </p:txBody>
+      </p:sp>
+      <p:cxnSp>
+        <p:nvCxnSpPr>
+          <p:cNvPr id="520" name="Gerader Verbinder 519">
+            <a:extLst>
+              <a:ext uri="{FF2B5EF4-FFF2-40B4-BE49-F238E27FC236}">
+                <a16:creationId xmlns:a16="http://schemas.microsoft.com/office/drawing/2014/main" id="{810F9A18-42D6-4987-9A25-9E9D6497C5E4}"/>
+              </a:ext>
+            </a:extLst>
+          </p:cNvPr>
+          <p:cNvCxnSpPr>
+            <a:cxnSpLocks/>
+            <a:stCxn id="476" idx="2"/>
+            <a:endCxn id="484" idx="0"/>
+          </p:cNvCxnSpPr>
+          <p:nvPr/>
+        </p:nvCxnSpPr>
+        <p:spPr>
+          <a:xfrm>
+            <a:off x="11270054" y="2055207"/>
+            <a:ext cx="0" cy="132689"/>
+          </a:xfrm>
+          <a:prstGeom prst="line">
+            <a:avLst/>
+          </a:prstGeom>
+          <a:ln>
+            <a:solidFill>
+              <a:schemeClr val="tx1"/>
+            </a:solidFill>
+          </a:ln>
+        </p:spPr>
+        <p:style>
+          <a:lnRef idx="1">
+            <a:schemeClr val="accent1"/>
+          </a:lnRef>
+          <a:fillRef idx="0">
+            <a:schemeClr val="accent1"/>
+          </a:fillRef>
+          <a:effectRef idx="0">
+            <a:schemeClr val="accent1"/>
+          </a:effectRef>
+          <a:fontRef idx="minor">
+            <a:schemeClr val="tx1"/>
+          </a:fontRef>
+        </p:style>
+      </p:cxnSp>
+      <p:cxnSp>
+        <p:nvCxnSpPr>
+          <p:cNvPr id="521" name="Gerader Verbinder 520">
+            <a:extLst>
+              <a:ext uri="{FF2B5EF4-FFF2-40B4-BE49-F238E27FC236}">
+                <a16:creationId xmlns:a16="http://schemas.microsoft.com/office/drawing/2014/main" id="{3EB8F0E6-7770-4DF1-A820-E72DAB0B4F68}"/>
+              </a:ext>
+            </a:extLst>
+          </p:cNvPr>
+          <p:cNvCxnSpPr>
+            <a:cxnSpLocks/>
+            <a:stCxn id="484" idx="2"/>
+            <a:endCxn id="492" idx="0"/>
+          </p:cNvCxnSpPr>
+          <p:nvPr/>
+        </p:nvCxnSpPr>
+        <p:spPr>
+          <a:xfrm flipH="1">
+            <a:off x="11269405" y="2832502"/>
+            <a:ext cx="649" cy="172876"/>
+          </a:xfrm>
+          <a:prstGeom prst="line">
+            <a:avLst/>
+          </a:prstGeom>
+          <a:ln>
+            <a:solidFill>
+              <a:schemeClr val="tx1"/>
+            </a:solidFill>
+          </a:ln>
+        </p:spPr>
+        <p:style>
+          <a:lnRef idx="1">
+            <a:schemeClr val="accent1"/>
+          </a:lnRef>
+          <a:fillRef idx="0">
+            <a:schemeClr val="accent1"/>
+          </a:fillRef>
+          <a:effectRef idx="0">
+            <a:schemeClr val="accent1"/>
+          </a:effectRef>
+          <a:fontRef idx="minor">
+            <a:schemeClr val="tx1"/>
+          </a:fontRef>
+        </p:style>
+      </p:cxnSp>
+      <p:cxnSp>
+        <p:nvCxnSpPr>
+          <p:cNvPr id="524" name="Gerader Verbinder 523">
+            <a:extLst>
+              <a:ext uri="{FF2B5EF4-FFF2-40B4-BE49-F238E27FC236}">
+                <a16:creationId xmlns:a16="http://schemas.microsoft.com/office/drawing/2014/main" id="{207E0E97-421F-400C-B352-1921AC2E8E55}"/>
+              </a:ext>
+            </a:extLst>
+          </p:cNvPr>
+          <p:cNvCxnSpPr>
+            <a:cxnSpLocks/>
+            <a:endCxn id="476" idx="0"/>
+          </p:cNvCxnSpPr>
+          <p:nvPr/>
+        </p:nvCxnSpPr>
+        <p:spPr>
+          <a:xfrm>
+            <a:off x="11267607" y="1172777"/>
+            <a:ext cx="2447" cy="237824"/>
+          </a:xfrm>
+          <a:prstGeom prst="line">
+            <a:avLst/>
+          </a:prstGeom>
+          <a:ln>
+            <a:solidFill>
+              <a:schemeClr val="tx1"/>
+            </a:solidFill>
+          </a:ln>
+        </p:spPr>
+        <p:style>
+          <a:lnRef idx="1">
+            <a:schemeClr val="accent1"/>
+          </a:lnRef>
+          <a:fillRef idx="0">
+            <a:schemeClr val="accent1"/>
+          </a:fillRef>
+          <a:effectRef idx="0">
+            <a:schemeClr val="accent1"/>
+          </a:effectRef>
+          <a:fontRef idx="minor">
+            <a:schemeClr val="tx1"/>
+          </a:fontRef>
+        </p:style>
+      </p:cxnSp>
+      <p:grpSp>
+        <p:nvGrpSpPr>
+          <p:cNvPr id="525" name="Gruppieren 524">
+            <a:extLst>
+              <a:ext uri="{FF2B5EF4-FFF2-40B4-BE49-F238E27FC236}">
+                <a16:creationId xmlns:a16="http://schemas.microsoft.com/office/drawing/2014/main" id="{B43C8267-EA60-4333-9A7E-EA6447CCB5C8}"/>
+              </a:ext>
+            </a:extLst>
+          </p:cNvPr>
+          <p:cNvGrpSpPr/>
+          <p:nvPr/>
+        </p:nvGrpSpPr>
+        <p:grpSpPr>
+          <a:xfrm>
+            <a:off x="7305528" y="2839285"/>
+            <a:ext cx="1270129" cy="1001222"/>
+            <a:chOff x="7116270" y="5310351"/>
+            <a:chExt cx="1270129" cy="1001222"/>
+          </a:xfrm>
+        </p:grpSpPr>
+        <p:grpSp>
+          <p:nvGrpSpPr>
+            <p:cNvPr id="526" name="Gruppieren 525">
+              <a:extLst>
+                <a:ext uri="{FF2B5EF4-FFF2-40B4-BE49-F238E27FC236}">
+                  <a16:creationId xmlns:a16="http://schemas.microsoft.com/office/drawing/2014/main" id="{051F4B2D-EC7A-4AFD-A0A0-B8BB043957F6}"/>
+                </a:ext>
+              </a:extLst>
+            </p:cNvPr>
+            <p:cNvGrpSpPr/>
+            <p:nvPr/>
+          </p:nvGrpSpPr>
+          <p:grpSpPr>
+            <a:xfrm>
+              <a:off x="7116270" y="5310351"/>
+              <a:ext cx="1270129" cy="1001222"/>
+              <a:chOff x="1222993" y="4197836"/>
+              <a:chExt cx="1270129" cy="1001222"/>
+            </a:xfrm>
+          </p:grpSpPr>
+          <p:grpSp>
+            <p:nvGrpSpPr>
+              <p:cNvPr id="528" name="Gruppieren 527">
+                <a:extLst>
+                  <a:ext uri="{FF2B5EF4-FFF2-40B4-BE49-F238E27FC236}">
+                    <a16:creationId xmlns:a16="http://schemas.microsoft.com/office/drawing/2014/main" id="{D06819D1-2C76-4DE7-B5D1-8AFC6F316A0C}"/>
+                  </a:ext>
+                </a:extLst>
+              </p:cNvPr>
+              <p:cNvGrpSpPr/>
+              <p:nvPr/>
+            </p:nvGrpSpPr>
+            <p:grpSpPr>
+              <a:xfrm>
+                <a:off x="1279845" y="4197836"/>
+                <a:ext cx="1107238" cy="1001222"/>
+                <a:chOff x="1279845" y="4197836"/>
+                <a:chExt cx="1107238" cy="1001222"/>
+              </a:xfrm>
+            </p:grpSpPr>
+            <p:sp>
+              <p:nvSpPr>
+                <p:cNvPr id="530" name="Raute 529">
+                  <a:extLst>
+                    <a:ext uri="{FF2B5EF4-FFF2-40B4-BE49-F238E27FC236}">
+                      <a16:creationId xmlns:a16="http://schemas.microsoft.com/office/drawing/2014/main" id="{0490A8DB-0170-4A83-B499-3D9C58824123}"/>
+                    </a:ext>
+                  </a:extLst>
+                </p:cNvPr>
+                <p:cNvSpPr/>
+                <p:nvPr/>
+              </p:nvSpPr>
+              <p:spPr>
+                <a:xfrm>
+                  <a:off x="1279845" y="4197836"/>
+                  <a:ext cx="1107238" cy="1001222"/>
+                </a:xfrm>
+                <a:prstGeom prst="diamond">
+                  <a:avLst/>
+                </a:prstGeom>
+                <a:solidFill>
+                  <a:schemeClr val="bg1"/>
+                </a:solidFill>
+                <a:ln>
+                  <a:solidFill>
+                    <a:schemeClr val="tx1"/>
+                  </a:solidFill>
+                </a:ln>
+              </p:spPr>
+              <p:style>
+                <a:lnRef idx="2">
+                  <a:schemeClr val="accent1">
+                    <a:shade val="50000"/>
+                  </a:schemeClr>
+                </a:lnRef>
+                <a:fillRef idx="1">
+                  <a:schemeClr val="accent1"/>
+                </a:fillRef>
+                <a:effectRef idx="0">
+                  <a:schemeClr val="accent1"/>
+                </a:effectRef>
+                <a:fontRef idx="minor">
+                  <a:schemeClr val="lt1"/>
+                </a:fontRef>
+              </p:style>
+              <p:txBody>
+                <a:bodyPr rtlCol="0" anchor="ctr"/>
+                <a:lstStyle/>
+                <a:p>
+                  <a:pPr algn="ctr"/>
+                  <a:endParaRPr lang="de-AT" sz="1400" dirty="0">
+                    <a:solidFill>
+                      <a:schemeClr val="tx1"/>
+                    </a:solidFill>
+                  </a:endParaRPr>
+                </a:p>
+              </p:txBody>
+            </p:sp>
+            <p:cxnSp>
+              <p:nvCxnSpPr>
+                <p:cNvPr id="531" name="Gerader Verbinder 530">
+                  <a:extLst>
+                    <a:ext uri="{FF2B5EF4-FFF2-40B4-BE49-F238E27FC236}">
+                      <a16:creationId xmlns:a16="http://schemas.microsoft.com/office/drawing/2014/main" id="{33ED0417-A18E-4EE2-8356-CAEDF381E2B3}"/>
+                    </a:ext>
+                  </a:extLst>
+                </p:cNvPr>
+                <p:cNvCxnSpPr>
+                  <a:cxnSpLocks/>
+                </p:cNvCxnSpPr>
+                <p:nvPr/>
+              </p:nvCxnSpPr>
+              <p:spPr>
+                <a:xfrm>
+                  <a:off x="1542340" y="4453269"/>
+                  <a:ext cx="582247" cy="0"/>
+                </a:xfrm>
+                <a:prstGeom prst="line">
+                  <a:avLst/>
+                </a:prstGeom>
+                <a:ln>
+                  <a:solidFill>
+                    <a:schemeClr val="tx1"/>
+                  </a:solidFill>
+                </a:ln>
+              </p:spPr>
+              <p:style>
+                <a:lnRef idx="1">
+                  <a:schemeClr val="accent1"/>
+                </a:lnRef>
+                <a:fillRef idx="0">
+                  <a:schemeClr val="accent1"/>
+                </a:fillRef>
+                <a:effectRef idx="0">
+                  <a:schemeClr val="accent1"/>
+                </a:effectRef>
+                <a:fontRef idx="minor">
+                  <a:schemeClr val="tx1"/>
+                </a:fontRef>
+              </p:style>
+            </p:cxnSp>
+          </p:grpSp>
+          <p:sp>
+            <p:nvSpPr>
+              <p:cNvPr id="529" name="Textfeld 528">
+                <a:extLst>
+                  <a:ext uri="{FF2B5EF4-FFF2-40B4-BE49-F238E27FC236}">
+                    <a16:creationId xmlns:a16="http://schemas.microsoft.com/office/drawing/2014/main" id="{B44BB013-9CDF-4C87-BCAC-292D105B0442}"/>
+                  </a:ext>
+                </a:extLst>
+              </p:cNvPr>
+              <p:cNvSpPr txBox="1"/>
+              <p:nvPr/>
+            </p:nvSpPr>
+            <p:spPr>
+              <a:xfrm>
+                <a:off x="1222993" y="4509603"/>
+                <a:ext cx="1270129" cy="461665"/>
+              </a:xfrm>
+              <a:prstGeom prst="rect">
+                <a:avLst/>
+              </a:prstGeom>
+              <a:noFill/>
+            </p:spPr>
+            <p:txBody>
+              <a:bodyPr wrap="square" rtlCol="0">
+                <a:spAutoFit/>
+              </a:bodyPr>
+              <a:lstStyle/>
+              <a:p>
+                <a:pPr algn="ctr"/>
+                <a:r>
+                  <a:rPr lang="de-AT" sz="1200" dirty="0" err="1"/>
+                  <a:t>Testing</a:t>
+                </a:r>
+                <a:r>
+                  <a:rPr lang="de-AT" sz="1200" dirty="0"/>
+                  <a:t> </a:t>
+                </a:r>
+              </a:p>
+              <a:p>
+                <a:pPr algn="ctr"/>
+                <a:r>
+                  <a:rPr lang="de-AT" sz="1200" dirty="0" err="1"/>
+                  <a:t>Finished</a:t>
+                </a:r>
+                <a:endParaRPr lang="de-AT" sz="1200" dirty="0"/>
+              </a:p>
+            </p:txBody>
+          </p:sp>
+        </p:grpSp>
+        <p:sp>
+          <p:nvSpPr>
+            <p:cNvPr id="527" name="Textfeld 526">
+              <a:extLst>
+                <a:ext uri="{FF2B5EF4-FFF2-40B4-BE49-F238E27FC236}">
+                  <a16:creationId xmlns:a16="http://schemas.microsoft.com/office/drawing/2014/main" id="{677E236C-6A70-4654-85C8-7E3FE1148C09}"/>
+                </a:ext>
+              </a:extLst>
+            </p:cNvPr>
+            <p:cNvSpPr txBox="1"/>
+            <p:nvPr/>
+          </p:nvSpPr>
+          <p:spPr>
+            <a:xfrm>
+              <a:off x="7525336" y="5320183"/>
+              <a:ext cx="604408" cy="307777"/>
+            </a:xfrm>
+            <a:prstGeom prst="rect">
+              <a:avLst/>
+            </a:prstGeom>
+            <a:noFill/>
+          </p:spPr>
+          <p:txBody>
+            <a:bodyPr wrap="square" rtlCol="0">
+              <a:spAutoFit/>
+            </a:bodyPr>
+            <a:lstStyle/>
+            <a:p>
+              <a:r>
+                <a:rPr lang="de-AT" sz="1400" dirty="0"/>
+                <a:t>5.3 </a:t>
+              </a:r>
+            </a:p>
+          </p:txBody>
+        </p:sp>
+      </p:grpSp>
+      <p:grpSp>
+        <p:nvGrpSpPr>
+          <p:cNvPr id="532" name="Gruppieren 531">
+            <a:extLst>
+              <a:ext uri="{FF2B5EF4-FFF2-40B4-BE49-F238E27FC236}">
+                <a16:creationId xmlns:a16="http://schemas.microsoft.com/office/drawing/2014/main" id="{0A0A54A5-48F2-47E8-9A90-277FEA57FEFF}"/>
+              </a:ext>
+            </a:extLst>
+          </p:cNvPr>
+          <p:cNvGrpSpPr/>
+          <p:nvPr/>
+        </p:nvGrpSpPr>
+        <p:grpSpPr>
+          <a:xfrm>
+            <a:off x="10665154" y="3659482"/>
+            <a:ext cx="1270129" cy="1001222"/>
+            <a:chOff x="7116270" y="5310351"/>
+            <a:chExt cx="1270129" cy="1001222"/>
+          </a:xfrm>
+        </p:grpSpPr>
+        <p:grpSp>
+          <p:nvGrpSpPr>
+            <p:cNvPr id="533" name="Gruppieren 532">
+              <a:extLst>
+                <a:ext uri="{FF2B5EF4-FFF2-40B4-BE49-F238E27FC236}">
+                  <a16:creationId xmlns:a16="http://schemas.microsoft.com/office/drawing/2014/main" id="{EEE945F8-72D6-46BB-BF92-5EFCED1784EA}"/>
+                </a:ext>
+              </a:extLst>
+            </p:cNvPr>
+            <p:cNvGrpSpPr/>
+            <p:nvPr/>
+          </p:nvGrpSpPr>
+          <p:grpSpPr>
+            <a:xfrm>
+              <a:off x="7116270" y="5310351"/>
+              <a:ext cx="1270129" cy="1001222"/>
+              <a:chOff x="1222993" y="4197836"/>
+              <a:chExt cx="1270129" cy="1001222"/>
+            </a:xfrm>
+          </p:grpSpPr>
+          <p:grpSp>
+            <p:nvGrpSpPr>
+              <p:cNvPr id="535" name="Gruppieren 534">
+                <a:extLst>
+                  <a:ext uri="{FF2B5EF4-FFF2-40B4-BE49-F238E27FC236}">
+                    <a16:creationId xmlns:a16="http://schemas.microsoft.com/office/drawing/2014/main" id="{1CBC0E5C-6D58-42BC-B05D-9F4364EF1BBA}"/>
+                  </a:ext>
+                </a:extLst>
+              </p:cNvPr>
+              <p:cNvGrpSpPr/>
+              <p:nvPr/>
+            </p:nvGrpSpPr>
+            <p:grpSpPr>
+              <a:xfrm>
+                <a:off x="1279845" y="4197836"/>
+                <a:ext cx="1107238" cy="1001222"/>
+                <a:chOff x="1279845" y="4197836"/>
+                <a:chExt cx="1107238" cy="1001222"/>
+              </a:xfrm>
+            </p:grpSpPr>
+            <p:sp>
+              <p:nvSpPr>
+                <p:cNvPr id="537" name="Raute 536">
+                  <a:extLst>
+                    <a:ext uri="{FF2B5EF4-FFF2-40B4-BE49-F238E27FC236}">
+                      <a16:creationId xmlns:a16="http://schemas.microsoft.com/office/drawing/2014/main" id="{7D085D36-A556-4D2D-B442-73DA890D71D0}"/>
+                    </a:ext>
+                  </a:extLst>
+                </p:cNvPr>
+                <p:cNvSpPr/>
+                <p:nvPr/>
+              </p:nvSpPr>
+              <p:spPr>
+                <a:xfrm>
+                  <a:off x="1279845" y="4197836"/>
+                  <a:ext cx="1107238" cy="1001222"/>
+                </a:xfrm>
+                <a:prstGeom prst="diamond">
+                  <a:avLst/>
+                </a:prstGeom>
+                <a:solidFill>
+                  <a:schemeClr val="bg1"/>
+                </a:solidFill>
+                <a:ln>
+                  <a:solidFill>
+                    <a:schemeClr val="tx1"/>
+                  </a:solidFill>
+                </a:ln>
+              </p:spPr>
+              <p:style>
+                <a:lnRef idx="2">
+                  <a:schemeClr val="accent1">
+                    <a:shade val="50000"/>
+                  </a:schemeClr>
+                </a:lnRef>
+                <a:fillRef idx="1">
+                  <a:schemeClr val="accent1"/>
+                </a:fillRef>
+                <a:effectRef idx="0">
+                  <a:schemeClr val="accent1"/>
+                </a:effectRef>
+                <a:fontRef idx="minor">
+                  <a:schemeClr val="lt1"/>
+                </a:fontRef>
+              </p:style>
+              <p:txBody>
+                <a:bodyPr rtlCol="0" anchor="ctr"/>
+                <a:lstStyle/>
+                <a:p>
+                  <a:pPr algn="ctr"/>
+                  <a:endParaRPr lang="de-AT" sz="1400" dirty="0">
+                    <a:solidFill>
+                      <a:schemeClr val="tx1"/>
+                    </a:solidFill>
+                  </a:endParaRPr>
+                </a:p>
+              </p:txBody>
+            </p:sp>
+            <p:cxnSp>
+              <p:nvCxnSpPr>
+                <p:cNvPr id="538" name="Gerader Verbinder 537">
+                  <a:extLst>
+                    <a:ext uri="{FF2B5EF4-FFF2-40B4-BE49-F238E27FC236}">
+                      <a16:creationId xmlns:a16="http://schemas.microsoft.com/office/drawing/2014/main" id="{AA2BC6AC-A8A4-4DEB-A76B-A8ECCDD400DB}"/>
+                    </a:ext>
+                  </a:extLst>
+                </p:cNvPr>
+                <p:cNvCxnSpPr>
+                  <a:cxnSpLocks/>
+                </p:cNvCxnSpPr>
+                <p:nvPr/>
+              </p:nvCxnSpPr>
+              <p:spPr>
+                <a:xfrm>
+                  <a:off x="1542340" y="4453269"/>
+                  <a:ext cx="582247" cy="0"/>
+                </a:xfrm>
+                <a:prstGeom prst="line">
+                  <a:avLst/>
+                </a:prstGeom>
+                <a:ln>
+                  <a:solidFill>
+                    <a:schemeClr val="tx1"/>
+                  </a:solidFill>
+                </a:ln>
+              </p:spPr>
+              <p:style>
+                <a:lnRef idx="1">
+                  <a:schemeClr val="accent1"/>
+                </a:lnRef>
+                <a:fillRef idx="0">
+                  <a:schemeClr val="accent1"/>
+                </a:fillRef>
+                <a:effectRef idx="0">
+                  <a:schemeClr val="accent1"/>
+                </a:effectRef>
+                <a:fontRef idx="minor">
+                  <a:schemeClr val="tx1"/>
+                </a:fontRef>
+              </p:style>
+            </p:cxnSp>
+          </p:grpSp>
+          <p:sp>
+            <p:nvSpPr>
+              <p:cNvPr id="536" name="Textfeld 535">
+                <a:extLst>
+                  <a:ext uri="{FF2B5EF4-FFF2-40B4-BE49-F238E27FC236}">
+                    <a16:creationId xmlns:a16="http://schemas.microsoft.com/office/drawing/2014/main" id="{7F70B6C3-4A29-4132-B880-ED2940C0F42F}"/>
+                  </a:ext>
+                </a:extLst>
+              </p:cNvPr>
+              <p:cNvSpPr txBox="1"/>
+              <p:nvPr/>
+            </p:nvSpPr>
+            <p:spPr>
+              <a:xfrm>
+                <a:off x="1222993" y="4509603"/>
+                <a:ext cx="1270129" cy="461665"/>
+              </a:xfrm>
+              <a:prstGeom prst="rect">
+                <a:avLst/>
+              </a:prstGeom>
+              <a:noFill/>
+            </p:spPr>
+            <p:txBody>
+              <a:bodyPr wrap="square" rtlCol="0">
+                <a:spAutoFit/>
+              </a:bodyPr>
+              <a:lstStyle/>
+              <a:p>
+                <a:pPr algn="ctr"/>
+                <a:r>
+                  <a:rPr lang="de-AT" sz="1200" dirty="0"/>
+                  <a:t>Project</a:t>
+                </a:r>
+              </a:p>
+              <a:p>
+                <a:pPr algn="ctr"/>
+                <a:r>
+                  <a:rPr lang="de-AT" sz="1200" dirty="0" err="1"/>
+                  <a:t>Finished</a:t>
+                </a:r>
+                <a:endParaRPr lang="de-AT" sz="1200" dirty="0"/>
+              </a:p>
+            </p:txBody>
+          </p:sp>
+        </p:grpSp>
+        <p:sp>
+          <p:nvSpPr>
+            <p:cNvPr id="534" name="Textfeld 533">
+              <a:extLst>
+                <a:ext uri="{FF2B5EF4-FFF2-40B4-BE49-F238E27FC236}">
+                  <a16:creationId xmlns:a16="http://schemas.microsoft.com/office/drawing/2014/main" id="{58D18BF7-B3D7-4CAB-B22A-734A1C9FE018}"/>
+                </a:ext>
+              </a:extLst>
+            </p:cNvPr>
+            <p:cNvSpPr txBox="1"/>
+            <p:nvPr/>
+          </p:nvSpPr>
+          <p:spPr>
+            <a:xfrm>
+              <a:off x="7525336" y="5320183"/>
+              <a:ext cx="604408" cy="307777"/>
+            </a:xfrm>
+            <a:prstGeom prst="rect">
+              <a:avLst/>
+            </a:prstGeom>
+            <a:noFill/>
+          </p:spPr>
+          <p:txBody>
+            <a:bodyPr wrap="square" rtlCol="0">
+              <a:spAutoFit/>
+            </a:bodyPr>
+            <a:lstStyle/>
+            <a:p>
+              <a:r>
+                <a:rPr lang="de-AT" sz="1400" dirty="0"/>
+                <a:t>7.4 </a:t>
+              </a:r>
+            </a:p>
+          </p:txBody>
+        </p:sp>
+      </p:grpSp>
+      <p:grpSp>
+        <p:nvGrpSpPr>
+          <p:cNvPr id="539" name="Gruppieren 538">
+            <a:extLst>
+              <a:ext uri="{FF2B5EF4-FFF2-40B4-BE49-F238E27FC236}">
+                <a16:creationId xmlns:a16="http://schemas.microsoft.com/office/drawing/2014/main" id="{21157A1E-6CBF-4D57-8671-13F239CF376F}"/>
+              </a:ext>
+            </a:extLst>
+          </p:cNvPr>
+          <p:cNvGrpSpPr/>
+          <p:nvPr/>
+        </p:nvGrpSpPr>
+        <p:grpSpPr>
+          <a:xfrm>
+            <a:off x="8873082" y="3649984"/>
+            <a:ext cx="1270129" cy="1001222"/>
+            <a:chOff x="7116270" y="5310351"/>
+            <a:chExt cx="1270129" cy="1001222"/>
+          </a:xfrm>
+        </p:grpSpPr>
+        <p:grpSp>
+          <p:nvGrpSpPr>
+            <p:cNvPr id="540" name="Gruppieren 539">
+              <a:extLst>
+                <a:ext uri="{FF2B5EF4-FFF2-40B4-BE49-F238E27FC236}">
+                  <a16:creationId xmlns:a16="http://schemas.microsoft.com/office/drawing/2014/main" id="{6E11C643-7A1C-479C-B557-EF63E910F436}"/>
+                </a:ext>
+              </a:extLst>
+            </p:cNvPr>
+            <p:cNvGrpSpPr/>
+            <p:nvPr/>
+          </p:nvGrpSpPr>
+          <p:grpSpPr>
+            <a:xfrm>
+              <a:off x="7116270" y="5310351"/>
+              <a:ext cx="1270129" cy="1001222"/>
+              <a:chOff x="1222993" y="4197836"/>
+              <a:chExt cx="1270129" cy="1001222"/>
+            </a:xfrm>
+          </p:grpSpPr>
+          <p:grpSp>
+            <p:nvGrpSpPr>
+              <p:cNvPr id="542" name="Gruppieren 541">
+                <a:extLst>
+                  <a:ext uri="{FF2B5EF4-FFF2-40B4-BE49-F238E27FC236}">
+                    <a16:creationId xmlns:a16="http://schemas.microsoft.com/office/drawing/2014/main" id="{80C4D77E-B093-43CF-91A9-85BD48ECCAFF}"/>
+                  </a:ext>
+                </a:extLst>
+              </p:cNvPr>
+              <p:cNvGrpSpPr/>
+              <p:nvPr/>
+            </p:nvGrpSpPr>
+            <p:grpSpPr>
+              <a:xfrm>
+                <a:off x="1279845" y="4197836"/>
+                <a:ext cx="1107238" cy="1001222"/>
+                <a:chOff x="1279845" y="4197836"/>
+                <a:chExt cx="1107238" cy="1001222"/>
+              </a:xfrm>
+            </p:grpSpPr>
+            <p:sp>
+              <p:nvSpPr>
+                <p:cNvPr id="544" name="Raute 543">
+                  <a:extLst>
+                    <a:ext uri="{FF2B5EF4-FFF2-40B4-BE49-F238E27FC236}">
+                      <a16:creationId xmlns:a16="http://schemas.microsoft.com/office/drawing/2014/main" id="{5D62FDE1-6DF1-4269-A82E-33F31C01BD63}"/>
+                    </a:ext>
+                  </a:extLst>
+                </p:cNvPr>
+                <p:cNvSpPr/>
+                <p:nvPr/>
+              </p:nvSpPr>
+              <p:spPr>
+                <a:xfrm>
+                  <a:off x="1279845" y="4197836"/>
+                  <a:ext cx="1107238" cy="1001222"/>
+                </a:xfrm>
+                <a:prstGeom prst="diamond">
+                  <a:avLst/>
+                </a:prstGeom>
+                <a:solidFill>
+                  <a:schemeClr val="bg1"/>
+                </a:solidFill>
+                <a:ln>
+                  <a:solidFill>
+                    <a:schemeClr val="tx1"/>
+                  </a:solidFill>
+                </a:ln>
+              </p:spPr>
+              <p:style>
+                <a:lnRef idx="2">
+                  <a:schemeClr val="accent1">
+                    <a:shade val="50000"/>
+                  </a:schemeClr>
+                </a:lnRef>
+                <a:fillRef idx="1">
+                  <a:schemeClr val="accent1"/>
+                </a:fillRef>
+                <a:effectRef idx="0">
+                  <a:schemeClr val="accent1"/>
+                </a:effectRef>
+                <a:fontRef idx="minor">
+                  <a:schemeClr val="lt1"/>
+                </a:fontRef>
+              </p:style>
+              <p:txBody>
+                <a:bodyPr rtlCol="0" anchor="ctr"/>
+                <a:lstStyle/>
+                <a:p>
+                  <a:pPr algn="ctr"/>
+                  <a:endParaRPr lang="de-AT" sz="1400" dirty="0">
+                    <a:solidFill>
+                      <a:schemeClr val="tx1"/>
+                    </a:solidFill>
+                  </a:endParaRPr>
+                </a:p>
+              </p:txBody>
+            </p:sp>
+            <p:cxnSp>
+              <p:nvCxnSpPr>
+                <p:cNvPr id="545" name="Gerader Verbinder 544">
+                  <a:extLst>
+                    <a:ext uri="{FF2B5EF4-FFF2-40B4-BE49-F238E27FC236}">
+                      <a16:creationId xmlns:a16="http://schemas.microsoft.com/office/drawing/2014/main" id="{B37651CE-5F21-4316-9A72-7FA0E53CDB57}"/>
+                    </a:ext>
+                  </a:extLst>
+                </p:cNvPr>
+                <p:cNvCxnSpPr>
+                  <a:cxnSpLocks/>
+                </p:cNvCxnSpPr>
+                <p:nvPr/>
+              </p:nvCxnSpPr>
+              <p:spPr>
+                <a:xfrm>
+                  <a:off x="1542340" y="4453269"/>
+                  <a:ext cx="582247" cy="0"/>
+                </a:xfrm>
+                <a:prstGeom prst="line">
+                  <a:avLst/>
+                </a:prstGeom>
+                <a:ln>
+                  <a:solidFill>
+                    <a:schemeClr val="tx1"/>
+                  </a:solidFill>
+                </a:ln>
+              </p:spPr>
+              <p:style>
+                <a:lnRef idx="1">
+                  <a:schemeClr val="accent1"/>
+                </a:lnRef>
+                <a:fillRef idx="0">
+                  <a:schemeClr val="accent1"/>
+                </a:fillRef>
+                <a:effectRef idx="0">
+                  <a:schemeClr val="accent1"/>
+                </a:effectRef>
+                <a:fontRef idx="minor">
+                  <a:schemeClr val="tx1"/>
+                </a:fontRef>
+              </p:style>
+            </p:cxnSp>
+          </p:grpSp>
+          <p:sp>
+            <p:nvSpPr>
+              <p:cNvPr id="543" name="Textfeld 542">
+                <a:extLst>
+                  <a:ext uri="{FF2B5EF4-FFF2-40B4-BE49-F238E27FC236}">
+                    <a16:creationId xmlns:a16="http://schemas.microsoft.com/office/drawing/2014/main" id="{911BD0F0-216A-40BC-A768-1A9FB7EB0205}"/>
+                  </a:ext>
+                </a:extLst>
+              </p:cNvPr>
+              <p:cNvSpPr txBox="1"/>
+              <p:nvPr/>
+            </p:nvSpPr>
+            <p:spPr>
+              <a:xfrm>
+                <a:off x="1222993" y="4509603"/>
+                <a:ext cx="1270129" cy="461665"/>
+              </a:xfrm>
+              <a:prstGeom prst="rect">
+                <a:avLst/>
+              </a:prstGeom>
+              <a:noFill/>
+            </p:spPr>
+            <p:txBody>
+              <a:bodyPr wrap="square" rtlCol="0">
+                <a:spAutoFit/>
+              </a:bodyPr>
+              <a:lstStyle/>
+              <a:p>
+                <a:pPr algn="ctr"/>
+                <a:r>
+                  <a:rPr lang="de-AT" sz="1200" dirty="0" err="1"/>
+                  <a:t>Delivery</a:t>
+                </a:r>
+                <a:endParaRPr lang="de-AT" sz="1200" dirty="0"/>
+              </a:p>
+              <a:p>
+                <a:pPr algn="ctr"/>
+                <a:r>
+                  <a:rPr lang="de-AT" sz="1200" dirty="0" err="1"/>
+                  <a:t>Finished</a:t>
+                </a:r>
+                <a:endParaRPr lang="de-AT" sz="1200" dirty="0"/>
+              </a:p>
+            </p:txBody>
+          </p:sp>
+        </p:grpSp>
+        <p:sp>
+          <p:nvSpPr>
+            <p:cNvPr id="541" name="Textfeld 540">
+              <a:extLst>
+                <a:ext uri="{FF2B5EF4-FFF2-40B4-BE49-F238E27FC236}">
+                  <a16:creationId xmlns:a16="http://schemas.microsoft.com/office/drawing/2014/main" id="{87BDF55E-CF8E-4976-87FE-DEBA1FB7A91B}"/>
+                </a:ext>
+              </a:extLst>
+            </p:cNvPr>
+            <p:cNvSpPr txBox="1"/>
+            <p:nvPr/>
+          </p:nvSpPr>
+          <p:spPr>
+            <a:xfrm>
+              <a:off x="7525336" y="5320183"/>
+              <a:ext cx="604408" cy="307777"/>
+            </a:xfrm>
+            <a:prstGeom prst="rect">
+              <a:avLst/>
+            </a:prstGeom>
+            <a:noFill/>
+          </p:spPr>
+          <p:txBody>
+            <a:bodyPr wrap="square" rtlCol="0">
+              <a:spAutoFit/>
+            </a:bodyPr>
+            <a:lstStyle/>
+            <a:p>
+              <a:r>
+                <a:rPr lang="de-AT" sz="1400" dirty="0"/>
+                <a:t>6.4 </a:t>
               </a:r>
             </a:p>
           </p:txBody>
